--- a/lectures/DJ-07-Forms.pptx
+++ b/lectures/DJ-07-Forms.pptx
@@ -5,7 +5,7 @@
     <p:sldMasterId id="2147483660" r:id="rId1"/>
   </p:sldMasterIdLst>
   <p:notesMasterIdLst>
-    <p:notesMasterId r:id="rId25"/>
+    <p:notesMasterId r:id="rId36"/>
   </p:notesMasterIdLst>
   <p:sldIdLst>
     <p:sldId id="258" r:id="rId2"/>
@@ -14,13 +14,13 @@
     <p:sldId id="286" r:id="rId5"/>
     <p:sldId id="285" r:id="rId6"/>
     <p:sldId id="284" r:id="rId7"/>
-    <p:sldId id="287" r:id="rId8"/>
-    <p:sldId id="288" r:id="rId9"/>
-    <p:sldId id="289" r:id="rId10"/>
-    <p:sldId id="314" r:id="rId11"/>
-    <p:sldId id="301" r:id="rId12"/>
-    <p:sldId id="302" r:id="rId13"/>
-    <p:sldId id="308" r:id="rId14"/>
+    <p:sldId id="318" r:id="rId8"/>
+    <p:sldId id="287" r:id="rId9"/>
+    <p:sldId id="288" r:id="rId10"/>
+    <p:sldId id="289" r:id="rId11"/>
+    <p:sldId id="314" r:id="rId12"/>
+    <p:sldId id="301" r:id="rId13"/>
+    <p:sldId id="302" r:id="rId14"/>
     <p:sldId id="309" r:id="rId15"/>
     <p:sldId id="310" r:id="rId16"/>
     <p:sldId id="315" r:id="rId17"/>
@@ -28,9 +28,20 @@
     <p:sldId id="311" r:id="rId19"/>
     <p:sldId id="312" r:id="rId20"/>
     <p:sldId id="313" r:id="rId21"/>
-    <p:sldId id="317" r:id="rId22"/>
-    <p:sldId id="281" r:id="rId23"/>
-    <p:sldId id="273" r:id="rId24"/>
+    <p:sldId id="331" r:id="rId22"/>
+    <p:sldId id="332" r:id="rId23"/>
+    <p:sldId id="333" r:id="rId24"/>
+    <p:sldId id="334" r:id="rId25"/>
+    <p:sldId id="335" r:id="rId26"/>
+    <p:sldId id="336" r:id="rId27"/>
+    <p:sldId id="337" r:id="rId28"/>
+    <p:sldId id="338" r:id="rId29"/>
+    <p:sldId id="341" r:id="rId30"/>
+    <p:sldId id="339" r:id="rId31"/>
+    <p:sldId id="340" r:id="rId32"/>
+    <p:sldId id="317" r:id="rId33"/>
+    <p:sldId id="281" r:id="rId34"/>
+    <p:sldId id="273" r:id="rId35"/>
   </p:sldIdLst>
   <p:sldSz cx="12192000" cy="6858000"/>
   <p:notesSz cx="6858000" cy="9144000"/>
@@ -219,7 +230,7 @@
           <a:p>
             <a:fld id="{C97B56FC-7D2E-F343-9D09-0D14B00AA564}" type="datetimeFigureOut">
               <a:rPr lang="en-US" smtClean="0"/>
-              <a:t>2/15/19</a:t>
+              <a:t>2/20/19</a:t>
             </a:fld>
             <a:endParaRPr lang="en-US"/>
           </a:p>
@@ -741,7 +752,7 @@
             <a:fld id="{64EDD44A-CBA7-AD48-A835-5788FC7E2BF3}" type="slidenum">
               <a:rPr lang="en-US" altLang="x-none" sz="1200"/>
               <a:pPr/>
-              <a:t>8</a:t>
+              <a:t>9</a:t>
             </a:fld>
             <a:endParaRPr lang="en-US" altLang="x-none" sz="1200"/>
           </a:p>
@@ -1164,7 +1175,7 @@
           <a:p>
             <a:fld id="{EEE7C04C-7AF8-1445-A186-502B631B934F}" type="datetimeFigureOut">
               <a:rPr lang="en-US" smtClean="0"/>
-              <a:t>2/15/19</a:t>
+              <a:t>2/20/19</a:t>
             </a:fld>
             <a:endParaRPr lang="en-US"/>
           </a:p>
@@ -1329,7 +1340,7 @@
           <a:p>
             <a:fld id="{EEE7C04C-7AF8-1445-A186-502B631B934F}" type="datetimeFigureOut">
               <a:rPr lang="en-US" smtClean="0"/>
-              <a:t>2/15/19</a:t>
+              <a:t>2/20/19</a:t>
             </a:fld>
             <a:endParaRPr lang="en-US"/>
           </a:p>
@@ -1504,7 +1515,7 @@
           <a:p>
             <a:fld id="{EEE7C04C-7AF8-1445-A186-502B631B934F}" type="datetimeFigureOut">
               <a:rPr lang="en-US" smtClean="0"/>
-              <a:t>2/15/19</a:t>
+              <a:t>2/20/19</a:t>
             </a:fld>
             <a:endParaRPr lang="en-US"/>
           </a:p>
@@ -1669,7 +1680,7 @@
           <a:p>
             <a:fld id="{EEE7C04C-7AF8-1445-A186-502B631B934F}" type="datetimeFigureOut">
               <a:rPr lang="en-US" smtClean="0"/>
-              <a:t>2/15/19</a:t>
+              <a:t>2/20/19</a:t>
             </a:fld>
             <a:endParaRPr lang="en-US"/>
           </a:p>
@@ -1910,7 +1921,7 @@
           <a:p>
             <a:fld id="{EEE7C04C-7AF8-1445-A186-502B631B934F}" type="datetimeFigureOut">
               <a:rPr lang="en-US" smtClean="0"/>
-              <a:t>2/15/19</a:t>
+              <a:t>2/20/19</a:t>
             </a:fld>
             <a:endParaRPr lang="en-US"/>
           </a:p>
@@ -2137,7 +2148,7 @@
           <a:p>
             <a:fld id="{EEE7C04C-7AF8-1445-A186-502B631B934F}" type="datetimeFigureOut">
               <a:rPr lang="en-US" smtClean="0"/>
-              <a:t>2/15/19</a:t>
+              <a:t>2/20/19</a:t>
             </a:fld>
             <a:endParaRPr lang="en-US"/>
           </a:p>
@@ -2499,7 +2510,7 @@
           <a:p>
             <a:fld id="{EEE7C04C-7AF8-1445-A186-502B631B934F}" type="datetimeFigureOut">
               <a:rPr lang="en-US" smtClean="0"/>
-              <a:t>2/15/19</a:t>
+              <a:t>2/20/19</a:t>
             </a:fld>
             <a:endParaRPr lang="en-US"/>
           </a:p>
@@ -2612,7 +2623,7 @@
           <a:p>
             <a:fld id="{EEE7C04C-7AF8-1445-A186-502B631B934F}" type="datetimeFigureOut">
               <a:rPr lang="en-US" smtClean="0"/>
-              <a:t>2/15/19</a:t>
+              <a:t>2/20/19</a:t>
             </a:fld>
             <a:endParaRPr lang="en-US"/>
           </a:p>
@@ -2702,7 +2713,7 @@
           <a:p>
             <a:fld id="{EEE7C04C-7AF8-1445-A186-502B631B934F}" type="datetimeFigureOut">
               <a:rPr lang="en-US" smtClean="0"/>
-              <a:t>2/15/19</a:t>
+              <a:t>2/20/19</a:t>
             </a:fld>
             <a:endParaRPr lang="en-US"/>
           </a:p>
@@ -2974,7 +2985,7 @@
           <a:p>
             <a:fld id="{EEE7C04C-7AF8-1445-A186-502B631B934F}" type="datetimeFigureOut">
               <a:rPr lang="en-US" smtClean="0"/>
-              <a:t>2/15/19</a:t>
+              <a:t>2/20/19</a:t>
             </a:fld>
             <a:endParaRPr lang="en-US"/>
           </a:p>
@@ -3226,7 +3237,7 @@
           <a:p>
             <a:fld id="{EEE7C04C-7AF8-1445-A186-502B631B934F}" type="datetimeFigureOut">
               <a:rPr lang="en-US" smtClean="0"/>
-              <a:t>2/15/19</a:t>
+              <a:t>2/20/19</a:t>
             </a:fld>
             <a:endParaRPr lang="en-US"/>
           </a:p>
@@ -3434,7 +3445,7 @@
           <a:p>
             <a:fld id="{EEE7C04C-7AF8-1445-A186-502B631B934F}" type="datetimeFigureOut">
               <a:rPr lang="en-US" smtClean="0"/>
-              <a:t>2/15/19</a:t>
+              <a:t>2/20/19</a:t>
             </a:fld>
             <a:endParaRPr lang="en-US"/>
           </a:p>
@@ -3852,10 +3863,10 @@
           <p:cNvPr id="10" name="Rectangle 9">
             <a:extLst>
               <a:ext uri="{FF2B5EF4-FFF2-40B4-BE49-F238E27FC236}">
-                <a16:creationId xmlns:a16="http://schemas.microsoft.com/office/drawing/2014/main" xmlns="" id="{E20EB187-900F-4AF5-813B-101456D9FD39}"/>
+                <a16:creationId xmlns="" xmlns:a16="http://schemas.microsoft.com/office/drawing/2014/main" id="{E20EB187-900F-4AF5-813B-101456D9FD39}"/>
               </a:ext>
               <a:ext uri="{C183D7F6-B498-43B3-948B-1728B52AA6E4}">
-                <adec:decorative xmlns:adec="http://schemas.microsoft.com/office/drawing/2017/decorative" xmlns="" val="1"/>
+                <adec:decorative xmlns="" xmlns:adec="http://schemas.microsoft.com/office/drawing/2017/decorative" val="1"/>
               </a:ext>
             </a:extLst>
           </p:cNvPr>
@@ -4029,10 +4040,10 @@
           <p:cNvPr id="12" name="Straight Connector 11">
             <a:extLst>
               <a:ext uri="{FF2B5EF4-FFF2-40B4-BE49-F238E27FC236}">
-                <a16:creationId xmlns:a16="http://schemas.microsoft.com/office/drawing/2014/main" xmlns="" id="{624D17C8-E9C2-48A4-AA36-D7048A6CCC41}"/>
+                <a16:creationId xmlns="" xmlns:a16="http://schemas.microsoft.com/office/drawing/2014/main" id="{624D17C8-E9C2-48A4-AA36-D7048A6CCC41}"/>
               </a:ext>
               <a:ext uri="{C183D7F6-B498-43B3-948B-1728B52AA6E4}">
-                <adec:decorative xmlns:adec="http://schemas.microsoft.com/office/drawing/2017/decorative" xmlns="" val="1"/>
+                <adec:decorative xmlns="" xmlns:adec="http://schemas.microsoft.com/office/drawing/2017/decorative" val="1"/>
               </a:ext>
             </a:extLst>
           </p:cNvPr>
@@ -4169,56 +4180,168 @@
       </p:grpSpPr>
       <p:sp>
         <p:nvSpPr>
-          <p:cNvPr id="4" name="Title 3"/>
+          <p:cNvPr id="20481" name="Rectangle 1"/>
           <p:cNvSpPr>
-            <a:spLocks noGrp="1"/>
+            <a:spLocks noGrp="1" noChangeArrowheads="1"/>
           </p:cNvSpPr>
           <p:nvPr>
             <p:ph type="title"/>
           </p:nvPr>
         </p:nvSpPr>
-        <p:spPr/>
+        <p:spPr>
+          <a:xfrm>
+            <a:off x="865718" y="381001"/>
+            <a:ext cx="10449983" cy="1181100"/>
+          </a:xfrm>
+        </p:spPr>
         <p:txBody>
           <a:bodyPr/>
           <a:lstStyle/>
           <a:p>
             <a:r>
-              <a:rPr lang="en-US" smtClean="0"/>
-              <a:t>POST-REDIRECT-GET</a:t>
-            </a:r>
-            <a:endParaRPr lang="en-US"/>
-          </a:p>
-        </p:txBody>
-      </p:sp>
-      <p:sp>
-        <p:nvSpPr>
-          <p:cNvPr id="5" name="Text Placeholder 4"/>
+              <a:rPr lang="en-US" altLang="x-none" sz="5600">
+                <a:solidFill>
+                  <a:srgbClr val="FFCC66"/>
+                </a:solidFill>
+              </a:rPr>
+              <a:t>Rules of the POST/GET Choice</a:t>
+            </a:r>
+          </a:p>
+        </p:txBody>
+      </p:sp>
+      <p:sp>
+        <p:nvSpPr>
+          <p:cNvPr id="20482" name="Rectangle 2"/>
           <p:cNvSpPr>
-            <a:spLocks noGrp="1"/>
+            <a:spLocks noGrp="1" noChangeArrowheads="1"/>
           </p:cNvSpPr>
           <p:nvPr>
             <p:ph type="body" idx="1"/>
           </p:nvPr>
         </p:nvSpPr>
-        <p:spPr/>
+        <p:spPr>
+          <a:xfrm>
+            <a:off x="865718" y="1485901"/>
+            <a:ext cx="10449983" cy="4762500"/>
+          </a:xfrm>
+        </p:spPr>
         <p:txBody>
           <a:bodyPr/>
           <a:lstStyle/>
           <a:p>
-            <a:endParaRPr lang="en-US"/>
+            <a:pPr marL="560903"/>
+            <a:r>
+              <a:rPr lang="en-US" altLang="x-none" sz="2667" dirty="0"/>
+              <a:t>POST is used when data is being created or modified.</a:t>
+            </a:r>
+          </a:p>
+          <a:p>
+            <a:pPr marL="560903"/>
+            <a:r>
+              <a:rPr lang="en-US" altLang="x-none" sz="2667" dirty="0"/>
+              <a:t>GET is used when your are reading or searching things</a:t>
+            </a:r>
+            <a:r>
+              <a:rPr lang="en-US" altLang="x-none" sz="2667" dirty="0" smtClean="0"/>
+              <a:t>.</a:t>
+            </a:r>
+          </a:p>
+          <a:p>
+            <a:pPr marL="560903"/>
+            <a:r>
+              <a:rPr lang="en-US" altLang="x-none" sz="2667" dirty="0" smtClean="0"/>
+              <a:t>GET should never be used to insert, modify or delete data.</a:t>
+            </a:r>
+            <a:endParaRPr lang="en-US" altLang="x-none" sz="2667" dirty="0"/>
+          </a:p>
+          <a:p>
+            <a:pPr marL="560903"/>
+            <a:r>
+              <a:rPr lang="en-US" altLang="x-none" sz="2667" dirty="0"/>
+              <a:t>Web search spiders will follow GET URLs but generally not POST URLs.</a:t>
+            </a:r>
+          </a:p>
+          <a:p>
+            <a:pPr marL="560903"/>
+            <a:r>
+              <a:rPr lang="en-US" altLang="x-none" sz="2667" dirty="0"/>
+              <a:t>GET URLs should be </a:t>
+            </a:r>
+            <a:r>
+              <a:rPr lang="ja-JP" altLang="en-US" sz="2667" dirty="0">
+                <a:latin typeface="Arial" charset="0"/>
+              </a:rPr>
+              <a:t>“</a:t>
+            </a:r>
+            <a:r>
+              <a:rPr lang="en-US" altLang="ja-JP" sz="2667" dirty="0"/>
+              <a:t>idempotent</a:t>
+            </a:r>
+            <a:r>
+              <a:rPr lang="ja-JP" altLang="en-US" sz="2667" dirty="0">
+                <a:latin typeface="Arial" charset="0"/>
+              </a:rPr>
+              <a:t>”</a:t>
+            </a:r>
+            <a:r>
+              <a:rPr lang="en-US" altLang="ja-JP" sz="2667" dirty="0"/>
+              <a:t> - the same URL should give the </a:t>
+            </a:r>
+            <a:r>
+              <a:rPr lang="ja-JP" altLang="en-US" sz="2667" dirty="0">
+                <a:latin typeface="Arial" charset="0"/>
+              </a:rPr>
+              <a:t>“</a:t>
+            </a:r>
+            <a:r>
+              <a:rPr lang="en-US" altLang="ja-JP" sz="2667" dirty="0"/>
+              <a:t>same thing</a:t>
+            </a:r>
+            <a:r>
+              <a:rPr lang="ja-JP" altLang="en-US" sz="2667" dirty="0">
+                <a:latin typeface="Arial" charset="0"/>
+              </a:rPr>
+              <a:t>”</a:t>
+            </a:r>
+            <a:r>
+              <a:rPr lang="en-US" altLang="ja-JP" sz="2667" dirty="0"/>
+              <a:t> each time you access it.</a:t>
+            </a:r>
+          </a:p>
+          <a:p>
+            <a:pPr marL="560903"/>
+            <a:r>
+              <a:rPr lang="en-US" altLang="x-none" sz="2667" dirty="0"/>
+              <a:t>GET has an upper limit of the number of bytes of parameters and values (think about 2K).</a:t>
+            </a:r>
           </a:p>
         </p:txBody>
       </p:sp>
     </p:spTree>
     <p:extLst>
       <p:ext uri="{BB962C8B-B14F-4D97-AF65-F5344CB8AC3E}">
-        <p14:creationId xmlns:p14="http://schemas.microsoft.com/office/powerpoint/2010/main" val="911665179"/>
+        <p14:creationId xmlns:p14="http://schemas.microsoft.com/office/powerpoint/2010/main" val="835807025"/>
       </p:ext>
     </p:extLst>
   </p:cSld>
   <p:clrMapOvr>
     <a:masterClrMapping/>
   </p:clrMapOvr>
+  <mc:AlternateContent xmlns:mc="http://schemas.openxmlformats.org/markup-compatibility/2006" xmlns:p14="http://schemas.microsoft.com/office/powerpoint/2010/main">
+    <mc:Choice Requires="p14">
+      <p:transition spd="slow" p14:dur="2000"/>
+    </mc:Choice>
+    <mc:Fallback xmlns="">
+      <p:transition spd="slow"/>
+    </mc:Fallback>
+  </mc:AlternateContent>
+  <p:timing>
+    <p:tnLst>
+      <p:par>
+        <p:cTn id="1" dur="indefinite" restart="never" nodeType="tmRoot"/>
+      </p:par>
+    </p:tnLst>
+  </p:timing>
 </p:sld>
 </file>
 
@@ -4241,7 +4364,7 @@
       </p:grpSpPr>
       <p:sp>
         <p:nvSpPr>
-          <p:cNvPr id="8193" name="Title 1"/>
+          <p:cNvPr id="4" name="Title 3"/>
           <p:cNvSpPr>
             <a:spLocks noGrp="1"/>
           </p:cNvSpPr>
@@ -4255,291 +4378,42 @@
           <a:lstStyle/>
           <a:p>
             <a:r>
-              <a:rPr lang="en-US" altLang="x-none" sz="5600">
-                <a:solidFill>
-                  <a:srgbClr val="FFCC66"/>
-                </a:solidFill>
-              </a:rPr>
-              <a:t>HTTP Status Codes</a:t>
-            </a:r>
-          </a:p>
-        </p:txBody>
-      </p:sp>
-      <p:sp>
-        <p:nvSpPr>
-          <p:cNvPr id="8194" name="Content Placeholder 2"/>
+              <a:rPr lang="en-US" smtClean="0"/>
+              <a:t>POST-REDIRECT-GET (Refresh)</a:t>
+            </a:r>
+            <a:endParaRPr lang="en-US"/>
+          </a:p>
+        </p:txBody>
+      </p:sp>
+      <p:sp>
+        <p:nvSpPr>
+          <p:cNvPr id="5" name="Text Placeholder 4"/>
           <p:cNvSpPr>
             <a:spLocks noGrp="1"/>
           </p:cNvSpPr>
           <p:nvPr>
-            <p:ph idx="1"/>
+            <p:ph type="body" idx="1"/>
           </p:nvPr>
         </p:nvSpPr>
-        <p:spPr>
-          <a:xfrm>
-            <a:off x="1117601" y="2108201"/>
-            <a:ext cx="9927167" cy="3111500"/>
-          </a:xfrm>
-        </p:spPr>
+        <p:spPr/>
         <p:txBody>
           <a:bodyPr/>
           <a:lstStyle/>
           <a:p>
-            <a:r>
-              <a:rPr lang="en-US" altLang="x-none"/>
-              <a:t>http://www.dr-chuck.com/page1.htm - </a:t>
-            </a:r>
-            <a:r>
-              <a:rPr lang="en-US" altLang="x-none">
-                <a:solidFill>
-                  <a:srgbClr val="FFFF00"/>
-                </a:solidFill>
-              </a:rPr>
-              <a:t>200 OK</a:t>
-            </a:r>
-          </a:p>
-          <a:p>
-            <a:r>
-              <a:rPr lang="en-US" altLang="x-none"/>
-              <a:t>http://www.wa4e.com/nowhere.htm - </a:t>
-            </a:r>
-            <a:r>
-              <a:rPr lang="en-US" altLang="x-none">
-                <a:solidFill>
-                  <a:srgbClr val="FFFF00"/>
-                </a:solidFill>
-              </a:rPr>
-              <a:t>404 Not Found</a:t>
-            </a:r>
-          </a:p>
-          <a:p>
-            <a:r>
-              <a:rPr lang="en-US" altLang="x-none"/>
-              <a:t>http://www.drchuck.com/ - </a:t>
-            </a:r>
-            <a:r>
-              <a:rPr lang="en-US" altLang="x-none">
-                <a:solidFill>
-                  <a:srgbClr val="FFFF00"/>
-                </a:solidFill>
-              </a:rPr>
-              <a:t>302 Found / Moved</a:t>
-            </a:r>
-          </a:p>
-          <a:p>
-            <a:pPr marL="533387" lvl="1" indent="0">
-              <a:buNone/>
-            </a:pPr>
-            <a:r>
-              <a:rPr lang="en-US" altLang="x-none"/>
-              <a:t>  Also known as </a:t>
-            </a:r>
-            <a:r>
-              <a:rPr lang="en-US" altLang="en-US"/>
-              <a:t>“</a:t>
-            </a:r>
-            <a:r>
-              <a:rPr lang="en-US" altLang="x-none"/>
-              <a:t>redirect</a:t>
-            </a:r>
-            <a:r>
-              <a:rPr lang="en-US" altLang="en-US"/>
-              <a:t>”</a:t>
-            </a:r>
-            <a:endParaRPr lang="en-US" altLang="x-none"/>
-          </a:p>
-        </p:txBody>
-      </p:sp>
-      <p:sp>
-        <p:nvSpPr>
-          <p:cNvPr id="8195" name="Rectangle 3"/>
-          <p:cNvSpPr>
-            <a:spLocks noChangeArrowheads="1"/>
-          </p:cNvSpPr>
-          <p:nvPr/>
-        </p:nvSpPr>
-        <p:spPr bwMode="auto">
-          <a:xfrm>
-            <a:off x="2032000" y="5664201"/>
-            <a:ext cx="8839200" cy="502766"/>
-          </a:xfrm>
-          <a:prstGeom prst="rect">
-            <a:avLst/>
-          </a:prstGeom>
-          <a:noFill/>
-          <a:ln>
-            <a:noFill/>
-          </a:ln>
-          <a:extLst>
-            <a:ext uri="{909E8E84-426E-40DD-AFC4-6F175D3DCCD1}">
-              <a14:hiddenFill xmlns:a14="http://schemas.microsoft.com/office/drawing/2010/main">
-                <a:solidFill>
-                  <a:srgbClr val="FFFFFF"/>
-                </a:solidFill>
-              </a14:hiddenFill>
-            </a:ext>
-            <a:ext uri="{91240B29-F687-4F45-9708-019B960494DF}">
-              <a14:hiddenLine xmlns:a14="http://schemas.microsoft.com/office/drawing/2010/main" w="9525">
-                <a:solidFill>
-                  <a:srgbClr val="000000"/>
-                </a:solidFill>
-                <a:miter lim="800000"/>
-                <a:headEnd/>
-                <a:tailEnd/>
-              </a14:hiddenLine>
-            </a:ext>
-          </a:extLst>
-        </p:spPr>
-        <p:txBody>
-          <a:bodyPr>
-            <a:spAutoFit/>
-          </a:bodyPr>
-          <a:lstStyle>
-            <a:lvl1pPr>
-              <a:defRPr sz="2000">
-                <a:solidFill>
-                  <a:srgbClr val="FFFFFF"/>
-                </a:solidFill>
-                <a:latin typeface="Gill Sans" charset="0"/>
-                <a:ea typeface="ヒラギノ角ゴ ProN W3" charset="-128"/>
-                <a:sym typeface="Gill Sans" charset="0"/>
-              </a:defRPr>
-            </a:lvl1pPr>
-            <a:lvl2pPr marL="742950" indent="-285750">
-              <a:defRPr sz="2000">
-                <a:solidFill>
-                  <a:srgbClr val="FFFFFF"/>
-                </a:solidFill>
-                <a:latin typeface="Gill Sans" charset="0"/>
-                <a:ea typeface="ヒラギノ角ゴ ProN W3" charset="-128"/>
-                <a:sym typeface="Gill Sans" charset="0"/>
-              </a:defRPr>
-            </a:lvl2pPr>
-            <a:lvl3pPr marL="1143000" indent="-228600">
-              <a:defRPr sz="2000">
-                <a:solidFill>
-                  <a:srgbClr val="FFFFFF"/>
-                </a:solidFill>
-                <a:latin typeface="Gill Sans" charset="0"/>
-                <a:ea typeface="ヒラギノ角ゴ ProN W3" charset="-128"/>
-                <a:sym typeface="Gill Sans" charset="0"/>
-              </a:defRPr>
-            </a:lvl3pPr>
-            <a:lvl4pPr marL="1600200" indent="-228600">
-              <a:defRPr sz="2000">
-                <a:solidFill>
-                  <a:srgbClr val="FFFFFF"/>
-                </a:solidFill>
-                <a:latin typeface="Gill Sans" charset="0"/>
-                <a:ea typeface="ヒラギノ角ゴ ProN W3" charset="-128"/>
-                <a:sym typeface="Gill Sans" charset="0"/>
-              </a:defRPr>
-            </a:lvl4pPr>
-            <a:lvl5pPr marL="2057400" indent="-228600">
-              <a:defRPr sz="2000">
-                <a:solidFill>
-                  <a:srgbClr val="FFFFFF"/>
-                </a:solidFill>
-                <a:latin typeface="Gill Sans" charset="0"/>
-                <a:ea typeface="ヒラギノ角ゴ ProN W3" charset="-128"/>
-                <a:sym typeface="Gill Sans" charset="0"/>
-              </a:defRPr>
-            </a:lvl5pPr>
-            <a:lvl6pPr marL="2514600" indent="-228600" eaLnBrk="0" fontAlgn="base" hangingPunct="0">
-              <a:spcBef>
-                <a:spcPct val="0"/>
-              </a:spcBef>
-              <a:spcAft>
-                <a:spcPct val="0"/>
-              </a:spcAft>
-              <a:defRPr sz="2000">
-                <a:solidFill>
-                  <a:srgbClr val="FFFFFF"/>
-                </a:solidFill>
-                <a:latin typeface="Gill Sans" charset="0"/>
-                <a:ea typeface="ヒラギノ角ゴ ProN W3" charset="-128"/>
-                <a:sym typeface="Gill Sans" charset="0"/>
-              </a:defRPr>
-            </a:lvl6pPr>
-            <a:lvl7pPr marL="2971800" indent="-228600" eaLnBrk="0" fontAlgn="base" hangingPunct="0">
-              <a:spcBef>
-                <a:spcPct val="0"/>
-              </a:spcBef>
-              <a:spcAft>
-                <a:spcPct val="0"/>
-              </a:spcAft>
-              <a:defRPr sz="2000">
-                <a:solidFill>
-                  <a:srgbClr val="FFFFFF"/>
-                </a:solidFill>
-                <a:latin typeface="Gill Sans" charset="0"/>
-                <a:ea typeface="ヒラギノ角ゴ ProN W3" charset="-128"/>
-                <a:sym typeface="Gill Sans" charset="0"/>
-              </a:defRPr>
-            </a:lvl7pPr>
-            <a:lvl8pPr marL="3429000" indent="-228600" eaLnBrk="0" fontAlgn="base" hangingPunct="0">
-              <a:spcBef>
-                <a:spcPct val="0"/>
-              </a:spcBef>
-              <a:spcAft>
-                <a:spcPct val="0"/>
-              </a:spcAft>
-              <a:defRPr sz="2000">
-                <a:solidFill>
-                  <a:srgbClr val="FFFFFF"/>
-                </a:solidFill>
-                <a:latin typeface="Gill Sans" charset="0"/>
-                <a:ea typeface="ヒラギノ角ゴ ProN W3" charset="-128"/>
-                <a:sym typeface="Gill Sans" charset="0"/>
-              </a:defRPr>
-            </a:lvl8pPr>
-            <a:lvl9pPr marL="3886200" indent="-228600" eaLnBrk="0" fontAlgn="base" hangingPunct="0">
-              <a:spcBef>
-                <a:spcPct val="0"/>
-              </a:spcBef>
-              <a:spcAft>
-                <a:spcPct val="0"/>
-              </a:spcAft>
-              <a:defRPr sz="2000">
-                <a:solidFill>
-                  <a:srgbClr val="FFFFFF"/>
-                </a:solidFill>
-                <a:latin typeface="Gill Sans" charset="0"/>
-                <a:ea typeface="ヒラギノ角ゴ ProN W3" charset="-128"/>
-                <a:sym typeface="Gill Sans" charset="0"/>
-              </a:defRPr>
-            </a:lvl9pPr>
-          </a:lstStyle>
-          <a:p>
-            <a:r>
-              <a:rPr lang="en-US" altLang="x-none" sz="2667">
-                <a:solidFill>
-                  <a:srgbClr val="FFFF00"/>
-                </a:solidFill>
-              </a:rPr>
-              <a:t>https://en.wikipedia.org/wiki/List_of_HTTP_status_codes</a:t>
-            </a:r>
+            <a:endParaRPr lang="en-US"/>
           </a:p>
         </p:txBody>
       </p:sp>
     </p:spTree>
     <p:extLst>
       <p:ext uri="{BB962C8B-B14F-4D97-AF65-F5344CB8AC3E}">
-        <p14:creationId xmlns:p14="http://schemas.microsoft.com/office/powerpoint/2010/main" val="204909184"/>
+        <p14:creationId xmlns:p14="http://schemas.microsoft.com/office/powerpoint/2010/main" val="911665179"/>
       </p:ext>
     </p:extLst>
   </p:cSld>
   <p:clrMapOvr>
     <a:masterClrMapping/>
   </p:clrMapOvr>
-  <mc:AlternateContent xmlns:mc="http://schemas.openxmlformats.org/markup-compatibility/2006">
-    <mc:Choice xmlns:p14="http://schemas.microsoft.com/office/powerpoint/2010/main" Requires="p14">
-      <p:transition spd="slow" p14:dur="2000"/>
-    </mc:Choice>
-    <mc:Fallback>
-      <p:transition spd="slow"/>
-    </mc:Fallback>
-  </mc:AlternateContent>
   <p:timing>
     <p:tnLst>
       <p:par>
@@ -4569,9 +4443,9 @@
       </p:grpSpPr>
       <p:sp>
         <p:nvSpPr>
-          <p:cNvPr id="9217" name="Rectangle 1"/>
+          <p:cNvPr id="8193" name="Title 1"/>
           <p:cNvSpPr>
-            <a:spLocks noGrp="1" noChangeArrowheads="1"/>
+            <a:spLocks noGrp="1"/>
           </p:cNvSpPr>
           <p:nvPr>
             <p:ph type="title"/>
@@ -4582,23 +4456,22 @@
           <a:bodyPr/>
           <a:lstStyle/>
           <a:p>
-            <a:pPr eaLnBrk="1" hangingPunct="1"/>
             <a:r>
               <a:rPr lang="en-US" altLang="x-none" sz="5600">
                 <a:solidFill>
                   <a:srgbClr val="FFCC66"/>
                 </a:solidFill>
               </a:rPr>
-              <a:t>HTTP Location Header</a:t>
-            </a:r>
-          </a:p>
-        </p:txBody>
-      </p:sp>
-      <p:sp>
-        <p:nvSpPr>
-          <p:cNvPr id="43010" name="Rectangle 2"/>
+              <a:t>HTTP Status Codes</a:t>
+            </a:r>
+          </a:p>
+        </p:txBody>
+      </p:sp>
+      <p:sp>
+        <p:nvSpPr>
+          <p:cNvPr id="8194" name="Content Placeholder 2"/>
           <p:cNvSpPr>
-            <a:spLocks noGrp="1" noChangeArrowheads="1"/>
+            <a:spLocks noGrp="1"/>
           </p:cNvSpPr>
           <p:nvPr>
             <p:ph idx="1"/>
@@ -4606,63 +4479,91 @@
         </p:nvSpPr>
         <p:spPr>
           <a:xfrm>
-            <a:off x="1132418" y="2006600"/>
-            <a:ext cx="9927167" cy="3956051"/>
+            <a:off x="1117601" y="2108201"/>
+            <a:ext cx="9927167" cy="3111500"/>
           </a:xfrm>
         </p:spPr>
         <p:txBody>
           <a:bodyPr/>
           <a:lstStyle/>
           <a:p>
-            <a:pPr marL="828654">
-              <a:spcBef>
-                <a:spcPts val="1725"/>
-              </a:spcBef>
-              <a:defRPr/>
+            <a:r>
+              <a:rPr lang="en-US" altLang="x-none"/>
+              <a:t>http://www.dr-chuck.com/page1.htm - </a:t>
+            </a:r>
+            <a:r>
+              <a:rPr lang="en-US" altLang="x-none">
+                <a:solidFill>
+                  <a:srgbClr val="FFFF00"/>
+                </a:solidFill>
+              </a:rPr>
+              <a:t>200 OK</a:t>
+            </a:r>
+          </a:p>
+          <a:p>
+            <a:r>
+              <a:rPr lang="en-US" altLang="x-none"/>
+              <a:t>http://www.wa4e.com/nowhere.htm - </a:t>
+            </a:r>
+            <a:r>
+              <a:rPr lang="en-US" altLang="x-none">
+                <a:solidFill>
+                  <a:srgbClr val="FFFF00"/>
+                </a:solidFill>
+              </a:rPr>
+              <a:t>404 Not Found</a:t>
+            </a:r>
+          </a:p>
+          <a:p>
+            <a:r>
+              <a:rPr lang="en-US" altLang="x-none"/>
+              <a:t>http://www.drchuck.com/ - </a:t>
+            </a:r>
+            <a:r>
+              <a:rPr lang="en-US" altLang="x-none">
+                <a:solidFill>
+                  <a:srgbClr val="FFFF00"/>
+                </a:solidFill>
+              </a:rPr>
+              <a:t>302 Found / Moved</a:t>
+            </a:r>
+          </a:p>
+          <a:p>
+            <a:pPr marL="533387" lvl="1" indent="0">
+              <a:buNone/>
             </a:pPr>
             <a:r>
-              <a:rPr lang="en-US" sz="2851" dirty="0"/>
-              <a:t>If your application has not yet sent any data, it can send a special header as part of the HTTP Response.</a:t>
-            </a:r>
-          </a:p>
-          <a:p>
-            <a:pPr marL="828654">
-              <a:spcBef>
-                <a:spcPts val="1725"/>
-              </a:spcBef>
-              <a:defRPr/>
-            </a:pPr>
-            <a:r>
-              <a:rPr lang="en-US" sz="2851" dirty="0"/>
-              <a:t>The redirect header includes a URL that the browser is supposed to forward itself to.</a:t>
-            </a:r>
-          </a:p>
-          <a:p>
-            <a:pPr marL="828654">
-              <a:spcBef>
-                <a:spcPts val="1725"/>
-              </a:spcBef>
-              <a:defRPr/>
-            </a:pPr>
-            <a:r>
-              <a:rPr lang="en-US" sz="2851" dirty="0"/>
-              <a:t>It was originally used for web sites that moved from one URL to another.</a:t>
-            </a:r>
-          </a:p>
-        </p:txBody>
-      </p:sp>
-      <p:sp>
-        <p:nvSpPr>
-          <p:cNvPr id="9219" name="Rectangle 3"/>
+              <a:rPr lang="en-US" altLang="x-none"/>
+              <a:t>  Also known as </a:t>
+            </a:r>
+            <a:r>
+              <a:rPr lang="en-US" altLang="en-US"/>
+              <a:t>“</a:t>
+            </a:r>
+            <a:r>
+              <a:rPr lang="en-US" altLang="x-none"/>
+              <a:t>redirect</a:t>
+            </a:r>
+            <a:r>
+              <a:rPr lang="en-US" altLang="en-US"/>
+              <a:t>”</a:t>
+            </a:r>
+            <a:endParaRPr lang="en-US" altLang="x-none"/>
+          </a:p>
+        </p:txBody>
+      </p:sp>
+      <p:sp>
+        <p:nvSpPr>
+          <p:cNvPr id="8195" name="Rectangle 3"/>
           <p:cNvSpPr>
-            <a:spLocks/>
+            <a:spLocks noChangeArrowheads="1"/>
           </p:cNvSpPr>
           <p:nvPr/>
         </p:nvSpPr>
         <p:spPr bwMode="auto">
           <a:xfrm>
-            <a:off x="5080000" y="5846334"/>
-            <a:ext cx="6468533" cy="410433"/>
+            <a:off x="2032000" y="5664201"/>
+            <a:ext cx="8839200" cy="502766"/>
           </a:xfrm>
           <a:prstGeom prst="rect">
             <a:avLst/>
@@ -4692,20 +4593,14 @@
           </a:extLst>
         </p:spPr>
         <p:txBody>
-          <a:bodyPr lIns="0" tIns="0" rIns="0" bIns="0" anchor="ctr">
+          <a:bodyPr>
             <a:spAutoFit/>
           </a:bodyPr>
           <a:lstStyle>
             <a:lvl1pPr>
-              <a:spcBef>
-                <a:spcPts val="1300"/>
-              </a:spcBef>
-              <a:buSzPct val="171000"/>
-              <a:buFont typeface="Gill Sans" charset="0"/>
-              <a:buChar char="•"/>
-              <a:defRPr sz="2100">
-                <a:solidFill>
-                  <a:schemeClr val="tx1"/>
+              <a:defRPr sz="2000">
+                <a:solidFill>
+                  <a:srgbClr val="FFFFFF"/>
                 </a:solidFill>
                 <a:latin typeface="Gill Sans" charset="0"/>
                 <a:ea typeface="ヒラギノ角ゴ ProN W3" charset="-128"/>
@@ -4713,15 +4608,9 @@
               </a:defRPr>
             </a:lvl1pPr>
             <a:lvl2pPr marL="742950" indent="-285750">
-              <a:spcBef>
-                <a:spcPts val="1300"/>
-              </a:spcBef>
-              <a:buSzPct val="171000"/>
-              <a:buFont typeface="Gill Sans" charset="0"/>
-              <a:buChar char="•"/>
-              <a:defRPr sz="2100">
-                <a:solidFill>
-                  <a:schemeClr val="tx1"/>
+              <a:defRPr sz="2000">
+                <a:solidFill>
+                  <a:srgbClr val="FFFFFF"/>
                 </a:solidFill>
                 <a:latin typeface="Gill Sans" charset="0"/>
                 <a:ea typeface="ヒラギノ角ゴ ProN W3" charset="-128"/>
@@ -4729,15 +4618,9 @@
               </a:defRPr>
             </a:lvl2pPr>
             <a:lvl3pPr marL="1143000" indent="-228600">
-              <a:spcBef>
-                <a:spcPts val="1300"/>
-              </a:spcBef>
-              <a:buSzPct val="171000"/>
-              <a:buFont typeface="Gill Sans" charset="0"/>
-              <a:buChar char="•"/>
-              <a:defRPr sz="2100">
-                <a:solidFill>
-                  <a:schemeClr val="tx1"/>
+              <a:defRPr sz="2000">
+                <a:solidFill>
+                  <a:srgbClr val="FFFFFF"/>
                 </a:solidFill>
                 <a:latin typeface="Gill Sans" charset="0"/>
                 <a:ea typeface="ヒラギノ角ゴ ProN W3" charset="-128"/>
@@ -4745,15 +4628,9 @@
               </a:defRPr>
             </a:lvl3pPr>
             <a:lvl4pPr marL="1600200" indent="-228600">
-              <a:spcBef>
-                <a:spcPts val="1300"/>
-              </a:spcBef>
-              <a:buSzPct val="171000"/>
-              <a:buFont typeface="Gill Sans" charset="0"/>
-              <a:buChar char="•"/>
-              <a:defRPr sz="2100">
-                <a:solidFill>
-                  <a:schemeClr val="tx1"/>
+              <a:defRPr sz="2000">
+                <a:solidFill>
+                  <a:srgbClr val="FFFFFF"/>
                 </a:solidFill>
                 <a:latin typeface="Gill Sans" charset="0"/>
                 <a:ea typeface="ヒラギノ角ゴ ProN W3" charset="-128"/>
@@ -4761,15 +4638,9 @@
               </a:defRPr>
             </a:lvl4pPr>
             <a:lvl5pPr marL="2057400" indent="-228600">
-              <a:spcBef>
-                <a:spcPts val="1300"/>
-              </a:spcBef>
-              <a:buSzPct val="171000"/>
-              <a:buFont typeface="Gill Sans" charset="0"/>
-              <a:buChar char="•"/>
-              <a:defRPr sz="2100">
-                <a:solidFill>
-                  <a:schemeClr val="tx1"/>
+              <a:defRPr sz="2000">
+                <a:solidFill>
+                  <a:srgbClr val="FFFFFF"/>
                 </a:solidFill>
                 <a:latin typeface="Gill Sans" charset="0"/>
                 <a:ea typeface="ヒラギノ角ゴ ProN W3" charset="-128"/>
@@ -4778,17 +4649,14 @@
             </a:lvl5pPr>
             <a:lvl6pPr marL="2514600" indent="-228600" eaLnBrk="0" fontAlgn="base" hangingPunct="0">
               <a:spcBef>
-                <a:spcPts val="1300"/>
+                <a:spcPct val="0"/>
               </a:spcBef>
               <a:spcAft>
                 <a:spcPct val="0"/>
               </a:spcAft>
-              <a:buSzPct val="171000"/>
-              <a:buFont typeface="Gill Sans" charset="0"/>
-              <a:buChar char="•"/>
-              <a:defRPr sz="2100">
-                <a:solidFill>
-                  <a:schemeClr val="tx1"/>
+              <a:defRPr sz="2000">
+                <a:solidFill>
+                  <a:srgbClr val="FFFFFF"/>
                 </a:solidFill>
                 <a:latin typeface="Gill Sans" charset="0"/>
                 <a:ea typeface="ヒラギノ角ゴ ProN W3" charset="-128"/>
@@ -4797,17 +4665,14 @@
             </a:lvl6pPr>
             <a:lvl7pPr marL="2971800" indent="-228600" eaLnBrk="0" fontAlgn="base" hangingPunct="0">
               <a:spcBef>
-                <a:spcPts val="1300"/>
+                <a:spcPct val="0"/>
               </a:spcBef>
               <a:spcAft>
                 <a:spcPct val="0"/>
               </a:spcAft>
-              <a:buSzPct val="171000"/>
-              <a:buFont typeface="Gill Sans" charset="0"/>
-              <a:buChar char="•"/>
-              <a:defRPr sz="2100">
-                <a:solidFill>
-                  <a:schemeClr val="tx1"/>
+              <a:defRPr sz="2000">
+                <a:solidFill>
+                  <a:srgbClr val="FFFFFF"/>
                 </a:solidFill>
                 <a:latin typeface="Gill Sans" charset="0"/>
                 <a:ea typeface="ヒラギノ角ゴ ProN W3" charset="-128"/>
@@ -4816,17 +4681,14 @@
             </a:lvl7pPr>
             <a:lvl8pPr marL="3429000" indent="-228600" eaLnBrk="0" fontAlgn="base" hangingPunct="0">
               <a:spcBef>
-                <a:spcPts val="1300"/>
+                <a:spcPct val="0"/>
               </a:spcBef>
               <a:spcAft>
                 <a:spcPct val="0"/>
               </a:spcAft>
-              <a:buSzPct val="171000"/>
-              <a:buFont typeface="Gill Sans" charset="0"/>
-              <a:buChar char="•"/>
-              <a:defRPr sz="2100">
-                <a:solidFill>
-                  <a:schemeClr val="tx1"/>
+              <a:defRPr sz="2000">
+                <a:solidFill>
+                  <a:srgbClr val="FFFFFF"/>
                 </a:solidFill>
                 <a:latin typeface="Gill Sans" charset="0"/>
                 <a:ea typeface="ヒラギノ角ゴ ProN W3" charset="-128"/>
@@ -4835,17 +4697,14 @@
             </a:lvl8pPr>
             <a:lvl9pPr marL="3886200" indent="-228600" eaLnBrk="0" fontAlgn="base" hangingPunct="0">
               <a:spcBef>
-                <a:spcPts val="1300"/>
+                <a:spcPct val="0"/>
               </a:spcBef>
               <a:spcAft>
                 <a:spcPct val="0"/>
               </a:spcAft>
-              <a:buSzPct val="171000"/>
-              <a:buFont typeface="Gill Sans" charset="0"/>
-              <a:buChar char="•"/>
-              <a:defRPr sz="2100">
-                <a:solidFill>
-                  <a:schemeClr val="tx1"/>
+              <a:defRPr sz="2000">
+                <a:solidFill>
+                  <a:srgbClr val="FFFFFF"/>
                 </a:solidFill>
                 <a:latin typeface="Gill Sans" charset="0"/>
                 <a:ea typeface="ヒラギノ角ゴ ProN W3" charset="-128"/>
@@ -4854,22 +4713,13 @@
             </a:lvl9pPr>
           </a:lstStyle>
           <a:p>
-            <a:pPr algn="ctr" eaLnBrk="1" hangingPunct="1">
-              <a:spcBef>
-                <a:spcPct val="0"/>
-              </a:spcBef>
-              <a:buSzTx/>
-              <a:buFontTx/>
-              <a:buNone/>
-            </a:pPr>
-            <a:r>
-              <a:rPr lang="en-US" altLang="en-US" sz="2667">
+            <a:r>
+              <a:rPr lang="en-US" altLang="x-none" sz="2667">
                 <a:solidFill>
                   <a:srgbClr val="FFFF00"/>
                 </a:solidFill>
-                <a:ea typeface="ＭＳ Ｐゴシック" charset="-128"/>
-              </a:rPr>
-              <a:t>http://en.wikipedia.org/wiki/URL_redirection</a:t>
+              </a:rPr>
+              <a:t>https://en.wikipedia.org/wiki/List_of_HTTP_status_codes</a:t>
             </a:r>
           </a:p>
         </p:txBody>
@@ -4877,18 +4727,18 @@
     </p:spTree>
     <p:extLst>
       <p:ext uri="{BB962C8B-B14F-4D97-AF65-F5344CB8AC3E}">
-        <p14:creationId xmlns:p14="http://schemas.microsoft.com/office/powerpoint/2010/main" val="1360152384"/>
+        <p14:creationId xmlns:p14="http://schemas.microsoft.com/office/powerpoint/2010/main" val="204909184"/>
       </p:ext>
     </p:extLst>
   </p:cSld>
   <p:clrMapOvr>
     <a:masterClrMapping/>
   </p:clrMapOvr>
-  <mc:AlternateContent xmlns:mc="http://schemas.openxmlformats.org/markup-compatibility/2006">
-    <mc:Choice xmlns:p14="http://schemas.microsoft.com/office/powerpoint/2010/main" Requires="p14">
+  <mc:AlternateContent xmlns:mc="http://schemas.openxmlformats.org/markup-compatibility/2006" xmlns:p14="http://schemas.microsoft.com/office/powerpoint/2010/main">
+    <mc:Choice Requires="p14">
       <p:transition spd="slow" p14:dur="2000"/>
     </mc:Choice>
-    <mc:Fallback>
+    <mc:Fallback xmlns="">
       <p:transition spd="slow"/>
     </mc:Fallback>
   </mc:AlternateContent>
@@ -4921,9 +4771,9 @@
       </p:grpSpPr>
       <p:sp>
         <p:nvSpPr>
-          <p:cNvPr id="15361" name="Title 1"/>
+          <p:cNvPr id="9217" name="Rectangle 1"/>
           <p:cNvSpPr>
-            <a:spLocks noGrp="1"/>
+            <a:spLocks noGrp="1" noChangeArrowheads="1"/>
           </p:cNvSpPr>
           <p:nvPr>
             <p:ph type="title"/>
@@ -4934,13 +4784,294 @@
           <a:bodyPr/>
           <a:lstStyle/>
           <a:p>
-            <a:r>
-              <a:rPr lang="en-US" altLang="x-none" sz="5867">
+            <a:pPr eaLnBrk="1" hangingPunct="1"/>
+            <a:r>
+              <a:rPr lang="en-US" altLang="x-none" sz="5600">
                 <a:solidFill>
                   <a:srgbClr val="FFCC66"/>
                 </a:solidFill>
               </a:rPr>
-              <a:t>POST / Redirect / GET</a:t>
+              <a:t>HTTP Location Header</a:t>
+            </a:r>
+          </a:p>
+        </p:txBody>
+      </p:sp>
+      <p:sp>
+        <p:nvSpPr>
+          <p:cNvPr id="43010" name="Rectangle 2"/>
+          <p:cNvSpPr>
+            <a:spLocks noGrp="1" noChangeArrowheads="1"/>
+          </p:cNvSpPr>
+          <p:nvPr>
+            <p:ph idx="1"/>
+          </p:nvPr>
+        </p:nvSpPr>
+        <p:spPr>
+          <a:xfrm>
+            <a:off x="1132418" y="2006600"/>
+            <a:ext cx="9927167" cy="3956051"/>
+          </a:xfrm>
+        </p:spPr>
+        <p:txBody>
+          <a:bodyPr/>
+          <a:lstStyle/>
+          <a:p>
+            <a:pPr marL="828654">
+              <a:spcBef>
+                <a:spcPts val="1725"/>
+              </a:spcBef>
+              <a:defRPr/>
+            </a:pPr>
+            <a:r>
+              <a:rPr lang="en-US" sz="2851" dirty="0"/>
+              <a:t>If your application has not yet sent any data, it can send a special header as part of the HTTP Response.</a:t>
+            </a:r>
+          </a:p>
+          <a:p>
+            <a:pPr marL="828654">
+              <a:spcBef>
+                <a:spcPts val="1725"/>
+              </a:spcBef>
+              <a:defRPr/>
+            </a:pPr>
+            <a:r>
+              <a:rPr lang="en-US" sz="2851" dirty="0"/>
+              <a:t>The redirect header includes a URL that the browser is supposed to forward itself to.</a:t>
+            </a:r>
+          </a:p>
+          <a:p>
+            <a:pPr marL="828654">
+              <a:spcBef>
+                <a:spcPts val="1725"/>
+              </a:spcBef>
+              <a:defRPr/>
+            </a:pPr>
+            <a:r>
+              <a:rPr lang="en-US" sz="2851" dirty="0"/>
+              <a:t>It was originally used for web sites that moved from one URL to another.</a:t>
+            </a:r>
+          </a:p>
+        </p:txBody>
+      </p:sp>
+      <p:sp>
+        <p:nvSpPr>
+          <p:cNvPr id="9219" name="Rectangle 3"/>
+          <p:cNvSpPr>
+            <a:spLocks/>
+          </p:cNvSpPr>
+          <p:nvPr/>
+        </p:nvSpPr>
+        <p:spPr bwMode="auto">
+          <a:xfrm>
+            <a:off x="5080000" y="5846334"/>
+            <a:ext cx="6468533" cy="410433"/>
+          </a:xfrm>
+          <a:prstGeom prst="rect">
+            <a:avLst/>
+          </a:prstGeom>
+          <a:noFill/>
+          <a:ln>
+            <a:noFill/>
+          </a:ln>
+          <a:extLst>
+            <a:ext uri="{909E8E84-426E-40DD-AFC4-6F175D3DCCD1}">
+              <a14:hiddenFill xmlns:a14="http://schemas.microsoft.com/office/drawing/2010/main">
+                <a:solidFill>
+                  <a:srgbClr val="FFFFFF"/>
+                </a:solidFill>
+              </a14:hiddenFill>
+            </a:ext>
+            <a:ext uri="{91240B29-F687-4F45-9708-019B960494DF}">
+              <a14:hiddenLine xmlns:a14="http://schemas.microsoft.com/office/drawing/2010/main" w="9525">
+                <a:solidFill>
+                  <a:srgbClr val="000000"/>
+                </a:solidFill>
+                <a:miter lim="800000"/>
+                <a:headEnd/>
+                <a:tailEnd/>
+              </a14:hiddenLine>
+            </a:ext>
+          </a:extLst>
+        </p:spPr>
+        <p:txBody>
+          <a:bodyPr lIns="0" tIns="0" rIns="0" bIns="0" anchor="ctr">
+            <a:spAutoFit/>
+          </a:bodyPr>
+          <a:lstStyle>
+            <a:lvl1pPr>
+              <a:spcBef>
+                <a:spcPts val="1300"/>
+              </a:spcBef>
+              <a:buSzPct val="171000"/>
+              <a:buFont typeface="Gill Sans" charset="0"/>
+              <a:buChar char="•"/>
+              <a:defRPr sz="2100">
+                <a:solidFill>
+                  <a:schemeClr val="tx1"/>
+                </a:solidFill>
+                <a:latin typeface="Gill Sans" charset="0"/>
+                <a:ea typeface="ヒラギノ角ゴ ProN W3" charset="-128"/>
+                <a:sym typeface="Gill Sans" charset="0"/>
+              </a:defRPr>
+            </a:lvl1pPr>
+            <a:lvl2pPr marL="742950" indent="-285750">
+              <a:spcBef>
+                <a:spcPts val="1300"/>
+              </a:spcBef>
+              <a:buSzPct val="171000"/>
+              <a:buFont typeface="Gill Sans" charset="0"/>
+              <a:buChar char="•"/>
+              <a:defRPr sz="2100">
+                <a:solidFill>
+                  <a:schemeClr val="tx1"/>
+                </a:solidFill>
+                <a:latin typeface="Gill Sans" charset="0"/>
+                <a:ea typeface="ヒラギノ角ゴ ProN W3" charset="-128"/>
+                <a:sym typeface="Gill Sans" charset="0"/>
+              </a:defRPr>
+            </a:lvl2pPr>
+            <a:lvl3pPr marL="1143000" indent="-228600">
+              <a:spcBef>
+                <a:spcPts val="1300"/>
+              </a:spcBef>
+              <a:buSzPct val="171000"/>
+              <a:buFont typeface="Gill Sans" charset="0"/>
+              <a:buChar char="•"/>
+              <a:defRPr sz="2100">
+                <a:solidFill>
+                  <a:schemeClr val="tx1"/>
+                </a:solidFill>
+                <a:latin typeface="Gill Sans" charset="0"/>
+                <a:ea typeface="ヒラギノ角ゴ ProN W3" charset="-128"/>
+                <a:sym typeface="Gill Sans" charset="0"/>
+              </a:defRPr>
+            </a:lvl3pPr>
+            <a:lvl4pPr marL="1600200" indent="-228600">
+              <a:spcBef>
+                <a:spcPts val="1300"/>
+              </a:spcBef>
+              <a:buSzPct val="171000"/>
+              <a:buFont typeface="Gill Sans" charset="0"/>
+              <a:buChar char="•"/>
+              <a:defRPr sz="2100">
+                <a:solidFill>
+                  <a:schemeClr val="tx1"/>
+                </a:solidFill>
+                <a:latin typeface="Gill Sans" charset="0"/>
+                <a:ea typeface="ヒラギノ角ゴ ProN W3" charset="-128"/>
+                <a:sym typeface="Gill Sans" charset="0"/>
+              </a:defRPr>
+            </a:lvl4pPr>
+            <a:lvl5pPr marL="2057400" indent="-228600">
+              <a:spcBef>
+                <a:spcPts val="1300"/>
+              </a:spcBef>
+              <a:buSzPct val="171000"/>
+              <a:buFont typeface="Gill Sans" charset="0"/>
+              <a:buChar char="•"/>
+              <a:defRPr sz="2100">
+                <a:solidFill>
+                  <a:schemeClr val="tx1"/>
+                </a:solidFill>
+                <a:latin typeface="Gill Sans" charset="0"/>
+                <a:ea typeface="ヒラギノ角ゴ ProN W3" charset="-128"/>
+                <a:sym typeface="Gill Sans" charset="0"/>
+              </a:defRPr>
+            </a:lvl5pPr>
+            <a:lvl6pPr marL="2514600" indent="-228600" eaLnBrk="0" fontAlgn="base" hangingPunct="0">
+              <a:spcBef>
+                <a:spcPts val="1300"/>
+              </a:spcBef>
+              <a:spcAft>
+                <a:spcPct val="0"/>
+              </a:spcAft>
+              <a:buSzPct val="171000"/>
+              <a:buFont typeface="Gill Sans" charset="0"/>
+              <a:buChar char="•"/>
+              <a:defRPr sz="2100">
+                <a:solidFill>
+                  <a:schemeClr val="tx1"/>
+                </a:solidFill>
+                <a:latin typeface="Gill Sans" charset="0"/>
+                <a:ea typeface="ヒラギノ角ゴ ProN W3" charset="-128"/>
+                <a:sym typeface="Gill Sans" charset="0"/>
+              </a:defRPr>
+            </a:lvl6pPr>
+            <a:lvl7pPr marL="2971800" indent="-228600" eaLnBrk="0" fontAlgn="base" hangingPunct="0">
+              <a:spcBef>
+                <a:spcPts val="1300"/>
+              </a:spcBef>
+              <a:spcAft>
+                <a:spcPct val="0"/>
+              </a:spcAft>
+              <a:buSzPct val="171000"/>
+              <a:buFont typeface="Gill Sans" charset="0"/>
+              <a:buChar char="•"/>
+              <a:defRPr sz="2100">
+                <a:solidFill>
+                  <a:schemeClr val="tx1"/>
+                </a:solidFill>
+                <a:latin typeface="Gill Sans" charset="0"/>
+                <a:ea typeface="ヒラギノ角ゴ ProN W3" charset="-128"/>
+                <a:sym typeface="Gill Sans" charset="0"/>
+              </a:defRPr>
+            </a:lvl7pPr>
+            <a:lvl8pPr marL="3429000" indent="-228600" eaLnBrk="0" fontAlgn="base" hangingPunct="0">
+              <a:spcBef>
+                <a:spcPts val="1300"/>
+              </a:spcBef>
+              <a:spcAft>
+                <a:spcPct val="0"/>
+              </a:spcAft>
+              <a:buSzPct val="171000"/>
+              <a:buFont typeface="Gill Sans" charset="0"/>
+              <a:buChar char="•"/>
+              <a:defRPr sz="2100">
+                <a:solidFill>
+                  <a:schemeClr val="tx1"/>
+                </a:solidFill>
+                <a:latin typeface="Gill Sans" charset="0"/>
+                <a:ea typeface="ヒラギノ角ゴ ProN W3" charset="-128"/>
+                <a:sym typeface="Gill Sans" charset="0"/>
+              </a:defRPr>
+            </a:lvl8pPr>
+            <a:lvl9pPr marL="3886200" indent="-228600" eaLnBrk="0" fontAlgn="base" hangingPunct="0">
+              <a:spcBef>
+                <a:spcPts val="1300"/>
+              </a:spcBef>
+              <a:spcAft>
+                <a:spcPct val="0"/>
+              </a:spcAft>
+              <a:buSzPct val="171000"/>
+              <a:buFont typeface="Gill Sans" charset="0"/>
+              <a:buChar char="•"/>
+              <a:defRPr sz="2100">
+                <a:solidFill>
+                  <a:schemeClr val="tx1"/>
+                </a:solidFill>
+                <a:latin typeface="Gill Sans" charset="0"/>
+                <a:ea typeface="ヒラギノ角ゴ ProN W3" charset="-128"/>
+                <a:sym typeface="Gill Sans" charset="0"/>
+              </a:defRPr>
+            </a:lvl9pPr>
+          </a:lstStyle>
+          <a:p>
+            <a:pPr algn="ctr" eaLnBrk="1" hangingPunct="1">
+              <a:spcBef>
+                <a:spcPct val="0"/>
+              </a:spcBef>
+              <a:buSzTx/>
+              <a:buFontTx/>
+              <a:buNone/>
+            </a:pPr>
+            <a:r>
+              <a:rPr lang="en-US" altLang="en-US" sz="2667">
+                <a:solidFill>
+                  <a:srgbClr val="FFFF00"/>
+                </a:solidFill>
+                <a:ea typeface="ＭＳ Ｐゴシック" charset="-128"/>
+              </a:rPr>
+              <a:t>http://en.wikipedia.org/wiki/URL_redirection</a:t>
             </a:r>
           </a:p>
         </p:txBody>
@@ -4948,18 +5079,18 @@
     </p:spTree>
     <p:extLst>
       <p:ext uri="{BB962C8B-B14F-4D97-AF65-F5344CB8AC3E}">
-        <p14:creationId xmlns:p14="http://schemas.microsoft.com/office/powerpoint/2010/main" val="956380031"/>
+        <p14:creationId xmlns:p14="http://schemas.microsoft.com/office/powerpoint/2010/main" val="1360152384"/>
       </p:ext>
     </p:extLst>
   </p:cSld>
   <p:clrMapOvr>
     <a:masterClrMapping/>
   </p:clrMapOvr>
-  <mc:AlternateContent xmlns:mc="http://schemas.openxmlformats.org/markup-compatibility/2006">
-    <mc:Choice xmlns:p14="http://schemas.microsoft.com/office/powerpoint/2010/main" Requires="p14">
+  <mc:AlternateContent xmlns:mc="http://schemas.openxmlformats.org/markup-compatibility/2006" xmlns:p14="http://schemas.microsoft.com/office/powerpoint/2010/main">
+    <mc:Choice Requires="p14">
       <p:transition spd="slow" p14:dur="2000"/>
     </mc:Choice>
-    <mc:Fallback>
+    <mc:Fallback xmlns="">
       <p:transition spd="slow"/>
     </mc:Fallback>
   </mc:AlternateContent>
@@ -5094,11 +5225,11 @@
   <p:clrMapOvr>
     <a:masterClrMapping/>
   </p:clrMapOvr>
-  <mc:AlternateContent xmlns:mc="http://schemas.openxmlformats.org/markup-compatibility/2006">
-    <mc:Choice xmlns:p14="http://schemas.microsoft.com/office/powerpoint/2010/main" Requires="p14">
+  <mc:AlternateContent xmlns:mc="http://schemas.openxmlformats.org/markup-compatibility/2006" xmlns:p14="http://schemas.microsoft.com/office/powerpoint/2010/main">
+    <mc:Choice Requires="p14">
       <p:transition spd="slow" p14:dur="2000"/>
     </mc:Choice>
-    <mc:Fallback>
+    <mc:Fallback xmlns="">
       <p:transition spd="slow"/>
     </mc:Fallback>
   </mc:AlternateContent>
@@ -5358,11 +5489,11 @@
   <p:clrMapOvr>
     <a:masterClrMapping/>
   </p:clrMapOvr>
-  <mc:AlternateContent xmlns:mc="http://schemas.openxmlformats.org/markup-compatibility/2006">
-    <mc:Choice xmlns:p14="http://schemas.microsoft.com/office/powerpoint/2010/main" Requires="p14">
+  <mc:AlternateContent xmlns:mc="http://schemas.openxmlformats.org/markup-compatibility/2006" xmlns:p14="http://schemas.microsoft.com/office/powerpoint/2010/main">
+    <mc:Choice Requires="p14">
       <p:transition spd="slow" p14:dur="2000"/>
     </mc:Choice>
-    <mc:Fallback>
+    <mc:Fallback xmlns="">
       <p:transition spd="slow"/>
     </mc:Fallback>
   </mc:AlternateContent>
@@ -5652,11 +5783,11 @@
   <p:clrMapOvr>
     <a:masterClrMapping/>
   </p:clrMapOvr>
-  <mc:AlternateContent xmlns:mc="http://schemas.openxmlformats.org/markup-compatibility/2006">
-    <mc:Choice xmlns:p14="http://schemas.microsoft.com/office/powerpoint/2010/main" Requires="p14">
+  <mc:AlternateContent xmlns:mc="http://schemas.openxmlformats.org/markup-compatibility/2006" xmlns:p14="http://schemas.microsoft.com/office/powerpoint/2010/main">
+    <mc:Choice Requires="p14">
       <p:transition spd="slow" p14:dur="2000"/>
     </mc:Choice>
-    <mc:Fallback>
+    <mc:Fallback xmlns="">
       <p:transition spd="slow"/>
     </mc:Fallback>
   </mc:AlternateContent>
@@ -5976,11 +6107,11 @@
   <p:clrMapOvr>
     <a:masterClrMapping/>
   </p:clrMapOvr>
-  <mc:AlternateContent xmlns:mc="http://schemas.openxmlformats.org/markup-compatibility/2006">
-    <mc:Choice xmlns:p14="http://schemas.microsoft.com/office/powerpoint/2010/main" Requires="p14">
+  <mc:AlternateContent xmlns:mc="http://schemas.openxmlformats.org/markup-compatibility/2006" xmlns:p14="http://schemas.microsoft.com/office/powerpoint/2010/main">
+    <mc:Choice Requires="p14">
       <p:transition spd="slow" p14:dur="2000"/>
     </mc:Choice>
-    <mc:Fallback>
+    <mc:Fallback xmlns="">
       <p:transition spd="slow"/>
     </mc:Fallback>
   </mc:AlternateContent>
@@ -6112,11 +6243,11 @@
   <p:clrMapOvr>
     <a:masterClrMapping/>
   </p:clrMapOvr>
-  <mc:AlternateContent xmlns:mc="http://schemas.openxmlformats.org/markup-compatibility/2006">
-    <mc:Choice xmlns:p14="http://schemas.microsoft.com/office/powerpoint/2010/main" Requires="p14">
+  <mc:AlternateContent xmlns:mc="http://schemas.openxmlformats.org/markup-compatibility/2006" xmlns:p14="http://schemas.microsoft.com/office/powerpoint/2010/main">
+    <mc:Choice Requires="p14">
       <p:transition spd="slow" p14:dur="2000"/>
     </mc:Choice>
-    <mc:Fallback>
+    <mc:Fallback xmlns="">
       <p:transition spd="slow"/>
     </mc:Fallback>
   </mc:AlternateContent>
@@ -6160,10 +6291,10 @@
           <p:cNvPr id="135" name="Rectangle 134">
             <a:extLst>
               <a:ext uri="{FF2B5EF4-FFF2-40B4-BE49-F238E27FC236}">
-                <a16:creationId xmlns:a16="http://schemas.microsoft.com/office/drawing/2014/main" xmlns="" id="{867D4867-5BA7-4462-B2F6-A23F4A622AA7}"/>
+                <a16:creationId xmlns="" xmlns:a16="http://schemas.microsoft.com/office/drawing/2014/main" id="{867D4867-5BA7-4462-B2F6-A23F4A622AA7}"/>
               </a:ext>
               <a:ext uri="{C183D7F6-B498-43B3-948B-1728B52AA6E4}">
-                <adec:decorative xmlns:adec="http://schemas.microsoft.com/office/drawing/2017/decorative" xmlns="" val="1"/>
+                <adec:decorative xmlns="" xmlns:adec="http://schemas.microsoft.com/office/drawing/2017/decorative" val="1"/>
               </a:ext>
             </a:extLst>
           </p:cNvPr>
@@ -6277,7 +6408,7 @@
         </p:spPr>
         <p:txBody>
           <a:bodyPr>
-            <a:normAutofit/>
+            <a:normAutofit lnSpcReduction="10000"/>
           </a:bodyPr>
           <a:lstStyle/>
           <a:p>
@@ -6288,13 +6419,26 @@
               <a:defRPr/>
             </a:pPr>
             <a:r>
-              <a:rPr lang="en-US" sz="1900">
+              <a:rPr lang="en-US" sz="1900" dirty="0">
                 <a:solidFill>
                   <a:schemeClr val="bg1"/>
                 </a:solidFill>
               </a:rPr>
-              <a:t>The simple rule for pages intended for a browser is to never generate a page with HTML content when the app receives POST data</a:t>
-            </a:r>
+              <a:t>The simple rule for pages intended for a browser is to never generate a page with HTML content when the app receives POST </a:t>
+            </a:r>
+            <a:r>
+              <a:rPr lang="en-US" sz="1900" dirty="0" smtClean="0">
+                <a:solidFill>
+                  <a:schemeClr val="bg1"/>
+                </a:solidFill>
+              </a:rPr>
+              <a:t>data and data has been modified</a:t>
+            </a:r>
+            <a:endParaRPr lang="en-US" sz="1900" dirty="0">
+              <a:solidFill>
+                <a:schemeClr val="bg1"/>
+              </a:solidFill>
+            </a:endParaRPr>
           </a:p>
           <a:p>
             <a:pPr marL="695307" indent="-457189">
@@ -6304,7 +6448,7 @@
               <a:defRPr/>
             </a:pPr>
             <a:r>
-              <a:rPr lang="en-US" sz="1900">
+              <a:rPr lang="en-US" sz="1900" dirty="0">
                 <a:solidFill>
                   <a:schemeClr val="bg1"/>
                 </a:solidFill>
@@ -8721,11 +8865,11 @@
   <p:clrMapOvr>
     <a:masterClrMapping/>
   </p:clrMapOvr>
-  <mc:AlternateContent xmlns:mc="http://schemas.openxmlformats.org/markup-compatibility/2006">
-    <mc:Choice xmlns:p14="http://schemas.microsoft.com/office/powerpoint/2010/main" Requires="p14">
+  <mc:AlternateContent xmlns:mc="http://schemas.openxmlformats.org/markup-compatibility/2006" xmlns:p14="http://schemas.microsoft.com/office/powerpoint/2010/main">
+    <mc:Choice Requires="p14">
       <p:transition spd="slow" p14:dur="2000"/>
     </mc:Choice>
-    <mc:Fallback>
+    <mc:Fallback xmlns="">
       <p:transition spd="slow"/>
     </mc:Fallback>
   </mc:AlternateContent>
@@ -8772,10 +8916,10 @@
           <a:lstStyle/>
           <a:p>
             <a:r>
-              <a:rPr lang="en-US" smtClean="0"/>
-              <a:t>Demo</a:t>
-            </a:r>
-            <a:endParaRPr lang="en-US"/>
+              <a:rPr lang="en-US" dirty="0" smtClean="0"/>
+              <a:t>Data Validation in FORMS</a:t>
+            </a:r>
+            <a:endParaRPr lang="en-US" dirty="0"/>
           </a:p>
         </p:txBody>
       </p:sp>
@@ -8801,7 +8945,7 @@
     </p:spTree>
     <p:extLst>
       <p:ext uri="{BB962C8B-B14F-4D97-AF65-F5344CB8AC3E}">
-        <p14:creationId xmlns:p14="http://schemas.microsoft.com/office/powerpoint/2010/main" val="1154481361"/>
+        <p14:creationId xmlns:p14="http://schemas.microsoft.com/office/powerpoint/2010/main" val="4648199"/>
       </p:ext>
     </p:extLst>
   </p:cSld>
@@ -8830,9 +8974,9 @@
       </p:grpSpPr>
       <p:sp>
         <p:nvSpPr>
-          <p:cNvPr id="27649" name="Rectangle 1"/>
+          <p:cNvPr id="2" name="Title 1"/>
           <p:cNvSpPr>
-            <a:spLocks noGrp="1" noChangeArrowheads="1"/>
+            <a:spLocks noGrp="1"/>
           </p:cNvSpPr>
           <p:nvPr>
             <p:ph type="title"/>
@@ -8843,25 +8987,19 @@
           <a:bodyPr/>
           <a:lstStyle/>
           <a:p>
-            <a:pPr eaLnBrk="1" hangingPunct="1">
-              <a:defRPr/>
-            </a:pPr>
-            <a:r>
-              <a:rPr lang="en-US" altLang="x-none" dirty="0" smtClean="0">
-                <a:solidFill>
-                  <a:srgbClr val="FFFF00"/>
-                </a:solidFill>
-              </a:rPr>
-              <a:t>Summary</a:t>
-            </a:r>
-          </a:p>
-        </p:txBody>
-      </p:sp>
-      <p:sp>
-        <p:nvSpPr>
-          <p:cNvPr id="27650" name="Rectangle 2"/>
+            <a:r>
+              <a:rPr lang="en-US" dirty="0" smtClean="0"/>
+              <a:t>Cross-Site-Request-Forgery (CSRF)</a:t>
+            </a:r>
+            <a:endParaRPr lang="en-US" dirty="0"/>
+          </a:p>
+        </p:txBody>
+      </p:sp>
+      <p:sp>
+        <p:nvSpPr>
+          <p:cNvPr id="3" name="Text Placeholder 2"/>
           <p:cNvSpPr>
-            <a:spLocks noGrp="1" noChangeArrowheads="1"/>
+            <a:spLocks noGrp="1"/>
           </p:cNvSpPr>
           <p:nvPr>
             <p:ph type="body" idx="1"/>
@@ -8872,59 +9010,24 @@
           <a:bodyPr/>
           <a:lstStyle/>
           <a:p>
-            <a:pPr marL="385365">
-              <a:defRPr/>
-            </a:pPr>
-            <a:r>
-              <a:rPr lang="en-US" altLang="x-none" dirty="0" smtClean="0"/>
-              <a:t>HTML for Forms</a:t>
-            </a:r>
-          </a:p>
-          <a:p>
-            <a:pPr marL="385365">
-              <a:defRPr/>
-            </a:pPr>
-            <a:r>
-              <a:rPr lang="en-US" altLang="x-none" dirty="0" smtClean="0"/>
-              <a:t>GET versus POST</a:t>
-            </a:r>
-          </a:p>
-          <a:p>
-            <a:pPr marL="385365">
-              <a:defRPr/>
-            </a:pPr>
-            <a:r>
-              <a:rPr lang="en-US" altLang="x-none" dirty="0" smtClean="0"/>
-              <a:t>POST Redirect GET</a:t>
-            </a:r>
+            <a:r>
+              <a:rPr lang="en-US" dirty="0" smtClean="0"/>
+              <a:t>Security</a:t>
+            </a:r>
+            <a:endParaRPr lang="en-US" dirty="0"/>
           </a:p>
         </p:txBody>
       </p:sp>
     </p:spTree>
     <p:extLst>
       <p:ext uri="{BB962C8B-B14F-4D97-AF65-F5344CB8AC3E}">
-        <p14:creationId xmlns:p14="http://schemas.microsoft.com/office/powerpoint/2010/main" val="188513069"/>
+        <p14:creationId xmlns:p14="http://schemas.microsoft.com/office/powerpoint/2010/main" val="41795082"/>
       </p:ext>
     </p:extLst>
   </p:cSld>
   <p:clrMapOvr>
     <a:masterClrMapping/>
   </p:clrMapOvr>
-  <mc:AlternateContent xmlns:mc="http://schemas.openxmlformats.org/markup-compatibility/2006" xmlns:p14="http://schemas.microsoft.com/office/powerpoint/2010/main">
-    <mc:Choice Requires="p14">
-      <p:transition spd="slow" p14:dur="2000"/>
-    </mc:Choice>
-    <mc:Fallback xmlns="">
-      <p:transition spd="slow"/>
-    </mc:Fallback>
-  </mc:AlternateContent>
-  <p:timing>
-    <p:tnLst>
-      <p:par>
-        <p:cTn id="1" dur="indefinite" restart="never" nodeType="tmRoot"/>
-      </p:par>
-    </p:tnLst>
-  </p:timing>
 </p:sld>
 </file>
 
@@ -8961,704 +9064,123 @@
           <a:lstStyle/>
           <a:p>
             <a:r>
-              <a:rPr lang="en-US" dirty="0"/>
-              <a:t>Acknowledgements / Contributions</a:t>
-            </a:r>
-          </a:p>
-        </p:txBody>
-      </p:sp>
-      <p:sp>
-        <p:nvSpPr>
-          <p:cNvPr id="8" name="TextBox 4"/>
-          <p:cNvSpPr txBox="1">
-            <a:spLocks noChangeArrowheads="1"/>
+              <a:rPr lang="en-US" dirty="0" smtClean="0"/>
+              <a:t>CSRF Attack</a:t>
+            </a:r>
+            <a:endParaRPr lang="en-US" dirty="0"/>
+          </a:p>
+        </p:txBody>
+      </p:sp>
+      <p:sp>
+        <p:nvSpPr>
+          <p:cNvPr id="5" name="Content Placeholder 4"/>
+          <p:cNvSpPr>
+            <a:spLocks noGrp="1"/>
           </p:cNvSpPr>
+          <p:nvPr>
+            <p:ph idx="1"/>
+          </p:nvPr>
+        </p:nvSpPr>
+        <p:spPr/>
+        <p:txBody>
+          <a:bodyPr>
+            <a:normAutofit/>
+          </a:bodyPr>
+          <a:lstStyle/>
+          <a:p>
+            <a:r>
+              <a:rPr lang="en-US" dirty="0" smtClean="0"/>
+              <a:t>A rogue site generates a page that includes form that posts data to a site where the user is logged in via a session cookie</a:t>
+            </a:r>
+          </a:p>
+          <a:p>
+            <a:r>
+              <a:rPr lang="en-US" dirty="0" smtClean="0"/>
+              <a:t>The form is submitted to the legitimate site and the cookie is included</a:t>
+            </a:r>
+          </a:p>
+          <a:p>
+            <a:r>
+              <a:rPr lang="en-US" dirty="0" smtClean="0"/>
+              <a:t>The legitimate site accepts the request because of the cookie value</a:t>
+            </a:r>
+          </a:p>
+          <a:p>
+            <a:endParaRPr lang="en-US" dirty="0"/>
+          </a:p>
+          <a:p>
+            <a:r>
+              <a:rPr lang="en-US" dirty="0" smtClean="0"/>
+              <a:t>Note that the rogue site does not need to know the cookie value </a:t>
+            </a:r>
+            <a:r>
+              <a:rPr lang="mr-IN" dirty="0" smtClean="0"/>
+              <a:t>–</a:t>
+            </a:r>
+            <a:r>
+              <a:rPr lang="en-US" dirty="0" smtClean="0"/>
+              <a:t> it just knows that the cookie will be sent on requests to the legitimate site</a:t>
+            </a:r>
+          </a:p>
+        </p:txBody>
+      </p:sp>
+      <p:sp>
+        <p:nvSpPr>
+          <p:cNvPr id="6" name="Rectangle 5"/>
+          <p:cNvSpPr/>
           <p:nvPr/>
         </p:nvSpPr>
-        <p:spPr bwMode="auto">
+        <p:spPr>
           <a:xfrm>
-            <a:off x="838200" y="1512888"/>
-            <a:ext cx="5257800" cy="4401205"/>
+            <a:off x="5210580" y="5616060"/>
+            <a:ext cx="6143220" cy="400110"/>
           </a:xfrm>
           <a:prstGeom prst="rect">
             <a:avLst/>
           </a:prstGeom>
-          <a:noFill/>
-          <a:ln>
-            <a:noFill/>
-          </a:ln>
         </p:spPr>
         <p:txBody>
-          <a:bodyPr wrap="square">
+          <a:bodyPr wrap="none">
             <a:spAutoFit/>
           </a:bodyPr>
-          <a:lstStyle>
-            <a:lvl1pPr>
-              <a:defRPr sz="2000">
-                <a:solidFill>
-                  <a:srgbClr val="FFFFFF"/>
-                </a:solidFill>
-                <a:latin typeface="Gill Sans" charset="0"/>
-                <a:ea typeface="ヒラギノ角ゴ ProN W3" charset="-128"/>
-                <a:sym typeface="Gill Sans" charset="0"/>
-              </a:defRPr>
-            </a:lvl1pPr>
-            <a:lvl2pPr marL="742950" indent="-285750">
-              <a:defRPr sz="2000">
-                <a:solidFill>
-                  <a:srgbClr val="FFFFFF"/>
-                </a:solidFill>
-                <a:latin typeface="Gill Sans" charset="0"/>
-                <a:ea typeface="ヒラギノ角ゴ ProN W3" charset="-128"/>
-                <a:sym typeface="Gill Sans" charset="0"/>
-              </a:defRPr>
-            </a:lvl2pPr>
-            <a:lvl3pPr marL="1143000" indent="-228600">
-              <a:defRPr sz="2000">
-                <a:solidFill>
-                  <a:srgbClr val="FFFFFF"/>
-                </a:solidFill>
-                <a:latin typeface="Gill Sans" charset="0"/>
-                <a:ea typeface="ヒラギノ角ゴ ProN W3" charset="-128"/>
-                <a:sym typeface="Gill Sans" charset="0"/>
-              </a:defRPr>
-            </a:lvl3pPr>
-            <a:lvl4pPr marL="1600200" indent="-228600">
-              <a:defRPr sz="2000">
-                <a:solidFill>
-                  <a:srgbClr val="FFFFFF"/>
-                </a:solidFill>
-                <a:latin typeface="Gill Sans" charset="0"/>
-                <a:ea typeface="ヒラギノ角ゴ ProN W3" charset="-128"/>
-                <a:sym typeface="Gill Sans" charset="0"/>
-              </a:defRPr>
-            </a:lvl4pPr>
-            <a:lvl5pPr marL="2057400" indent="-228600">
-              <a:defRPr sz="2000">
-                <a:solidFill>
-                  <a:srgbClr val="FFFFFF"/>
-                </a:solidFill>
-                <a:latin typeface="Gill Sans" charset="0"/>
-                <a:ea typeface="ヒラギノ角ゴ ProN W3" charset="-128"/>
-                <a:sym typeface="Gill Sans" charset="0"/>
-              </a:defRPr>
-            </a:lvl5pPr>
-            <a:lvl6pPr marL="2514600" indent="-228600" eaLnBrk="0" fontAlgn="base" hangingPunct="0">
-              <a:spcBef>
-                <a:spcPct val="0"/>
-              </a:spcBef>
-              <a:spcAft>
-                <a:spcPct val="0"/>
-              </a:spcAft>
-              <a:defRPr sz="2000">
-                <a:solidFill>
-                  <a:srgbClr val="FFFFFF"/>
-                </a:solidFill>
-                <a:latin typeface="Gill Sans" charset="0"/>
-                <a:ea typeface="ヒラギノ角ゴ ProN W3" charset="-128"/>
-                <a:sym typeface="Gill Sans" charset="0"/>
-              </a:defRPr>
-            </a:lvl6pPr>
-            <a:lvl7pPr marL="2971800" indent="-228600" eaLnBrk="0" fontAlgn="base" hangingPunct="0">
-              <a:spcBef>
-                <a:spcPct val="0"/>
-              </a:spcBef>
-              <a:spcAft>
-                <a:spcPct val="0"/>
-              </a:spcAft>
-              <a:defRPr sz="2000">
-                <a:solidFill>
-                  <a:srgbClr val="FFFFFF"/>
-                </a:solidFill>
-                <a:latin typeface="Gill Sans" charset="0"/>
-                <a:ea typeface="ヒラギノ角ゴ ProN W3" charset="-128"/>
-                <a:sym typeface="Gill Sans" charset="0"/>
-              </a:defRPr>
-            </a:lvl7pPr>
-            <a:lvl8pPr marL="3429000" indent="-228600" eaLnBrk="0" fontAlgn="base" hangingPunct="0">
-              <a:spcBef>
-                <a:spcPct val="0"/>
-              </a:spcBef>
-              <a:spcAft>
-                <a:spcPct val="0"/>
-              </a:spcAft>
-              <a:defRPr sz="2000">
-                <a:solidFill>
-                  <a:srgbClr val="FFFFFF"/>
-                </a:solidFill>
-                <a:latin typeface="Gill Sans" charset="0"/>
-                <a:ea typeface="ヒラギノ角ゴ ProN W3" charset="-128"/>
-                <a:sym typeface="Gill Sans" charset="0"/>
-              </a:defRPr>
-            </a:lvl8pPr>
-            <a:lvl9pPr marL="3886200" indent="-228600" eaLnBrk="0" fontAlgn="base" hangingPunct="0">
-              <a:spcBef>
-                <a:spcPct val="0"/>
-              </a:spcBef>
-              <a:spcAft>
-                <a:spcPct val="0"/>
-              </a:spcAft>
-              <a:defRPr sz="2000">
-                <a:solidFill>
-                  <a:srgbClr val="FFFFFF"/>
-                </a:solidFill>
-                <a:latin typeface="Gill Sans" charset="0"/>
-                <a:ea typeface="ヒラギノ角ゴ ProN W3" charset="-128"/>
-                <a:sym typeface="Gill Sans" charset="0"/>
-              </a:defRPr>
-            </a:lvl9pPr>
-          </a:lstStyle>
-          <a:p>
-            <a:pPr eaLnBrk="1" hangingPunct="1"/>
-            <a:r>
-              <a:rPr lang="en-US" altLang="x-none" sz="1400" dirty="0">
-                <a:solidFill>
-                  <a:schemeClr val="tx1"/>
-                </a:solidFill>
-              </a:rPr>
-              <a:t>These slides are Copyright 2019-  Charles R. Severance (</a:t>
-            </a:r>
-            <a:r>
-              <a:rPr lang="en-US" altLang="x-none" sz="1400" dirty="0" err="1">
-                <a:solidFill>
-                  <a:schemeClr val="tx1"/>
-                </a:solidFill>
-              </a:rPr>
-              <a:t>www.dr-chuck.com</a:t>
-            </a:r>
-            <a:r>
-              <a:rPr lang="en-US" altLang="x-none" sz="1400" dirty="0">
-                <a:solidFill>
-                  <a:schemeClr val="tx1"/>
-                </a:solidFill>
-              </a:rPr>
-              <a:t>) as part of www.dj4e.com and made available under a Creative Commons Attribution 4.0 License.  Please maintain this last slide in all copies of the document to comply with the attribution requirements of the license.  If you make a change, feel free to add your name and organization to the list of contributors on this page as you republish the materials.</a:t>
-            </a:r>
-          </a:p>
-          <a:p>
-            <a:pPr eaLnBrk="1" hangingPunct="1"/>
-            <a:endParaRPr lang="en-US" altLang="x-none" sz="1400" dirty="0">
+          <a:lstStyle/>
+          <a:p>
+            <a:r>
+              <a:rPr lang="en-US" sz="2000" dirty="0">
+                <a:solidFill>
+                  <a:srgbClr val="FFFF00"/>
+                </a:solidFill>
+              </a:rPr>
+              <a:t>https://</a:t>
+            </a:r>
+            <a:r>
+              <a:rPr lang="en-US" sz="2000" dirty="0" err="1">
+                <a:solidFill>
+                  <a:srgbClr val="FFFF00"/>
+                </a:solidFill>
+              </a:rPr>
+              <a:t>en.wikipedia.org</a:t>
+            </a:r>
+            <a:r>
+              <a:rPr lang="en-US" sz="2000" dirty="0">
+                <a:solidFill>
+                  <a:srgbClr val="FFFF00"/>
+                </a:solidFill>
+              </a:rPr>
+              <a:t>/wiki/Cross-</a:t>
+            </a:r>
+            <a:r>
+              <a:rPr lang="en-US" sz="2000" dirty="0" err="1">
+                <a:solidFill>
+                  <a:srgbClr val="FFFF00"/>
+                </a:solidFill>
+              </a:rPr>
+              <a:t>site_request_forgery</a:t>
+            </a:r>
+            <a:endParaRPr lang="en-US" sz="2000" dirty="0">
               <a:solidFill>
-                <a:schemeClr val="tx1"/>
+                <a:srgbClr val="FFFF00"/>
               </a:solidFill>
-            </a:endParaRPr>
-          </a:p>
-          <a:p>
-            <a:pPr eaLnBrk="1" hangingPunct="1"/>
-            <a:r>
-              <a:rPr lang="en-US" altLang="x-none" sz="1400" dirty="0">
-                <a:solidFill>
-                  <a:schemeClr val="tx1"/>
-                </a:solidFill>
-              </a:rPr>
-              <a:t>Initial Development: Charles Severance, University of Michigan School of Information</a:t>
-            </a:r>
-          </a:p>
-          <a:p>
-            <a:pPr eaLnBrk="1" hangingPunct="1"/>
-            <a:endParaRPr lang="en-US" altLang="x-none" sz="1400" dirty="0">
-              <a:solidFill>
-                <a:schemeClr val="tx1"/>
-              </a:solidFill>
-            </a:endParaRPr>
-          </a:p>
-          <a:p>
-            <a:pPr eaLnBrk="1" hangingPunct="1"/>
-            <a:r>
-              <a:rPr lang="en-US" altLang="x-none" sz="1400" dirty="0">
-                <a:solidFill>
-                  <a:srgbClr val="FFCC66"/>
-                </a:solidFill>
-              </a:rPr>
-              <a:t>Insert new Contributors and Translators here including names and dates</a:t>
-            </a:r>
-          </a:p>
-          <a:p>
-            <a:pPr eaLnBrk="1" hangingPunct="1"/>
-            <a:endParaRPr lang="en-US" altLang="x-none" sz="1400" dirty="0">
-              <a:solidFill>
-                <a:srgbClr val="7575D1"/>
-              </a:solidFill>
-            </a:endParaRPr>
-          </a:p>
-          <a:p>
-            <a:pPr eaLnBrk="1" hangingPunct="1"/>
-            <a:endParaRPr lang="en-US" altLang="x-none" sz="1400" dirty="0">
-              <a:solidFill>
-                <a:srgbClr val="7575D1"/>
-              </a:solidFill>
-            </a:endParaRPr>
-          </a:p>
-          <a:p>
-            <a:pPr eaLnBrk="1" hangingPunct="1"/>
-            <a:endParaRPr lang="en-US" altLang="x-none" sz="1400" dirty="0">
-              <a:solidFill>
-                <a:srgbClr val="7575D1"/>
-              </a:solidFill>
-            </a:endParaRPr>
-          </a:p>
-          <a:p>
-            <a:pPr eaLnBrk="1" hangingPunct="1"/>
-            <a:endParaRPr lang="en-US" altLang="x-none" sz="1400" dirty="0">
-              <a:solidFill>
-                <a:srgbClr val="7575D1"/>
-              </a:solidFill>
-            </a:endParaRPr>
-          </a:p>
-          <a:p>
-            <a:pPr eaLnBrk="1" hangingPunct="1"/>
-            <a:endParaRPr lang="en-US" altLang="x-none" sz="1400" dirty="0">
-              <a:solidFill>
-                <a:srgbClr val="7575D1"/>
-              </a:solidFill>
-            </a:endParaRPr>
-          </a:p>
-          <a:p>
-            <a:pPr eaLnBrk="1" hangingPunct="1"/>
-            <a:endParaRPr lang="en-US" altLang="x-none" sz="1400" dirty="0">
-              <a:solidFill>
-                <a:srgbClr val="7575D1"/>
-              </a:solidFill>
-            </a:endParaRPr>
-          </a:p>
-          <a:p>
-            <a:pPr eaLnBrk="1" hangingPunct="1"/>
-            <a:endParaRPr lang="en-US" altLang="x-none" sz="1400" dirty="0">
-              <a:solidFill>
-                <a:srgbClr val="7575D1"/>
-              </a:solidFill>
-            </a:endParaRPr>
-          </a:p>
-        </p:txBody>
-      </p:sp>
-      <p:sp>
-        <p:nvSpPr>
-          <p:cNvPr id="9" name="TextBox 5"/>
-          <p:cNvSpPr txBox="1">
-            <a:spLocks noChangeArrowheads="1"/>
-          </p:cNvSpPr>
-          <p:nvPr/>
-        </p:nvSpPr>
-        <p:spPr bwMode="auto">
-          <a:xfrm>
-            <a:off x="6310312" y="1512888"/>
-            <a:ext cx="5257800" cy="4893647"/>
-          </a:xfrm>
-          <a:prstGeom prst="rect">
-            <a:avLst/>
-          </a:prstGeom>
-          <a:noFill/>
-          <a:ln>
-            <a:noFill/>
-          </a:ln>
-        </p:spPr>
-        <p:txBody>
-          <a:bodyPr wrap="square">
-            <a:spAutoFit/>
-          </a:bodyPr>
-          <a:lstStyle>
-            <a:lvl1pPr>
-              <a:defRPr sz="2000">
-                <a:solidFill>
-                  <a:srgbClr val="FFFFFF"/>
-                </a:solidFill>
-                <a:latin typeface="Gill Sans" charset="0"/>
-                <a:ea typeface="ヒラギノ角ゴ ProN W3" charset="-128"/>
-                <a:sym typeface="Gill Sans" charset="0"/>
-              </a:defRPr>
-            </a:lvl1pPr>
-            <a:lvl2pPr marL="742950" indent="-285750">
-              <a:defRPr sz="2000">
-                <a:solidFill>
-                  <a:srgbClr val="FFFFFF"/>
-                </a:solidFill>
-                <a:latin typeface="Gill Sans" charset="0"/>
-                <a:ea typeface="ヒラギノ角ゴ ProN W3" charset="-128"/>
-                <a:sym typeface="Gill Sans" charset="0"/>
-              </a:defRPr>
-            </a:lvl2pPr>
-            <a:lvl3pPr marL="1143000" indent="-228600">
-              <a:defRPr sz="2000">
-                <a:solidFill>
-                  <a:srgbClr val="FFFFFF"/>
-                </a:solidFill>
-                <a:latin typeface="Gill Sans" charset="0"/>
-                <a:ea typeface="ヒラギノ角ゴ ProN W3" charset="-128"/>
-                <a:sym typeface="Gill Sans" charset="0"/>
-              </a:defRPr>
-            </a:lvl3pPr>
-            <a:lvl4pPr marL="1600200" indent="-228600">
-              <a:defRPr sz="2000">
-                <a:solidFill>
-                  <a:srgbClr val="FFFFFF"/>
-                </a:solidFill>
-                <a:latin typeface="Gill Sans" charset="0"/>
-                <a:ea typeface="ヒラギノ角ゴ ProN W3" charset="-128"/>
-                <a:sym typeface="Gill Sans" charset="0"/>
-              </a:defRPr>
-            </a:lvl4pPr>
-            <a:lvl5pPr marL="2057400" indent="-228600">
-              <a:defRPr sz="2000">
-                <a:solidFill>
-                  <a:srgbClr val="FFFFFF"/>
-                </a:solidFill>
-                <a:latin typeface="Gill Sans" charset="0"/>
-                <a:ea typeface="ヒラギノ角ゴ ProN W3" charset="-128"/>
-                <a:sym typeface="Gill Sans" charset="0"/>
-              </a:defRPr>
-            </a:lvl5pPr>
-            <a:lvl6pPr marL="2514600" indent="-228600" eaLnBrk="0" fontAlgn="base" hangingPunct="0">
-              <a:spcBef>
-                <a:spcPct val="0"/>
-              </a:spcBef>
-              <a:spcAft>
-                <a:spcPct val="0"/>
-              </a:spcAft>
-              <a:defRPr sz="2000">
-                <a:solidFill>
-                  <a:srgbClr val="FFFFFF"/>
-                </a:solidFill>
-                <a:latin typeface="Gill Sans" charset="0"/>
-                <a:ea typeface="ヒラギノ角ゴ ProN W3" charset="-128"/>
-                <a:sym typeface="Gill Sans" charset="0"/>
-              </a:defRPr>
-            </a:lvl6pPr>
-            <a:lvl7pPr marL="2971800" indent="-228600" eaLnBrk="0" fontAlgn="base" hangingPunct="0">
-              <a:spcBef>
-                <a:spcPct val="0"/>
-              </a:spcBef>
-              <a:spcAft>
-                <a:spcPct val="0"/>
-              </a:spcAft>
-              <a:defRPr sz="2000">
-                <a:solidFill>
-                  <a:srgbClr val="FFFFFF"/>
-                </a:solidFill>
-                <a:latin typeface="Gill Sans" charset="0"/>
-                <a:ea typeface="ヒラギノ角ゴ ProN W3" charset="-128"/>
-                <a:sym typeface="Gill Sans" charset="0"/>
-              </a:defRPr>
-            </a:lvl7pPr>
-            <a:lvl8pPr marL="3429000" indent="-228600" eaLnBrk="0" fontAlgn="base" hangingPunct="0">
-              <a:spcBef>
-                <a:spcPct val="0"/>
-              </a:spcBef>
-              <a:spcAft>
-                <a:spcPct val="0"/>
-              </a:spcAft>
-              <a:defRPr sz="2000">
-                <a:solidFill>
-                  <a:srgbClr val="FFFFFF"/>
-                </a:solidFill>
-                <a:latin typeface="Gill Sans" charset="0"/>
-                <a:ea typeface="ヒラギノ角ゴ ProN W3" charset="-128"/>
-                <a:sym typeface="Gill Sans" charset="0"/>
-              </a:defRPr>
-            </a:lvl8pPr>
-            <a:lvl9pPr marL="3886200" indent="-228600" eaLnBrk="0" fontAlgn="base" hangingPunct="0">
-              <a:spcBef>
-                <a:spcPct val="0"/>
-              </a:spcBef>
-              <a:spcAft>
-                <a:spcPct val="0"/>
-              </a:spcAft>
-              <a:defRPr sz="2000">
-                <a:solidFill>
-                  <a:srgbClr val="FFFFFF"/>
-                </a:solidFill>
-                <a:latin typeface="Gill Sans" charset="0"/>
-                <a:ea typeface="ヒラギノ角ゴ ProN W3" charset="-128"/>
-                <a:sym typeface="Gill Sans" charset="0"/>
-              </a:defRPr>
-            </a:lvl9pPr>
-          </a:lstStyle>
-          <a:p>
-            <a:pPr algn="ctr" eaLnBrk="1" hangingPunct="1"/>
-            <a:r>
-              <a:rPr lang="en-US" altLang="x-none" sz="1200" dirty="0">
-                <a:solidFill>
-                  <a:srgbClr val="FFCC66"/>
-                </a:solidFill>
-                <a:latin typeface="Helvetica" charset="0"/>
-                <a:ea typeface="ＭＳ Ｐゴシック" charset="-128"/>
-                <a:sym typeface="Helvetica" charset="0"/>
-              </a:rPr>
-              <a:t>Continue new Contributors and Translators here</a:t>
-            </a:r>
-          </a:p>
-          <a:p>
-            <a:pPr algn="ctr" eaLnBrk="1" hangingPunct="1"/>
-            <a:endParaRPr lang="en-US" altLang="x-none" sz="1200" dirty="0">
-              <a:solidFill>
-                <a:schemeClr val="tx1"/>
-              </a:solidFill>
-              <a:latin typeface="Helvetica" charset="0"/>
-              <a:ea typeface="ＭＳ Ｐゴシック" charset="-128"/>
-              <a:sym typeface="Helvetica" charset="0"/>
-            </a:endParaRPr>
-          </a:p>
-          <a:p>
-            <a:pPr algn="ctr" eaLnBrk="1" hangingPunct="1"/>
-            <a:endParaRPr lang="en-US" altLang="x-none" sz="1200" dirty="0">
-              <a:solidFill>
-                <a:schemeClr val="tx1"/>
-              </a:solidFill>
-              <a:latin typeface="Helvetica" charset="0"/>
-              <a:ea typeface="ＭＳ Ｐゴシック" charset="-128"/>
-              <a:sym typeface="Helvetica" charset="0"/>
-            </a:endParaRPr>
-          </a:p>
-          <a:p>
-            <a:pPr algn="ctr" eaLnBrk="1" hangingPunct="1"/>
-            <a:endParaRPr lang="en-US" altLang="x-none" sz="1200" dirty="0">
-              <a:solidFill>
-                <a:schemeClr val="tx1"/>
-              </a:solidFill>
-              <a:latin typeface="Helvetica" charset="0"/>
-              <a:ea typeface="ＭＳ Ｐゴシック" charset="-128"/>
-              <a:sym typeface="Helvetica" charset="0"/>
-            </a:endParaRPr>
-          </a:p>
-          <a:p>
-            <a:pPr algn="ctr" eaLnBrk="1" hangingPunct="1"/>
-            <a:endParaRPr lang="en-US" altLang="x-none" sz="1200" dirty="0">
-              <a:solidFill>
-                <a:schemeClr val="tx1"/>
-              </a:solidFill>
-              <a:latin typeface="Helvetica" charset="0"/>
-              <a:ea typeface="ＭＳ Ｐゴシック" charset="-128"/>
-              <a:sym typeface="Helvetica" charset="0"/>
-            </a:endParaRPr>
-          </a:p>
-          <a:p>
-            <a:pPr algn="ctr" eaLnBrk="1" hangingPunct="1"/>
-            <a:endParaRPr lang="en-US" altLang="x-none" sz="1200" dirty="0">
-              <a:solidFill>
-                <a:schemeClr val="tx1"/>
-              </a:solidFill>
-              <a:latin typeface="Helvetica" charset="0"/>
-              <a:ea typeface="ＭＳ Ｐゴシック" charset="-128"/>
-              <a:sym typeface="Helvetica" charset="0"/>
-            </a:endParaRPr>
-          </a:p>
-          <a:p>
-            <a:pPr algn="ctr" eaLnBrk="1" hangingPunct="1"/>
-            <a:endParaRPr lang="en-US" altLang="x-none" sz="1200" dirty="0">
-              <a:solidFill>
-                <a:schemeClr val="tx1"/>
-              </a:solidFill>
-              <a:latin typeface="Helvetica" charset="0"/>
-              <a:ea typeface="ＭＳ Ｐゴシック" charset="-128"/>
-              <a:sym typeface="Helvetica" charset="0"/>
-            </a:endParaRPr>
-          </a:p>
-          <a:p>
-            <a:pPr algn="ctr" eaLnBrk="1" hangingPunct="1"/>
-            <a:endParaRPr lang="en-US" altLang="x-none" sz="1200" dirty="0">
-              <a:solidFill>
-                <a:schemeClr val="tx1"/>
-              </a:solidFill>
-              <a:latin typeface="Helvetica" charset="0"/>
-              <a:ea typeface="ＭＳ Ｐゴシック" charset="-128"/>
-              <a:sym typeface="Helvetica" charset="0"/>
-            </a:endParaRPr>
-          </a:p>
-          <a:p>
-            <a:pPr algn="ctr" eaLnBrk="1" hangingPunct="1"/>
-            <a:endParaRPr lang="en-US" altLang="x-none" sz="1200" dirty="0">
-              <a:solidFill>
-                <a:schemeClr val="tx1"/>
-              </a:solidFill>
-              <a:latin typeface="Helvetica" charset="0"/>
-              <a:ea typeface="ＭＳ Ｐゴシック" charset="-128"/>
-              <a:sym typeface="Helvetica" charset="0"/>
-            </a:endParaRPr>
-          </a:p>
-          <a:p>
-            <a:pPr algn="ctr" eaLnBrk="1" hangingPunct="1"/>
-            <a:endParaRPr lang="en-US" altLang="x-none" sz="1200" dirty="0">
-              <a:solidFill>
-                <a:schemeClr val="tx1"/>
-              </a:solidFill>
-              <a:latin typeface="Helvetica" charset="0"/>
-              <a:ea typeface="ＭＳ Ｐゴシック" charset="-128"/>
-              <a:sym typeface="Helvetica" charset="0"/>
-            </a:endParaRPr>
-          </a:p>
-          <a:p>
-            <a:pPr algn="ctr" eaLnBrk="1" hangingPunct="1"/>
-            <a:endParaRPr lang="en-US" altLang="x-none" sz="1200" dirty="0">
-              <a:solidFill>
-                <a:schemeClr val="tx1"/>
-              </a:solidFill>
-              <a:latin typeface="Helvetica" charset="0"/>
-              <a:ea typeface="ＭＳ Ｐゴシック" charset="-128"/>
-              <a:sym typeface="Helvetica" charset="0"/>
-            </a:endParaRPr>
-          </a:p>
-          <a:p>
-            <a:pPr algn="ctr" eaLnBrk="1" hangingPunct="1"/>
-            <a:endParaRPr lang="en-US" altLang="x-none" sz="1200" dirty="0">
-              <a:solidFill>
-                <a:schemeClr val="tx1"/>
-              </a:solidFill>
-              <a:latin typeface="Helvetica" charset="0"/>
-              <a:ea typeface="ＭＳ Ｐゴシック" charset="-128"/>
-              <a:sym typeface="Helvetica" charset="0"/>
-            </a:endParaRPr>
-          </a:p>
-          <a:p>
-            <a:pPr algn="ctr" eaLnBrk="1" hangingPunct="1"/>
-            <a:endParaRPr lang="en-US" altLang="x-none" sz="1200" dirty="0">
-              <a:solidFill>
-                <a:schemeClr val="tx1"/>
-              </a:solidFill>
-              <a:latin typeface="Helvetica" charset="0"/>
-              <a:ea typeface="ＭＳ Ｐゴシック" charset="-128"/>
-              <a:sym typeface="Helvetica" charset="0"/>
-            </a:endParaRPr>
-          </a:p>
-          <a:p>
-            <a:pPr algn="ctr" eaLnBrk="1" hangingPunct="1"/>
-            <a:endParaRPr lang="en-US" altLang="x-none" sz="1200" dirty="0">
-              <a:solidFill>
-                <a:schemeClr val="tx1"/>
-              </a:solidFill>
-              <a:latin typeface="Helvetica" charset="0"/>
-              <a:ea typeface="ＭＳ Ｐゴシック" charset="-128"/>
-              <a:sym typeface="Helvetica" charset="0"/>
-            </a:endParaRPr>
-          </a:p>
-          <a:p>
-            <a:pPr algn="ctr" eaLnBrk="1" hangingPunct="1"/>
-            <a:endParaRPr lang="en-US" altLang="x-none" sz="1200" dirty="0">
-              <a:solidFill>
-                <a:schemeClr val="tx1"/>
-              </a:solidFill>
-              <a:latin typeface="Helvetica" charset="0"/>
-              <a:ea typeface="ＭＳ Ｐゴシック" charset="-128"/>
-              <a:sym typeface="Helvetica" charset="0"/>
-            </a:endParaRPr>
-          </a:p>
-          <a:p>
-            <a:pPr algn="ctr" eaLnBrk="1" hangingPunct="1"/>
-            <a:endParaRPr lang="en-US" altLang="x-none" sz="1200" dirty="0">
-              <a:solidFill>
-                <a:schemeClr val="tx1"/>
-              </a:solidFill>
-              <a:latin typeface="Helvetica" charset="0"/>
-              <a:ea typeface="ＭＳ Ｐゴシック" charset="-128"/>
-              <a:sym typeface="Helvetica" charset="0"/>
-            </a:endParaRPr>
-          </a:p>
-          <a:p>
-            <a:pPr algn="ctr" eaLnBrk="1" hangingPunct="1"/>
-            <a:endParaRPr lang="en-US" altLang="x-none" sz="1200" dirty="0">
-              <a:solidFill>
-                <a:schemeClr val="tx1"/>
-              </a:solidFill>
-              <a:latin typeface="Helvetica" charset="0"/>
-              <a:ea typeface="ＭＳ Ｐゴシック" charset="-128"/>
-              <a:sym typeface="Helvetica" charset="0"/>
-            </a:endParaRPr>
-          </a:p>
-          <a:p>
-            <a:pPr algn="ctr" eaLnBrk="1" hangingPunct="1"/>
-            <a:endParaRPr lang="en-US" altLang="x-none" sz="1200" dirty="0">
-              <a:solidFill>
-                <a:schemeClr val="tx1"/>
-              </a:solidFill>
-              <a:latin typeface="Helvetica" charset="0"/>
-              <a:ea typeface="ＭＳ Ｐゴシック" charset="-128"/>
-              <a:sym typeface="Helvetica" charset="0"/>
-            </a:endParaRPr>
-          </a:p>
-          <a:p>
-            <a:pPr algn="ctr" eaLnBrk="1" hangingPunct="1"/>
-            <a:endParaRPr lang="en-US" altLang="x-none" sz="1200" dirty="0">
-              <a:solidFill>
-                <a:schemeClr val="tx1"/>
-              </a:solidFill>
-              <a:latin typeface="Helvetica" charset="0"/>
-              <a:ea typeface="ＭＳ Ｐゴシック" charset="-128"/>
-              <a:sym typeface="Helvetica" charset="0"/>
-            </a:endParaRPr>
-          </a:p>
-          <a:p>
-            <a:pPr algn="ctr" eaLnBrk="1" hangingPunct="1"/>
-            <a:endParaRPr lang="en-US" altLang="x-none" sz="1200" dirty="0" smtClean="0">
-              <a:solidFill>
-                <a:schemeClr val="tx1"/>
-              </a:solidFill>
-              <a:latin typeface="Helvetica" charset="0"/>
-              <a:ea typeface="ＭＳ Ｐゴシック" charset="-128"/>
-              <a:sym typeface="Helvetica" charset="0"/>
-            </a:endParaRPr>
-          </a:p>
-          <a:p>
-            <a:pPr algn="ctr" eaLnBrk="1" hangingPunct="1"/>
-            <a:endParaRPr lang="en-US" altLang="x-none" sz="1200" dirty="0">
-              <a:solidFill>
-                <a:schemeClr val="tx1"/>
-              </a:solidFill>
-              <a:latin typeface="Helvetica" charset="0"/>
-              <a:ea typeface="ＭＳ Ｐゴシック" charset="-128"/>
-              <a:sym typeface="Helvetica" charset="0"/>
-            </a:endParaRPr>
-          </a:p>
-          <a:p>
-            <a:pPr algn="ctr" eaLnBrk="1" hangingPunct="1"/>
-            <a:endParaRPr lang="en-US" altLang="x-none" sz="1200" dirty="0" smtClean="0">
-              <a:solidFill>
-                <a:schemeClr val="tx1"/>
-              </a:solidFill>
-              <a:latin typeface="Helvetica" charset="0"/>
-              <a:ea typeface="ＭＳ Ｐゴシック" charset="-128"/>
-              <a:sym typeface="Helvetica" charset="0"/>
-            </a:endParaRPr>
-          </a:p>
-          <a:p>
-            <a:pPr algn="ctr" eaLnBrk="1" hangingPunct="1"/>
-            <a:endParaRPr lang="en-US" altLang="x-none" sz="1200" dirty="0">
-              <a:solidFill>
-                <a:schemeClr val="tx1"/>
-              </a:solidFill>
-              <a:latin typeface="Helvetica" charset="0"/>
-              <a:ea typeface="ＭＳ Ｐゴシック" charset="-128"/>
-              <a:sym typeface="Helvetica" charset="0"/>
-            </a:endParaRPr>
-          </a:p>
-          <a:p>
-            <a:pPr algn="ctr" eaLnBrk="1" hangingPunct="1"/>
-            <a:endParaRPr lang="en-US" altLang="x-none" sz="1200" dirty="0" smtClean="0">
-              <a:solidFill>
-                <a:schemeClr val="tx1"/>
-              </a:solidFill>
-              <a:latin typeface="Helvetica" charset="0"/>
-              <a:ea typeface="ＭＳ Ｐゴシック" charset="-128"/>
-              <a:sym typeface="Helvetica" charset="0"/>
-            </a:endParaRPr>
-          </a:p>
-          <a:p>
-            <a:pPr algn="ctr" eaLnBrk="1" hangingPunct="1"/>
-            <a:endParaRPr lang="en-US" altLang="x-none" sz="1200" dirty="0">
-              <a:solidFill>
-                <a:schemeClr val="tx1"/>
-              </a:solidFill>
-              <a:latin typeface="Helvetica" charset="0"/>
-              <a:ea typeface="ＭＳ Ｐゴシック" charset="-128"/>
-              <a:sym typeface="Helvetica" charset="0"/>
-            </a:endParaRPr>
-          </a:p>
-          <a:p>
-            <a:pPr algn="ctr" eaLnBrk="1" hangingPunct="1"/>
-            <a:endParaRPr lang="en-US" altLang="x-none" sz="1200" dirty="0">
-              <a:solidFill>
-                <a:schemeClr val="tx1"/>
-              </a:solidFill>
-              <a:latin typeface="Helvetica" charset="0"/>
-              <a:ea typeface="ＭＳ Ｐゴシック" charset="-128"/>
-              <a:sym typeface="Helvetica" charset="0"/>
             </a:endParaRPr>
           </a:p>
         </p:txBody>
@@ -9666,20 +9188,3590 @@
     </p:spTree>
     <p:extLst>
       <p:ext uri="{BB962C8B-B14F-4D97-AF65-F5344CB8AC3E}">
-        <p14:creationId xmlns:p14="http://schemas.microsoft.com/office/powerpoint/2010/main" val="1048975579"/>
+        <p14:creationId xmlns:p14="http://schemas.microsoft.com/office/powerpoint/2010/main" val="34056885"/>
       </p:ext>
     </p:extLst>
   </p:cSld>
   <p:clrMapOvr>
     <a:masterClrMapping/>
   </p:clrMapOvr>
-  <p:timing>
-    <p:tnLst>
-      <p:par>
-        <p:cTn id="1" dur="indefinite" restart="never" nodeType="tmRoot"/>
-      </p:par>
-    </p:tnLst>
-  </p:timing>
+</p:sld>
+</file>
+
+<file path=ppt/slides/slide24.xml><?xml version="1.0" encoding="utf-8"?>
+<p:sld xmlns:a="http://schemas.openxmlformats.org/drawingml/2006/main" xmlns:r="http://schemas.openxmlformats.org/officeDocument/2006/relationships" xmlns:p="http://schemas.openxmlformats.org/presentationml/2006/main">
+  <p:cSld>
+    <p:spTree>
+      <p:nvGrpSpPr>
+        <p:cNvPr id="1" name=""/>
+        <p:cNvGrpSpPr/>
+        <p:nvPr/>
+      </p:nvGrpSpPr>
+      <p:grpSpPr>
+        <a:xfrm>
+          <a:off x="0" y="0"/>
+          <a:ext cx="0" cy="0"/>
+          <a:chOff x="0" y="0"/>
+          <a:chExt cx="0" cy="0"/>
+        </a:xfrm>
+      </p:grpSpPr>
+      <p:sp>
+        <p:nvSpPr>
+          <p:cNvPr id="4" name="Title 3"/>
+          <p:cNvSpPr>
+            <a:spLocks noGrp="1"/>
+          </p:cNvSpPr>
+          <p:nvPr>
+            <p:ph type="title"/>
+          </p:nvPr>
+        </p:nvSpPr>
+        <p:spPr/>
+        <p:txBody>
+          <a:bodyPr/>
+          <a:lstStyle/>
+          <a:p>
+            <a:r>
+              <a:rPr lang="en-US" dirty="0" smtClean="0"/>
+              <a:t>CSRF Defense</a:t>
+            </a:r>
+            <a:endParaRPr lang="en-US" dirty="0"/>
+          </a:p>
+        </p:txBody>
+      </p:sp>
+      <p:sp>
+        <p:nvSpPr>
+          <p:cNvPr id="5" name="Content Placeholder 4"/>
+          <p:cNvSpPr>
+            <a:spLocks noGrp="1"/>
+          </p:cNvSpPr>
+          <p:nvPr>
+            <p:ph idx="1"/>
+          </p:nvPr>
+        </p:nvSpPr>
+        <p:spPr/>
+        <p:txBody>
+          <a:bodyPr/>
+          <a:lstStyle/>
+          <a:p>
+            <a:r>
+              <a:rPr lang="en-US" dirty="0" smtClean="0"/>
+              <a:t>The legitimate site chooses a large random number (the CRRF Token) and puts it in the session</a:t>
+            </a:r>
+          </a:p>
+          <a:p>
+            <a:r>
+              <a:rPr lang="en-US" dirty="0" smtClean="0"/>
+              <a:t>When the legitimate site generates a POST form, it includes the CSRF Token as a hidden input field</a:t>
+            </a:r>
+          </a:p>
+          <a:p>
+            <a:r>
+              <a:rPr lang="en-US" dirty="0" smtClean="0"/>
+              <a:t>When the form is submitted the CSRF Token is sent as well as the cookie</a:t>
+            </a:r>
+          </a:p>
+          <a:p>
+            <a:r>
+              <a:rPr lang="en-US" dirty="0" smtClean="0"/>
+              <a:t>The site looks up the session and rejects the request if the incoming CSRF Token does not match the session's CSRF Token</a:t>
+            </a:r>
+          </a:p>
+          <a:p>
+            <a:pPr lvl="1"/>
+            <a:endParaRPr lang="en-US" dirty="0"/>
+          </a:p>
+        </p:txBody>
+      </p:sp>
+      <p:sp>
+        <p:nvSpPr>
+          <p:cNvPr id="6" name="Rectangle 5"/>
+          <p:cNvSpPr/>
+          <p:nvPr/>
+        </p:nvSpPr>
+        <p:spPr>
+          <a:xfrm>
+            <a:off x="5210580" y="5616060"/>
+            <a:ext cx="6143220" cy="400110"/>
+          </a:xfrm>
+          <a:prstGeom prst="rect">
+            <a:avLst/>
+          </a:prstGeom>
+        </p:spPr>
+        <p:txBody>
+          <a:bodyPr wrap="none">
+            <a:spAutoFit/>
+          </a:bodyPr>
+          <a:lstStyle/>
+          <a:p>
+            <a:r>
+              <a:rPr lang="en-US" sz="2000" dirty="0">
+                <a:solidFill>
+                  <a:srgbClr val="FFFF00"/>
+                </a:solidFill>
+              </a:rPr>
+              <a:t>https://</a:t>
+            </a:r>
+            <a:r>
+              <a:rPr lang="en-US" sz="2000" dirty="0" err="1">
+                <a:solidFill>
+                  <a:srgbClr val="FFFF00"/>
+                </a:solidFill>
+              </a:rPr>
+              <a:t>en.wikipedia.org</a:t>
+            </a:r>
+            <a:r>
+              <a:rPr lang="en-US" sz="2000" dirty="0">
+                <a:solidFill>
+                  <a:srgbClr val="FFFF00"/>
+                </a:solidFill>
+              </a:rPr>
+              <a:t>/wiki/Cross-</a:t>
+            </a:r>
+            <a:r>
+              <a:rPr lang="en-US" sz="2000" dirty="0" err="1">
+                <a:solidFill>
+                  <a:srgbClr val="FFFF00"/>
+                </a:solidFill>
+              </a:rPr>
+              <a:t>site_request_forgery</a:t>
+            </a:r>
+            <a:endParaRPr lang="en-US" sz="2000" dirty="0">
+              <a:solidFill>
+                <a:srgbClr val="FFFF00"/>
+              </a:solidFill>
+            </a:endParaRPr>
+          </a:p>
+        </p:txBody>
+      </p:sp>
+    </p:spTree>
+    <p:extLst>
+      <p:ext uri="{BB962C8B-B14F-4D97-AF65-F5344CB8AC3E}">
+        <p14:creationId xmlns:p14="http://schemas.microsoft.com/office/powerpoint/2010/main" val="322838158"/>
+      </p:ext>
+    </p:extLst>
+  </p:cSld>
+  <p:clrMapOvr>
+    <a:masterClrMapping/>
+  </p:clrMapOvr>
+</p:sld>
+</file>
+
+<file path=ppt/slides/slide25.xml><?xml version="1.0" encoding="utf-8"?>
+<p:sld xmlns:a="http://schemas.openxmlformats.org/drawingml/2006/main" xmlns:r="http://schemas.openxmlformats.org/officeDocument/2006/relationships" xmlns:p="http://schemas.openxmlformats.org/presentationml/2006/main">
+  <p:cSld>
+    <p:spTree>
+      <p:nvGrpSpPr>
+        <p:cNvPr id="1" name=""/>
+        <p:cNvGrpSpPr/>
+        <p:nvPr/>
+      </p:nvGrpSpPr>
+      <p:grpSpPr>
+        <a:xfrm>
+          <a:off x="0" y="0"/>
+          <a:ext cx="0" cy="0"/>
+          <a:chOff x="0" y="0"/>
+          <a:chExt cx="0" cy="0"/>
+        </a:xfrm>
+      </p:grpSpPr>
+      <p:sp>
+        <p:nvSpPr>
+          <p:cNvPr id="4" name="Title 3"/>
+          <p:cNvSpPr>
+            <a:spLocks noGrp="1"/>
+          </p:cNvSpPr>
+          <p:nvPr>
+            <p:ph type="title"/>
+          </p:nvPr>
+        </p:nvSpPr>
+        <p:spPr/>
+        <p:txBody>
+          <a:bodyPr/>
+          <a:lstStyle/>
+          <a:p>
+            <a:r>
+              <a:rPr lang="en-US" dirty="0" smtClean="0"/>
+              <a:t>Scenario: Time to Change a Student Grade</a:t>
+            </a:r>
+            <a:endParaRPr lang="en-US" dirty="0"/>
+          </a:p>
+        </p:txBody>
+      </p:sp>
+      <p:sp>
+        <p:nvSpPr>
+          <p:cNvPr id="6" name="Rectangle 5"/>
+          <p:cNvSpPr/>
+          <p:nvPr/>
+        </p:nvSpPr>
+        <p:spPr>
+          <a:xfrm>
+            <a:off x="531690" y="1885954"/>
+            <a:ext cx="4712292" cy="4443412"/>
+          </a:xfrm>
+          <a:prstGeom prst="rect">
+            <a:avLst/>
+          </a:prstGeom>
+        </p:spPr>
+        <p:style>
+          <a:lnRef idx="2">
+            <a:schemeClr val="accent1">
+              <a:shade val="50000"/>
+            </a:schemeClr>
+          </a:lnRef>
+          <a:fillRef idx="1">
+            <a:schemeClr val="accent1"/>
+          </a:fillRef>
+          <a:effectRef idx="0">
+            <a:schemeClr val="accent1"/>
+          </a:effectRef>
+          <a:fontRef idx="minor">
+            <a:schemeClr val="lt1"/>
+          </a:fontRef>
+        </p:style>
+        <p:txBody>
+          <a:bodyPr rtlCol="0" anchor="t"/>
+          <a:lstStyle/>
+          <a:p>
+            <a:r>
+              <a:rPr lang="en-US" dirty="0" smtClean="0"/>
+              <a:t>Browser</a:t>
+            </a:r>
+            <a:endParaRPr lang="en-US" dirty="0"/>
+          </a:p>
+        </p:txBody>
+      </p:sp>
+      <p:sp>
+        <p:nvSpPr>
+          <p:cNvPr id="7" name="Rectangle 6"/>
+          <p:cNvSpPr/>
+          <p:nvPr/>
+        </p:nvSpPr>
+        <p:spPr>
+          <a:xfrm>
+            <a:off x="8060338" y="1690688"/>
+            <a:ext cx="1680371" cy="4638677"/>
+          </a:xfrm>
+          <a:prstGeom prst="rect">
+            <a:avLst/>
+          </a:prstGeom>
+        </p:spPr>
+        <p:style>
+          <a:lnRef idx="2">
+            <a:schemeClr val="accent1">
+              <a:shade val="50000"/>
+            </a:schemeClr>
+          </a:lnRef>
+          <a:fillRef idx="1">
+            <a:schemeClr val="accent1"/>
+          </a:fillRef>
+          <a:effectRef idx="0">
+            <a:schemeClr val="accent1"/>
+          </a:effectRef>
+          <a:fontRef idx="minor">
+            <a:schemeClr val="lt1"/>
+          </a:fontRef>
+        </p:style>
+        <p:txBody>
+          <a:bodyPr rtlCol="0" anchor="t"/>
+          <a:lstStyle/>
+          <a:p>
+            <a:r>
+              <a:rPr lang="en-US" dirty="0" smtClean="0"/>
+              <a:t>www.dj4e.com</a:t>
+            </a:r>
+            <a:endParaRPr lang="en-US" dirty="0"/>
+          </a:p>
+        </p:txBody>
+      </p:sp>
+      <p:sp>
+        <p:nvSpPr>
+          <p:cNvPr id="8" name="Can 7"/>
+          <p:cNvSpPr/>
+          <p:nvPr/>
+        </p:nvSpPr>
+        <p:spPr>
+          <a:xfrm>
+            <a:off x="10082603" y="3541455"/>
+            <a:ext cx="1721018" cy="1399131"/>
+          </a:xfrm>
+          <a:prstGeom prst="can">
+            <a:avLst/>
+          </a:prstGeom>
+        </p:spPr>
+        <p:style>
+          <a:lnRef idx="2">
+            <a:schemeClr val="accent1">
+              <a:shade val="50000"/>
+            </a:schemeClr>
+          </a:lnRef>
+          <a:fillRef idx="1">
+            <a:schemeClr val="accent1"/>
+          </a:fillRef>
+          <a:effectRef idx="0">
+            <a:schemeClr val="accent1"/>
+          </a:effectRef>
+          <a:fontRef idx="minor">
+            <a:schemeClr val="lt1"/>
+          </a:fontRef>
+        </p:style>
+        <p:txBody>
+          <a:bodyPr rtlCol="0" anchor="ctr"/>
+          <a:lstStyle/>
+          <a:p>
+            <a:pPr algn="ctr"/>
+            <a:r>
+              <a:rPr lang="en-US" dirty="0" smtClean="0"/>
+              <a:t>user: csev</a:t>
+            </a:r>
+          </a:p>
+          <a:p>
+            <a:pPr algn="ctr"/>
+            <a:r>
+              <a:rPr lang="en-US" dirty="0" smtClean="0"/>
+              <a:t>instructor: true</a:t>
+            </a:r>
+          </a:p>
+        </p:txBody>
+      </p:sp>
+      <p:sp>
+        <p:nvSpPr>
+          <p:cNvPr id="9" name="Rectangle 8"/>
+          <p:cNvSpPr/>
+          <p:nvPr/>
+        </p:nvSpPr>
+        <p:spPr>
+          <a:xfrm>
+            <a:off x="2809626" y="4792580"/>
+            <a:ext cx="1671638" cy="1300163"/>
+          </a:xfrm>
+          <a:prstGeom prst="rect">
+            <a:avLst/>
+          </a:prstGeom>
+          <a:solidFill>
+            <a:schemeClr val="accent3"/>
+          </a:solidFill>
+        </p:spPr>
+        <p:style>
+          <a:lnRef idx="2">
+            <a:schemeClr val="accent1">
+              <a:shade val="50000"/>
+            </a:schemeClr>
+          </a:lnRef>
+          <a:fillRef idx="1">
+            <a:schemeClr val="accent1"/>
+          </a:fillRef>
+          <a:effectRef idx="0">
+            <a:schemeClr val="accent1"/>
+          </a:effectRef>
+          <a:fontRef idx="minor">
+            <a:schemeClr val="lt1"/>
+          </a:fontRef>
+        </p:style>
+        <p:txBody>
+          <a:bodyPr rtlCol="0" anchor="t"/>
+          <a:lstStyle/>
+          <a:p>
+            <a:r>
+              <a:rPr lang="en-US" dirty="0" smtClean="0"/>
+              <a:t>cookies</a:t>
+            </a:r>
+          </a:p>
+          <a:p>
+            <a:r>
+              <a:rPr lang="en-US" dirty="0" smtClean="0"/>
+              <a:t>www.dj4e.com</a:t>
+            </a:r>
+          </a:p>
+          <a:p>
+            <a:r>
+              <a:rPr lang="en-US" dirty="0" err="1" smtClean="0"/>
+              <a:t>sessid</a:t>
+            </a:r>
+            <a:r>
+              <a:rPr lang="en-US" dirty="0" smtClean="0"/>
+              <a:t>: 42</a:t>
+            </a:r>
+            <a:endParaRPr lang="en-US" dirty="0"/>
+          </a:p>
+        </p:txBody>
+      </p:sp>
+      <p:graphicFrame>
+        <p:nvGraphicFramePr>
+          <p:cNvPr id="11" name="Table 10"/>
+          <p:cNvGraphicFramePr>
+            <a:graphicFrameLocks noGrp="1"/>
+          </p:cNvGraphicFramePr>
+          <p:nvPr/>
+        </p:nvGraphicFramePr>
+        <p:xfrm>
+          <a:off x="10082603" y="5156194"/>
+          <a:ext cx="1859568" cy="1107440"/>
+        </p:xfrm>
+        <a:graphic>
+          <a:graphicData uri="http://schemas.openxmlformats.org/drawingml/2006/table">
+            <a:tbl>
+              <a:tblPr firstRow="1" bandRow="1">
+                <a:tableStyleId>{5C22544A-7EE6-4342-B048-85BDC9FD1C3A}</a:tableStyleId>
+              </a:tblPr>
+              <a:tblGrid>
+                <a:gridCol w="929784"/>
+                <a:gridCol w="929784"/>
+              </a:tblGrid>
+              <a:tr h="0">
+                <a:tc>
+                  <a:txBody>
+                    <a:bodyPr/>
+                    <a:lstStyle/>
+                    <a:p>
+                      <a:r>
+                        <a:rPr lang="en-US" dirty="0" smtClean="0"/>
+                        <a:t>Student</a:t>
+                      </a:r>
+                      <a:endParaRPr lang="en-US" dirty="0"/>
+                    </a:p>
+                  </a:txBody>
+                  <a:tcPr/>
+                </a:tc>
+                <a:tc>
+                  <a:txBody>
+                    <a:bodyPr/>
+                    <a:lstStyle/>
+                    <a:p>
+                      <a:r>
+                        <a:rPr lang="en-US" dirty="0" smtClean="0"/>
+                        <a:t>Grade</a:t>
+                      </a:r>
+                      <a:endParaRPr lang="en-US" dirty="0"/>
+                    </a:p>
+                  </a:txBody>
+                  <a:tcPr/>
+                </a:tc>
+              </a:tr>
+              <a:tr h="370840">
+                <a:tc>
+                  <a:txBody>
+                    <a:bodyPr/>
+                    <a:lstStyle/>
+                    <a:p>
+                      <a:r>
+                        <a:rPr lang="en-US" dirty="0" smtClean="0"/>
+                        <a:t>123</a:t>
+                      </a:r>
+                      <a:endParaRPr lang="en-US" dirty="0"/>
+                    </a:p>
+                  </a:txBody>
+                  <a:tcPr/>
+                </a:tc>
+                <a:tc>
+                  <a:txBody>
+                    <a:bodyPr/>
+                    <a:lstStyle/>
+                    <a:p>
+                      <a:r>
+                        <a:rPr lang="en-US" dirty="0" smtClean="0"/>
+                        <a:t>0.5</a:t>
+                      </a:r>
+                      <a:endParaRPr lang="en-US" dirty="0"/>
+                    </a:p>
+                  </a:txBody>
+                  <a:tcPr/>
+                </a:tc>
+              </a:tr>
+              <a:tr h="370840">
+                <a:tc>
+                  <a:txBody>
+                    <a:bodyPr/>
+                    <a:lstStyle/>
+                    <a:p>
+                      <a:r>
+                        <a:rPr lang="en-US" dirty="0" smtClean="0"/>
+                        <a:t>456</a:t>
+                      </a:r>
+                      <a:endParaRPr lang="en-US" dirty="0"/>
+                    </a:p>
+                  </a:txBody>
+                  <a:tcPr/>
+                </a:tc>
+                <a:tc>
+                  <a:txBody>
+                    <a:bodyPr/>
+                    <a:lstStyle/>
+                    <a:p>
+                      <a:r>
+                        <a:rPr lang="en-US" dirty="0" smtClean="0"/>
+                        <a:t>1.0</a:t>
+                      </a:r>
+                      <a:endParaRPr lang="en-US" dirty="0"/>
+                    </a:p>
+                  </a:txBody>
+                  <a:tcPr/>
+                </a:tc>
+              </a:tr>
+            </a:tbl>
+          </a:graphicData>
+        </a:graphic>
+      </p:graphicFrame>
+      <p:sp>
+        <p:nvSpPr>
+          <p:cNvPr id="12" name="TextBox 11"/>
+          <p:cNvSpPr txBox="1"/>
+          <p:nvPr/>
+        </p:nvSpPr>
+        <p:spPr>
+          <a:xfrm>
+            <a:off x="10758497" y="3543307"/>
+            <a:ext cx="457200" cy="369332"/>
+          </a:xfrm>
+          <a:prstGeom prst="rect">
+            <a:avLst/>
+          </a:prstGeom>
+          <a:noFill/>
+        </p:spPr>
+        <p:txBody>
+          <a:bodyPr wrap="square" rtlCol="0">
+            <a:spAutoFit/>
+          </a:bodyPr>
+          <a:lstStyle/>
+          <a:p>
+            <a:r>
+              <a:rPr lang="en-US" dirty="0" smtClean="0">
+                <a:solidFill>
+                  <a:schemeClr val="bg1"/>
+                </a:solidFill>
+              </a:rPr>
+              <a:t>42</a:t>
+            </a:r>
+            <a:endParaRPr lang="en-US" dirty="0">
+              <a:solidFill>
+                <a:schemeClr val="bg1"/>
+              </a:solidFill>
+            </a:endParaRPr>
+          </a:p>
+        </p:txBody>
+      </p:sp>
+      <p:sp>
+        <p:nvSpPr>
+          <p:cNvPr id="13" name="TextBox 12"/>
+          <p:cNvSpPr txBox="1"/>
+          <p:nvPr/>
+        </p:nvSpPr>
+        <p:spPr>
+          <a:xfrm>
+            <a:off x="705565" y="2821671"/>
+            <a:ext cx="4463851" cy="1754326"/>
+          </a:xfrm>
+          <a:prstGeom prst="rect">
+            <a:avLst/>
+          </a:prstGeom>
+          <a:noFill/>
+        </p:spPr>
+        <p:txBody>
+          <a:bodyPr wrap="none" rtlCol="0">
+            <a:spAutoFit/>
+          </a:bodyPr>
+          <a:lstStyle/>
+          <a:p>
+            <a:r>
+              <a:rPr lang="en-US" dirty="0" smtClean="0"/>
+              <a:t>&lt;form method="post"</a:t>
+            </a:r>
+          </a:p>
+          <a:p>
+            <a:r>
+              <a:rPr lang="en-US" dirty="0" smtClean="0"/>
+              <a:t>action="https://www.dj4e.com/grades/123"&gt;</a:t>
+            </a:r>
+          </a:p>
+          <a:p>
+            <a:r>
+              <a:rPr lang="en-US" dirty="0" smtClean="0"/>
+              <a:t>&lt;</a:t>
+            </a:r>
+            <a:r>
+              <a:rPr lang="en-US" dirty="0"/>
+              <a:t>input type="text" name</a:t>
+            </a:r>
+            <a:r>
+              <a:rPr lang="en-US" dirty="0" smtClean="0"/>
+              <a:t>="id" value="0.5"&gt;</a:t>
+            </a:r>
+          </a:p>
+          <a:p>
+            <a:r>
+              <a:rPr lang="en-US" dirty="0" smtClean="0"/>
+              <a:t>&lt;input type="text" name="new-grade"&gt;</a:t>
+            </a:r>
+          </a:p>
+          <a:p>
+            <a:r>
+              <a:rPr lang="en-US" dirty="0" smtClean="0"/>
+              <a:t>&lt;input type="submit"&gt;</a:t>
+            </a:r>
+          </a:p>
+          <a:p>
+            <a:r>
+              <a:rPr lang="en-US" dirty="0" smtClean="0"/>
+              <a:t>&lt;/form&gt;</a:t>
+            </a:r>
+            <a:endParaRPr lang="en-US" dirty="0"/>
+          </a:p>
+        </p:txBody>
+      </p:sp>
+      <p:sp>
+        <p:nvSpPr>
+          <p:cNvPr id="14" name="Rounded Rectangle 13"/>
+          <p:cNvSpPr/>
+          <p:nvPr/>
+        </p:nvSpPr>
+        <p:spPr>
+          <a:xfrm>
+            <a:off x="5715000" y="4397803"/>
+            <a:ext cx="2055819" cy="1588660"/>
+          </a:xfrm>
+          <a:prstGeom prst="roundRect">
+            <a:avLst/>
+          </a:prstGeom>
+          <a:solidFill>
+            <a:schemeClr val="accent4"/>
+          </a:solidFill>
+        </p:spPr>
+        <p:style>
+          <a:lnRef idx="2">
+            <a:schemeClr val="accent1">
+              <a:shade val="50000"/>
+            </a:schemeClr>
+          </a:lnRef>
+          <a:fillRef idx="1">
+            <a:schemeClr val="accent1"/>
+          </a:fillRef>
+          <a:effectRef idx="0">
+            <a:schemeClr val="accent1"/>
+          </a:effectRef>
+          <a:fontRef idx="minor">
+            <a:schemeClr val="lt1"/>
+          </a:fontRef>
+        </p:style>
+        <p:txBody>
+          <a:bodyPr rtlCol="0" anchor="ctr"/>
+          <a:lstStyle/>
+          <a:p>
+            <a:r>
+              <a:rPr lang="en-US" dirty="0" smtClean="0"/>
+              <a:t>POST /grades/123</a:t>
+            </a:r>
+          </a:p>
+          <a:p>
+            <a:r>
+              <a:rPr lang="en-US" dirty="0" smtClean="0"/>
+              <a:t>cookie: </a:t>
+            </a:r>
+            <a:r>
+              <a:rPr lang="en-US" dirty="0" err="1" smtClean="0"/>
+              <a:t>sessid</a:t>
+            </a:r>
+            <a:r>
+              <a:rPr lang="en-US" dirty="0" smtClean="0"/>
+              <a:t>=42</a:t>
+            </a:r>
+          </a:p>
+          <a:p>
+            <a:endParaRPr lang="en-US" dirty="0" smtClean="0"/>
+          </a:p>
+          <a:p>
+            <a:r>
+              <a:rPr lang="en-US" dirty="0" smtClean="0"/>
+              <a:t>new-grade=0.5</a:t>
+            </a:r>
+          </a:p>
+        </p:txBody>
+      </p:sp>
+      <p:cxnSp>
+        <p:nvCxnSpPr>
+          <p:cNvPr id="16" name="Straight Arrow Connector 15"/>
+          <p:cNvCxnSpPr/>
+          <p:nvPr/>
+        </p:nvCxnSpPr>
+        <p:spPr>
+          <a:xfrm flipH="1">
+            <a:off x="4186238" y="2616072"/>
+            <a:ext cx="3874100" cy="332731"/>
+          </a:xfrm>
+          <a:prstGeom prst="straightConnector1">
+            <a:avLst/>
+          </a:prstGeom>
+          <a:ln w="38100">
+            <a:solidFill>
+              <a:schemeClr val="tx1"/>
+            </a:solidFill>
+            <a:tailEnd type="triangle"/>
+          </a:ln>
+        </p:spPr>
+        <p:style>
+          <a:lnRef idx="1">
+            <a:schemeClr val="accent1"/>
+          </a:lnRef>
+          <a:fillRef idx="0">
+            <a:schemeClr val="accent1"/>
+          </a:fillRef>
+          <a:effectRef idx="0">
+            <a:schemeClr val="accent1"/>
+          </a:effectRef>
+          <a:fontRef idx="minor">
+            <a:schemeClr val="tx1"/>
+          </a:fontRef>
+        </p:style>
+      </p:cxnSp>
+      <p:cxnSp>
+        <p:nvCxnSpPr>
+          <p:cNvPr id="18" name="Straight Arrow Connector 17"/>
+          <p:cNvCxnSpPr>
+            <a:endCxn id="14" idx="1"/>
+          </p:cNvCxnSpPr>
+          <p:nvPr/>
+        </p:nvCxnSpPr>
+        <p:spPr>
+          <a:xfrm>
+            <a:off x="4186238" y="4098383"/>
+            <a:ext cx="1528762" cy="1093750"/>
+          </a:xfrm>
+          <a:prstGeom prst="straightConnector1">
+            <a:avLst/>
+          </a:prstGeom>
+          <a:ln w="38100">
+            <a:solidFill>
+              <a:schemeClr val="tx1"/>
+            </a:solidFill>
+            <a:tailEnd type="triangle"/>
+          </a:ln>
+        </p:spPr>
+        <p:style>
+          <a:lnRef idx="1">
+            <a:schemeClr val="accent1"/>
+          </a:lnRef>
+          <a:fillRef idx="0">
+            <a:schemeClr val="accent1"/>
+          </a:fillRef>
+          <a:effectRef idx="0">
+            <a:schemeClr val="accent1"/>
+          </a:effectRef>
+          <a:fontRef idx="minor">
+            <a:schemeClr val="tx1"/>
+          </a:fontRef>
+        </p:style>
+      </p:cxnSp>
+      <p:cxnSp>
+        <p:nvCxnSpPr>
+          <p:cNvPr id="21" name="Straight Arrow Connector 20"/>
+          <p:cNvCxnSpPr>
+            <a:stCxn id="9" idx="3"/>
+            <a:endCxn id="14" idx="1"/>
+          </p:cNvCxnSpPr>
+          <p:nvPr/>
+        </p:nvCxnSpPr>
+        <p:spPr>
+          <a:xfrm flipV="1">
+            <a:off x="4481264" y="5192133"/>
+            <a:ext cx="1233736" cy="250529"/>
+          </a:xfrm>
+          <a:prstGeom prst="straightConnector1">
+            <a:avLst/>
+          </a:prstGeom>
+          <a:ln w="38100">
+            <a:solidFill>
+              <a:schemeClr val="tx1"/>
+            </a:solidFill>
+            <a:tailEnd type="triangle"/>
+          </a:ln>
+        </p:spPr>
+        <p:style>
+          <a:lnRef idx="1">
+            <a:schemeClr val="accent1"/>
+          </a:lnRef>
+          <a:fillRef idx="0">
+            <a:schemeClr val="accent1"/>
+          </a:fillRef>
+          <a:effectRef idx="0">
+            <a:schemeClr val="accent1"/>
+          </a:effectRef>
+          <a:fontRef idx="minor">
+            <a:schemeClr val="tx1"/>
+          </a:fontRef>
+        </p:style>
+      </p:cxnSp>
+      <p:cxnSp>
+        <p:nvCxnSpPr>
+          <p:cNvPr id="24" name="Straight Arrow Connector 23"/>
+          <p:cNvCxnSpPr>
+            <a:stCxn id="14" idx="3"/>
+          </p:cNvCxnSpPr>
+          <p:nvPr/>
+        </p:nvCxnSpPr>
+        <p:spPr>
+          <a:xfrm flipV="1">
+            <a:off x="7770819" y="5156195"/>
+            <a:ext cx="1001706" cy="35938"/>
+          </a:xfrm>
+          <a:prstGeom prst="straightConnector1">
+            <a:avLst/>
+          </a:prstGeom>
+          <a:ln w="38100">
+            <a:solidFill>
+              <a:schemeClr val="tx1"/>
+            </a:solidFill>
+            <a:tailEnd type="triangle"/>
+          </a:ln>
+        </p:spPr>
+        <p:style>
+          <a:lnRef idx="1">
+            <a:schemeClr val="accent1"/>
+          </a:lnRef>
+          <a:fillRef idx="0">
+            <a:schemeClr val="accent1"/>
+          </a:fillRef>
+          <a:effectRef idx="0">
+            <a:schemeClr val="accent1"/>
+          </a:effectRef>
+          <a:fontRef idx="minor">
+            <a:schemeClr val="tx1"/>
+          </a:fontRef>
+        </p:style>
+      </p:cxnSp>
+      <p:cxnSp>
+        <p:nvCxnSpPr>
+          <p:cNvPr id="28" name="Straight Arrow Connector 27"/>
+          <p:cNvCxnSpPr>
+            <a:stCxn id="8" idx="2"/>
+          </p:cNvCxnSpPr>
+          <p:nvPr/>
+        </p:nvCxnSpPr>
+        <p:spPr>
+          <a:xfrm flipH="1">
+            <a:off x="8787121" y="4241021"/>
+            <a:ext cx="1295482" cy="915173"/>
+          </a:xfrm>
+          <a:prstGeom prst="straightConnector1">
+            <a:avLst/>
+          </a:prstGeom>
+          <a:ln w="38100">
+            <a:solidFill>
+              <a:schemeClr val="tx1"/>
+            </a:solidFill>
+            <a:tailEnd type="triangle"/>
+          </a:ln>
+        </p:spPr>
+        <p:style>
+          <a:lnRef idx="1">
+            <a:schemeClr val="accent1"/>
+          </a:lnRef>
+          <a:fillRef idx="0">
+            <a:schemeClr val="accent1"/>
+          </a:fillRef>
+          <a:effectRef idx="0">
+            <a:schemeClr val="accent1"/>
+          </a:effectRef>
+          <a:fontRef idx="minor">
+            <a:schemeClr val="tx1"/>
+          </a:fontRef>
+        </p:style>
+      </p:cxnSp>
+      <p:cxnSp>
+        <p:nvCxnSpPr>
+          <p:cNvPr id="51" name="Straight Arrow Connector 50"/>
+          <p:cNvCxnSpPr>
+            <a:endCxn id="11" idx="1"/>
+          </p:cNvCxnSpPr>
+          <p:nvPr/>
+        </p:nvCxnSpPr>
+        <p:spPr>
+          <a:xfrm>
+            <a:off x="8787121" y="5192133"/>
+            <a:ext cx="1295482" cy="517781"/>
+          </a:xfrm>
+          <a:prstGeom prst="straightConnector1">
+            <a:avLst/>
+          </a:prstGeom>
+          <a:ln w="38100">
+            <a:solidFill>
+              <a:schemeClr val="tx1"/>
+            </a:solidFill>
+            <a:tailEnd type="triangle"/>
+          </a:ln>
+        </p:spPr>
+        <p:style>
+          <a:lnRef idx="1">
+            <a:schemeClr val="accent1"/>
+          </a:lnRef>
+          <a:fillRef idx="0">
+            <a:schemeClr val="accent1"/>
+          </a:fillRef>
+          <a:effectRef idx="0">
+            <a:schemeClr val="accent1"/>
+          </a:effectRef>
+          <a:fontRef idx="minor">
+            <a:schemeClr val="tx1"/>
+          </a:fontRef>
+        </p:style>
+      </p:cxnSp>
+    </p:spTree>
+    <p:extLst>
+      <p:ext uri="{BB962C8B-B14F-4D97-AF65-F5344CB8AC3E}">
+        <p14:creationId xmlns:p14="http://schemas.microsoft.com/office/powerpoint/2010/main" val="1929152056"/>
+      </p:ext>
+    </p:extLst>
+  </p:cSld>
+  <p:clrMapOvr>
+    <a:masterClrMapping/>
+  </p:clrMapOvr>
+</p:sld>
+</file>
+
+<file path=ppt/slides/slide26.xml><?xml version="1.0" encoding="utf-8"?>
+<p:sld xmlns:a="http://schemas.openxmlformats.org/drawingml/2006/main" xmlns:r="http://schemas.openxmlformats.org/officeDocument/2006/relationships" xmlns:p="http://schemas.openxmlformats.org/presentationml/2006/main">
+  <p:cSld>
+    <p:spTree>
+      <p:nvGrpSpPr>
+        <p:cNvPr id="1" name=""/>
+        <p:cNvGrpSpPr/>
+        <p:nvPr/>
+      </p:nvGrpSpPr>
+      <p:grpSpPr>
+        <a:xfrm>
+          <a:off x="0" y="0"/>
+          <a:ext cx="0" cy="0"/>
+          <a:chOff x="0" y="0"/>
+          <a:chExt cx="0" cy="0"/>
+        </a:xfrm>
+      </p:grpSpPr>
+      <p:sp>
+        <p:nvSpPr>
+          <p:cNvPr id="4" name="Title 3"/>
+          <p:cNvSpPr>
+            <a:spLocks noGrp="1"/>
+          </p:cNvSpPr>
+          <p:nvPr>
+            <p:ph type="title"/>
+          </p:nvPr>
+        </p:nvSpPr>
+        <p:spPr/>
+        <p:txBody>
+          <a:bodyPr/>
+          <a:lstStyle/>
+          <a:p>
+            <a:r>
+              <a:rPr lang="en-US" dirty="0" smtClean="0"/>
+              <a:t>Attack (without CSRF)</a:t>
+            </a:r>
+            <a:endParaRPr lang="en-US" dirty="0"/>
+          </a:p>
+        </p:txBody>
+      </p:sp>
+      <p:sp>
+        <p:nvSpPr>
+          <p:cNvPr id="6" name="Rectangle 5"/>
+          <p:cNvSpPr/>
+          <p:nvPr/>
+        </p:nvSpPr>
+        <p:spPr>
+          <a:xfrm>
+            <a:off x="531690" y="1885954"/>
+            <a:ext cx="4712292" cy="4443412"/>
+          </a:xfrm>
+          <a:prstGeom prst="rect">
+            <a:avLst/>
+          </a:prstGeom>
+        </p:spPr>
+        <p:style>
+          <a:lnRef idx="2">
+            <a:schemeClr val="accent1">
+              <a:shade val="50000"/>
+            </a:schemeClr>
+          </a:lnRef>
+          <a:fillRef idx="1">
+            <a:schemeClr val="accent1"/>
+          </a:fillRef>
+          <a:effectRef idx="0">
+            <a:schemeClr val="accent1"/>
+          </a:effectRef>
+          <a:fontRef idx="minor">
+            <a:schemeClr val="lt1"/>
+          </a:fontRef>
+        </p:style>
+        <p:txBody>
+          <a:bodyPr rtlCol="0" anchor="t"/>
+          <a:lstStyle/>
+          <a:p>
+            <a:r>
+              <a:rPr lang="en-US" dirty="0" smtClean="0"/>
+              <a:t>Browser</a:t>
+            </a:r>
+            <a:endParaRPr lang="en-US" dirty="0"/>
+          </a:p>
+        </p:txBody>
+      </p:sp>
+      <p:sp>
+        <p:nvSpPr>
+          <p:cNvPr id="7" name="Rectangle 6"/>
+          <p:cNvSpPr/>
+          <p:nvPr/>
+        </p:nvSpPr>
+        <p:spPr>
+          <a:xfrm>
+            <a:off x="8060338" y="3986212"/>
+            <a:ext cx="1680371" cy="2343153"/>
+          </a:xfrm>
+          <a:prstGeom prst="rect">
+            <a:avLst/>
+          </a:prstGeom>
+        </p:spPr>
+        <p:style>
+          <a:lnRef idx="2">
+            <a:schemeClr val="accent1">
+              <a:shade val="50000"/>
+            </a:schemeClr>
+          </a:lnRef>
+          <a:fillRef idx="1">
+            <a:schemeClr val="accent1"/>
+          </a:fillRef>
+          <a:effectRef idx="0">
+            <a:schemeClr val="accent1"/>
+          </a:effectRef>
+          <a:fontRef idx="minor">
+            <a:schemeClr val="lt1"/>
+          </a:fontRef>
+        </p:style>
+        <p:txBody>
+          <a:bodyPr rtlCol="0" anchor="t"/>
+          <a:lstStyle/>
+          <a:p>
+            <a:r>
+              <a:rPr lang="en-US" dirty="0" smtClean="0"/>
+              <a:t>www.dj4e.com</a:t>
+            </a:r>
+            <a:endParaRPr lang="en-US" dirty="0"/>
+          </a:p>
+        </p:txBody>
+      </p:sp>
+      <p:sp>
+        <p:nvSpPr>
+          <p:cNvPr id="8" name="Can 7"/>
+          <p:cNvSpPr/>
+          <p:nvPr/>
+        </p:nvSpPr>
+        <p:spPr>
+          <a:xfrm>
+            <a:off x="10082603" y="3541455"/>
+            <a:ext cx="1721018" cy="1399131"/>
+          </a:xfrm>
+          <a:prstGeom prst="can">
+            <a:avLst/>
+          </a:prstGeom>
+        </p:spPr>
+        <p:style>
+          <a:lnRef idx="2">
+            <a:schemeClr val="accent1">
+              <a:shade val="50000"/>
+            </a:schemeClr>
+          </a:lnRef>
+          <a:fillRef idx="1">
+            <a:schemeClr val="accent1"/>
+          </a:fillRef>
+          <a:effectRef idx="0">
+            <a:schemeClr val="accent1"/>
+          </a:effectRef>
+          <a:fontRef idx="minor">
+            <a:schemeClr val="lt1"/>
+          </a:fontRef>
+        </p:style>
+        <p:txBody>
+          <a:bodyPr rtlCol="0" anchor="ctr"/>
+          <a:lstStyle/>
+          <a:p>
+            <a:pPr algn="ctr"/>
+            <a:r>
+              <a:rPr lang="en-US" dirty="0" smtClean="0"/>
+              <a:t>user: csev</a:t>
+            </a:r>
+          </a:p>
+          <a:p>
+            <a:pPr algn="ctr"/>
+            <a:r>
+              <a:rPr lang="en-US" dirty="0" smtClean="0"/>
+              <a:t>instructor: true</a:t>
+            </a:r>
+          </a:p>
+        </p:txBody>
+      </p:sp>
+      <p:sp>
+        <p:nvSpPr>
+          <p:cNvPr id="9" name="Rectangle 8"/>
+          <p:cNvSpPr/>
+          <p:nvPr/>
+        </p:nvSpPr>
+        <p:spPr>
+          <a:xfrm>
+            <a:off x="2809626" y="4792580"/>
+            <a:ext cx="1671638" cy="1300163"/>
+          </a:xfrm>
+          <a:prstGeom prst="rect">
+            <a:avLst/>
+          </a:prstGeom>
+          <a:solidFill>
+            <a:schemeClr val="accent3"/>
+          </a:solidFill>
+        </p:spPr>
+        <p:style>
+          <a:lnRef idx="2">
+            <a:schemeClr val="accent1">
+              <a:shade val="50000"/>
+            </a:schemeClr>
+          </a:lnRef>
+          <a:fillRef idx="1">
+            <a:schemeClr val="accent1"/>
+          </a:fillRef>
+          <a:effectRef idx="0">
+            <a:schemeClr val="accent1"/>
+          </a:effectRef>
+          <a:fontRef idx="minor">
+            <a:schemeClr val="lt1"/>
+          </a:fontRef>
+        </p:style>
+        <p:txBody>
+          <a:bodyPr rtlCol="0" anchor="t"/>
+          <a:lstStyle/>
+          <a:p>
+            <a:r>
+              <a:rPr lang="en-US" dirty="0" smtClean="0"/>
+              <a:t>cookies</a:t>
+            </a:r>
+          </a:p>
+          <a:p>
+            <a:r>
+              <a:rPr lang="en-US" dirty="0" smtClean="0"/>
+              <a:t>www.dj4e.com</a:t>
+            </a:r>
+          </a:p>
+          <a:p>
+            <a:r>
+              <a:rPr lang="en-US" dirty="0" err="1" smtClean="0"/>
+              <a:t>sessid</a:t>
+            </a:r>
+            <a:r>
+              <a:rPr lang="en-US" dirty="0" smtClean="0"/>
+              <a:t>: 42</a:t>
+            </a:r>
+            <a:endParaRPr lang="en-US" dirty="0"/>
+          </a:p>
+        </p:txBody>
+      </p:sp>
+      <p:graphicFrame>
+        <p:nvGraphicFramePr>
+          <p:cNvPr id="11" name="Table 10"/>
+          <p:cNvGraphicFramePr>
+            <a:graphicFrameLocks noGrp="1"/>
+          </p:cNvGraphicFramePr>
+          <p:nvPr/>
+        </p:nvGraphicFramePr>
+        <p:xfrm>
+          <a:off x="10082603" y="5156194"/>
+          <a:ext cx="1859568" cy="1107440"/>
+        </p:xfrm>
+        <a:graphic>
+          <a:graphicData uri="http://schemas.openxmlformats.org/drawingml/2006/table">
+            <a:tbl>
+              <a:tblPr firstRow="1" bandRow="1">
+                <a:tableStyleId>{5C22544A-7EE6-4342-B048-85BDC9FD1C3A}</a:tableStyleId>
+              </a:tblPr>
+              <a:tblGrid>
+                <a:gridCol w="929784"/>
+                <a:gridCol w="929784"/>
+              </a:tblGrid>
+              <a:tr h="0">
+                <a:tc>
+                  <a:txBody>
+                    <a:bodyPr/>
+                    <a:lstStyle/>
+                    <a:p>
+                      <a:r>
+                        <a:rPr lang="en-US" dirty="0" smtClean="0"/>
+                        <a:t>Student</a:t>
+                      </a:r>
+                      <a:endParaRPr lang="en-US" dirty="0"/>
+                    </a:p>
+                  </a:txBody>
+                  <a:tcPr/>
+                </a:tc>
+                <a:tc>
+                  <a:txBody>
+                    <a:bodyPr/>
+                    <a:lstStyle/>
+                    <a:p>
+                      <a:r>
+                        <a:rPr lang="en-US" dirty="0" smtClean="0"/>
+                        <a:t>Grade</a:t>
+                      </a:r>
+                      <a:endParaRPr lang="en-US" dirty="0"/>
+                    </a:p>
+                  </a:txBody>
+                  <a:tcPr/>
+                </a:tc>
+              </a:tr>
+              <a:tr h="370840">
+                <a:tc>
+                  <a:txBody>
+                    <a:bodyPr/>
+                    <a:lstStyle/>
+                    <a:p>
+                      <a:r>
+                        <a:rPr lang="en-US" dirty="0" smtClean="0"/>
+                        <a:t>123</a:t>
+                      </a:r>
+                      <a:endParaRPr lang="en-US" dirty="0"/>
+                    </a:p>
+                  </a:txBody>
+                  <a:tcPr/>
+                </a:tc>
+                <a:tc>
+                  <a:txBody>
+                    <a:bodyPr/>
+                    <a:lstStyle/>
+                    <a:p>
+                      <a:r>
+                        <a:rPr lang="en-US" dirty="0" smtClean="0"/>
+                        <a:t>1.0</a:t>
+                      </a:r>
+                      <a:endParaRPr lang="en-US" dirty="0"/>
+                    </a:p>
+                  </a:txBody>
+                  <a:tcPr/>
+                </a:tc>
+              </a:tr>
+              <a:tr h="370840">
+                <a:tc>
+                  <a:txBody>
+                    <a:bodyPr/>
+                    <a:lstStyle/>
+                    <a:p>
+                      <a:r>
+                        <a:rPr lang="en-US" dirty="0" smtClean="0"/>
+                        <a:t>456</a:t>
+                      </a:r>
+                      <a:endParaRPr lang="en-US" dirty="0"/>
+                    </a:p>
+                  </a:txBody>
+                  <a:tcPr/>
+                </a:tc>
+                <a:tc>
+                  <a:txBody>
+                    <a:bodyPr/>
+                    <a:lstStyle/>
+                    <a:p>
+                      <a:r>
+                        <a:rPr lang="en-US" dirty="0" smtClean="0"/>
+                        <a:t>1.0</a:t>
+                      </a:r>
+                      <a:endParaRPr lang="en-US" dirty="0"/>
+                    </a:p>
+                  </a:txBody>
+                  <a:tcPr/>
+                </a:tc>
+              </a:tr>
+            </a:tbl>
+          </a:graphicData>
+        </a:graphic>
+      </p:graphicFrame>
+      <p:sp>
+        <p:nvSpPr>
+          <p:cNvPr id="12" name="TextBox 11"/>
+          <p:cNvSpPr txBox="1"/>
+          <p:nvPr/>
+        </p:nvSpPr>
+        <p:spPr>
+          <a:xfrm>
+            <a:off x="10758497" y="3543307"/>
+            <a:ext cx="457200" cy="369332"/>
+          </a:xfrm>
+          <a:prstGeom prst="rect">
+            <a:avLst/>
+          </a:prstGeom>
+          <a:noFill/>
+        </p:spPr>
+        <p:txBody>
+          <a:bodyPr wrap="square" rtlCol="0">
+            <a:spAutoFit/>
+          </a:bodyPr>
+          <a:lstStyle/>
+          <a:p>
+            <a:r>
+              <a:rPr lang="en-US" dirty="0" smtClean="0">
+                <a:solidFill>
+                  <a:schemeClr val="bg1"/>
+                </a:solidFill>
+              </a:rPr>
+              <a:t>42</a:t>
+            </a:r>
+            <a:endParaRPr lang="en-US" dirty="0">
+              <a:solidFill>
+                <a:schemeClr val="bg1"/>
+              </a:solidFill>
+            </a:endParaRPr>
+          </a:p>
+        </p:txBody>
+      </p:sp>
+      <p:sp>
+        <p:nvSpPr>
+          <p:cNvPr id="13" name="TextBox 12"/>
+          <p:cNvSpPr txBox="1"/>
+          <p:nvPr/>
+        </p:nvSpPr>
+        <p:spPr>
+          <a:xfrm>
+            <a:off x="705565" y="2821671"/>
+            <a:ext cx="4463851" cy="1754326"/>
+          </a:xfrm>
+          <a:prstGeom prst="rect">
+            <a:avLst/>
+          </a:prstGeom>
+          <a:noFill/>
+        </p:spPr>
+        <p:txBody>
+          <a:bodyPr wrap="none" rtlCol="0">
+            <a:spAutoFit/>
+          </a:bodyPr>
+          <a:lstStyle/>
+          <a:p>
+            <a:r>
+              <a:rPr lang="en-US" dirty="0" smtClean="0"/>
+              <a:t>&lt;form method="post"</a:t>
+            </a:r>
+          </a:p>
+          <a:p>
+            <a:r>
+              <a:rPr lang="en-US" dirty="0" smtClean="0"/>
+              <a:t>action="https://www.dj4e.com/grades/123"&gt;</a:t>
+            </a:r>
+          </a:p>
+          <a:p>
+            <a:r>
+              <a:rPr lang="en-US" dirty="0" smtClean="0"/>
+              <a:t>&lt;</a:t>
+            </a:r>
+            <a:r>
+              <a:rPr lang="en-US" dirty="0"/>
+              <a:t>input type="text" name</a:t>
+            </a:r>
+            <a:r>
+              <a:rPr lang="en-US" dirty="0" smtClean="0"/>
+              <a:t>="id" value="</a:t>
+            </a:r>
+            <a:r>
+              <a:rPr lang="en-US" dirty="0" smtClean="0">
+                <a:solidFill>
+                  <a:srgbClr val="FFFF00"/>
+                </a:solidFill>
+              </a:rPr>
+              <a:t>1.0</a:t>
+            </a:r>
+            <a:r>
+              <a:rPr lang="en-US" dirty="0" smtClean="0"/>
+              <a:t>"&gt;</a:t>
+            </a:r>
+          </a:p>
+          <a:p>
+            <a:r>
+              <a:rPr lang="en-US" dirty="0" smtClean="0"/>
+              <a:t>&lt;input type="text" name="new-grade"&gt;</a:t>
+            </a:r>
+          </a:p>
+          <a:p>
+            <a:r>
+              <a:rPr lang="en-US" dirty="0" smtClean="0"/>
+              <a:t>&lt;input type="submit"&gt;</a:t>
+            </a:r>
+          </a:p>
+          <a:p>
+            <a:r>
+              <a:rPr lang="en-US" dirty="0" smtClean="0"/>
+              <a:t>&lt;/form&gt;</a:t>
+            </a:r>
+            <a:endParaRPr lang="en-US" dirty="0"/>
+          </a:p>
+        </p:txBody>
+      </p:sp>
+      <p:sp>
+        <p:nvSpPr>
+          <p:cNvPr id="14" name="Rounded Rectangle 13"/>
+          <p:cNvSpPr/>
+          <p:nvPr/>
+        </p:nvSpPr>
+        <p:spPr>
+          <a:xfrm>
+            <a:off x="5715000" y="4397803"/>
+            <a:ext cx="2055819" cy="1588660"/>
+          </a:xfrm>
+          <a:prstGeom prst="roundRect">
+            <a:avLst/>
+          </a:prstGeom>
+          <a:solidFill>
+            <a:srgbClr val="C00000"/>
+          </a:solidFill>
+        </p:spPr>
+        <p:style>
+          <a:lnRef idx="2">
+            <a:schemeClr val="accent1">
+              <a:shade val="50000"/>
+            </a:schemeClr>
+          </a:lnRef>
+          <a:fillRef idx="1">
+            <a:schemeClr val="accent1"/>
+          </a:fillRef>
+          <a:effectRef idx="0">
+            <a:schemeClr val="accent1"/>
+          </a:effectRef>
+          <a:fontRef idx="minor">
+            <a:schemeClr val="lt1"/>
+          </a:fontRef>
+        </p:style>
+        <p:txBody>
+          <a:bodyPr rtlCol="0" anchor="ctr"/>
+          <a:lstStyle/>
+          <a:p>
+            <a:r>
+              <a:rPr lang="en-US" dirty="0" smtClean="0"/>
+              <a:t>POST /grades/123</a:t>
+            </a:r>
+          </a:p>
+          <a:p>
+            <a:r>
+              <a:rPr lang="en-US" dirty="0" smtClean="0"/>
+              <a:t>cookie: </a:t>
+            </a:r>
+            <a:r>
+              <a:rPr lang="en-US" dirty="0" err="1" smtClean="0"/>
+              <a:t>sessid</a:t>
+            </a:r>
+            <a:r>
+              <a:rPr lang="en-US" dirty="0" smtClean="0"/>
+              <a:t>=42</a:t>
+            </a:r>
+          </a:p>
+          <a:p>
+            <a:endParaRPr lang="en-US" dirty="0" smtClean="0"/>
+          </a:p>
+          <a:p>
+            <a:r>
+              <a:rPr lang="en-US" dirty="0" smtClean="0"/>
+              <a:t>new-grade=</a:t>
+            </a:r>
+            <a:r>
+              <a:rPr lang="en-US" dirty="0" smtClean="0">
+                <a:solidFill>
+                  <a:srgbClr val="FFFF00"/>
+                </a:solidFill>
+              </a:rPr>
+              <a:t>1.0</a:t>
+            </a:r>
+          </a:p>
+        </p:txBody>
+      </p:sp>
+      <p:cxnSp>
+        <p:nvCxnSpPr>
+          <p:cNvPr id="16" name="Straight Arrow Connector 15"/>
+          <p:cNvCxnSpPr>
+            <a:stCxn id="17" idx="1"/>
+          </p:cNvCxnSpPr>
+          <p:nvPr/>
+        </p:nvCxnSpPr>
+        <p:spPr>
+          <a:xfrm flipH="1">
+            <a:off x="4186238" y="2616072"/>
+            <a:ext cx="3874100" cy="332731"/>
+          </a:xfrm>
+          <a:prstGeom prst="straightConnector1">
+            <a:avLst/>
+          </a:prstGeom>
+          <a:ln w="38100">
+            <a:solidFill>
+              <a:schemeClr val="tx1"/>
+            </a:solidFill>
+            <a:tailEnd type="triangle"/>
+          </a:ln>
+        </p:spPr>
+        <p:style>
+          <a:lnRef idx="1">
+            <a:schemeClr val="accent1"/>
+          </a:lnRef>
+          <a:fillRef idx="0">
+            <a:schemeClr val="accent1"/>
+          </a:fillRef>
+          <a:effectRef idx="0">
+            <a:schemeClr val="accent1"/>
+          </a:effectRef>
+          <a:fontRef idx="minor">
+            <a:schemeClr val="tx1"/>
+          </a:fontRef>
+        </p:style>
+      </p:cxnSp>
+      <p:cxnSp>
+        <p:nvCxnSpPr>
+          <p:cNvPr id="18" name="Straight Arrow Connector 17"/>
+          <p:cNvCxnSpPr>
+            <a:endCxn id="14" idx="1"/>
+          </p:cNvCxnSpPr>
+          <p:nvPr/>
+        </p:nvCxnSpPr>
+        <p:spPr>
+          <a:xfrm>
+            <a:off x="4186238" y="4098383"/>
+            <a:ext cx="1528762" cy="1093750"/>
+          </a:xfrm>
+          <a:prstGeom prst="straightConnector1">
+            <a:avLst/>
+          </a:prstGeom>
+          <a:ln w="38100">
+            <a:solidFill>
+              <a:schemeClr val="tx1"/>
+            </a:solidFill>
+            <a:tailEnd type="triangle"/>
+          </a:ln>
+        </p:spPr>
+        <p:style>
+          <a:lnRef idx="1">
+            <a:schemeClr val="accent1"/>
+          </a:lnRef>
+          <a:fillRef idx="0">
+            <a:schemeClr val="accent1"/>
+          </a:fillRef>
+          <a:effectRef idx="0">
+            <a:schemeClr val="accent1"/>
+          </a:effectRef>
+          <a:fontRef idx="minor">
+            <a:schemeClr val="tx1"/>
+          </a:fontRef>
+        </p:style>
+      </p:cxnSp>
+      <p:cxnSp>
+        <p:nvCxnSpPr>
+          <p:cNvPr id="21" name="Straight Arrow Connector 20"/>
+          <p:cNvCxnSpPr>
+            <a:stCxn id="9" idx="3"/>
+            <a:endCxn id="14" idx="1"/>
+          </p:cNvCxnSpPr>
+          <p:nvPr/>
+        </p:nvCxnSpPr>
+        <p:spPr>
+          <a:xfrm flipV="1">
+            <a:off x="4481264" y="5192133"/>
+            <a:ext cx="1233736" cy="250529"/>
+          </a:xfrm>
+          <a:prstGeom prst="straightConnector1">
+            <a:avLst/>
+          </a:prstGeom>
+          <a:ln w="38100">
+            <a:solidFill>
+              <a:schemeClr val="tx1"/>
+            </a:solidFill>
+            <a:tailEnd type="triangle"/>
+          </a:ln>
+        </p:spPr>
+        <p:style>
+          <a:lnRef idx="1">
+            <a:schemeClr val="accent1"/>
+          </a:lnRef>
+          <a:fillRef idx="0">
+            <a:schemeClr val="accent1"/>
+          </a:fillRef>
+          <a:effectRef idx="0">
+            <a:schemeClr val="accent1"/>
+          </a:effectRef>
+          <a:fontRef idx="minor">
+            <a:schemeClr val="tx1"/>
+          </a:fontRef>
+        </p:style>
+      </p:cxnSp>
+      <p:cxnSp>
+        <p:nvCxnSpPr>
+          <p:cNvPr id="24" name="Straight Arrow Connector 23"/>
+          <p:cNvCxnSpPr>
+            <a:stCxn id="14" idx="3"/>
+          </p:cNvCxnSpPr>
+          <p:nvPr/>
+        </p:nvCxnSpPr>
+        <p:spPr>
+          <a:xfrm flipV="1">
+            <a:off x="7770819" y="5156195"/>
+            <a:ext cx="1001706" cy="35938"/>
+          </a:xfrm>
+          <a:prstGeom prst="straightConnector1">
+            <a:avLst/>
+          </a:prstGeom>
+          <a:ln w="38100">
+            <a:solidFill>
+              <a:schemeClr val="tx1"/>
+            </a:solidFill>
+            <a:tailEnd type="triangle"/>
+          </a:ln>
+        </p:spPr>
+        <p:style>
+          <a:lnRef idx="1">
+            <a:schemeClr val="accent1"/>
+          </a:lnRef>
+          <a:fillRef idx="0">
+            <a:schemeClr val="accent1"/>
+          </a:fillRef>
+          <a:effectRef idx="0">
+            <a:schemeClr val="accent1"/>
+          </a:effectRef>
+          <a:fontRef idx="minor">
+            <a:schemeClr val="tx1"/>
+          </a:fontRef>
+        </p:style>
+      </p:cxnSp>
+      <p:cxnSp>
+        <p:nvCxnSpPr>
+          <p:cNvPr id="28" name="Straight Arrow Connector 27"/>
+          <p:cNvCxnSpPr>
+            <a:stCxn id="8" idx="2"/>
+          </p:cNvCxnSpPr>
+          <p:nvPr/>
+        </p:nvCxnSpPr>
+        <p:spPr>
+          <a:xfrm flipH="1">
+            <a:off x="8787121" y="4241021"/>
+            <a:ext cx="1295482" cy="915173"/>
+          </a:xfrm>
+          <a:prstGeom prst="straightConnector1">
+            <a:avLst/>
+          </a:prstGeom>
+          <a:ln w="38100">
+            <a:solidFill>
+              <a:schemeClr val="tx1"/>
+            </a:solidFill>
+            <a:tailEnd type="triangle"/>
+          </a:ln>
+        </p:spPr>
+        <p:style>
+          <a:lnRef idx="1">
+            <a:schemeClr val="accent1"/>
+          </a:lnRef>
+          <a:fillRef idx="0">
+            <a:schemeClr val="accent1"/>
+          </a:fillRef>
+          <a:effectRef idx="0">
+            <a:schemeClr val="accent1"/>
+          </a:effectRef>
+          <a:fontRef idx="minor">
+            <a:schemeClr val="tx1"/>
+          </a:fontRef>
+        </p:style>
+      </p:cxnSp>
+      <p:sp>
+        <p:nvSpPr>
+          <p:cNvPr id="17" name="Rectangle 16"/>
+          <p:cNvSpPr/>
+          <p:nvPr/>
+        </p:nvSpPr>
+        <p:spPr>
+          <a:xfrm>
+            <a:off x="8060338" y="1690687"/>
+            <a:ext cx="1680371" cy="1850769"/>
+          </a:xfrm>
+          <a:prstGeom prst="rect">
+            <a:avLst/>
+          </a:prstGeom>
+          <a:solidFill>
+            <a:srgbClr val="C00000"/>
+          </a:solidFill>
+        </p:spPr>
+        <p:style>
+          <a:lnRef idx="2">
+            <a:schemeClr val="accent1">
+              <a:shade val="50000"/>
+            </a:schemeClr>
+          </a:lnRef>
+          <a:fillRef idx="1">
+            <a:schemeClr val="accent1"/>
+          </a:fillRef>
+          <a:effectRef idx="0">
+            <a:schemeClr val="accent1"/>
+          </a:effectRef>
+          <a:fontRef idx="minor">
+            <a:schemeClr val="lt1"/>
+          </a:fontRef>
+        </p:style>
+        <p:txBody>
+          <a:bodyPr rtlCol="0" anchor="t"/>
+          <a:lstStyle/>
+          <a:p>
+            <a:r>
+              <a:rPr lang="en-US" smtClean="0"/>
+              <a:t>www.csrf.com</a:t>
+            </a:r>
+            <a:endParaRPr lang="en-US" dirty="0"/>
+          </a:p>
+        </p:txBody>
+      </p:sp>
+      <p:cxnSp>
+        <p:nvCxnSpPr>
+          <p:cNvPr id="19" name="Straight Arrow Connector 18"/>
+          <p:cNvCxnSpPr/>
+          <p:nvPr/>
+        </p:nvCxnSpPr>
+        <p:spPr>
+          <a:xfrm>
+            <a:off x="8787121" y="5192133"/>
+            <a:ext cx="1295482" cy="517781"/>
+          </a:xfrm>
+          <a:prstGeom prst="straightConnector1">
+            <a:avLst/>
+          </a:prstGeom>
+          <a:ln w="38100">
+            <a:solidFill>
+              <a:schemeClr val="tx1"/>
+            </a:solidFill>
+            <a:tailEnd type="triangle"/>
+          </a:ln>
+        </p:spPr>
+        <p:style>
+          <a:lnRef idx="1">
+            <a:schemeClr val="accent1"/>
+          </a:lnRef>
+          <a:fillRef idx="0">
+            <a:schemeClr val="accent1"/>
+          </a:fillRef>
+          <a:effectRef idx="0">
+            <a:schemeClr val="accent1"/>
+          </a:effectRef>
+          <a:fontRef idx="minor">
+            <a:schemeClr val="tx1"/>
+          </a:fontRef>
+        </p:style>
+      </p:cxnSp>
+      <p:sp>
+        <p:nvSpPr>
+          <p:cNvPr id="2" name="Lightning Bolt 1"/>
+          <p:cNvSpPr/>
+          <p:nvPr/>
+        </p:nvSpPr>
+        <p:spPr>
+          <a:xfrm>
+            <a:off x="10553621" y="4788355"/>
+            <a:ext cx="614372" cy="698628"/>
+          </a:xfrm>
+          <a:prstGeom prst="lightningBolt">
+            <a:avLst/>
+          </a:prstGeom>
+          <a:solidFill>
+            <a:schemeClr val="accent5"/>
+          </a:solidFill>
+        </p:spPr>
+        <p:style>
+          <a:lnRef idx="2">
+            <a:schemeClr val="accent1">
+              <a:shade val="50000"/>
+            </a:schemeClr>
+          </a:lnRef>
+          <a:fillRef idx="1">
+            <a:schemeClr val="accent1"/>
+          </a:fillRef>
+          <a:effectRef idx="0">
+            <a:schemeClr val="accent1"/>
+          </a:effectRef>
+          <a:fontRef idx="minor">
+            <a:schemeClr val="lt1"/>
+          </a:fontRef>
+        </p:style>
+        <p:txBody>
+          <a:bodyPr rtlCol="0" anchor="ctr"/>
+          <a:lstStyle/>
+          <a:p>
+            <a:pPr algn="ctr"/>
+            <a:endParaRPr lang="en-US"/>
+          </a:p>
+        </p:txBody>
+      </p:sp>
+    </p:spTree>
+    <p:extLst>
+      <p:ext uri="{BB962C8B-B14F-4D97-AF65-F5344CB8AC3E}">
+        <p14:creationId xmlns:p14="http://schemas.microsoft.com/office/powerpoint/2010/main" val="627871360"/>
+      </p:ext>
+    </p:extLst>
+  </p:cSld>
+  <p:clrMapOvr>
+    <a:masterClrMapping/>
+  </p:clrMapOvr>
+</p:sld>
+</file>
+
+<file path=ppt/slides/slide27.xml><?xml version="1.0" encoding="utf-8"?>
+<p:sld xmlns:a="http://schemas.openxmlformats.org/drawingml/2006/main" xmlns:r="http://schemas.openxmlformats.org/officeDocument/2006/relationships" xmlns:p="http://schemas.openxmlformats.org/presentationml/2006/main">
+  <p:cSld>
+    <p:spTree>
+      <p:nvGrpSpPr>
+        <p:cNvPr id="1" name=""/>
+        <p:cNvGrpSpPr/>
+        <p:nvPr/>
+      </p:nvGrpSpPr>
+      <p:grpSpPr>
+        <a:xfrm>
+          <a:off x="0" y="0"/>
+          <a:ext cx="0" cy="0"/>
+          <a:chOff x="0" y="0"/>
+          <a:chExt cx="0" cy="0"/>
+        </a:xfrm>
+      </p:grpSpPr>
+      <p:sp>
+        <p:nvSpPr>
+          <p:cNvPr id="4" name="Title 3"/>
+          <p:cNvSpPr>
+            <a:spLocks noGrp="1"/>
+          </p:cNvSpPr>
+          <p:nvPr>
+            <p:ph type="title"/>
+          </p:nvPr>
+        </p:nvSpPr>
+        <p:spPr/>
+        <p:txBody>
+          <a:bodyPr/>
+          <a:lstStyle/>
+          <a:p>
+            <a:r>
+              <a:rPr lang="en-US" dirty="0" smtClean="0"/>
+              <a:t>With CSRF</a:t>
+            </a:r>
+            <a:endParaRPr lang="en-US" dirty="0"/>
+          </a:p>
+        </p:txBody>
+      </p:sp>
+      <p:sp>
+        <p:nvSpPr>
+          <p:cNvPr id="6" name="Rectangle 5"/>
+          <p:cNvSpPr/>
+          <p:nvPr/>
+        </p:nvSpPr>
+        <p:spPr>
+          <a:xfrm>
+            <a:off x="531690" y="1885954"/>
+            <a:ext cx="4712292" cy="4443412"/>
+          </a:xfrm>
+          <a:prstGeom prst="rect">
+            <a:avLst/>
+          </a:prstGeom>
+        </p:spPr>
+        <p:style>
+          <a:lnRef idx="2">
+            <a:schemeClr val="accent1">
+              <a:shade val="50000"/>
+            </a:schemeClr>
+          </a:lnRef>
+          <a:fillRef idx="1">
+            <a:schemeClr val="accent1"/>
+          </a:fillRef>
+          <a:effectRef idx="0">
+            <a:schemeClr val="accent1"/>
+          </a:effectRef>
+          <a:fontRef idx="minor">
+            <a:schemeClr val="lt1"/>
+          </a:fontRef>
+        </p:style>
+        <p:txBody>
+          <a:bodyPr rtlCol="0" anchor="t"/>
+          <a:lstStyle/>
+          <a:p>
+            <a:r>
+              <a:rPr lang="en-US" dirty="0" smtClean="0"/>
+              <a:t>Browser</a:t>
+            </a:r>
+            <a:endParaRPr lang="en-US" dirty="0"/>
+          </a:p>
+        </p:txBody>
+      </p:sp>
+      <p:sp>
+        <p:nvSpPr>
+          <p:cNvPr id="7" name="Rectangle 6"/>
+          <p:cNvSpPr/>
+          <p:nvPr/>
+        </p:nvSpPr>
+        <p:spPr>
+          <a:xfrm>
+            <a:off x="8060338" y="1690688"/>
+            <a:ext cx="1680371" cy="4638677"/>
+          </a:xfrm>
+          <a:prstGeom prst="rect">
+            <a:avLst/>
+          </a:prstGeom>
+        </p:spPr>
+        <p:style>
+          <a:lnRef idx="2">
+            <a:schemeClr val="accent1">
+              <a:shade val="50000"/>
+            </a:schemeClr>
+          </a:lnRef>
+          <a:fillRef idx="1">
+            <a:schemeClr val="accent1"/>
+          </a:fillRef>
+          <a:effectRef idx="0">
+            <a:schemeClr val="accent1"/>
+          </a:effectRef>
+          <a:fontRef idx="minor">
+            <a:schemeClr val="lt1"/>
+          </a:fontRef>
+        </p:style>
+        <p:txBody>
+          <a:bodyPr rtlCol="0" anchor="t"/>
+          <a:lstStyle/>
+          <a:p>
+            <a:r>
+              <a:rPr lang="en-US" dirty="0" smtClean="0"/>
+              <a:t>www.dj4e.com</a:t>
+            </a:r>
+            <a:endParaRPr lang="en-US" dirty="0"/>
+          </a:p>
+        </p:txBody>
+      </p:sp>
+      <p:sp>
+        <p:nvSpPr>
+          <p:cNvPr id="8" name="Can 7"/>
+          <p:cNvSpPr/>
+          <p:nvPr/>
+        </p:nvSpPr>
+        <p:spPr>
+          <a:xfrm>
+            <a:off x="10082603" y="3541455"/>
+            <a:ext cx="1721018" cy="1399131"/>
+          </a:xfrm>
+          <a:prstGeom prst="can">
+            <a:avLst/>
+          </a:prstGeom>
+        </p:spPr>
+        <p:style>
+          <a:lnRef idx="2">
+            <a:schemeClr val="accent1">
+              <a:shade val="50000"/>
+            </a:schemeClr>
+          </a:lnRef>
+          <a:fillRef idx="1">
+            <a:schemeClr val="accent1"/>
+          </a:fillRef>
+          <a:effectRef idx="0">
+            <a:schemeClr val="accent1"/>
+          </a:effectRef>
+          <a:fontRef idx="minor">
+            <a:schemeClr val="lt1"/>
+          </a:fontRef>
+        </p:style>
+        <p:txBody>
+          <a:bodyPr rtlCol="0" anchor="ctr"/>
+          <a:lstStyle/>
+          <a:p>
+            <a:pPr algn="ctr"/>
+            <a:r>
+              <a:rPr lang="en-US" dirty="0" smtClean="0"/>
+              <a:t>user: csev</a:t>
+            </a:r>
+          </a:p>
+          <a:p>
+            <a:pPr algn="ctr"/>
+            <a:r>
+              <a:rPr lang="en-US" dirty="0" smtClean="0"/>
+              <a:t>instructor: true</a:t>
+            </a:r>
+          </a:p>
+          <a:p>
+            <a:pPr algn="ctr"/>
+            <a:r>
+              <a:rPr lang="en-US" dirty="0" err="1" smtClean="0"/>
+              <a:t>csrf</a:t>
+            </a:r>
+            <a:r>
+              <a:rPr lang="en-US" dirty="0" smtClean="0"/>
+              <a:t>: 99</a:t>
+            </a:r>
+          </a:p>
+        </p:txBody>
+      </p:sp>
+      <p:sp>
+        <p:nvSpPr>
+          <p:cNvPr id="9" name="Rectangle 8"/>
+          <p:cNvSpPr/>
+          <p:nvPr/>
+        </p:nvSpPr>
+        <p:spPr>
+          <a:xfrm>
+            <a:off x="2809626" y="4792580"/>
+            <a:ext cx="1671638" cy="1300163"/>
+          </a:xfrm>
+          <a:prstGeom prst="rect">
+            <a:avLst/>
+          </a:prstGeom>
+          <a:solidFill>
+            <a:schemeClr val="accent3"/>
+          </a:solidFill>
+        </p:spPr>
+        <p:style>
+          <a:lnRef idx="2">
+            <a:schemeClr val="accent1">
+              <a:shade val="50000"/>
+            </a:schemeClr>
+          </a:lnRef>
+          <a:fillRef idx="1">
+            <a:schemeClr val="accent1"/>
+          </a:fillRef>
+          <a:effectRef idx="0">
+            <a:schemeClr val="accent1"/>
+          </a:effectRef>
+          <a:fontRef idx="minor">
+            <a:schemeClr val="lt1"/>
+          </a:fontRef>
+        </p:style>
+        <p:txBody>
+          <a:bodyPr rtlCol="0" anchor="t"/>
+          <a:lstStyle/>
+          <a:p>
+            <a:r>
+              <a:rPr lang="en-US" dirty="0" smtClean="0"/>
+              <a:t>cookies</a:t>
+            </a:r>
+          </a:p>
+          <a:p>
+            <a:r>
+              <a:rPr lang="en-US" dirty="0" smtClean="0"/>
+              <a:t>www.dj4e.com</a:t>
+            </a:r>
+          </a:p>
+          <a:p>
+            <a:r>
+              <a:rPr lang="en-US" dirty="0" err="1" smtClean="0"/>
+              <a:t>sessid</a:t>
+            </a:r>
+            <a:r>
+              <a:rPr lang="en-US" dirty="0" smtClean="0"/>
+              <a:t>: 42</a:t>
+            </a:r>
+            <a:endParaRPr lang="en-US" dirty="0"/>
+          </a:p>
+        </p:txBody>
+      </p:sp>
+      <p:graphicFrame>
+        <p:nvGraphicFramePr>
+          <p:cNvPr id="11" name="Table 10"/>
+          <p:cNvGraphicFramePr>
+            <a:graphicFrameLocks noGrp="1"/>
+          </p:cNvGraphicFramePr>
+          <p:nvPr/>
+        </p:nvGraphicFramePr>
+        <p:xfrm>
+          <a:off x="10082603" y="5156194"/>
+          <a:ext cx="1859568" cy="1107440"/>
+        </p:xfrm>
+        <a:graphic>
+          <a:graphicData uri="http://schemas.openxmlformats.org/drawingml/2006/table">
+            <a:tbl>
+              <a:tblPr firstRow="1" bandRow="1">
+                <a:tableStyleId>{5C22544A-7EE6-4342-B048-85BDC9FD1C3A}</a:tableStyleId>
+              </a:tblPr>
+              <a:tblGrid>
+                <a:gridCol w="929784"/>
+                <a:gridCol w="929784"/>
+              </a:tblGrid>
+              <a:tr h="0">
+                <a:tc>
+                  <a:txBody>
+                    <a:bodyPr/>
+                    <a:lstStyle/>
+                    <a:p>
+                      <a:r>
+                        <a:rPr lang="en-US" dirty="0" smtClean="0"/>
+                        <a:t>Student</a:t>
+                      </a:r>
+                      <a:endParaRPr lang="en-US" dirty="0"/>
+                    </a:p>
+                  </a:txBody>
+                  <a:tcPr/>
+                </a:tc>
+                <a:tc>
+                  <a:txBody>
+                    <a:bodyPr/>
+                    <a:lstStyle/>
+                    <a:p>
+                      <a:r>
+                        <a:rPr lang="en-US" dirty="0" smtClean="0"/>
+                        <a:t>Grade</a:t>
+                      </a:r>
+                      <a:endParaRPr lang="en-US" dirty="0"/>
+                    </a:p>
+                  </a:txBody>
+                  <a:tcPr/>
+                </a:tc>
+              </a:tr>
+              <a:tr h="370840">
+                <a:tc>
+                  <a:txBody>
+                    <a:bodyPr/>
+                    <a:lstStyle/>
+                    <a:p>
+                      <a:r>
+                        <a:rPr lang="en-US" dirty="0" smtClean="0"/>
+                        <a:t>123</a:t>
+                      </a:r>
+                      <a:endParaRPr lang="en-US" dirty="0"/>
+                    </a:p>
+                  </a:txBody>
+                  <a:tcPr/>
+                </a:tc>
+                <a:tc>
+                  <a:txBody>
+                    <a:bodyPr/>
+                    <a:lstStyle/>
+                    <a:p>
+                      <a:r>
+                        <a:rPr lang="en-US" dirty="0" smtClean="0"/>
+                        <a:t>0.5</a:t>
+                      </a:r>
+                      <a:endParaRPr lang="en-US" dirty="0"/>
+                    </a:p>
+                  </a:txBody>
+                  <a:tcPr/>
+                </a:tc>
+              </a:tr>
+              <a:tr h="370840">
+                <a:tc>
+                  <a:txBody>
+                    <a:bodyPr/>
+                    <a:lstStyle/>
+                    <a:p>
+                      <a:r>
+                        <a:rPr lang="en-US" dirty="0" smtClean="0"/>
+                        <a:t>456</a:t>
+                      </a:r>
+                      <a:endParaRPr lang="en-US" dirty="0"/>
+                    </a:p>
+                  </a:txBody>
+                  <a:tcPr/>
+                </a:tc>
+                <a:tc>
+                  <a:txBody>
+                    <a:bodyPr/>
+                    <a:lstStyle/>
+                    <a:p>
+                      <a:r>
+                        <a:rPr lang="en-US" dirty="0" smtClean="0"/>
+                        <a:t>1.0</a:t>
+                      </a:r>
+                      <a:endParaRPr lang="en-US" dirty="0"/>
+                    </a:p>
+                  </a:txBody>
+                  <a:tcPr/>
+                </a:tc>
+              </a:tr>
+            </a:tbl>
+          </a:graphicData>
+        </a:graphic>
+      </p:graphicFrame>
+      <p:sp>
+        <p:nvSpPr>
+          <p:cNvPr id="12" name="TextBox 11"/>
+          <p:cNvSpPr txBox="1"/>
+          <p:nvPr/>
+        </p:nvSpPr>
+        <p:spPr>
+          <a:xfrm>
+            <a:off x="10758497" y="3543307"/>
+            <a:ext cx="457200" cy="369332"/>
+          </a:xfrm>
+          <a:prstGeom prst="rect">
+            <a:avLst/>
+          </a:prstGeom>
+          <a:noFill/>
+        </p:spPr>
+        <p:txBody>
+          <a:bodyPr wrap="square" rtlCol="0">
+            <a:spAutoFit/>
+          </a:bodyPr>
+          <a:lstStyle/>
+          <a:p>
+            <a:r>
+              <a:rPr lang="en-US" dirty="0" smtClean="0">
+                <a:solidFill>
+                  <a:schemeClr val="bg1"/>
+                </a:solidFill>
+              </a:rPr>
+              <a:t>42</a:t>
+            </a:r>
+            <a:endParaRPr lang="en-US" dirty="0">
+              <a:solidFill>
+                <a:schemeClr val="bg1"/>
+              </a:solidFill>
+            </a:endParaRPr>
+          </a:p>
+        </p:txBody>
+      </p:sp>
+      <p:sp>
+        <p:nvSpPr>
+          <p:cNvPr id="13" name="TextBox 12"/>
+          <p:cNvSpPr txBox="1"/>
+          <p:nvPr/>
+        </p:nvSpPr>
+        <p:spPr>
+          <a:xfrm>
+            <a:off x="705565" y="2821671"/>
+            <a:ext cx="4463851" cy="2031325"/>
+          </a:xfrm>
+          <a:prstGeom prst="rect">
+            <a:avLst/>
+          </a:prstGeom>
+          <a:noFill/>
+        </p:spPr>
+        <p:txBody>
+          <a:bodyPr wrap="none" rtlCol="0">
+            <a:spAutoFit/>
+          </a:bodyPr>
+          <a:lstStyle/>
+          <a:p>
+            <a:r>
+              <a:rPr lang="en-US" dirty="0" smtClean="0"/>
+              <a:t>&lt;form method="post"</a:t>
+            </a:r>
+          </a:p>
+          <a:p>
+            <a:r>
+              <a:rPr lang="en-US" dirty="0" smtClean="0"/>
+              <a:t>action="https://www.dj4e.com/grades/123"&gt;</a:t>
+            </a:r>
+          </a:p>
+          <a:p>
+            <a:r>
+              <a:rPr lang="en-US" dirty="0"/>
+              <a:t>&lt;input type="text" name="</a:t>
+            </a:r>
+            <a:r>
+              <a:rPr lang="en-US" dirty="0" err="1"/>
+              <a:t>csrf</a:t>
+            </a:r>
+            <a:r>
+              <a:rPr lang="en-US" dirty="0"/>
+              <a:t>" value="99</a:t>
+            </a:r>
+            <a:r>
+              <a:rPr lang="en-US" dirty="0" smtClean="0"/>
+              <a:t>"&gt;</a:t>
+            </a:r>
+          </a:p>
+          <a:p>
+            <a:r>
+              <a:rPr lang="en-US" dirty="0" smtClean="0"/>
+              <a:t>&lt;</a:t>
+            </a:r>
+            <a:r>
+              <a:rPr lang="en-US" dirty="0"/>
+              <a:t>input type="text" name</a:t>
+            </a:r>
+            <a:r>
+              <a:rPr lang="en-US" dirty="0" smtClean="0"/>
+              <a:t>="id" value="0.5"&gt;</a:t>
+            </a:r>
+          </a:p>
+          <a:p>
+            <a:r>
+              <a:rPr lang="en-US" dirty="0" smtClean="0"/>
+              <a:t>&lt;input type="text" name="new-grade"&gt;</a:t>
+            </a:r>
+          </a:p>
+          <a:p>
+            <a:r>
+              <a:rPr lang="en-US" dirty="0" smtClean="0"/>
+              <a:t>&lt;input type="submit"&gt;</a:t>
+            </a:r>
+          </a:p>
+          <a:p>
+            <a:r>
+              <a:rPr lang="en-US" dirty="0" smtClean="0"/>
+              <a:t>&lt;/form&gt;</a:t>
+            </a:r>
+            <a:endParaRPr lang="en-US" dirty="0"/>
+          </a:p>
+        </p:txBody>
+      </p:sp>
+      <p:sp>
+        <p:nvSpPr>
+          <p:cNvPr id="14" name="Rounded Rectangle 13"/>
+          <p:cNvSpPr/>
+          <p:nvPr/>
+        </p:nvSpPr>
+        <p:spPr>
+          <a:xfrm>
+            <a:off x="5715000" y="4397803"/>
+            <a:ext cx="2055819" cy="1588660"/>
+          </a:xfrm>
+          <a:prstGeom prst="roundRect">
+            <a:avLst/>
+          </a:prstGeom>
+          <a:solidFill>
+            <a:schemeClr val="accent4"/>
+          </a:solidFill>
+        </p:spPr>
+        <p:style>
+          <a:lnRef idx="2">
+            <a:schemeClr val="accent1">
+              <a:shade val="50000"/>
+            </a:schemeClr>
+          </a:lnRef>
+          <a:fillRef idx="1">
+            <a:schemeClr val="accent1"/>
+          </a:fillRef>
+          <a:effectRef idx="0">
+            <a:schemeClr val="accent1"/>
+          </a:effectRef>
+          <a:fontRef idx="minor">
+            <a:schemeClr val="lt1"/>
+          </a:fontRef>
+        </p:style>
+        <p:txBody>
+          <a:bodyPr rtlCol="0" anchor="ctr"/>
+          <a:lstStyle/>
+          <a:p>
+            <a:r>
+              <a:rPr lang="en-US" dirty="0" smtClean="0"/>
+              <a:t>POST /grades/123</a:t>
+            </a:r>
+          </a:p>
+          <a:p>
+            <a:r>
+              <a:rPr lang="en-US" dirty="0" smtClean="0"/>
+              <a:t>cookie: </a:t>
+            </a:r>
+            <a:r>
+              <a:rPr lang="en-US" dirty="0" err="1" smtClean="0"/>
+              <a:t>sessid</a:t>
+            </a:r>
+            <a:r>
+              <a:rPr lang="en-US" dirty="0" smtClean="0"/>
+              <a:t>=42</a:t>
+            </a:r>
+          </a:p>
+          <a:p>
+            <a:endParaRPr lang="en-US" dirty="0" smtClean="0"/>
+          </a:p>
+          <a:p>
+            <a:r>
+              <a:rPr lang="en-US" dirty="0" smtClean="0"/>
+              <a:t>new-grade=0.5</a:t>
+            </a:r>
+          </a:p>
+          <a:p>
+            <a:r>
+              <a:rPr lang="en-US" dirty="0" err="1" smtClean="0"/>
+              <a:t>csrf</a:t>
+            </a:r>
+            <a:r>
+              <a:rPr lang="en-US" dirty="0" smtClean="0"/>
+              <a:t>=99</a:t>
+            </a:r>
+          </a:p>
+        </p:txBody>
+      </p:sp>
+      <p:cxnSp>
+        <p:nvCxnSpPr>
+          <p:cNvPr id="16" name="Straight Arrow Connector 15"/>
+          <p:cNvCxnSpPr/>
+          <p:nvPr/>
+        </p:nvCxnSpPr>
+        <p:spPr>
+          <a:xfrm flipH="1">
+            <a:off x="4186238" y="2616072"/>
+            <a:ext cx="3874100" cy="332731"/>
+          </a:xfrm>
+          <a:prstGeom prst="straightConnector1">
+            <a:avLst/>
+          </a:prstGeom>
+          <a:ln w="38100">
+            <a:solidFill>
+              <a:schemeClr val="tx1"/>
+            </a:solidFill>
+            <a:tailEnd type="triangle"/>
+          </a:ln>
+        </p:spPr>
+        <p:style>
+          <a:lnRef idx="1">
+            <a:schemeClr val="accent1"/>
+          </a:lnRef>
+          <a:fillRef idx="0">
+            <a:schemeClr val="accent1"/>
+          </a:fillRef>
+          <a:effectRef idx="0">
+            <a:schemeClr val="accent1"/>
+          </a:effectRef>
+          <a:fontRef idx="minor">
+            <a:schemeClr val="tx1"/>
+          </a:fontRef>
+        </p:style>
+      </p:cxnSp>
+      <p:cxnSp>
+        <p:nvCxnSpPr>
+          <p:cNvPr id="18" name="Straight Arrow Connector 17"/>
+          <p:cNvCxnSpPr>
+            <a:endCxn id="14" idx="1"/>
+          </p:cNvCxnSpPr>
+          <p:nvPr/>
+        </p:nvCxnSpPr>
+        <p:spPr>
+          <a:xfrm>
+            <a:off x="4186238" y="4098383"/>
+            <a:ext cx="1528762" cy="1093750"/>
+          </a:xfrm>
+          <a:prstGeom prst="straightConnector1">
+            <a:avLst/>
+          </a:prstGeom>
+          <a:ln w="38100">
+            <a:solidFill>
+              <a:schemeClr val="tx1"/>
+            </a:solidFill>
+            <a:tailEnd type="triangle"/>
+          </a:ln>
+        </p:spPr>
+        <p:style>
+          <a:lnRef idx="1">
+            <a:schemeClr val="accent1"/>
+          </a:lnRef>
+          <a:fillRef idx="0">
+            <a:schemeClr val="accent1"/>
+          </a:fillRef>
+          <a:effectRef idx="0">
+            <a:schemeClr val="accent1"/>
+          </a:effectRef>
+          <a:fontRef idx="minor">
+            <a:schemeClr val="tx1"/>
+          </a:fontRef>
+        </p:style>
+      </p:cxnSp>
+      <p:cxnSp>
+        <p:nvCxnSpPr>
+          <p:cNvPr id="21" name="Straight Arrow Connector 20"/>
+          <p:cNvCxnSpPr>
+            <a:stCxn id="9" idx="3"/>
+            <a:endCxn id="14" idx="1"/>
+          </p:cNvCxnSpPr>
+          <p:nvPr/>
+        </p:nvCxnSpPr>
+        <p:spPr>
+          <a:xfrm flipV="1">
+            <a:off x="4481264" y="5192133"/>
+            <a:ext cx="1233736" cy="250529"/>
+          </a:xfrm>
+          <a:prstGeom prst="straightConnector1">
+            <a:avLst/>
+          </a:prstGeom>
+          <a:ln w="38100">
+            <a:solidFill>
+              <a:schemeClr val="tx1"/>
+            </a:solidFill>
+            <a:tailEnd type="triangle"/>
+          </a:ln>
+        </p:spPr>
+        <p:style>
+          <a:lnRef idx="1">
+            <a:schemeClr val="accent1"/>
+          </a:lnRef>
+          <a:fillRef idx="0">
+            <a:schemeClr val="accent1"/>
+          </a:fillRef>
+          <a:effectRef idx="0">
+            <a:schemeClr val="accent1"/>
+          </a:effectRef>
+          <a:fontRef idx="minor">
+            <a:schemeClr val="tx1"/>
+          </a:fontRef>
+        </p:style>
+      </p:cxnSp>
+      <p:cxnSp>
+        <p:nvCxnSpPr>
+          <p:cNvPr id="24" name="Straight Arrow Connector 23"/>
+          <p:cNvCxnSpPr>
+            <a:stCxn id="14" idx="3"/>
+          </p:cNvCxnSpPr>
+          <p:nvPr/>
+        </p:nvCxnSpPr>
+        <p:spPr>
+          <a:xfrm flipV="1">
+            <a:off x="7770819" y="5156195"/>
+            <a:ext cx="1001706" cy="35938"/>
+          </a:xfrm>
+          <a:prstGeom prst="straightConnector1">
+            <a:avLst/>
+          </a:prstGeom>
+          <a:ln w="38100">
+            <a:solidFill>
+              <a:schemeClr val="tx1"/>
+            </a:solidFill>
+            <a:tailEnd type="triangle"/>
+          </a:ln>
+        </p:spPr>
+        <p:style>
+          <a:lnRef idx="1">
+            <a:schemeClr val="accent1"/>
+          </a:lnRef>
+          <a:fillRef idx="0">
+            <a:schemeClr val="accent1"/>
+          </a:fillRef>
+          <a:effectRef idx="0">
+            <a:schemeClr val="accent1"/>
+          </a:effectRef>
+          <a:fontRef idx="minor">
+            <a:schemeClr val="tx1"/>
+          </a:fontRef>
+        </p:style>
+      </p:cxnSp>
+      <p:cxnSp>
+        <p:nvCxnSpPr>
+          <p:cNvPr id="28" name="Straight Arrow Connector 27"/>
+          <p:cNvCxnSpPr>
+            <a:stCxn id="8" idx="2"/>
+          </p:cNvCxnSpPr>
+          <p:nvPr/>
+        </p:nvCxnSpPr>
+        <p:spPr>
+          <a:xfrm flipH="1">
+            <a:off x="8787121" y="4241021"/>
+            <a:ext cx="1295482" cy="915173"/>
+          </a:xfrm>
+          <a:prstGeom prst="straightConnector1">
+            <a:avLst/>
+          </a:prstGeom>
+          <a:ln w="38100">
+            <a:solidFill>
+              <a:schemeClr val="tx1"/>
+            </a:solidFill>
+            <a:tailEnd type="triangle"/>
+          </a:ln>
+        </p:spPr>
+        <p:style>
+          <a:lnRef idx="1">
+            <a:schemeClr val="accent1"/>
+          </a:lnRef>
+          <a:fillRef idx="0">
+            <a:schemeClr val="accent1"/>
+          </a:fillRef>
+          <a:effectRef idx="0">
+            <a:schemeClr val="accent1"/>
+          </a:effectRef>
+          <a:fontRef idx="minor">
+            <a:schemeClr val="tx1"/>
+          </a:fontRef>
+        </p:style>
+      </p:cxnSp>
+      <p:cxnSp>
+        <p:nvCxnSpPr>
+          <p:cNvPr id="51" name="Straight Arrow Connector 50"/>
+          <p:cNvCxnSpPr/>
+          <p:nvPr/>
+        </p:nvCxnSpPr>
+        <p:spPr>
+          <a:xfrm>
+            <a:off x="8787121" y="5192133"/>
+            <a:ext cx="1295482" cy="517781"/>
+          </a:xfrm>
+          <a:prstGeom prst="straightConnector1">
+            <a:avLst/>
+          </a:prstGeom>
+          <a:ln w="38100">
+            <a:solidFill>
+              <a:schemeClr val="tx1"/>
+            </a:solidFill>
+            <a:tailEnd type="triangle"/>
+          </a:ln>
+        </p:spPr>
+        <p:style>
+          <a:lnRef idx="1">
+            <a:schemeClr val="accent1"/>
+          </a:lnRef>
+          <a:fillRef idx="0">
+            <a:schemeClr val="accent1"/>
+          </a:fillRef>
+          <a:effectRef idx="0">
+            <a:schemeClr val="accent1"/>
+          </a:effectRef>
+          <a:fontRef idx="minor">
+            <a:schemeClr val="tx1"/>
+          </a:fontRef>
+        </p:style>
+      </p:cxnSp>
+      <p:cxnSp>
+        <p:nvCxnSpPr>
+          <p:cNvPr id="17" name="Straight Arrow Connector 16"/>
+          <p:cNvCxnSpPr>
+            <a:stCxn id="8" idx="2"/>
+          </p:cNvCxnSpPr>
+          <p:nvPr/>
+        </p:nvCxnSpPr>
+        <p:spPr>
+          <a:xfrm flipH="1" flipV="1">
+            <a:off x="8080240" y="2679739"/>
+            <a:ext cx="2002363" cy="1561282"/>
+          </a:xfrm>
+          <a:prstGeom prst="straightConnector1">
+            <a:avLst/>
+          </a:prstGeom>
+          <a:ln w="38100">
+            <a:solidFill>
+              <a:schemeClr val="tx1"/>
+            </a:solidFill>
+            <a:tailEnd type="triangle"/>
+          </a:ln>
+        </p:spPr>
+        <p:style>
+          <a:lnRef idx="1">
+            <a:schemeClr val="accent1"/>
+          </a:lnRef>
+          <a:fillRef idx="0">
+            <a:schemeClr val="accent1"/>
+          </a:fillRef>
+          <a:effectRef idx="0">
+            <a:schemeClr val="accent1"/>
+          </a:effectRef>
+          <a:fontRef idx="minor">
+            <a:schemeClr val="tx1"/>
+          </a:fontRef>
+        </p:style>
+      </p:cxnSp>
+    </p:spTree>
+    <p:extLst>
+      <p:ext uri="{BB962C8B-B14F-4D97-AF65-F5344CB8AC3E}">
+        <p14:creationId xmlns:p14="http://schemas.microsoft.com/office/powerpoint/2010/main" val="1080677557"/>
+      </p:ext>
+    </p:extLst>
+  </p:cSld>
+  <p:clrMapOvr>
+    <a:masterClrMapping/>
+  </p:clrMapOvr>
+</p:sld>
+</file>
+
+<file path=ppt/slides/slide28.xml><?xml version="1.0" encoding="utf-8"?>
+<p:sld xmlns:a="http://schemas.openxmlformats.org/drawingml/2006/main" xmlns:r="http://schemas.openxmlformats.org/officeDocument/2006/relationships" xmlns:p="http://schemas.openxmlformats.org/presentationml/2006/main">
+  <p:cSld>
+    <p:spTree>
+      <p:nvGrpSpPr>
+        <p:cNvPr id="1" name=""/>
+        <p:cNvGrpSpPr/>
+        <p:nvPr/>
+      </p:nvGrpSpPr>
+      <p:grpSpPr>
+        <a:xfrm>
+          <a:off x="0" y="0"/>
+          <a:ext cx="0" cy="0"/>
+          <a:chOff x="0" y="0"/>
+          <a:chExt cx="0" cy="0"/>
+        </a:xfrm>
+      </p:grpSpPr>
+      <p:sp>
+        <p:nvSpPr>
+          <p:cNvPr id="4" name="Title 3"/>
+          <p:cNvSpPr>
+            <a:spLocks noGrp="1"/>
+          </p:cNvSpPr>
+          <p:nvPr>
+            <p:ph type="title"/>
+          </p:nvPr>
+        </p:nvSpPr>
+        <p:spPr/>
+        <p:txBody>
+          <a:bodyPr/>
+          <a:lstStyle/>
+          <a:p>
+            <a:r>
+              <a:rPr lang="en-US" dirty="0" smtClean="0"/>
+              <a:t>CSRF Attack Blocked</a:t>
+            </a:r>
+            <a:endParaRPr lang="en-US" dirty="0"/>
+          </a:p>
+        </p:txBody>
+      </p:sp>
+      <p:sp>
+        <p:nvSpPr>
+          <p:cNvPr id="6" name="Rectangle 5"/>
+          <p:cNvSpPr/>
+          <p:nvPr/>
+        </p:nvSpPr>
+        <p:spPr>
+          <a:xfrm>
+            <a:off x="531690" y="1885954"/>
+            <a:ext cx="4712292" cy="4443412"/>
+          </a:xfrm>
+          <a:prstGeom prst="rect">
+            <a:avLst/>
+          </a:prstGeom>
+        </p:spPr>
+        <p:style>
+          <a:lnRef idx="2">
+            <a:schemeClr val="accent1">
+              <a:shade val="50000"/>
+            </a:schemeClr>
+          </a:lnRef>
+          <a:fillRef idx="1">
+            <a:schemeClr val="accent1"/>
+          </a:fillRef>
+          <a:effectRef idx="0">
+            <a:schemeClr val="accent1"/>
+          </a:effectRef>
+          <a:fontRef idx="minor">
+            <a:schemeClr val="lt1"/>
+          </a:fontRef>
+        </p:style>
+        <p:txBody>
+          <a:bodyPr rtlCol="0" anchor="t"/>
+          <a:lstStyle/>
+          <a:p>
+            <a:r>
+              <a:rPr lang="en-US" dirty="0" smtClean="0"/>
+              <a:t>Browser</a:t>
+            </a:r>
+            <a:endParaRPr lang="en-US" dirty="0"/>
+          </a:p>
+        </p:txBody>
+      </p:sp>
+      <p:sp>
+        <p:nvSpPr>
+          <p:cNvPr id="7" name="Rectangle 6"/>
+          <p:cNvSpPr/>
+          <p:nvPr/>
+        </p:nvSpPr>
+        <p:spPr>
+          <a:xfrm>
+            <a:off x="8060338" y="3986212"/>
+            <a:ext cx="1680371" cy="2343153"/>
+          </a:xfrm>
+          <a:prstGeom prst="rect">
+            <a:avLst/>
+          </a:prstGeom>
+        </p:spPr>
+        <p:style>
+          <a:lnRef idx="2">
+            <a:schemeClr val="accent1">
+              <a:shade val="50000"/>
+            </a:schemeClr>
+          </a:lnRef>
+          <a:fillRef idx="1">
+            <a:schemeClr val="accent1"/>
+          </a:fillRef>
+          <a:effectRef idx="0">
+            <a:schemeClr val="accent1"/>
+          </a:effectRef>
+          <a:fontRef idx="minor">
+            <a:schemeClr val="lt1"/>
+          </a:fontRef>
+        </p:style>
+        <p:txBody>
+          <a:bodyPr rtlCol="0" anchor="t"/>
+          <a:lstStyle/>
+          <a:p>
+            <a:r>
+              <a:rPr lang="en-US" dirty="0" smtClean="0"/>
+              <a:t>www.dj4e.com</a:t>
+            </a:r>
+            <a:endParaRPr lang="en-US" dirty="0"/>
+          </a:p>
+        </p:txBody>
+      </p:sp>
+      <p:sp>
+        <p:nvSpPr>
+          <p:cNvPr id="8" name="Can 7"/>
+          <p:cNvSpPr/>
+          <p:nvPr/>
+        </p:nvSpPr>
+        <p:spPr>
+          <a:xfrm>
+            <a:off x="10082603" y="3541455"/>
+            <a:ext cx="1721018" cy="1399131"/>
+          </a:xfrm>
+          <a:prstGeom prst="can">
+            <a:avLst/>
+          </a:prstGeom>
+        </p:spPr>
+        <p:style>
+          <a:lnRef idx="2">
+            <a:schemeClr val="accent1">
+              <a:shade val="50000"/>
+            </a:schemeClr>
+          </a:lnRef>
+          <a:fillRef idx="1">
+            <a:schemeClr val="accent1"/>
+          </a:fillRef>
+          <a:effectRef idx="0">
+            <a:schemeClr val="accent1"/>
+          </a:effectRef>
+          <a:fontRef idx="minor">
+            <a:schemeClr val="lt1"/>
+          </a:fontRef>
+        </p:style>
+        <p:txBody>
+          <a:bodyPr rtlCol="0" anchor="ctr"/>
+          <a:lstStyle/>
+          <a:p>
+            <a:pPr algn="ctr"/>
+            <a:r>
+              <a:rPr lang="en-US" dirty="0" smtClean="0"/>
+              <a:t>user: csev</a:t>
+            </a:r>
+          </a:p>
+          <a:p>
+            <a:pPr algn="ctr"/>
+            <a:r>
+              <a:rPr lang="en-US" dirty="0" smtClean="0"/>
+              <a:t>instructor: true</a:t>
+            </a:r>
+          </a:p>
+          <a:p>
+            <a:pPr algn="ctr"/>
+            <a:r>
+              <a:rPr lang="en-US" dirty="0" err="1" smtClean="0"/>
+              <a:t>csrf</a:t>
+            </a:r>
+            <a:r>
+              <a:rPr lang="en-US" dirty="0" smtClean="0"/>
+              <a:t>: 99</a:t>
+            </a:r>
+            <a:endParaRPr lang="en-US" dirty="0"/>
+          </a:p>
+        </p:txBody>
+      </p:sp>
+      <p:sp>
+        <p:nvSpPr>
+          <p:cNvPr id="9" name="Rectangle 8"/>
+          <p:cNvSpPr/>
+          <p:nvPr/>
+        </p:nvSpPr>
+        <p:spPr>
+          <a:xfrm>
+            <a:off x="2809626" y="4792580"/>
+            <a:ext cx="1671638" cy="1300163"/>
+          </a:xfrm>
+          <a:prstGeom prst="rect">
+            <a:avLst/>
+          </a:prstGeom>
+          <a:solidFill>
+            <a:schemeClr val="accent3"/>
+          </a:solidFill>
+        </p:spPr>
+        <p:style>
+          <a:lnRef idx="2">
+            <a:schemeClr val="accent1">
+              <a:shade val="50000"/>
+            </a:schemeClr>
+          </a:lnRef>
+          <a:fillRef idx="1">
+            <a:schemeClr val="accent1"/>
+          </a:fillRef>
+          <a:effectRef idx="0">
+            <a:schemeClr val="accent1"/>
+          </a:effectRef>
+          <a:fontRef idx="minor">
+            <a:schemeClr val="lt1"/>
+          </a:fontRef>
+        </p:style>
+        <p:txBody>
+          <a:bodyPr rtlCol="0" anchor="t"/>
+          <a:lstStyle/>
+          <a:p>
+            <a:r>
+              <a:rPr lang="en-US" dirty="0" smtClean="0"/>
+              <a:t>cookies</a:t>
+            </a:r>
+          </a:p>
+          <a:p>
+            <a:r>
+              <a:rPr lang="en-US" dirty="0" smtClean="0"/>
+              <a:t>www.dj4e.com</a:t>
+            </a:r>
+          </a:p>
+          <a:p>
+            <a:r>
+              <a:rPr lang="en-US" dirty="0" err="1" smtClean="0"/>
+              <a:t>sessid</a:t>
+            </a:r>
+            <a:r>
+              <a:rPr lang="en-US" dirty="0" smtClean="0"/>
+              <a:t>: 42</a:t>
+            </a:r>
+            <a:endParaRPr lang="en-US" dirty="0"/>
+          </a:p>
+        </p:txBody>
+      </p:sp>
+      <p:graphicFrame>
+        <p:nvGraphicFramePr>
+          <p:cNvPr id="11" name="Table 10"/>
+          <p:cNvGraphicFramePr>
+            <a:graphicFrameLocks noGrp="1"/>
+          </p:cNvGraphicFramePr>
+          <p:nvPr/>
+        </p:nvGraphicFramePr>
+        <p:xfrm>
+          <a:off x="10082603" y="5156194"/>
+          <a:ext cx="1859568" cy="1107440"/>
+        </p:xfrm>
+        <a:graphic>
+          <a:graphicData uri="http://schemas.openxmlformats.org/drawingml/2006/table">
+            <a:tbl>
+              <a:tblPr firstRow="1" bandRow="1">
+                <a:tableStyleId>{5C22544A-7EE6-4342-B048-85BDC9FD1C3A}</a:tableStyleId>
+              </a:tblPr>
+              <a:tblGrid>
+                <a:gridCol w="929784"/>
+                <a:gridCol w="929784"/>
+              </a:tblGrid>
+              <a:tr h="0">
+                <a:tc>
+                  <a:txBody>
+                    <a:bodyPr/>
+                    <a:lstStyle/>
+                    <a:p>
+                      <a:r>
+                        <a:rPr lang="en-US" dirty="0" smtClean="0"/>
+                        <a:t>Student</a:t>
+                      </a:r>
+                      <a:endParaRPr lang="en-US" dirty="0"/>
+                    </a:p>
+                  </a:txBody>
+                  <a:tcPr/>
+                </a:tc>
+                <a:tc>
+                  <a:txBody>
+                    <a:bodyPr/>
+                    <a:lstStyle/>
+                    <a:p>
+                      <a:r>
+                        <a:rPr lang="en-US" dirty="0" smtClean="0"/>
+                        <a:t>Grade</a:t>
+                      </a:r>
+                      <a:endParaRPr lang="en-US" dirty="0"/>
+                    </a:p>
+                  </a:txBody>
+                  <a:tcPr/>
+                </a:tc>
+              </a:tr>
+              <a:tr h="370840">
+                <a:tc>
+                  <a:txBody>
+                    <a:bodyPr/>
+                    <a:lstStyle/>
+                    <a:p>
+                      <a:r>
+                        <a:rPr lang="en-US" dirty="0" smtClean="0"/>
+                        <a:t>123</a:t>
+                      </a:r>
+                      <a:endParaRPr lang="en-US" dirty="0"/>
+                    </a:p>
+                  </a:txBody>
+                  <a:tcPr/>
+                </a:tc>
+                <a:tc>
+                  <a:txBody>
+                    <a:bodyPr/>
+                    <a:lstStyle/>
+                    <a:p>
+                      <a:r>
+                        <a:rPr lang="en-US" dirty="0" smtClean="0"/>
+                        <a:t>0.5</a:t>
+                      </a:r>
+                      <a:endParaRPr lang="en-US" dirty="0"/>
+                    </a:p>
+                  </a:txBody>
+                  <a:tcPr/>
+                </a:tc>
+              </a:tr>
+              <a:tr h="370840">
+                <a:tc>
+                  <a:txBody>
+                    <a:bodyPr/>
+                    <a:lstStyle/>
+                    <a:p>
+                      <a:r>
+                        <a:rPr lang="en-US" dirty="0" smtClean="0"/>
+                        <a:t>456</a:t>
+                      </a:r>
+                      <a:endParaRPr lang="en-US" dirty="0"/>
+                    </a:p>
+                  </a:txBody>
+                  <a:tcPr/>
+                </a:tc>
+                <a:tc>
+                  <a:txBody>
+                    <a:bodyPr/>
+                    <a:lstStyle/>
+                    <a:p>
+                      <a:r>
+                        <a:rPr lang="en-US" dirty="0" smtClean="0"/>
+                        <a:t>1.0</a:t>
+                      </a:r>
+                      <a:endParaRPr lang="en-US" dirty="0"/>
+                    </a:p>
+                  </a:txBody>
+                  <a:tcPr/>
+                </a:tc>
+              </a:tr>
+            </a:tbl>
+          </a:graphicData>
+        </a:graphic>
+      </p:graphicFrame>
+      <p:sp>
+        <p:nvSpPr>
+          <p:cNvPr id="12" name="TextBox 11"/>
+          <p:cNvSpPr txBox="1"/>
+          <p:nvPr/>
+        </p:nvSpPr>
+        <p:spPr>
+          <a:xfrm>
+            <a:off x="10758497" y="3543307"/>
+            <a:ext cx="457200" cy="369332"/>
+          </a:xfrm>
+          <a:prstGeom prst="rect">
+            <a:avLst/>
+          </a:prstGeom>
+          <a:noFill/>
+        </p:spPr>
+        <p:txBody>
+          <a:bodyPr wrap="square" rtlCol="0">
+            <a:spAutoFit/>
+          </a:bodyPr>
+          <a:lstStyle/>
+          <a:p>
+            <a:r>
+              <a:rPr lang="en-US" dirty="0" smtClean="0">
+                <a:solidFill>
+                  <a:schemeClr val="bg1"/>
+                </a:solidFill>
+              </a:rPr>
+              <a:t>42</a:t>
+            </a:r>
+            <a:endParaRPr lang="en-US" dirty="0">
+              <a:solidFill>
+                <a:schemeClr val="bg1"/>
+              </a:solidFill>
+            </a:endParaRPr>
+          </a:p>
+        </p:txBody>
+      </p:sp>
+      <p:sp>
+        <p:nvSpPr>
+          <p:cNvPr id="13" name="TextBox 12"/>
+          <p:cNvSpPr txBox="1"/>
+          <p:nvPr/>
+        </p:nvSpPr>
+        <p:spPr>
+          <a:xfrm>
+            <a:off x="705565" y="2821671"/>
+            <a:ext cx="4463851" cy="2031325"/>
+          </a:xfrm>
+          <a:prstGeom prst="rect">
+            <a:avLst/>
+          </a:prstGeom>
+          <a:noFill/>
+        </p:spPr>
+        <p:txBody>
+          <a:bodyPr wrap="none" rtlCol="0">
+            <a:spAutoFit/>
+          </a:bodyPr>
+          <a:lstStyle/>
+          <a:p>
+            <a:r>
+              <a:rPr lang="en-US" dirty="0" smtClean="0"/>
+              <a:t>&lt;form method="post"</a:t>
+            </a:r>
+          </a:p>
+          <a:p>
+            <a:r>
+              <a:rPr lang="en-US" dirty="0" smtClean="0"/>
+              <a:t>action="https://www.dj4e.com/grades/123"&gt;</a:t>
+            </a:r>
+          </a:p>
+          <a:p>
+            <a:r>
+              <a:rPr lang="en-US" dirty="0"/>
+              <a:t>&lt;input type="text" name</a:t>
+            </a:r>
+            <a:r>
+              <a:rPr lang="en-US" dirty="0" smtClean="0"/>
+              <a:t>="</a:t>
+            </a:r>
+            <a:r>
+              <a:rPr lang="en-US" dirty="0" err="1" smtClean="0"/>
+              <a:t>csrf</a:t>
+            </a:r>
+            <a:r>
+              <a:rPr lang="en-US" dirty="0" smtClean="0"/>
+              <a:t>" </a:t>
+            </a:r>
+            <a:r>
+              <a:rPr lang="en-US" dirty="0"/>
+              <a:t>value</a:t>
+            </a:r>
+            <a:r>
+              <a:rPr lang="en-US" dirty="0" smtClean="0"/>
+              <a:t>="42"&gt;</a:t>
+            </a:r>
+          </a:p>
+          <a:p>
+            <a:r>
+              <a:rPr lang="en-US" dirty="0"/>
+              <a:t>&lt;input type="text" name</a:t>
+            </a:r>
+            <a:r>
+              <a:rPr lang="en-US" dirty="0" smtClean="0"/>
+              <a:t>="id" value="1.0"&gt;</a:t>
+            </a:r>
+          </a:p>
+          <a:p>
+            <a:r>
+              <a:rPr lang="en-US" dirty="0" smtClean="0"/>
+              <a:t>&lt;input type="text" name="new-grade"&gt;</a:t>
+            </a:r>
+          </a:p>
+          <a:p>
+            <a:r>
+              <a:rPr lang="en-US" dirty="0" smtClean="0"/>
+              <a:t>&lt;input type="submit"&gt;</a:t>
+            </a:r>
+          </a:p>
+          <a:p>
+            <a:r>
+              <a:rPr lang="en-US" dirty="0" smtClean="0"/>
+              <a:t>&lt;/form&gt;</a:t>
+            </a:r>
+            <a:endParaRPr lang="en-US" dirty="0"/>
+          </a:p>
+        </p:txBody>
+      </p:sp>
+      <p:sp>
+        <p:nvSpPr>
+          <p:cNvPr id="14" name="Rounded Rectangle 13"/>
+          <p:cNvSpPr/>
+          <p:nvPr/>
+        </p:nvSpPr>
+        <p:spPr>
+          <a:xfrm>
+            <a:off x="5715000" y="4397803"/>
+            <a:ext cx="2055819" cy="1588660"/>
+          </a:xfrm>
+          <a:prstGeom prst="roundRect">
+            <a:avLst/>
+          </a:prstGeom>
+          <a:solidFill>
+            <a:srgbClr val="C00000"/>
+          </a:solidFill>
+        </p:spPr>
+        <p:style>
+          <a:lnRef idx="2">
+            <a:schemeClr val="accent1">
+              <a:shade val="50000"/>
+            </a:schemeClr>
+          </a:lnRef>
+          <a:fillRef idx="1">
+            <a:schemeClr val="accent1"/>
+          </a:fillRef>
+          <a:effectRef idx="0">
+            <a:schemeClr val="accent1"/>
+          </a:effectRef>
+          <a:fontRef idx="minor">
+            <a:schemeClr val="lt1"/>
+          </a:fontRef>
+        </p:style>
+        <p:txBody>
+          <a:bodyPr rtlCol="0" anchor="ctr"/>
+          <a:lstStyle/>
+          <a:p>
+            <a:r>
+              <a:rPr lang="en-US" dirty="0" smtClean="0"/>
+              <a:t>POST /grades/123</a:t>
+            </a:r>
+          </a:p>
+          <a:p>
+            <a:r>
+              <a:rPr lang="en-US" dirty="0" smtClean="0"/>
+              <a:t>cookie: </a:t>
+            </a:r>
+            <a:r>
+              <a:rPr lang="en-US" dirty="0" err="1" smtClean="0"/>
+              <a:t>sessid</a:t>
+            </a:r>
+            <a:r>
+              <a:rPr lang="en-US" dirty="0" smtClean="0"/>
+              <a:t>=42</a:t>
+            </a:r>
+          </a:p>
+          <a:p>
+            <a:endParaRPr lang="en-US" dirty="0" smtClean="0"/>
+          </a:p>
+          <a:p>
+            <a:r>
+              <a:rPr lang="en-US" dirty="0" smtClean="0"/>
+              <a:t>new-grade=1.0</a:t>
+            </a:r>
+          </a:p>
+          <a:p>
+            <a:r>
+              <a:rPr lang="en-US" dirty="0" err="1" smtClean="0"/>
+              <a:t>csrf</a:t>
+            </a:r>
+            <a:r>
+              <a:rPr lang="en-US" dirty="0" smtClean="0"/>
+              <a:t>=42</a:t>
+            </a:r>
+            <a:endParaRPr lang="en-US" dirty="0"/>
+          </a:p>
+        </p:txBody>
+      </p:sp>
+      <p:cxnSp>
+        <p:nvCxnSpPr>
+          <p:cNvPr id="16" name="Straight Arrow Connector 15"/>
+          <p:cNvCxnSpPr>
+            <a:stCxn id="17" idx="1"/>
+          </p:cNvCxnSpPr>
+          <p:nvPr/>
+        </p:nvCxnSpPr>
+        <p:spPr>
+          <a:xfrm flipH="1">
+            <a:off x="4186238" y="2616072"/>
+            <a:ext cx="3874100" cy="332731"/>
+          </a:xfrm>
+          <a:prstGeom prst="straightConnector1">
+            <a:avLst/>
+          </a:prstGeom>
+          <a:ln w="38100">
+            <a:solidFill>
+              <a:schemeClr val="tx1"/>
+            </a:solidFill>
+            <a:tailEnd type="triangle"/>
+          </a:ln>
+        </p:spPr>
+        <p:style>
+          <a:lnRef idx="1">
+            <a:schemeClr val="accent1"/>
+          </a:lnRef>
+          <a:fillRef idx="0">
+            <a:schemeClr val="accent1"/>
+          </a:fillRef>
+          <a:effectRef idx="0">
+            <a:schemeClr val="accent1"/>
+          </a:effectRef>
+          <a:fontRef idx="minor">
+            <a:schemeClr val="tx1"/>
+          </a:fontRef>
+        </p:style>
+      </p:cxnSp>
+      <p:cxnSp>
+        <p:nvCxnSpPr>
+          <p:cNvPr id="18" name="Straight Arrow Connector 17"/>
+          <p:cNvCxnSpPr>
+            <a:endCxn id="14" idx="1"/>
+          </p:cNvCxnSpPr>
+          <p:nvPr/>
+        </p:nvCxnSpPr>
+        <p:spPr>
+          <a:xfrm>
+            <a:off x="4186238" y="4098383"/>
+            <a:ext cx="1528762" cy="1093750"/>
+          </a:xfrm>
+          <a:prstGeom prst="straightConnector1">
+            <a:avLst/>
+          </a:prstGeom>
+          <a:ln w="38100">
+            <a:solidFill>
+              <a:schemeClr val="tx1"/>
+            </a:solidFill>
+            <a:tailEnd type="triangle"/>
+          </a:ln>
+        </p:spPr>
+        <p:style>
+          <a:lnRef idx="1">
+            <a:schemeClr val="accent1"/>
+          </a:lnRef>
+          <a:fillRef idx="0">
+            <a:schemeClr val="accent1"/>
+          </a:fillRef>
+          <a:effectRef idx="0">
+            <a:schemeClr val="accent1"/>
+          </a:effectRef>
+          <a:fontRef idx="minor">
+            <a:schemeClr val="tx1"/>
+          </a:fontRef>
+        </p:style>
+      </p:cxnSp>
+      <p:cxnSp>
+        <p:nvCxnSpPr>
+          <p:cNvPr id="21" name="Straight Arrow Connector 20"/>
+          <p:cNvCxnSpPr>
+            <a:stCxn id="9" idx="3"/>
+            <a:endCxn id="14" idx="1"/>
+          </p:cNvCxnSpPr>
+          <p:nvPr/>
+        </p:nvCxnSpPr>
+        <p:spPr>
+          <a:xfrm flipV="1">
+            <a:off x="4481264" y="5192133"/>
+            <a:ext cx="1233736" cy="250529"/>
+          </a:xfrm>
+          <a:prstGeom prst="straightConnector1">
+            <a:avLst/>
+          </a:prstGeom>
+          <a:ln w="38100">
+            <a:solidFill>
+              <a:schemeClr val="tx1"/>
+            </a:solidFill>
+            <a:tailEnd type="triangle"/>
+          </a:ln>
+        </p:spPr>
+        <p:style>
+          <a:lnRef idx="1">
+            <a:schemeClr val="accent1"/>
+          </a:lnRef>
+          <a:fillRef idx="0">
+            <a:schemeClr val="accent1"/>
+          </a:fillRef>
+          <a:effectRef idx="0">
+            <a:schemeClr val="accent1"/>
+          </a:effectRef>
+          <a:fontRef idx="minor">
+            <a:schemeClr val="tx1"/>
+          </a:fontRef>
+        </p:style>
+      </p:cxnSp>
+      <p:cxnSp>
+        <p:nvCxnSpPr>
+          <p:cNvPr id="24" name="Straight Arrow Connector 23"/>
+          <p:cNvCxnSpPr>
+            <a:stCxn id="14" idx="3"/>
+            <a:endCxn id="50" idx="3"/>
+          </p:cNvCxnSpPr>
+          <p:nvPr/>
+        </p:nvCxnSpPr>
+        <p:spPr>
+          <a:xfrm flipV="1">
+            <a:off x="7770819" y="5133141"/>
+            <a:ext cx="688561" cy="58992"/>
+          </a:xfrm>
+          <a:prstGeom prst="straightConnector1">
+            <a:avLst/>
+          </a:prstGeom>
+          <a:ln w="38100">
+            <a:solidFill>
+              <a:schemeClr val="tx1"/>
+            </a:solidFill>
+            <a:tailEnd type="triangle"/>
+          </a:ln>
+        </p:spPr>
+        <p:style>
+          <a:lnRef idx="1">
+            <a:schemeClr val="accent1"/>
+          </a:lnRef>
+          <a:fillRef idx="0">
+            <a:schemeClr val="accent1"/>
+          </a:fillRef>
+          <a:effectRef idx="0">
+            <a:schemeClr val="accent1"/>
+          </a:effectRef>
+          <a:fontRef idx="minor">
+            <a:schemeClr val="tx1"/>
+          </a:fontRef>
+        </p:style>
+      </p:cxnSp>
+      <p:cxnSp>
+        <p:nvCxnSpPr>
+          <p:cNvPr id="28" name="Straight Arrow Connector 27"/>
+          <p:cNvCxnSpPr>
+            <a:stCxn id="8" idx="2"/>
+          </p:cNvCxnSpPr>
+          <p:nvPr/>
+        </p:nvCxnSpPr>
+        <p:spPr>
+          <a:xfrm flipH="1">
+            <a:off x="9263915" y="4241021"/>
+            <a:ext cx="818688" cy="474799"/>
+          </a:xfrm>
+          <a:prstGeom prst="straightConnector1">
+            <a:avLst/>
+          </a:prstGeom>
+          <a:ln w="38100">
+            <a:solidFill>
+              <a:schemeClr val="tx1"/>
+            </a:solidFill>
+            <a:tailEnd type="triangle"/>
+          </a:ln>
+        </p:spPr>
+        <p:style>
+          <a:lnRef idx="1">
+            <a:schemeClr val="accent1"/>
+          </a:lnRef>
+          <a:fillRef idx="0">
+            <a:schemeClr val="accent1"/>
+          </a:fillRef>
+          <a:effectRef idx="0">
+            <a:schemeClr val="accent1"/>
+          </a:effectRef>
+          <a:fontRef idx="minor">
+            <a:schemeClr val="tx1"/>
+          </a:fontRef>
+        </p:style>
+      </p:cxnSp>
+      <p:sp>
+        <p:nvSpPr>
+          <p:cNvPr id="17" name="Rectangle 16"/>
+          <p:cNvSpPr/>
+          <p:nvPr/>
+        </p:nvSpPr>
+        <p:spPr>
+          <a:xfrm>
+            <a:off x="8060338" y="1690687"/>
+            <a:ext cx="1680371" cy="1850769"/>
+          </a:xfrm>
+          <a:prstGeom prst="rect">
+            <a:avLst/>
+          </a:prstGeom>
+          <a:solidFill>
+            <a:srgbClr val="C00000"/>
+          </a:solidFill>
+        </p:spPr>
+        <p:style>
+          <a:lnRef idx="2">
+            <a:schemeClr val="accent1">
+              <a:shade val="50000"/>
+            </a:schemeClr>
+          </a:lnRef>
+          <a:fillRef idx="1">
+            <a:schemeClr val="accent1"/>
+          </a:fillRef>
+          <a:effectRef idx="0">
+            <a:schemeClr val="accent1"/>
+          </a:effectRef>
+          <a:fontRef idx="minor">
+            <a:schemeClr val="lt1"/>
+          </a:fontRef>
+        </p:style>
+        <p:txBody>
+          <a:bodyPr rtlCol="0" anchor="t"/>
+          <a:lstStyle/>
+          <a:p>
+            <a:r>
+              <a:rPr lang="en-US" smtClean="0"/>
+              <a:t>www.csrf.com</a:t>
+            </a:r>
+            <a:endParaRPr lang="en-US" dirty="0"/>
+          </a:p>
+        </p:txBody>
+      </p:sp>
+      <p:sp>
+        <p:nvSpPr>
+          <p:cNvPr id="50" name="Hexagon 49"/>
+          <p:cNvSpPr/>
+          <p:nvPr/>
+        </p:nvSpPr>
+        <p:spPr>
+          <a:xfrm>
+            <a:off x="8459380" y="4715820"/>
+            <a:ext cx="968184" cy="834641"/>
+          </a:xfrm>
+          <a:prstGeom prst="hexagon">
+            <a:avLst/>
+          </a:prstGeom>
+          <a:solidFill>
+            <a:srgbClr val="C00000"/>
+          </a:solidFill>
+        </p:spPr>
+        <p:style>
+          <a:lnRef idx="2">
+            <a:schemeClr val="accent1">
+              <a:shade val="50000"/>
+            </a:schemeClr>
+          </a:lnRef>
+          <a:fillRef idx="1">
+            <a:schemeClr val="accent1"/>
+          </a:fillRef>
+          <a:effectRef idx="0">
+            <a:schemeClr val="accent1"/>
+          </a:effectRef>
+          <a:fontRef idx="minor">
+            <a:schemeClr val="lt1"/>
+          </a:fontRef>
+        </p:style>
+        <p:txBody>
+          <a:bodyPr rtlCol="0" anchor="ctr"/>
+          <a:lstStyle/>
+          <a:p>
+            <a:pPr algn="ctr"/>
+            <a:r>
+              <a:rPr lang="en-US" smtClean="0"/>
+              <a:t>STOP</a:t>
+            </a:r>
+            <a:endParaRPr lang="en-US"/>
+          </a:p>
+        </p:txBody>
+      </p:sp>
+    </p:spTree>
+    <p:extLst>
+      <p:ext uri="{BB962C8B-B14F-4D97-AF65-F5344CB8AC3E}">
+        <p14:creationId xmlns:p14="http://schemas.microsoft.com/office/powerpoint/2010/main" val="1660788744"/>
+      </p:ext>
+    </p:extLst>
+  </p:cSld>
+  <p:clrMapOvr>
+    <a:masterClrMapping/>
+  </p:clrMapOvr>
+</p:sld>
+</file>
+
+<file path=ppt/slides/slide29.xml><?xml version="1.0" encoding="utf-8"?>
+<p:sld xmlns:a="http://schemas.openxmlformats.org/drawingml/2006/main" xmlns:r="http://schemas.openxmlformats.org/officeDocument/2006/relationships" xmlns:p="http://schemas.openxmlformats.org/presentationml/2006/main">
+  <p:cSld>
+    <p:spTree>
+      <p:nvGrpSpPr>
+        <p:cNvPr id="1" name=""/>
+        <p:cNvGrpSpPr/>
+        <p:nvPr/>
+      </p:nvGrpSpPr>
+      <p:grpSpPr>
+        <a:xfrm>
+          <a:off x="0" y="0"/>
+          <a:ext cx="0" cy="0"/>
+          <a:chOff x="0" y="0"/>
+          <a:chExt cx="0" cy="0"/>
+        </a:xfrm>
+      </p:grpSpPr>
+      <p:pic>
+        <p:nvPicPr>
+          <p:cNvPr id="4" name="Picture 3"/>
+          <p:cNvPicPr>
+            <a:picLocks noChangeAspect="1"/>
+          </p:cNvPicPr>
+          <p:nvPr/>
+        </p:nvPicPr>
+        <p:blipFill>
+          <a:blip r:embed="rId2">
+            <a:extLst>
+              <a:ext uri="{28A0092B-C50C-407E-A947-70E740481C1C}">
+                <a14:useLocalDpi xmlns:a14="http://schemas.microsoft.com/office/drawing/2010/main" val="0"/>
+              </a:ext>
+            </a:extLst>
+          </a:blip>
+          <a:stretch>
+            <a:fillRect/>
+          </a:stretch>
+        </p:blipFill>
+        <p:spPr>
+          <a:xfrm>
+            <a:off x="1778000" y="0"/>
+            <a:ext cx="8633298" cy="6858000"/>
+          </a:xfrm>
+          <a:prstGeom prst="rect">
+            <a:avLst/>
+          </a:prstGeom>
+        </p:spPr>
+      </p:pic>
+    </p:spTree>
+    <p:extLst>
+      <p:ext uri="{BB962C8B-B14F-4D97-AF65-F5344CB8AC3E}">
+        <p14:creationId xmlns:p14="http://schemas.microsoft.com/office/powerpoint/2010/main" val="1932400681"/>
+      </p:ext>
+    </p:extLst>
+  </p:cSld>
+  <p:clrMapOvr>
+    <a:masterClrMapping/>
+  </p:clrMapOvr>
 </p:sld>
 </file>
 
@@ -9713,10 +12805,10 @@
           <p:cNvPr id="15" name="Down Arrow 7">
             <a:extLst>
               <a:ext uri="{FF2B5EF4-FFF2-40B4-BE49-F238E27FC236}">
-                <a16:creationId xmlns:a16="http://schemas.microsoft.com/office/drawing/2014/main" xmlns="" id="{73DE2CFE-42F2-48F0-8706-5264E012B10C}"/>
+                <a16:creationId xmlns="" xmlns:a16="http://schemas.microsoft.com/office/drawing/2014/main" id="{73DE2CFE-42F2-48F0-8706-5264E012B10C}"/>
               </a:ext>
               <a:ext uri="{C183D7F6-B498-43B3-948B-1728B52AA6E4}">
-                <adec:decorative xmlns:adec="http://schemas.microsoft.com/office/drawing/2017/decorative" xmlns="" val="1"/>
+                <adec:decorative xmlns="" xmlns:adec="http://schemas.microsoft.com/office/drawing/2017/decorative" val="1"/>
               </a:ext>
             </a:extLst>
           </p:cNvPr>
@@ -9841,7 +12933,7 @@
           <p:cNvPr id="12" name="Content Placeholder 11">
             <a:extLst>
               <a:ext uri="{FF2B5EF4-FFF2-40B4-BE49-F238E27FC236}">
-                <a16:creationId xmlns:a16="http://schemas.microsoft.com/office/drawing/2014/main" xmlns="" id="{10441444-F734-43CA-98E6-1F3C07414448}"/>
+                <a16:creationId xmlns="" xmlns:a16="http://schemas.microsoft.com/office/drawing/2014/main" id="{10441444-F734-43CA-98E6-1F3C07414448}"/>
               </a:ext>
             </a:extLst>
           </p:cNvPr>
@@ -9908,6 +13000,1956 @@
   <p:clrMapOvr>
     <a:masterClrMapping/>
   </p:clrMapOvr>
+  <p:timing>
+    <p:tnLst>
+      <p:par>
+        <p:cTn id="1" dur="indefinite" restart="never" nodeType="tmRoot"/>
+      </p:par>
+    </p:tnLst>
+  </p:timing>
+</p:sld>
+</file>
+
+<file path=ppt/slides/slide30.xml><?xml version="1.0" encoding="utf-8"?>
+<p:sld xmlns:a="http://schemas.openxmlformats.org/drawingml/2006/main" xmlns:r="http://schemas.openxmlformats.org/officeDocument/2006/relationships" xmlns:p="http://schemas.openxmlformats.org/presentationml/2006/main">
+  <p:cSld>
+    <p:spTree>
+      <p:nvGrpSpPr>
+        <p:cNvPr id="1" name=""/>
+        <p:cNvGrpSpPr/>
+        <p:nvPr/>
+      </p:nvGrpSpPr>
+      <p:grpSpPr>
+        <a:xfrm>
+          <a:off x="0" y="0"/>
+          <a:ext cx="0" cy="0"/>
+          <a:chOff x="0" y="0"/>
+          <a:chExt cx="0" cy="0"/>
+        </a:xfrm>
+      </p:grpSpPr>
+      <p:sp>
+        <p:nvSpPr>
+          <p:cNvPr id="8" name="Title 7"/>
+          <p:cNvSpPr>
+            <a:spLocks noGrp="1"/>
+          </p:cNvSpPr>
+          <p:nvPr>
+            <p:ph type="title"/>
+          </p:nvPr>
+        </p:nvSpPr>
+        <p:spPr/>
+        <p:txBody>
+          <a:bodyPr/>
+          <a:lstStyle/>
+          <a:p>
+            <a:r>
+              <a:rPr lang="en-US" dirty="0" smtClean="0"/>
+              <a:t>Django support for CSRF</a:t>
+            </a:r>
+            <a:endParaRPr lang="en-US" dirty="0"/>
+          </a:p>
+        </p:txBody>
+      </p:sp>
+      <p:sp>
+        <p:nvSpPr>
+          <p:cNvPr id="9" name="Content Placeholder 8"/>
+          <p:cNvSpPr>
+            <a:spLocks noGrp="1"/>
+          </p:cNvSpPr>
+          <p:nvPr>
+            <p:ph idx="1"/>
+          </p:nvPr>
+        </p:nvSpPr>
+        <p:spPr>
+          <a:xfrm>
+            <a:off x="838200" y="1825625"/>
+            <a:ext cx="10515600" cy="1031875"/>
+          </a:xfrm>
+        </p:spPr>
+        <p:txBody>
+          <a:bodyPr/>
+          <a:lstStyle/>
+          <a:p>
+            <a:r>
+              <a:rPr lang="en-US" dirty="0" smtClean="0"/>
+              <a:t>Django has built in support to generate, use, and check </a:t>
+            </a:r>
+            <a:r>
+              <a:rPr lang="en-US" smtClean="0"/>
+              <a:t>CSRF Tokens</a:t>
+            </a:r>
+            <a:endParaRPr lang="en-US"/>
+          </a:p>
+        </p:txBody>
+      </p:sp>
+      <p:sp>
+        <p:nvSpPr>
+          <p:cNvPr id="10" name="TextBox 9"/>
+          <p:cNvSpPr txBox="1"/>
+          <p:nvPr/>
+        </p:nvSpPr>
+        <p:spPr>
+          <a:xfrm>
+            <a:off x="1628776" y="2857500"/>
+            <a:ext cx="8731878" cy="2585323"/>
+          </a:xfrm>
+          <a:prstGeom prst="rect">
+            <a:avLst/>
+          </a:prstGeom>
+          <a:noFill/>
+        </p:spPr>
+        <p:txBody>
+          <a:bodyPr wrap="none" rtlCol="0">
+            <a:spAutoFit/>
+          </a:bodyPr>
+          <a:lstStyle/>
+          <a:p>
+            <a:r>
+              <a:rPr lang="en-US" b="1" dirty="0">
+                <a:latin typeface="Courier" charset="0"/>
+                <a:ea typeface="Courier" charset="0"/>
+                <a:cs typeface="Courier" charset="0"/>
+              </a:rPr>
+              <a:t>MIDDLEWARE = [</a:t>
+            </a:r>
+          </a:p>
+          <a:p>
+            <a:r>
+              <a:rPr lang="en-US" b="1" dirty="0">
+                <a:latin typeface="Courier" charset="0"/>
+                <a:ea typeface="Courier" charset="0"/>
+                <a:cs typeface="Courier" charset="0"/>
+              </a:rPr>
+              <a:t>    '</a:t>
+            </a:r>
+            <a:r>
+              <a:rPr lang="en-US" b="1" dirty="0" err="1">
+                <a:latin typeface="Courier" charset="0"/>
+                <a:ea typeface="Courier" charset="0"/>
+                <a:cs typeface="Courier" charset="0"/>
+              </a:rPr>
+              <a:t>django.middleware.security.SecurityMiddleware</a:t>
+            </a:r>
+            <a:r>
+              <a:rPr lang="en-US" b="1" dirty="0">
+                <a:latin typeface="Courier" charset="0"/>
+                <a:ea typeface="Courier" charset="0"/>
+                <a:cs typeface="Courier" charset="0"/>
+              </a:rPr>
+              <a:t>',</a:t>
+            </a:r>
+          </a:p>
+          <a:p>
+            <a:r>
+              <a:rPr lang="en-US" b="1" dirty="0">
+                <a:latin typeface="Courier" charset="0"/>
+                <a:ea typeface="Courier" charset="0"/>
+                <a:cs typeface="Courier" charset="0"/>
+              </a:rPr>
+              <a:t>    '</a:t>
+            </a:r>
+            <a:r>
+              <a:rPr lang="en-US" b="1" dirty="0" err="1">
+                <a:latin typeface="Courier" charset="0"/>
+                <a:ea typeface="Courier" charset="0"/>
+                <a:cs typeface="Courier" charset="0"/>
+              </a:rPr>
+              <a:t>django.contrib.sessions.middleware.SessionMiddleware</a:t>
+            </a:r>
+            <a:r>
+              <a:rPr lang="en-US" b="1" dirty="0">
+                <a:latin typeface="Courier" charset="0"/>
+                <a:ea typeface="Courier" charset="0"/>
+                <a:cs typeface="Courier" charset="0"/>
+              </a:rPr>
+              <a:t>',</a:t>
+            </a:r>
+          </a:p>
+          <a:p>
+            <a:r>
+              <a:rPr lang="en-US" b="1" dirty="0">
+                <a:latin typeface="Courier" charset="0"/>
+                <a:ea typeface="Courier" charset="0"/>
+                <a:cs typeface="Courier" charset="0"/>
+              </a:rPr>
+              <a:t>    '</a:t>
+            </a:r>
+            <a:r>
+              <a:rPr lang="en-US" b="1" dirty="0" err="1">
+                <a:latin typeface="Courier" charset="0"/>
+                <a:ea typeface="Courier" charset="0"/>
+                <a:cs typeface="Courier" charset="0"/>
+              </a:rPr>
+              <a:t>django.middleware.common.CommonMiddleware</a:t>
+            </a:r>
+            <a:r>
+              <a:rPr lang="en-US" b="1" dirty="0">
+                <a:latin typeface="Courier" charset="0"/>
+                <a:ea typeface="Courier" charset="0"/>
+                <a:cs typeface="Courier" charset="0"/>
+              </a:rPr>
+              <a:t>',</a:t>
+            </a:r>
+          </a:p>
+          <a:p>
+            <a:r>
+              <a:rPr lang="en-US" b="1" dirty="0">
+                <a:latin typeface="Courier" charset="0"/>
+                <a:ea typeface="Courier" charset="0"/>
+                <a:cs typeface="Courier" charset="0"/>
+              </a:rPr>
+              <a:t>    </a:t>
+            </a:r>
+            <a:r>
+              <a:rPr lang="en-US" b="1" dirty="0">
+                <a:solidFill>
+                  <a:srgbClr val="FFFF00"/>
+                </a:solidFill>
+                <a:latin typeface="Courier" charset="0"/>
+                <a:ea typeface="Courier" charset="0"/>
+                <a:cs typeface="Courier" charset="0"/>
+              </a:rPr>
+              <a:t>'</a:t>
+            </a:r>
+            <a:r>
+              <a:rPr lang="en-US" b="1" dirty="0" err="1">
+                <a:solidFill>
+                  <a:srgbClr val="FFFF00"/>
+                </a:solidFill>
+                <a:latin typeface="Courier" charset="0"/>
+                <a:ea typeface="Courier" charset="0"/>
+                <a:cs typeface="Courier" charset="0"/>
+              </a:rPr>
+              <a:t>django.middleware.csrf.CsrfViewMiddleware</a:t>
+            </a:r>
+            <a:r>
+              <a:rPr lang="en-US" b="1" dirty="0">
+                <a:solidFill>
+                  <a:srgbClr val="FFFF00"/>
+                </a:solidFill>
+                <a:latin typeface="Courier" charset="0"/>
+                <a:ea typeface="Courier" charset="0"/>
+                <a:cs typeface="Courier" charset="0"/>
+              </a:rPr>
+              <a:t>',</a:t>
+            </a:r>
+          </a:p>
+          <a:p>
+            <a:r>
+              <a:rPr lang="en-US" b="1" dirty="0">
+                <a:latin typeface="Courier" charset="0"/>
+                <a:ea typeface="Courier" charset="0"/>
+                <a:cs typeface="Courier" charset="0"/>
+              </a:rPr>
+              <a:t>    '</a:t>
+            </a:r>
+            <a:r>
+              <a:rPr lang="en-US" b="1" dirty="0" err="1">
+                <a:latin typeface="Courier" charset="0"/>
+                <a:ea typeface="Courier" charset="0"/>
+                <a:cs typeface="Courier" charset="0"/>
+              </a:rPr>
+              <a:t>django.contrib.auth.middleware.AuthenticationMiddleware</a:t>
+            </a:r>
+            <a:r>
+              <a:rPr lang="en-US" b="1" dirty="0">
+                <a:latin typeface="Courier" charset="0"/>
+                <a:ea typeface="Courier" charset="0"/>
+                <a:cs typeface="Courier" charset="0"/>
+              </a:rPr>
+              <a:t>',</a:t>
+            </a:r>
+          </a:p>
+          <a:p>
+            <a:r>
+              <a:rPr lang="en-US" b="1" dirty="0">
+                <a:latin typeface="Courier" charset="0"/>
+                <a:ea typeface="Courier" charset="0"/>
+                <a:cs typeface="Courier" charset="0"/>
+              </a:rPr>
+              <a:t>    '</a:t>
+            </a:r>
+            <a:r>
+              <a:rPr lang="en-US" b="1" dirty="0" err="1">
+                <a:latin typeface="Courier" charset="0"/>
+                <a:ea typeface="Courier" charset="0"/>
+                <a:cs typeface="Courier" charset="0"/>
+              </a:rPr>
+              <a:t>django.contrib.messages.middleware.MessageMiddleware</a:t>
+            </a:r>
+            <a:r>
+              <a:rPr lang="en-US" b="1" dirty="0">
+                <a:latin typeface="Courier" charset="0"/>
+                <a:ea typeface="Courier" charset="0"/>
+                <a:cs typeface="Courier" charset="0"/>
+              </a:rPr>
+              <a:t>',</a:t>
+            </a:r>
+          </a:p>
+          <a:p>
+            <a:r>
+              <a:rPr lang="en-US" b="1" dirty="0">
+                <a:latin typeface="Courier" charset="0"/>
+                <a:ea typeface="Courier" charset="0"/>
+                <a:cs typeface="Courier" charset="0"/>
+              </a:rPr>
+              <a:t>    '</a:t>
+            </a:r>
+            <a:r>
+              <a:rPr lang="en-US" b="1" dirty="0" err="1">
+                <a:latin typeface="Courier" charset="0"/>
+                <a:ea typeface="Courier" charset="0"/>
+                <a:cs typeface="Courier" charset="0"/>
+              </a:rPr>
+              <a:t>django.middleware.clickjacking.XFrameOptionsMiddleware</a:t>
+            </a:r>
+            <a:r>
+              <a:rPr lang="en-US" b="1" dirty="0">
+                <a:latin typeface="Courier" charset="0"/>
+                <a:ea typeface="Courier" charset="0"/>
+                <a:cs typeface="Courier" charset="0"/>
+              </a:rPr>
+              <a:t>',</a:t>
+            </a:r>
+          </a:p>
+          <a:p>
+            <a:r>
+              <a:rPr lang="mr-IN" b="1" dirty="0" smtClean="0">
+                <a:latin typeface="Courier" charset="0"/>
+                <a:ea typeface="Courier" charset="0"/>
+                <a:cs typeface="Courier" charset="0"/>
+              </a:rPr>
+              <a:t>]</a:t>
+            </a:r>
+            <a:endParaRPr lang="mr-IN" b="1" dirty="0">
+              <a:latin typeface="Courier" charset="0"/>
+              <a:ea typeface="Courier" charset="0"/>
+              <a:cs typeface="Courier" charset="0"/>
+            </a:endParaRPr>
+          </a:p>
+        </p:txBody>
+      </p:sp>
+    </p:spTree>
+    <p:extLst>
+      <p:ext uri="{BB962C8B-B14F-4D97-AF65-F5344CB8AC3E}">
+        <p14:creationId xmlns:p14="http://schemas.microsoft.com/office/powerpoint/2010/main" val="141962263"/>
+      </p:ext>
+    </p:extLst>
+  </p:cSld>
+  <p:clrMapOvr>
+    <a:masterClrMapping/>
+  </p:clrMapOvr>
+</p:sld>
+</file>
+
+<file path=ppt/slides/slide31.xml><?xml version="1.0" encoding="utf-8"?>
+<p:sld xmlns:a="http://schemas.openxmlformats.org/drawingml/2006/main" xmlns:r="http://schemas.openxmlformats.org/officeDocument/2006/relationships" xmlns:p="http://schemas.openxmlformats.org/presentationml/2006/main">
+  <p:cSld>
+    <p:spTree>
+      <p:nvGrpSpPr>
+        <p:cNvPr id="1" name=""/>
+        <p:cNvGrpSpPr/>
+        <p:nvPr/>
+      </p:nvGrpSpPr>
+      <p:grpSpPr>
+        <a:xfrm>
+          <a:off x="0" y="0"/>
+          <a:ext cx="0" cy="0"/>
+          <a:chOff x="0" y="0"/>
+          <a:chExt cx="0" cy="0"/>
+        </a:xfrm>
+      </p:grpSpPr>
+      <p:sp>
+        <p:nvSpPr>
+          <p:cNvPr id="2" name="Title 1"/>
+          <p:cNvSpPr>
+            <a:spLocks noGrp="1"/>
+          </p:cNvSpPr>
+          <p:nvPr>
+            <p:ph type="title"/>
+          </p:nvPr>
+        </p:nvSpPr>
+        <p:spPr/>
+        <p:txBody>
+          <a:bodyPr/>
+          <a:lstStyle/>
+          <a:p>
+            <a:r>
+              <a:rPr lang="en-US" dirty="0" smtClean="0"/>
+              <a:t>Django CSRF in Templates</a:t>
+            </a:r>
+            <a:endParaRPr lang="en-US" dirty="0"/>
+          </a:p>
+        </p:txBody>
+      </p:sp>
+      <p:sp>
+        <p:nvSpPr>
+          <p:cNvPr id="5" name="TextBox 4"/>
+          <p:cNvSpPr txBox="1"/>
+          <p:nvPr/>
+        </p:nvSpPr>
+        <p:spPr>
+          <a:xfrm>
+            <a:off x="2352675" y="2357439"/>
+            <a:ext cx="7622600" cy="2677656"/>
+          </a:xfrm>
+          <a:prstGeom prst="rect">
+            <a:avLst/>
+          </a:prstGeom>
+          <a:solidFill>
+            <a:schemeClr val="tx1"/>
+          </a:solidFill>
+        </p:spPr>
+        <p:txBody>
+          <a:bodyPr wrap="none" rtlCol="0">
+            <a:spAutoFit/>
+          </a:bodyPr>
+          <a:lstStyle/>
+          <a:p>
+            <a:r>
+              <a:rPr lang="en-US" sz="2400" b="1" dirty="0">
+                <a:solidFill>
+                  <a:srgbClr val="000000"/>
+                </a:solidFill>
+                <a:latin typeface="Courier" charset="0"/>
+                <a:ea typeface="Courier" charset="0"/>
+                <a:cs typeface="Courier" charset="0"/>
+              </a:rPr>
+              <a:t> </a:t>
+            </a:r>
+            <a:r>
+              <a:rPr lang="en-US" sz="2400" b="1" dirty="0">
+                <a:solidFill>
+                  <a:srgbClr val="2EAEBB"/>
+                </a:solidFill>
+                <a:latin typeface="Courier" charset="0"/>
+                <a:ea typeface="Courier" charset="0"/>
+                <a:cs typeface="Courier" charset="0"/>
+              </a:rPr>
+              <a:t>&lt;</a:t>
+            </a:r>
+            <a:r>
+              <a:rPr lang="en-US" sz="2400" b="1" dirty="0">
+                <a:solidFill>
+                  <a:srgbClr val="C1651C"/>
+                </a:solidFill>
+                <a:latin typeface="Courier" charset="0"/>
+                <a:ea typeface="Courier" charset="0"/>
+                <a:cs typeface="Courier" charset="0"/>
+              </a:rPr>
+              <a:t>form</a:t>
+            </a:r>
+            <a:r>
+              <a:rPr lang="en-US" sz="2400" b="1" dirty="0">
+                <a:solidFill>
+                  <a:srgbClr val="2EAEBB"/>
+                </a:solidFill>
+                <a:latin typeface="Courier" charset="0"/>
+                <a:ea typeface="Courier" charset="0"/>
+                <a:cs typeface="Courier" charset="0"/>
+              </a:rPr>
+              <a:t> </a:t>
+            </a:r>
+            <a:r>
+              <a:rPr lang="en-US" sz="2400" b="1" dirty="0">
+                <a:solidFill>
+                  <a:srgbClr val="2FB41D"/>
+                </a:solidFill>
+                <a:latin typeface="Courier" charset="0"/>
+                <a:ea typeface="Courier" charset="0"/>
+                <a:cs typeface="Courier" charset="0"/>
+              </a:rPr>
+              <a:t>action</a:t>
+            </a:r>
+            <a:r>
+              <a:rPr lang="en-US" sz="2400" b="1" dirty="0">
+                <a:solidFill>
+                  <a:srgbClr val="2EAEBB"/>
+                </a:solidFill>
+                <a:latin typeface="Courier" charset="0"/>
+                <a:ea typeface="Courier" charset="0"/>
+                <a:cs typeface="Courier" charset="0"/>
+              </a:rPr>
+              <a:t>=</a:t>
+            </a:r>
+            <a:r>
+              <a:rPr lang="en-US" sz="2400" b="1" dirty="0">
+                <a:solidFill>
+                  <a:srgbClr val="B42419"/>
+                </a:solidFill>
+                <a:latin typeface="Courier" charset="0"/>
+                <a:ea typeface="Courier" charset="0"/>
+                <a:cs typeface="Courier" charset="0"/>
+              </a:rPr>
+              <a:t>""</a:t>
+            </a:r>
+            <a:r>
+              <a:rPr lang="en-US" sz="2400" b="1" dirty="0">
+                <a:solidFill>
+                  <a:srgbClr val="2EAEBB"/>
+                </a:solidFill>
+                <a:latin typeface="Courier" charset="0"/>
+                <a:ea typeface="Courier" charset="0"/>
+                <a:cs typeface="Courier" charset="0"/>
+              </a:rPr>
+              <a:t> </a:t>
+            </a:r>
+            <a:r>
+              <a:rPr lang="en-US" sz="2400" b="1" dirty="0">
+                <a:solidFill>
+                  <a:srgbClr val="2FB41D"/>
+                </a:solidFill>
+                <a:latin typeface="Courier" charset="0"/>
+                <a:ea typeface="Courier" charset="0"/>
+                <a:cs typeface="Courier" charset="0"/>
+              </a:rPr>
+              <a:t>method</a:t>
+            </a:r>
+            <a:r>
+              <a:rPr lang="en-US" sz="2400" b="1" dirty="0">
+                <a:solidFill>
+                  <a:srgbClr val="2EAEBB"/>
+                </a:solidFill>
+                <a:latin typeface="Courier" charset="0"/>
+                <a:ea typeface="Courier" charset="0"/>
+                <a:cs typeface="Courier" charset="0"/>
+              </a:rPr>
+              <a:t>=</a:t>
+            </a:r>
+            <a:r>
+              <a:rPr lang="en-US" sz="2400" b="1" dirty="0">
+                <a:solidFill>
+                  <a:srgbClr val="B42419"/>
+                </a:solidFill>
+                <a:latin typeface="Courier" charset="0"/>
+                <a:ea typeface="Courier" charset="0"/>
+                <a:cs typeface="Courier" charset="0"/>
+              </a:rPr>
+              <a:t>"post"</a:t>
+            </a:r>
+            <a:r>
+              <a:rPr lang="en-US" sz="2400" b="1" dirty="0">
+                <a:solidFill>
+                  <a:srgbClr val="2EAEBB"/>
+                </a:solidFill>
+                <a:latin typeface="Courier" charset="0"/>
+                <a:ea typeface="Courier" charset="0"/>
+                <a:cs typeface="Courier" charset="0"/>
+              </a:rPr>
+              <a:t>&gt;</a:t>
+            </a:r>
+            <a:endParaRPr lang="en-US" sz="2400" b="1" dirty="0">
+              <a:solidFill>
+                <a:srgbClr val="000000"/>
+              </a:solidFill>
+              <a:latin typeface="Courier" charset="0"/>
+              <a:ea typeface="Courier" charset="0"/>
+              <a:cs typeface="Courier" charset="0"/>
+            </a:endParaRPr>
+          </a:p>
+          <a:p>
+            <a:r>
+              <a:rPr lang="mr-IN" sz="2400" b="1" dirty="0">
+                <a:solidFill>
+                  <a:srgbClr val="000000"/>
+                </a:solidFill>
+                <a:latin typeface="Courier" charset="0"/>
+                <a:ea typeface="Courier" charset="0"/>
+                <a:cs typeface="Courier" charset="0"/>
+              </a:rPr>
+              <a:t>    </a:t>
+            </a:r>
+            <a:r>
+              <a:rPr lang="mr-IN" sz="2400" b="1" dirty="0">
+                <a:solidFill>
+                  <a:srgbClr val="C814C9"/>
+                </a:solidFill>
+                <a:latin typeface="Courier" charset="0"/>
+                <a:ea typeface="Courier" charset="0"/>
+                <a:cs typeface="Courier" charset="0"/>
+              </a:rPr>
+              <a:t>{% </a:t>
+            </a:r>
+            <a:r>
+              <a:rPr lang="mr-IN" sz="2400" b="1" dirty="0" err="1">
+                <a:solidFill>
+                  <a:srgbClr val="C1651C"/>
+                </a:solidFill>
+                <a:latin typeface="Courier" charset="0"/>
+                <a:ea typeface="Courier" charset="0"/>
+                <a:cs typeface="Courier" charset="0"/>
+              </a:rPr>
+              <a:t>csrf_token</a:t>
+            </a:r>
+            <a:r>
+              <a:rPr lang="mr-IN" sz="2400" b="1" dirty="0">
+                <a:solidFill>
+                  <a:srgbClr val="C814C9"/>
+                </a:solidFill>
+                <a:latin typeface="Courier" charset="0"/>
+                <a:ea typeface="Courier" charset="0"/>
+                <a:cs typeface="Courier" charset="0"/>
+              </a:rPr>
+              <a:t> %}</a:t>
+            </a:r>
+            <a:endParaRPr lang="mr-IN" sz="2400" b="1" dirty="0">
+              <a:solidFill>
+                <a:srgbClr val="000000"/>
+              </a:solidFill>
+              <a:latin typeface="Courier" charset="0"/>
+              <a:ea typeface="Courier" charset="0"/>
+              <a:cs typeface="Courier" charset="0"/>
+            </a:endParaRPr>
+          </a:p>
+          <a:p>
+            <a:r>
+              <a:rPr lang="mr-IN" sz="2400" b="1" dirty="0">
+                <a:solidFill>
+                  <a:srgbClr val="000000"/>
+                </a:solidFill>
+                <a:latin typeface="Courier" charset="0"/>
+                <a:ea typeface="Courier" charset="0"/>
+                <a:cs typeface="Courier" charset="0"/>
+              </a:rPr>
+              <a:t>    </a:t>
+            </a:r>
+            <a:r>
+              <a:rPr lang="mr-IN" sz="2400" b="1" dirty="0">
+                <a:solidFill>
+                  <a:srgbClr val="2EAEBB"/>
+                </a:solidFill>
+                <a:latin typeface="Courier" charset="0"/>
+                <a:ea typeface="Courier" charset="0"/>
+                <a:cs typeface="Courier" charset="0"/>
+              </a:rPr>
+              <a:t>&lt;</a:t>
+            </a:r>
+            <a:r>
+              <a:rPr lang="mr-IN" sz="2400" b="1" dirty="0" err="1">
+                <a:solidFill>
+                  <a:srgbClr val="C1651C"/>
+                </a:solidFill>
+                <a:latin typeface="Courier" charset="0"/>
+                <a:ea typeface="Courier" charset="0"/>
+                <a:cs typeface="Courier" charset="0"/>
+              </a:rPr>
+              <a:t>table</a:t>
+            </a:r>
+            <a:r>
+              <a:rPr lang="mr-IN" sz="2400" b="1" dirty="0">
+                <a:solidFill>
+                  <a:srgbClr val="2EAEBB"/>
+                </a:solidFill>
+                <a:latin typeface="Courier" charset="0"/>
+                <a:ea typeface="Courier" charset="0"/>
+                <a:cs typeface="Courier" charset="0"/>
+              </a:rPr>
+              <a:t>&gt;</a:t>
+            </a:r>
+            <a:endParaRPr lang="mr-IN" sz="2400" b="1" dirty="0">
+              <a:solidFill>
+                <a:srgbClr val="000000"/>
+              </a:solidFill>
+              <a:latin typeface="Courier" charset="0"/>
+              <a:ea typeface="Courier" charset="0"/>
+              <a:cs typeface="Courier" charset="0"/>
+            </a:endParaRPr>
+          </a:p>
+          <a:p>
+            <a:r>
+              <a:rPr lang="mr-IN" sz="2400" b="1" dirty="0">
+                <a:solidFill>
+                  <a:srgbClr val="000000"/>
+                </a:solidFill>
+                <a:latin typeface="Courier" charset="0"/>
+                <a:ea typeface="Courier" charset="0"/>
+                <a:cs typeface="Courier" charset="0"/>
+              </a:rPr>
+              <a:t>    </a:t>
+            </a:r>
+            <a:r>
+              <a:rPr lang="mr-IN" sz="2400" b="1" dirty="0">
+                <a:solidFill>
+                  <a:srgbClr val="C814C9"/>
+                </a:solidFill>
+                <a:latin typeface="Courier" charset="0"/>
+                <a:ea typeface="Courier" charset="0"/>
+                <a:cs typeface="Courier" charset="0"/>
+              </a:rPr>
+              <a:t>{{ </a:t>
+            </a:r>
+            <a:r>
+              <a:rPr lang="mr-IN" sz="2400" b="1" dirty="0" err="1">
+                <a:solidFill>
+                  <a:srgbClr val="C814C9"/>
+                </a:solidFill>
+                <a:latin typeface="Courier" charset="0"/>
+                <a:ea typeface="Courier" charset="0"/>
+                <a:cs typeface="Courier" charset="0"/>
+              </a:rPr>
+              <a:t>form.as_table</a:t>
+            </a:r>
+            <a:r>
+              <a:rPr lang="mr-IN" sz="2400" b="1" dirty="0">
+                <a:solidFill>
+                  <a:srgbClr val="C814C9"/>
+                </a:solidFill>
+                <a:latin typeface="Courier" charset="0"/>
+                <a:ea typeface="Courier" charset="0"/>
+                <a:cs typeface="Courier" charset="0"/>
+              </a:rPr>
+              <a:t> }}</a:t>
+            </a:r>
+            <a:endParaRPr lang="mr-IN" sz="2400" b="1" dirty="0">
+              <a:solidFill>
+                <a:srgbClr val="000000"/>
+              </a:solidFill>
+              <a:latin typeface="Courier" charset="0"/>
+              <a:ea typeface="Courier" charset="0"/>
+              <a:cs typeface="Courier" charset="0"/>
+            </a:endParaRPr>
+          </a:p>
+          <a:p>
+            <a:r>
+              <a:rPr lang="mr-IN" sz="2400" b="1" dirty="0">
+                <a:solidFill>
+                  <a:srgbClr val="000000"/>
+                </a:solidFill>
+                <a:latin typeface="Courier" charset="0"/>
+                <a:ea typeface="Courier" charset="0"/>
+                <a:cs typeface="Courier" charset="0"/>
+              </a:rPr>
+              <a:t>    </a:t>
+            </a:r>
+            <a:r>
+              <a:rPr lang="mr-IN" sz="2400" b="1" dirty="0">
+                <a:solidFill>
+                  <a:srgbClr val="2EAEBB"/>
+                </a:solidFill>
+                <a:latin typeface="Courier" charset="0"/>
+                <a:ea typeface="Courier" charset="0"/>
+                <a:cs typeface="Courier" charset="0"/>
+              </a:rPr>
+              <a:t>&lt;/</a:t>
+            </a:r>
+            <a:r>
+              <a:rPr lang="mr-IN" sz="2400" b="1" dirty="0" err="1">
+                <a:solidFill>
+                  <a:srgbClr val="C1651C"/>
+                </a:solidFill>
+                <a:latin typeface="Courier" charset="0"/>
+                <a:ea typeface="Courier" charset="0"/>
+                <a:cs typeface="Courier" charset="0"/>
+              </a:rPr>
+              <a:t>table</a:t>
+            </a:r>
+            <a:r>
+              <a:rPr lang="mr-IN" sz="2400" b="1" dirty="0">
+                <a:solidFill>
+                  <a:srgbClr val="2EAEBB"/>
+                </a:solidFill>
+                <a:latin typeface="Courier" charset="0"/>
+                <a:ea typeface="Courier" charset="0"/>
+                <a:cs typeface="Courier" charset="0"/>
+              </a:rPr>
+              <a:t>&gt;</a:t>
+            </a:r>
+            <a:endParaRPr lang="mr-IN" sz="2400" b="1" dirty="0">
+              <a:solidFill>
+                <a:srgbClr val="000000"/>
+              </a:solidFill>
+              <a:latin typeface="Courier" charset="0"/>
+              <a:ea typeface="Courier" charset="0"/>
+              <a:cs typeface="Courier" charset="0"/>
+            </a:endParaRPr>
+          </a:p>
+          <a:p>
+            <a:r>
+              <a:rPr lang="en-US" sz="2400" b="1" dirty="0">
+                <a:solidFill>
+                  <a:srgbClr val="000000"/>
+                </a:solidFill>
+                <a:latin typeface="Courier" charset="0"/>
+                <a:ea typeface="Courier" charset="0"/>
+                <a:cs typeface="Courier" charset="0"/>
+              </a:rPr>
+              <a:t>    </a:t>
+            </a:r>
+            <a:r>
+              <a:rPr lang="en-US" sz="2400" b="1" dirty="0">
+                <a:solidFill>
+                  <a:srgbClr val="2EAEBB"/>
+                </a:solidFill>
+                <a:latin typeface="Courier" charset="0"/>
+                <a:ea typeface="Courier" charset="0"/>
+                <a:cs typeface="Courier" charset="0"/>
+              </a:rPr>
+              <a:t>&lt;</a:t>
+            </a:r>
+            <a:r>
+              <a:rPr lang="en-US" sz="2400" b="1" dirty="0">
+                <a:solidFill>
+                  <a:srgbClr val="C1651C"/>
+                </a:solidFill>
+                <a:latin typeface="Courier" charset="0"/>
+                <a:ea typeface="Courier" charset="0"/>
+                <a:cs typeface="Courier" charset="0"/>
+              </a:rPr>
+              <a:t>input</a:t>
+            </a:r>
+            <a:r>
+              <a:rPr lang="en-US" sz="2400" b="1" dirty="0">
+                <a:solidFill>
+                  <a:srgbClr val="2EAEBB"/>
+                </a:solidFill>
+                <a:latin typeface="Courier" charset="0"/>
+                <a:ea typeface="Courier" charset="0"/>
+                <a:cs typeface="Courier" charset="0"/>
+              </a:rPr>
+              <a:t> </a:t>
+            </a:r>
+            <a:r>
+              <a:rPr lang="en-US" sz="2400" b="1" dirty="0">
+                <a:solidFill>
+                  <a:srgbClr val="2FB41D"/>
+                </a:solidFill>
+                <a:latin typeface="Courier" charset="0"/>
+                <a:ea typeface="Courier" charset="0"/>
+                <a:cs typeface="Courier" charset="0"/>
+              </a:rPr>
+              <a:t>type</a:t>
+            </a:r>
+            <a:r>
+              <a:rPr lang="en-US" sz="2400" b="1" dirty="0">
+                <a:solidFill>
+                  <a:srgbClr val="2EAEBB"/>
+                </a:solidFill>
+                <a:latin typeface="Courier" charset="0"/>
+                <a:ea typeface="Courier" charset="0"/>
+                <a:cs typeface="Courier" charset="0"/>
+              </a:rPr>
+              <a:t>=</a:t>
+            </a:r>
+            <a:r>
+              <a:rPr lang="en-US" sz="2400" b="1" dirty="0">
+                <a:solidFill>
+                  <a:srgbClr val="B42419"/>
+                </a:solidFill>
+                <a:latin typeface="Courier" charset="0"/>
+                <a:ea typeface="Courier" charset="0"/>
+                <a:cs typeface="Courier" charset="0"/>
+              </a:rPr>
+              <a:t>"submit"</a:t>
+            </a:r>
+            <a:r>
+              <a:rPr lang="en-US" sz="2400" b="1" dirty="0">
+                <a:solidFill>
+                  <a:srgbClr val="2EAEBB"/>
+                </a:solidFill>
+                <a:latin typeface="Courier" charset="0"/>
+                <a:ea typeface="Courier" charset="0"/>
+                <a:cs typeface="Courier" charset="0"/>
+              </a:rPr>
+              <a:t> </a:t>
+            </a:r>
+            <a:r>
+              <a:rPr lang="en-US" sz="2400" b="1" dirty="0">
+                <a:solidFill>
+                  <a:srgbClr val="2FB41D"/>
+                </a:solidFill>
+                <a:latin typeface="Courier" charset="0"/>
+                <a:ea typeface="Courier" charset="0"/>
+                <a:cs typeface="Courier" charset="0"/>
+              </a:rPr>
+              <a:t>value</a:t>
+            </a:r>
+            <a:r>
+              <a:rPr lang="en-US" sz="2400" b="1" dirty="0">
+                <a:solidFill>
+                  <a:srgbClr val="2EAEBB"/>
+                </a:solidFill>
+                <a:latin typeface="Courier" charset="0"/>
+                <a:ea typeface="Courier" charset="0"/>
+                <a:cs typeface="Courier" charset="0"/>
+              </a:rPr>
+              <a:t>=</a:t>
+            </a:r>
+            <a:r>
+              <a:rPr lang="en-US" sz="2400" b="1" dirty="0">
+                <a:solidFill>
+                  <a:srgbClr val="B42419"/>
+                </a:solidFill>
+                <a:latin typeface="Courier" charset="0"/>
+                <a:ea typeface="Courier" charset="0"/>
+                <a:cs typeface="Courier" charset="0"/>
+              </a:rPr>
+              <a:t>"Submit</a:t>
+            </a:r>
+            <a:r>
+              <a:rPr lang="en-US" sz="2400" b="1" dirty="0" smtClean="0">
+                <a:solidFill>
+                  <a:srgbClr val="B42419"/>
+                </a:solidFill>
+                <a:latin typeface="Courier" charset="0"/>
+                <a:ea typeface="Courier" charset="0"/>
+                <a:cs typeface="Courier" charset="0"/>
+              </a:rPr>
+              <a:t>"</a:t>
+            </a:r>
+            <a:r>
+              <a:rPr lang="en-US" sz="2400" b="1" dirty="0" smtClean="0">
+                <a:solidFill>
+                  <a:srgbClr val="2EAEBB"/>
+                </a:solidFill>
+                <a:latin typeface="Courier" charset="0"/>
+                <a:ea typeface="Courier" charset="0"/>
+                <a:cs typeface="Courier" charset="0"/>
+              </a:rPr>
+              <a:t>&gt;</a:t>
+            </a:r>
+            <a:endParaRPr lang="en-US" sz="2400" b="1" dirty="0" smtClean="0">
+              <a:solidFill>
+                <a:srgbClr val="000000"/>
+              </a:solidFill>
+              <a:latin typeface="Courier" charset="0"/>
+              <a:ea typeface="Courier" charset="0"/>
+              <a:cs typeface="Courier" charset="0"/>
+            </a:endParaRPr>
+          </a:p>
+          <a:p>
+            <a:r>
+              <a:rPr lang="en-US" sz="2400" b="1" dirty="0" smtClean="0">
+                <a:solidFill>
+                  <a:srgbClr val="2EAEBB"/>
+                </a:solidFill>
+                <a:latin typeface="Courier" charset="0"/>
+                <a:ea typeface="Courier" charset="0"/>
+                <a:cs typeface="Courier" charset="0"/>
+              </a:rPr>
+              <a:t> </a:t>
+            </a:r>
+            <a:r>
+              <a:rPr lang="mr-IN" sz="2400" b="1" dirty="0" smtClean="0">
+                <a:solidFill>
+                  <a:srgbClr val="2EAEBB"/>
+                </a:solidFill>
+                <a:latin typeface="Courier" charset="0"/>
+                <a:ea typeface="Courier" charset="0"/>
+                <a:cs typeface="Courier" charset="0"/>
+              </a:rPr>
+              <a:t>&lt;/</a:t>
+            </a:r>
+            <a:r>
+              <a:rPr lang="mr-IN" sz="2400" b="1" dirty="0" err="1">
+                <a:solidFill>
+                  <a:srgbClr val="C1651C"/>
+                </a:solidFill>
+                <a:latin typeface="Courier" charset="0"/>
+                <a:ea typeface="Courier" charset="0"/>
+                <a:cs typeface="Courier" charset="0"/>
+              </a:rPr>
+              <a:t>form</a:t>
+            </a:r>
+            <a:r>
+              <a:rPr lang="mr-IN" sz="2400" b="1" dirty="0">
+                <a:solidFill>
+                  <a:srgbClr val="2EAEBB"/>
+                </a:solidFill>
+                <a:latin typeface="Courier" charset="0"/>
+                <a:ea typeface="Courier" charset="0"/>
+                <a:cs typeface="Courier" charset="0"/>
+              </a:rPr>
+              <a:t>&gt;</a:t>
+            </a:r>
+            <a:endParaRPr lang="en-US" sz="2400" b="1" dirty="0">
+              <a:latin typeface="Courier" charset="0"/>
+              <a:ea typeface="Courier" charset="0"/>
+              <a:cs typeface="Courier" charset="0"/>
+            </a:endParaRPr>
+          </a:p>
+        </p:txBody>
+      </p:sp>
+    </p:spTree>
+    <p:extLst>
+      <p:ext uri="{BB962C8B-B14F-4D97-AF65-F5344CB8AC3E}">
+        <p14:creationId xmlns:p14="http://schemas.microsoft.com/office/powerpoint/2010/main" val="1687195886"/>
+      </p:ext>
+    </p:extLst>
+  </p:cSld>
+  <p:clrMapOvr>
+    <a:masterClrMapping/>
+  </p:clrMapOvr>
+</p:sld>
+</file>
+
+<file path=ppt/slides/slide32.xml><?xml version="1.0" encoding="utf-8"?>
+<p:sld xmlns:a="http://schemas.openxmlformats.org/drawingml/2006/main" xmlns:r="http://schemas.openxmlformats.org/officeDocument/2006/relationships" xmlns:p="http://schemas.openxmlformats.org/presentationml/2006/main">
+  <p:cSld>
+    <p:spTree>
+      <p:nvGrpSpPr>
+        <p:cNvPr id="1" name=""/>
+        <p:cNvGrpSpPr/>
+        <p:nvPr/>
+      </p:nvGrpSpPr>
+      <p:grpSpPr>
+        <a:xfrm>
+          <a:off x="0" y="0"/>
+          <a:ext cx="0" cy="0"/>
+          <a:chOff x="0" y="0"/>
+          <a:chExt cx="0" cy="0"/>
+        </a:xfrm>
+      </p:grpSpPr>
+      <p:sp>
+        <p:nvSpPr>
+          <p:cNvPr id="2" name="Title 1"/>
+          <p:cNvSpPr>
+            <a:spLocks noGrp="1"/>
+          </p:cNvSpPr>
+          <p:nvPr>
+            <p:ph type="title"/>
+          </p:nvPr>
+        </p:nvSpPr>
+        <p:spPr/>
+        <p:txBody>
+          <a:bodyPr/>
+          <a:lstStyle/>
+          <a:p>
+            <a:r>
+              <a:rPr lang="en-US" dirty="0" smtClean="0"/>
+              <a:t>Demo - Forms in Code</a:t>
+            </a:r>
+            <a:r>
+              <a:rPr lang="mr-IN" dirty="0" smtClean="0"/>
+              <a:t>…</a:t>
+            </a:r>
+            <a:endParaRPr lang="en-US" dirty="0"/>
+          </a:p>
+        </p:txBody>
+      </p:sp>
+      <p:sp>
+        <p:nvSpPr>
+          <p:cNvPr id="3" name="Text Placeholder 2"/>
+          <p:cNvSpPr>
+            <a:spLocks noGrp="1"/>
+          </p:cNvSpPr>
+          <p:nvPr>
+            <p:ph type="body" idx="1"/>
+          </p:nvPr>
+        </p:nvSpPr>
+        <p:spPr/>
+        <p:txBody>
+          <a:bodyPr/>
+          <a:lstStyle/>
+          <a:p>
+            <a:endParaRPr lang="en-US"/>
+          </a:p>
+        </p:txBody>
+      </p:sp>
+    </p:spTree>
+    <p:extLst>
+      <p:ext uri="{BB962C8B-B14F-4D97-AF65-F5344CB8AC3E}">
+        <p14:creationId xmlns:p14="http://schemas.microsoft.com/office/powerpoint/2010/main" val="1154481361"/>
+      </p:ext>
+    </p:extLst>
+  </p:cSld>
+  <p:clrMapOvr>
+    <a:masterClrMapping/>
+  </p:clrMapOvr>
+</p:sld>
+</file>
+
+<file path=ppt/slides/slide33.xml><?xml version="1.0" encoding="utf-8"?>
+<p:sld xmlns:a="http://schemas.openxmlformats.org/drawingml/2006/main" xmlns:r="http://schemas.openxmlformats.org/officeDocument/2006/relationships" xmlns:p="http://schemas.openxmlformats.org/presentationml/2006/main">
+  <p:cSld>
+    <p:spTree>
+      <p:nvGrpSpPr>
+        <p:cNvPr id="1" name=""/>
+        <p:cNvGrpSpPr/>
+        <p:nvPr/>
+      </p:nvGrpSpPr>
+      <p:grpSpPr>
+        <a:xfrm>
+          <a:off x="0" y="0"/>
+          <a:ext cx="0" cy="0"/>
+          <a:chOff x="0" y="0"/>
+          <a:chExt cx="0" cy="0"/>
+        </a:xfrm>
+      </p:grpSpPr>
+      <p:sp>
+        <p:nvSpPr>
+          <p:cNvPr id="27649" name="Rectangle 1"/>
+          <p:cNvSpPr>
+            <a:spLocks noGrp="1" noChangeArrowheads="1"/>
+          </p:cNvSpPr>
+          <p:nvPr>
+            <p:ph type="title"/>
+          </p:nvPr>
+        </p:nvSpPr>
+        <p:spPr/>
+        <p:txBody>
+          <a:bodyPr/>
+          <a:lstStyle/>
+          <a:p>
+            <a:pPr eaLnBrk="1" hangingPunct="1">
+              <a:defRPr/>
+            </a:pPr>
+            <a:r>
+              <a:rPr lang="en-US" altLang="x-none" dirty="0" smtClean="0">
+                <a:solidFill>
+                  <a:srgbClr val="FFFF00"/>
+                </a:solidFill>
+              </a:rPr>
+              <a:t>Summary</a:t>
+            </a:r>
+          </a:p>
+        </p:txBody>
+      </p:sp>
+      <p:sp>
+        <p:nvSpPr>
+          <p:cNvPr id="27650" name="Rectangle 2"/>
+          <p:cNvSpPr>
+            <a:spLocks noGrp="1" noChangeArrowheads="1"/>
+          </p:cNvSpPr>
+          <p:nvPr>
+            <p:ph type="body" idx="1"/>
+          </p:nvPr>
+        </p:nvSpPr>
+        <p:spPr/>
+        <p:txBody>
+          <a:bodyPr/>
+          <a:lstStyle/>
+          <a:p>
+            <a:pPr marL="385365">
+              <a:defRPr/>
+            </a:pPr>
+            <a:r>
+              <a:rPr lang="en-US" altLang="x-none" dirty="0" smtClean="0"/>
+              <a:t>HTML for Forms</a:t>
+            </a:r>
+          </a:p>
+          <a:p>
+            <a:pPr marL="385365">
+              <a:defRPr/>
+            </a:pPr>
+            <a:r>
+              <a:rPr lang="en-US" altLang="x-none" dirty="0" smtClean="0"/>
+              <a:t>GET versus POST</a:t>
+            </a:r>
+          </a:p>
+          <a:p>
+            <a:pPr marL="385365">
+              <a:defRPr/>
+            </a:pPr>
+            <a:r>
+              <a:rPr lang="en-US" altLang="x-none" dirty="0" smtClean="0"/>
+              <a:t>POST Redirect </a:t>
+            </a:r>
+            <a:r>
+              <a:rPr lang="en-US" altLang="x-none" dirty="0" smtClean="0"/>
+              <a:t>GET</a:t>
+            </a:r>
+          </a:p>
+          <a:p>
+            <a:pPr marL="385365">
+              <a:defRPr/>
+            </a:pPr>
+            <a:r>
+              <a:rPr lang="en-US" altLang="x-none" dirty="0" smtClean="0"/>
+              <a:t>CSRF</a:t>
+            </a:r>
+          </a:p>
+          <a:p>
+            <a:pPr marL="385365">
+              <a:defRPr/>
+            </a:pPr>
+            <a:r>
+              <a:rPr lang="en-US" altLang="x-none" smtClean="0"/>
+              <a:t>Form Validation</a:t>
+            </a:r>
+            <a:endParaRPr lang="en-US" altLang="x-none" dirty="0" smtClean="0"/>
+          </a:p>
+        </p:txBody>
+      </p:sp>
+    </p:spTree>
+    <p:extLst>
+      <p:ext uri="{BB962C8B-B14F-4D97-AF65-F5344CB8AC3E}">
+        <p14:creationId xmlns:p14="http://schemas.microsoft.com/office/powerpoint/2010/main" val="188513069"/>
+      </p:ext>
+    </p:extLst>
+  </p:cSld>
+  <p:clrMapOvr>
+    <a:masterClrMapping/>
+  </p:clrMapOvr>
+  <mc:AlternateContent xmlns:mc="http://schemas.openxmlformats.org/markup-compatibility/2006" xmlns:p14="http://schemas.microsoft.com/office/powerpoint/2010/main">
+    <mc:Choice Requires="p14">
+      <p:transition spd="slow" p14:dur="2000"/>
+    </mc:Choice>
+    <mc:Fallback xmlns="">
+      <p:transition spd="slow"/>
+    </mc:Fallback>
+  </mc:AlternateContent>
+  <p:timing>
+    <p:tnLst>
+      <p:par>
+        <p:cTn id="1" dur="indefinite" restart="never" nodeType="tmRoot"/>
+      </p:par>
+    </p:tnLst>
+  </p:timing>
+</p:sld>
+</file>
+
+<file path=ppt/slides/slide34.xml><?xml version="1.0" encoding="utf-8"?>
+<p:sld xmlns:a="http://schemas.openxmlformats.org/drawingml/2006/main" xmlns:r="http://schemas.openxmlformats.org/officeDocument/2006/relationships" xmlns:p="http://schemas.openxmlformats.org/presentationml/2006/main">
+  <p:cSld>
+    <p:spTree>
+      <p:nvGrpSpPr>
+        <p:cNvPr id="1" name=""/>
+        <p:cNvGrpSpPr/>
+        <p:nvPr/>
+      </p:nvGrpSpPr>
+      <p:grpSpPr>
+        <a:xfrm>
+          <a:off x="0" y="0"/>
+          <a:ext cx="0" cy="0"/>
+          <a:chOff x="0" y="0"/>
+          <a:chExt cx="0" cy="0"/>
+        </a:xfrm>
+      </p:grpSpPr>
+      <p:sp>
+        <p:nvSpPr>
+          <p:cNvPr id="4" name="Title 3"/>
+          <p:cNvSpPr>
+            <a:spLocks noGrp="1"/>
+          </p:cNvSpPr>
+          <p:nvPr>
+            <p:ph type="title"/>
+          </p:nvPr>
+        </p:nvSpPr>
+        <p:spPr/>
+        <p:txBody>
+          <a:bodyPr/>
+          <a:lstStyle/>
+          <a:p>
+            <a:r>
+              <a:rPr lang="en-US" dirty="0"/>
+              <a:t>Acknowledgements / Contributions</a:t>
+            </a:r>
+          </a:p>
+        </p:txBody>
+      </p:sp>
+      <p:sp>
+        <p:nvSpPr>
+          <p:cNvPr id="8" name="TextBox 4"/>
+          <p:cNvSpPr txBox="1">
+            <a:spLocks noChangeArrowheads="1"/>
+          </p:cNvSpPr>
+          <p:nvPr/>
+        </p:nvSpPr>
+        <p:spPr bwMode="auto">
+          <a:xfrm>
+            <a:off x="838200" y="1512888"/>
+            <a:ext cx="5257800" cy="4401205"/>
+          </a:xfrm>
+          <a:prstGeom prst="rect">
+            <a:avLst/>
+          </a:prstGeom>
+          <a:noFill/>
+          <a:ln>
+            <a:noFill/>
+          </a:ln>
+        </p:spPr>
+        <p:txBody>
+          <a:bodyPr wrap="square">
+            <a:spAutoFit/>
+          </a:bodyPr>
+          <a:lstStyle>
+            <a:lvl1pPr>
+              <a:defRPr sz="2000">
+                <a:solidFill>
+                  <a:srgbClr val="FFFFFF"/>
+                </a:solidFill>
+                <a:latin typeface="Gill Sans" charset="0"/>
+                <a:ea typeface="ヒラギノ角ゴ ProN W3" charset="-128"/>
+                <a:sym typeface="Gill Sans" charset="0"/>
+              </a:defRPr>
+            </a:lvl1pPr>
+            <a:lvl2pPr marL="742950" indent="-285750">
+              <a:defRPr sz="2000">
+                <a:solidFill>
+                  <a:srgbClr val="FFFFFF"/>
+                </a:solidFill>
+                <a:latin typeface="Gill Sans" charset="0"/>
+                <a:ea typeface="ヒラギノ角ゴ ProN W3" charset="-128"/>
+                <a:sym typeface="Gill Sans" charset="0"/>
+              </a:defRPr>
+            </a:lvl2pPr>
+            <a:lvl3pPr marL="1143000" indent="-228600">
+              <a:defRPr sz="2000">
+                <a:solidFill>
+                  <a:srgbClr val="FFFFFF"/>
+                </a:solidFill>
+                <a:latin typeface="Gill Sans" charset="0"/>
+                <a:ea typeface="ヒラギノ角ゴ ProN W3" charset="-128"/>
+                <a:sym typeface="Gill Sans" charset="0"/>
+              </a:defRPr>
+            </a:lvl3pPr>
+            <a:lvl4pPr marL="1600200" indent="-228600">
+              <a:defRPr sz="2000">
+                <a:solidFill>
+                  <a:srgbClr val="FFFFFF"/>
+                </a:solidFill>
+                <a:latin typeface="Gill Sans" charset="0"/>
+                <a:ea typeface="ヒラギノ角ゴ ProN W3" charset="-128"/>
+                <a:sym typeface="Gill Sans" charset="0"/>
+              </a:defRPr>
+            </a:lvl4pPr>
+            <a:lvl5pPr marL="2057400" indent="-228600">
+              <a:defRPr sz="2000">
+                <a:solidFill>
+                  <a:srgbClr val="FFFFFF"/>
+                </a:solidFill>
+                <a:latin typeface="Gill Sans" charset="0"/>
+                <a:ea typeface="ヒラギノ角ゴ ProN W3" charset="-128"/>
+                <a:sym typeface="Gill Sans" charset="0"/>
+              </a:defRPr>
+            </a:lvl5pPr>
+            <a:lvl6pPr marL="2514600" indent="-228600" eaLnBrk="0" fontAlgn="base" hangingPunct="0">
+              <a:spcBef>
+                <a:spcPct val="0"/>
+              </a:spcBef>
+              <a:spcAft>
+                <a:spcPct val="0"/>
+              </a:spcAft>
+              <a:defRPr sz="2000">
+                <a:solidFill>
+                  <a:srgbClr val="FFFFFF"/>
+                </a:solidFill>
+                <a:latin typeface="Gill Sans" charset="0"/>
+                <a:ea typeface="ヒラギノ角ゴ ProN W3" charset="-128"/>
+                <a:sym typeface="Gill Sans" charset="0"/>
+              </a:defRPr>
+            </a:lvl6pPr>
+            <a:lvl7pPr marL="2971800" indent="-228600" eaLnBrk="0" fontAlgn="base" hangingPunct="0">
+              <a:spcBef>
+                <a:spcPct val="0"/>
+              </a:spcBef>
+              <a:spcAft>
+                <a:spcPct val="0"/>
+              </a:spcAft>
+              <a:defRPr sz="2000">
+                <a:solidFill>
+                  <a:srgbClr val="FFFFFF"/>
+                </a:solidFill>
+                <a:latin typeface="Gill Sans" charset="0"/>
+                <a:ea typeface="ヒラギノ角ゴ ProN W3" charset="-128"/>
+                <a:sym typeface="Gill Sans" charset="0"/>
+              </a:defRPr>
+            </a:lvl7pPr>
+            <a:lvl8pPr marL="3429000" indent="-228600" eaLnBrk="0" fontAlgn="base" hangingPunct="0">
+              <a:spcBef>
+                <a:spcPct val="0"/>
+              </a:spcBef>
+              <a:spcAft>
+                <a:spcPct val="0"/>
+              </a:spcAft>
+              <a:defRPr sz="2000">
+                <a:solidFill>
+                  <a:srgbClr val="FFFFFF"/>
+                </a:solidFill>
+                <a:latin typeface="Gill Sans" charset="0"/>
+                <a:ea typeface="ヒラギノ角ゴ ProN W3" charset="-128"/>
+                <a:sym typeface="Gill Sans" charset="0"/>
+              </a:defRPr>
+            </a:lvl8pPr>
+            <a:lvl9pPr marL="3886200" indent="-228600" eaLnBrk="0" fontAlgn="base" hangingPunct="0">
+              <a:spcBef>
+                <a:spcPct val="0"/>
+              </a:spcBef>
+              <a:spcAft>
+                <a:spcPct val="0"/>
+              </a:spcAft>
+              <a:defRPr sz="2000">
+                <a:solidFill>
+                  <a:srgbClr val="FFFFFF"/>
+                </a:solidFill>
+                <a:latin typeface="Gill Sans" charset="0"/>
+                <a:ea typeface="ヒラギノ角ゴ ProN W3" charset="-128"/>
+                <a:sym typeface="Gill Sans" charset="0"/>
+              </a:defRPr>
+            </a:lvl9pPr>
+          </a:lstStyle>
+          <a:p>
+            <a:pPr eaLnBrk="1" hangingPunct="1"/>
+            <a:r>
+              <a:rPr lang="en-US" altLang="x-none" sz="1400" dirty="0">
+                <a:solidFill>
+                  <a:schemeClr val="tx1"/>
+                </a:solidFill>
+              </a:rPr>
+              <a:t>These slides are Copyright 2019-  Charles R. Severance (</a:t>
+            </a:r>
+            <a:r>
+              <a:rPr lang="en-US" altLang="x-none" sz="1400" dirty="0" err="1">
+                <a:solidFill>
+                  <a:schemeClr val="tx1"/>
+                </a:solidFill>
+              </a:rPr>
+              <a:t>www.dr-chuck.com</a:t>
+            </a:r>
+            <a:r>
+              <a:rPr lang="en-US" altLang="x-none" sz="1400" dirty="0">
+                <a:solidFill>
+                  <a:schemeClr val="tx1"/>
+                </a:solidFill>
+              </a:rPr>
+              <a:t>) as part of www.dj4e.com and made available under a Creative Commons Attribution 4.0 License.  Please maintain this last slide in all copies of the document to comply with the attribution requirements of the license.  If you make a change, feel free to add your name and organization to the list of contributors on this page as you republish the materials.</a:t>
+            </a:r>
+          </a:p>
+          <a:p>
+            <a:pPr eaLnBrk="1" hangingPunct="1"/>
+            <a:endParaRPr lang="en-US" altLang="x-none" sz="1400" dirty="0">
+              <a:solidFill>
+                <a:schemeClr val="tx1"/>
+              </a:solidFill>
+            </a:endParaRPr>
+          </a:p>
+          <a:p>
+            <a:pPr eaLnBrk="1" hangingPunct="1"/>
+            <a:r>
+              <a:rPr lang="en-US" altLang="x-none" sz="1400" dirty="0">
+                <a:solidFill>
+                  <a:schemeClr val="tx1"/>
+                </a:solidFill>
+              </a:rPr>
+              <a:t>Initial Development: Charles Severance, University of Michigan School of Information</a:t>
+            </a:r>
+          </a:p>
+          <a:p>
+            <a:pPr eaLnBrk="1" hangingPunct="1"/>
+            <a:endParaRPr lang="en-US" altLang="x-none" sz="1400" dirty="0">
+              <a:solidFill>
+                <a:schemeClr val="tx1"/>
+              </a:solidFill>
+            </a:endParaRPr>
+          </a:p>
+          <a:p>
+            <a:pPr eaLnBrk="1" hangingPunct="1"/>
+            <a:r>
+              <a:rPr lang="en-US" altLang="x-none" sz="1400" dirty="0">
+                <a:solidFill>
+                  <a:srgbClr val="FFCC66"/>
+                </a:solidFill>
+              </a:rPr>
+              <a:t>Insert new Contributors and Translators here including names and dates</a:t>
+            </a:r>
+          </a:p>
+          <a:p>
+            <a:pPr eaLnBrk="1" hangingPunct="1"/>
+            <a:endParaRPr lang="en-US" altLang="x-none" sz="1400" dirty="0">
+              <a:solidFill>
+                <a:srgbClr val="7575D1"/>
+              </a:solidFill>
+            </a:endParaRPr>
+          </a:p>
+          <a:p>
+            <a:pPr eaLnBrk="1" hangingPunct="1"/>
+            <a:endParaRPr lang="en-US" altLang="x-none" sz="1400" dirty="0">
+              <a:solidFill>
+                <a:srgbClr val="7575D1"/>
+              </a:solidFill>
+            </a:endParaRPr>
+          </a:p>
+          <a:p>
+            <a:pPr eaLnBrk="1" hangingPunct="1"/>
+            <a:endParaRPr lang="en-US" altLang="x-none" sz="1400" dirty="0">
+              <a:solidFill>
+                <a:srgbClr val="7575D1"/>
+              </a:solidFill>
+            </a:endParaRPr>
+          </a:p>
+          <a:p>
+            <a:pPr eaLnBrk="1" hangingPunct="1"/>
+            <a:endParaRPr lang="en-US" altLang="x-none" sz="1400" dirty="0">
+              <a:solidFill>
+                <a:srgbClr val="7575D1"/>
+              </a:solidFill>
+            </a:endParaRPr>
+          </a:p>
+          <a:p>
+            <a:pPr eaLnBrk="1" hangingPunct="1"/>
+            <a:endParaRPr lang="en-US" altLang="x-none" sz="1400" dirty="0">
+              <a:solidFill>
+                <a:srgbClr val="7575D1"/>
+              </a:solidFill>
+            </a:endParaRPr>
+          </a:p>
+          <a:p>
+            <a:pPr eaLnBrk="1" hangingPunct="1"/>
+            <a:endParaRPr lang="en-US" altLang="x-none" sz="1400" dirty="0">
+              <a:solidFill>
+                <a:srgbClr val="7575D1"/>
+              </a:solidFill>
+            </a:endParaRPr>
+          </a:p>
+          <a:p>
+            <a:pPr eaLnBrk="1" hangingPunct="1"/>
+            <a:endParaRPr lang="en-US" altLang="x-none" sz="1400" dirty="0">
+              <a:solidFill>
+                <a:srgbClr val="7575D1"/>
+              </a:solidFill>
+            </a:endParaRPr>
+          </a:p>
+        </p:txBody>
+      </p:sp>
+      <p:sp>
+        <p:nvSpPr>
+          <p:cNvPr id="9" name="TextBox 5"/>
+          <p:cNvSpPr txBox="1">
+            <a:spLocks noChangeArrowheads="1"/>
+          </p:cNvSpPr>
+          <p:nvPr/>
+        </p:nvSpPr>
+        <p:spPr bwMode="auto">
+          <a:xfrm>
+            <a:off x="6310312" y="1512888"/>
+            <a:ext cx="5257800" cy="4893647"/>
+          </a:xfrm>
+          <a:prstGeom prst="rect">
+            <a:avLst/>
+          </a:prstGeom>
+          <a:noFill/>
+          <a:ln>
+            <a:noFill/>
+          </a:ln>
+        </p:spPr>
+        <p:txBody>
+          <a:bodyPr wrap="square">
+            <a:spAutoFit/>
+          </a:bodyPr>
+          <a:lstStyle>
+            <a:lvl1pPr>
+              <a:defRPr sz="2000">
+                <a:solidFill>
+                  <a:srgbClr val="FFFFFF"/>
+                </a:solidFill>
+                <a:latin typeface="Gill Sans" charset="0"/>
+                <a:ea typeface="ヒラギノ角ゴ ProN W3" charset="-128"/>
+                <a:sym typeface="Gill Sans" charset="0"/>
+              </a:defRPr>
+            </a:lvl1pPr>
+            <a:lvl2pPr marL="742950" indent="-285750">
+              <a:defRPr sz="2000">
+                <a:solidFill>
+                  <a:srgbClr val="FFFFFF"/>
+                </a:solidFill>
+                <a:latin typeface="Gill Sans" charset="0"/>
+                <a:ea typeface="ヒラギノ角ゴ ProN W3" charset="-128"/>
+                <a:sym typeface="Gill Sans" charset="0"/>
+              </a:defRPr>
+            </a:lvl2pPr>
+            <a:lvl3pPr marL="1143000" indent="-228600">
+              <a:defRPr sz="2000">
+                <a:solidFill>
+                  <a:srgbClr val="FFFFFF"/>
+                </a:solidFill>
+                <a:latin typeface="Gill Sans" charset="0"/>
+                <a:ea typeface="ヒラギノ角ゴ ProN W3" charset="-128"/>
+                <a:sym typeface="Gill Sans" charset="0"/>
+              </a:defRPr>
+            </a:lvl3pPr>
+            <a:lvl4pPr marL="1600200" indent="-228600">
+              <a:defRPr sz="2000">
+                <a:solidFill>
+                  <a:srgbClr val="FFFFFF"/>
+                </a:solidFill>
+                <a:latin typeface="Gill Sans" charset="0"/>
+                <a:ea typeface="ヒラギノ角ゴ ProN W3" charset="-128"/>
+                <a:sym typeface="Gill Sans" charset="0"/>
+              </a:defRPr>
+            </a:lvl4pPr>
+            <a:lvl5pPr marL="2057400" indent="-228600">
+              <a:defRPr sz="2000">
+                <a:solidFill>
+                  <a:srgbClr val="FFFFFF"/>
+                </a:solidFill>
+                <a:latin typeface="Gill Sans" charset="0"/>
+                <a:ea typeface="ヒラギノ角ゴ ProN W3" charset="-128"/>
+                <a:sym typeface="Gill Sans" charset="0"/>
+              </a:defRPr>
+            </a:lvl5pPr>
+            <a:lvl6pPr marL="2514600" indent="-228600" eaLnBrk="0" fontAlgn="base" hangingPunct="0">
+              <a:spcBef>
+                <a:spcPct val="0"/>
+              </a:spcBef>
+              <a:spcAft>
+                <a:spcPct val="0"/>
+              </a:spcAft>
+              <a:defRPr sz="2000">
+                <a:solidFill>
+                  <a:srgbClr val="FFFFFF"/>
+                </a:solidFill>
+                <a:latin typeface="Gill Sans" charset="0"/>
+                <a:ea typeface="ヒラギノ角ゴ ProN W3" charset="-128"/>
+                <a:sym typeface="Gill Sans" charset="0"/>
+              </a:defRPr>
+            </a:lvl6pPr>
+            <a:lvl7pPr marL="2971800" indent="-228600" eaLnBrk="0" fontAlgn="base" hangingPunct="0">
+              <a:spcBef>
+                <a:spcPct val="0"/>
+              </a:spcBef>
+              <a:spcAft>
+                <a:spcPct val="0"/>
+              </a:spcAft>
+              <a:defRPr sz="2000">
+                <a:solidFill>
+                  <a:srgbClr val="FFFFFF"/>
+                </a:solidFill>
+                <a:latin typeface="Gill Sans" charset="0"/>
+                <a:ea typeface="ヒラギノ角ゴ ProN W3" charset="-128"/>
+                <a:sym typeface="Gill Sans" charset="0"/>
+              </a:defRPr>
+            </a:lvl7pPr>
+            <a:lvl8pPr marL="3429000" indent="-228600" eaLnBrk="0" fontAlgn="base" hangingPunct="0">
+              <a:spcBef>
+                <a:spcPct val="0"/>
+              </a:spcBef>
+              <a:spcAft>
+                <a:spcPct val="0"/>
+              </a:spcAft>
+              <a:defRPr sz="2000">
+                <a:solidFill>
+                  <a:srgbClr val="FFFFFF"/>
+                </a:solidFill>
+                <a:latin typeface="Gill Sans" charset="0"/>
+                <a:ea typeface="ヒラギノ角ゴ ProN W3" charset="-128"/>
+                <a:sym typeface="Gill Sans" charset="0"/>
+              </a:defRPr>
+            </a:lvl8pPr>
+            <a:lvl9pPr marL="3886200" indent="-228600" eaLnBrk="0" fontAlgn="base" hangingPunct="0">
+              <a:spcBef>
+                <a:spcPct val="0"/>
+              </a:spcBef>
+              <a:spcAft>
+                <a:spcPct val="0"/>
+              </a:spcAft>
+              <a:defRPr sz="2000">
+                <a:solidFill>
+                  <a:srgbClr val="FFFFFF"/>
+                </a:solidFill>
+                <a:latin typeface="Gill Sans" charset="0"/>
+                <a:ea typeface="ヒラギノ角ゴ ProN W3" charset="-128"/>
+                <a:sym typeface="Gill Sans" charset="0"/>
+              </a:defRPr>
+            </a:lvl9pPr>
+          </a:lstStyle>
+          <a:p>
+            <a:pPr algn="ctr" eaLnBrk="1" hangingPunct="1"/>
+            <a:r>
+              <a:rPr lang="en-US" altLang="x-none" sz="1200" dirty="0">
+                <a:solidFill>
+                  <a:srgbClr val="FFCC66"/>
+                </a:solidFill>
+                <a:latin typeface="Helvetica" charset="0"/>
+                <a:ea typeface="ＭＳ Ｐゴシック" charset="-128"/>
+                <a:sym typeface="Helvetica" charset="0"/>
+              </a:rPr>
+              <a:t>Continue new Contributors and Translators here</a:t>
+            </a:r>
+          </a:p>
+          <a:p>
+            <a:pPr algn="ctr" eaLnBrk="1" hangingPunct="1"/>
+            <a:endParaRPr lang="en-US" altLang="x-none" sz="1200" dirty="0">
+              <a:solidFill>
+                <a:schemeClr val="tx1"/>
+              </a:solidFill>
+              <a:latin typeface="Helvetica" charset="0"/>
+              <a:ea typeface="ＭＳ Ｐゴシック" charset="-128"/>
+              <a:sym typeface="Helvetica" charset="0"/>
+            </a:endParaRPr>
+          </a:p>
+          <a:p>
+            <a:pPr algn="ctr" eaLnBrk="1" hangingPunct="1"/>
+            <a:endParaRPr lang="en-US" altLang="x-none" sz="1200" dirty="0">
+              <a:solidFill>
+                <a:schemeClr val="tx1"/>
+              </a:solidFill>
+              <a:latin typeface="Helvetica" charset="0"/>
+              <a:ea typeface="ＭＳ Ｐゴシック" charset="-128"/>
+              <a:sym typeface="Helvetica" charset="0"/>
+            </a:endParaRPr>
+          </a:p>
+          <a:p>
+            <a:pPr algn="ctr" eaLnBrk="1" hangingPunct="1"/>
+            <a:endParaRPr lang="en-US" altLang="x-none" sz="1200" dirty="0">
+              <a:solidFill>
+                <a:schemeClr val="tx1"/>
+              </a:solidFill>
+              <a:latin typeface="Helvetica" charset="0"/>
+              <a:ea typeface="ＭＳ Ｐゴシック" charset="-128"/>
+              <a:sym typeface="Helvetica" charset="0"/>
+            </a:endParaRPr>
+          </a:p>
+          <a:p>
+            <a:pPr algn="ctr" eaLnBrk="1" hangingPunct="1"/>
+            <a:endParaRPr lang="en-US" altLang="x-none" sz="1200" dirty="0">
+              <a:solidFill>
+                <a:schemeClr val="tx1"/>
+              </a:solidFill>
+              <a:latin typeface="Helvetica" charset="0"/>
+              <a:ea typeface="ＭＳ Ｐゴシック" charset="-128"/>
+              <a:sym typeface="Helvetica" charset="0"/>
+            </a:endParaRPr>
+          </a:p>
+          <a:p>
+            <a:pPr algn="ctr" eaLnBrk="1" hangingPunct="1"/>
+            <a:endParaRPr lang="en-US" altLang="x-none" sz="1200" dirty="0">
+              <a:solidFill>
+                <a:schemeClr val="tx1"/>
+              </a:solidFill>
+              <a:latin typeface="Helvetica" charset="0"/>
+              <a:ea typeface="ＭＳ Ｐゴシック" charset="-128"/>
+              <a:sym typeface="Helvetica" charset="0"/>
+            </a:endParaRPr>
+          </a:p>
+          <a:p>
+            <a:pPr algn="ctr" eaLnBrk="1" hangingPunct="1"/>
+            <a:endParaRPr lang="en-US" altLang="x-none" sz="1200" dirty="0">
+              <a:solidFill>
+                <a:schemeClr val="tx1"/>
+              </a:solidFill>
+              <a:latin typeface="Helvetica" charset="0"/>
+              <a:ea typeface="ＭＳ Ｐゴシック" charset="-128"/>
+              <a:sym typeface="Helvetica" charset="0"/>
+            </a:endParaRPr>
+          </a:p>
+          <a:p>
+            <a:pPr algn="ctr" eaLnBrk="1" hangingPunct="1"/>
+            <a:endParaRPr lang="en-US" altLang="x-none" sz="1200" dirty="0">
+              <a:solidFill>
+                <a:schemeClr val="tx1"/>
+              </a:solidFill>
+              <a:latin typeface="Helvetica" charset="0"/>
+              <a:ea typeface="ＭＳ Ｐゴシック" charset="-128"/>
+              <a:sym typeface="Helvetica" charset="0"/>
+            </a:endParaRPr>
+          </a:p>
+          <a:p>
+            <a:pPr algn="ctr" eaLnBrk="1" hangingPunct="1"/>
+            <a:endParaRPr lang="en-US" altLang="x-none" sz="1200" dirty="0">
+              <a:solidFill>
+                <a:schemeClr val="tx1"/>
+              </a:solidFill>
+              <a:latin typeface="Helvetica" charset="0"/>
+              <a:ea typeface="ＭＳ Ｐゴシック" charset="-128"/>
+              <a:sym typeface="Helvetica" charset="0"/>
+            </a:endParaRPr>
+          </a:p>
+          <a:p>
+            <a:pPr algn="ctr" eaLnBrk="1" hangingPunct="1"/>
+            <a:endParaRPr lang="en-US" altLang="x-none" sz="1200" dirty="0">
+              <a:solidFill>
+                <a:schemeClr val="tx1"/>
+              </a:solidFill>
+              <a:latin typeface="Helvetica" charset="0"/>
+              <a:ea typeface="ＭＳ Ｐゴシック" charset="-128"/>
+              <a:sym typeface="Helvetica" charset="0"/>
+            </a:endParaRPr>
+          </a:p>
+          <a:p>
+            <a:pPr algn="ctr" eaLnBrk="1" hangingPunct="1"/>
+            <a:endParaRPr lang="en-US" altLang="x-none" sz="1200" dirty="0">
+              <a:solidFill>
+                <a:schemeClr val="tx1"/>
+              </a:solidFill>
+              <a:latin typeface="Helvetica" charset="0"/>
+              <a:ea typeface="ＭＳ Ｐゴシック" charset="-128"/>
+              <a:sym typeface="Helvetica" charset="0"/>
+            </a:endParaRPr>
+          </a:p>
+          <a:p>
+            <a:pPr algn="ctr" eaLnBrk="1" hangingPunct="1"/>
+            <a:endParaRPr lang="en-US" altLang="x-none" sz="1200" dirty="0">
+              <a:solidFill>
+                <a:schemeClr val="tx1"/>
+              </a:solidFill>
+              <a:latin typeface="Helvetica" charset="0"/>
+              <a:ea typeface="ＭＳ Ｐゴシック" charset="-128"/>
+              <a:sym typeface="Helvetica" charset="0"/>
+            </a:endParaRPr>
+          </a:p>
+          <a:p>
+            <a:pPr algn="ctr" eaLnBrk="1" hangingPunct="1"/>
+            <a:endParaRPr lang="en-US" altLang="x-none" sz="1200" dirty="0">
+              <a:solidFill>
+                <a:schemeClr val="tx1"/>
+              </a:solidFill>
+              <a:latin typeface="Helvetica" charset="0"/>
+              <a:ea typeface="ＭＳ Ｐゴシック" charset="-128"/>
+              <a:sym typeface="Helvetica" charset="0"/>
+            </a:endParaRPr>
+          </a:p>
+          <a:p>
+            <a:pPr algn="ctr" eaLnBrk="1" hangingPunct="1"/>
+            <a:endParaRPr lang="en-US" altLang="x-none" sz="1200" dirty="0">
+              <a:solidFill>
+                <a:schemeClr val="tx1"/>
+              </a:solidFill>
+              <a:latin typeface="Helvetica" charset="0"/>
+              <a:ea typeface="ＭＳ Ｐゴシック" charset="-128"/>
+              <a:sym typeface="Helvetica" charset="0"/>
+            </a:endParaRPr>
+          </a:p>
+          <a:p>
+            <a:pPr algn="ctr" eaLnBrk="1" hangingPunct="1"/>
+            <a:endParaRPr lang="en-US" altLang="x-none" sz="1200" dirty="0">
+              <a:solidFill>
+                <a:schemeClr val="tx1"/>
+              </a:solidFill>
+              <a:latin typeface="Helvetica" charset="0"/>
+              <a:ea typeface="ＭＳ Ｐゴシック" charset="-128"/>
+              <a:sym typeface="Helvetica" charset="0"/>
+            </a:endParaRPr>
+          </a:p>
+          <a:p>
+            <a:pPr algn="ctr" eaLnBrk="1" hangingPunct="1"/>
+            <a:endParaRPr lang="en-US" altLang="x-none" sz="1200" dirty="0">
+              <a:solidFill>
+                <a:schemeClr val="tx1"/>
+              </a:solidFill>
+              <a:latin typeface="Helvetica" charset="0"/>
+              <a:ea typeface="ＭＳ Ｐゴシック" charset="-128"/>
+              <a:sym typeface="Helvetica" charset="0"/>
+            </a:endParaRPr>
+          </a:p>
+          <a:p>
+            <a:pPr algn="ctr" eaLnBrk="1" hangingPunct="1"/>
+            <a:endParaRPr lang="en-US" altLang="x-none" sz="1200" dirty="0">
+              <a:solidFill>
+                <a:schemeClr val="tx1"/>
+              </a:solidFill>
+              <a:latin typeface="Helvetica" charset="0"/>
+              <a:ea typeface="ＭＳ Ｐゴシック" charset="-128"/>
+              <a:sym typeface="Helvetica" charset="0"/>
+            </a:endParaRPr>
+          </a:p>
+          <a:p>
+            <a:pPr algn="ctr" eaLnBrk="1" hangingPunct="1"/>
+            <a:endParaRPr lang="en-US" altLang="x-none" sz="1200" dirty="0">
+              <a:solidFill>
+                <a:schemeClr val="tx1"/>
+              </a:solidFill>
+              <a:latin typeface="Helvetica" charset="0"/>
+              <a:ea typeface="ＭＳ Ｐゴシック" charset="-128"/>
+              <a:sym typeface="Helvetica" charset="0"/>
+            </a:endParaRPr>
+          </a:p>
+          <a:p>
+            <a:pPr algn="ctr" eaLnBrk="1" hangingPunct="1"/>
+            <a:endParaRPr lang="en-US" altLang="x-none" sz="1200" dirty="0">
+              <a:solidFill>
+                <a:schemeClr val="tx1"/>
+              </a:solidFill>
+              <a:latin typeface="Helvetica" charset="0"/>
+              <a:ea typeface="ＭＳ Ｐゴシック" charset="-128"/>
+              <a:sym typeface="Helvetica" charset="0"/>
+            </a:endParaRPr>
+          </a:p>
+          <a:p>
+            <a:pPr algn="ctr" eaLnBrk="1" hangingPunct="1"/>
+            <a:endParaRPr lang="en-US" altLang="x-none" sz="1200" dirty="0" smtClean="0">
+              <a:solidFill>
+                <a:schemeClr val="tx1"/>
+              </a:solidFill>
+              <a:latin typeface="Helvetica" charset="0"/>
+              <a:ea typeface="ＭＳ Ｐゴシック" charset="-128"/>
+              <a:sym typeface="Helvetica" charset="0"/>
+            </a:endParaRPr>
+          </a:p>
+          <a:p>
+            <a:pPr algn="ctr" eaLnBrk="1" hangingPunct="1"/>
+            <a:endParaRPr lang="en-US" altLang="x-none" sz="1200" dirty="0">
+              <a:solidFill>
+                <a:schemeClr val="tx1"/>
+              </a:solidFill>
+              <a:latin typeface="Helvetica" charset="0"/>
+              <a:ea typeface="ＭＳ Ｐゴシック" charset="-128"/>
+              <a:sym typeface="Helvetica" charset="0"/>
+            </a:endParaRPr>
+          </a:p>
+          <a:p>
+            <a:pPr algn="ctr" eaLnBrk="1" hangingPunct="1"/>
+            <a:endParaRPr lang="en-US" altLang="x-none" sz="1200" dirty="0" smtClean="0">
+              <a:solidFill>
+                <a:schemeClr val="tx1"/>
+              </a:solidFill>
+              <a:latin typeface="Helvetica" charset="0"/>
+              <a:ea typeface="ＭＳ Ｐゴシック" charset="-128"/>
+              <a:sym typeface="Helvetica" charset="0"/>
+            </a:endParaRPr>
+          </a:p>
+          <a:p>
+            <a:pPr algn="ctr" eaLnBrk="1" hangingPunct="1"/>
+            <a:endParaRPr lang="en-US" altLang="x-none" sz="1200" dirty="0">
+              <a:solidFill>
+                <a:schemeClr val="tx1"/>
+              </a:solidFill>
+              <a:latin typeface="Helvetica" charset="0"/>
+              <a:ea typeface="ＭＳ Ｐゴシック" charset="-128"/>
+              <a:sym typeface="Helvetica" charset="0"/>
+            </a:endParaRPr>
+          </a:p>
+          <a:p>
+            <a:pPr algn="ctr" eaLnBrk="1" hangingPunct="1"/>
+            <a:endParaRPr lang="en-US" altLang="x-none" sz="1200" dirty="0" smtClean="0">
+              <a:solidFill>
+                <a:schemeClr val="tx1"/>
+              </a:solidFill>
+              <a:latin typeface="Helvetica" charset="0"/>
+              <a:ea typeface="ＭＳ Ｐゴシック" charset="-128"/>
+              <a:sym typeface="Helvetica" charset="0"/>
+            </a:endParaRPr>
+          </a:p>
+          <a:p>
+            <a:pPr algn="ctr" eaLnBrk="1" hangingPunct="1"/>
+            <a:endParaRPr lang="en-US" altLang="x-none" sz="1200" dirty="0">
+              <a:solidFill>
+                <a:schemeClr val="tx1"/>
+              </a:solidFill>
+              <a:latin typeface="Helvetica" charset="0"/>
+              <a:ea typeface="ＭＳ Ｐゴシック" charset="-128"/>
+              <a:sym typeface="Helvetica" charset="0"/>
+            </a:endParaRPr>
+          </a:p>
+          <a:p>
+            <a:pPr algn="ctr" eaLnBrk="1" hangingPunct="1"/>
+            <a:endParaRPr lang="en-US" altLang="x-none" sz="1200" dirty="0">
+              <a:solidFill>
+                <a:schemeClr val="tx1"/>
+              </a:solidFill>
+              <a:latin typeface="Helvetica" charset="0"/>
+              <a:ea typeface="ＭＳ Ｐゴシック" charset="-128"/>
+              <a:sym typeface="Helvetica" charset="0"/>
+            </a:endParaRPr>
+          </a:p>
+        </p:txBody>
+      </p:sp>
+    </p:spTree>
+    <p:extLst>
+      <p:ext uri="{BB962C8B-B14F-4D97-AF65-F5344CB8AC3E}">
+        <p14:creationId xmlns:p14="http://schemas.microsoft.com/office/powerpoint/2010/main" val="1048975579"/>
+      </p:ext>
+    </p:extLst>
+  </p:cSld>
+  <p:clrMapOvr>
+    <a:masterClrMapping/>
+  </p:clrMapOvr>
+  <p:timing>
+    <p:tnLst>
+      <p:par>
+        <p:cTn id="1" dur="indefinite" restart="never" nodeType="tmRoot"/>
+      </p:par>
+    </p:tnLst>
+  </p:timing>
 </p:sld>
 </file>
 
@@ -9945,7 +14987,7 @@
           <a:p>
             <a:r>
               <a:rPr lang="en-US" dirty="0" smtClean="0"/>
-              <a:t>GET and POST with Forms</a:t>
+              <a:t>FORMS in HTML</a:t>
             </a:r>
             <a:endParaRPr lang="en-US" dirty="0"/>
           </a:p>
@@ -9980,6 +15022,13 @@
   <p:clrMapOvr>
     <a:masterClrMapping/>
   </p:clrMapOvr>
+  <p:timing>
+    <p:tnLst>
+      <p:par>
+        <p:cTn id="1" dur="indefinite" restart="never" nodeType="tmRoot"/>
+      </p:par>
+    </p:tnLst>
+  </p:timing>
 </p:sld>
 </file>
 
@@ -11133,6 +16182,13 @@
   <p:clrMapOvr>
     <a:masterClrMapping/>
   </p:clrMapOvr>
+  <p:timing>
+    <p:tnLst>
+      <p:par>
+        <p:cTn id="1" dur="indefinite" restart="never" nodeType="tmRoot"/>
+      </p:par>
+    </p:tnLst>
+  </p:timing>
 </p:sld>
 </file>
 
@@ -11977,6 +17033,13 @@
   <p:clrMapOvr>
     <a:masterClrMapping/>
   </p:clrMapOvr>
+  <p:timing>
+    <p:tnLst>
+      <p:par>
+        <p:cTn id="1" dur="indefinite" restart="never" nodeType="tmRoot"/>
+      </p:par>
+    </p:tnLst>
+  </p:timing>
 </p:sld>
 </file>
 
@@ -11999,127 +17062,56 @@
       </p:grpSpPr>
       <p:sp>
         <p:nvSpPr>
-          <p:cNvPr id="16385" name="Rectangle 1"/>
+          <p:cNvPr id="2" name="Title 1"/>
           <p:cNvSpPr>
-            <a:spLocks noGrp="1" noChangeArrowheads="1"/>
+            <a:spLocks noGrp="1"/>
           </p:cNvSpPr>
           <p:nvPr>
             <p:ph type="title"/>
           </p:nvPr>
         </p:nvSpPr>
-        <p:spPr>
-          <a:xfrm>
-            <a:off x="1132418" y="482601"/>
-            <a:ext cx="9927167" cy="1411817"/>
-          </a:xfrm>
-        </p:spPr>
+        <p:spPr/>
         <p:txBody>
           <a:bodyPr/>
           <a:lstStyle/>
           <a:p>
             <a:r>
-              <a:rPr lang="en-US" altLang="x-none" sz="5600">
-                <a:solidFill>
-                  <a:srgbClr val="FFCC66"/>
-                </a:solidFill>
-              </a:rPr>
-              <a:t>Forms GET vs. POST</a:t>
-            </a:r>
-          </a:p>
-        </p:txBody>
-      </p:sp>
-      <p:sp>
-        <p:nvSpPr>
-          <p:cNvPr id="29698" name="Rectangle 2"/>
+              <a:rPr lang="en-US" dirty="0" smtClean="0"/>
+              <a:t>FORMS in HTTP</a:t>
+            </a:r>
+            <a:endParaRPr lang="en-US" dirty="0"/>
+          </a:p>
+        </p:txBody>
+      </p:sp>
+      <p:sp>
+        <p:nvSpPr>
+          <p:cNvPr id="3" name="Text Placeholder 2"/>
           <p:cNvSpPr>
-            <a:spLocks noGrp="1" noChangeArrowheads="1"/>
+            <a:spLocks noGrp="1"/>
           </p:cNvSpPr>
           <p:nvPr>
             <p:ph type="body" idx="1"/>
           </p:nvPr>
         </p:nvSpPr>
-        <p:spPr>
-          <a:xfrm>
-            <a:off x="865717" y="1953685"/>
-            <a:ext cx="11097683" cy="3710516"/>
-          </a:xfrm>
-        </p:spPr>
+        <p:spPr/>
         <p:txBody>
           <a:bodyPr/>
           <a:lstStyle/>
           <a:p>
-            <a:pPr marL="0" indent="0">
-              <a:spcBef>
-                <a:spcPts val="1725"/>
-              </a:spcBef>
-              <a:buNone/>
-              <a:defRPr/>
-            </a:pPr>
-            <a:r>
-              <a:rPr lang="en-US" sz="2851"/>
-              <a:t>Two ways the browser can send parameters to the web server</a:t>
-            </a:r>
-          </a:p>
-          <a:p>
-            <a:pPr marL="979991" lvl="2" indent="-457189">
-              <a:spcBef>
-                <a:spcPts val="1725"/>
-              </a:spcBef>
-              <a:defRPr/>
-            </a:pPr>
-            <a:r>
-              <a:rPr lang="en-US" sz="2851">
-                <a:solidFill>
-                  <a:srgbClr val="00FF00"/>
-                </a:solidFill>
-              </a:rPr>
-              <a:t>GET</a:t>
-            </a:r>
-            <a:r>
-              <a:rPr lang="en-US" sz="2851"/>
-              <a:t> - Parameters are placed on the URL which is retrieved.</a:t>
-            </a:r>
-          </a:p>
-          <a:p>
-            <a:pPr marL="979991" lvl="2" indent="-457189">
-              <a:spcBef>
-                <a:spcPts val="1725"/>
-              </a:spcBef>
-              <a:defRPr/>
-            </a:pPr>
-            <a:r>
-              <a:rPr lang="en-US" sz="2851">
-                <a:solidFill>
-                  <a:srgbClr val="00FF00"/>
-                </a:solidFill>
-              </a:rPr>
-              <a:t>POST</a:t>
-            </a:r>
-            <a:r>
-              <a:rPr lang="en-US" sz="2851"/>
-              <a:t> - The URL is retrieved and parameters are appended to the request in the the HTTP connection.</a:t>
-            </a:r>
+            <a:endParaRPr lang="en-US"/>
           </a:p>
         </p:txBody>
       </p:sp>
     </p:spTree>
     <p:extLst>
       <p:ext uri="{BB962C8B-B14F-4D97-AF65-F5344CB8AC3E}">
-        <p14:creationId xmlns:p14="http://schemas.microsoft.com/office/powerpoint/2010/main" val="311731376"/>
+        <p14:creationId xmlns:p14="http://schemas.microsoft.com/office/powerpoint/2010/main" val="2115823669"/>
       </p:ext>
     </p:extLst>
   </p:cSld>
   <p:clrMapOvr>
     <a:masterClrMapping/>
   </p:clrMapOvr>
-  <mc:AlternateContent xmlns:mc="http://schemas.openxmlformats.org/markup-compatibility/2006">
-    <mc:Choice xmlns:p14="http://schemas.microsoft.com/office/powerpoint/2010/main" Requires="p14">
-      <p:transition spd="slow" p14:dur="2000"/>
-    </mc:Choice>
-    <mc:Fallback>
-      <p:transition spd="slow"/>
-    </mc:Fallback>
-  </mc:AlternateContent>
   <p:timing>
     <p:tnLst>
       <p:par>
@@ -12149,6 +17141,156 @@
       </p:grpSpPr>
       <p:sp>
         <p:nvSpPr>
+          <p:cNvPr id="16385" name="Rectangle 1"/>
+          <p:cNvSpPr>
+            <a:spLocks noGrp="1" noChangeArrowheads="1"/>
+          </p:cNvSpPr>
+          <p:nvPr>
+            <p:ph type="title"/>
+          </p:nvPr>
+        </p:nvSpPr>
+        <p:spPr>
+          <a:xfrm>
+            <a:off x="1132418" y="482601"/>
+            <a:ext cx="9927167" cy="1411817"/>
+          </a:xfrm>
+        </p:spPr>
+        <p:txBody>
+          <a:bodyPr/>
+          <a:lstStyle/>
+          <a:p>
+            <a:r>
+              <a:rPr lang="en-US" altLang="x-none" sz="5600">
+                <a:solidFill>
+                  <a:srgbClr val="FFCC66"/>
+                </a:solidFill>
+              </a:rPr>
+              <a:t>Forms GET vs. POST</a:t>
+            </a:r>
+          </a:p>
+        </p:txBody>
+      </p:sp>
+      <p:sp>
+        <p:nvSpPr>
+          <p:cNvPr id="29698" name="Rectangle 2"/>
+          <p:cNvSpPr>
+            <a:spLocks noGrp="1" noChangeArrowheads="1"/>
+          </p:cNvSpPr>
+          <p:nvPr>
+            <p:ph type="body" idx="1"/>
+          </p:nvPr>
+        </p:nvSpPr>
+        <p:spPr>
+          <a:xfrm>
+            <a:off x="865717" y="1953685"/>
+            <a:ext cx="11097683" cy="3710516"/>
+          </a:xfrm>
+        </p:spPr>
+        <p:txBody>
+          <a:bodyPr/>
+          <a:lstStyle/>
+          <a:p>
+            <a:pPr marL="0" indent="0">
+              <a:spcBef>
+                <a:spcPts val="1725"/>
+              </a:spcBef>
+              <a:buNone/>
+              <a:defRPr/>
+            </a:pPr>
+            <a:r>
+              <a:rPr lang="en-US" sz="2851"/>
+              <a:t>Two ways the browser can send parameters to the web server</a:t>
+            </a:r>
+          </a:p>
+          <a:p>
+            <a:pPr marL="979991" lvl="2" indent="-457189">
+              <a:spcBef>
+                <a:spcPts val="1725"/>
+              </a:spcBef>
+              <a:defRPr/>
+            </a:pPr>
+            <a:r>
+              <a:rPr lang="en-US" sz="2851">
+                <a:solidFill>
+                  <a:srgbClr val="00FF00"/>
+                </a:solidFill>
+              </a:rPr>
+              <a:t>GET</a:t>
+            </a:r>
+            <a:r>
+              <a:rPr lang="en-US" sz="2851"/>
+              <a:t> - Parameters are placed on the URL which is retrieved.</a:t>
+            </a:r>
+          </a:p>
+          <a:p>
+            <a:pPr marL="979991" lvl="2" indent="-457189">
+              <a:spcBef>
+                <a:spcPts val="1725"/>
+              </a:spcBef>
+              <a:defRPr/>
+            </a:pPr>
+            <a:r>
+              <a:rPr lang="en-US" sz="2851">
+                <a:solidFill>
+                  <a:srgbClr val="00FF00"/>
+                </a:solidFill>
+              </a:rPr>
+              <a:t>POST</a:t>
+            </a:r>
+            <a:r>
+              <a:rPr lang="en-US" sz="2851"/>
+              <a:t> - The URL is retrieved and parameters are appended to the request in the the HTTP connection.</a:t>
+            </a:r>
+          </a:p>
+        </p:txBody>
+      </p:sp>
+    </p:spTree>
+    <p:extLst>
+      <p:ext uri="{BB962C8B-B14F-4D97-AF65-F5344CB8AC3E}">
+        <p14:creationId xmlns:p14="http://schemas.microsoft.com/office/powerpoint/2010/main" val="311731376"/>
+      </p:ext>
+    </p:extLst>
+  </p:cSld>
+  <p:clrMapOvr>
+    <a:masterClrMapping/>
+  </p:clrMapOvr>
+  <mc:AlternateContent xmlns:mc="http://schemas.openxmlformats.org/markup-compatibility/2006" xmlns:p14="http://schemas.microsoft.com/office/powerpoint/2010/main">
+    <mc:Choice Requires="p14">
+      <p:transition spd="slow" p14:dur="2000"/>
+    </mc:Choice>
+    <mc:Fallback xmlns="">
+      <p:transition spd="slow"/>
+    </mc:Fallback>
+  </mc:AlternateContent>
+  <p:timing>
+    <p:tnLst>
+      <p:par>
+        <p:cTn id="1" dur="indefinite" restart="never" nodeType="tmRoot"/>
+      </p:par>
+    </p:tnLst>
+  </p:timing>
+</p:sld>
+</file>
+
+<file path=ppt/slides/slide9.xml><?xml version="1.0" encoding="utf-8"?>
+<p:sld xmlns:a="http://schemas.openxmlformats.org/drawingml/2006/main" xmlns:r="http://schemas.openxmlformats.org/officeDocument/2006/relationships" xmlns:p="http://schemas.openxmlformats.org/presentationml/2006/main">
+  <p:cSld>
+    <p:spTree>
+      <p:nvGrpSpPr>
+        <p:cNvPr id="1" name=""/>
+        <p:cNvGrpSpPr/>
+        <p:nvPr/>
+      </p:nvGrpSpPr>
+      <p:grpSpPr>
+        <a:xfrm>
+          <a:off x="0" y="0"/>
+          <a:ext cx="0" cy="0"/>
+          <a:chOff x="0" y="0"/>
+          <a:chExt cx="0" cy="0"/>
+        </a:xfrm>
+      </p:grpSpPr>
+      <p:sp>
+        <p:nvSpPr>
           <p:cNvPr id="17409" name="Rectangle 1"/>
           <p:cNvSpPr>
             <a:spLocks noGrp="1" noChangeArrowheads="1"/>
@@ -12357,10 +17499,20 @@
                 <a:latin typeface="Courier" charset="0"/>
                 <a:ea typeface="ＭＳ Ｐゴシック" charset="-128"/>
               </a:rPr>
-              <a:t> GET </a:t>
-            </a:r>
-            <a:r>
-              <a:rPr lang="en-US" altLang="x-none" sz="2133" dirty="0" smtClean="0">
+              <a:t> </a:t>
+            </a:r>
+            <a:r>
+              <a:rPr lang="en-US" altLang="x-none" sz="2133">
+                <a:solidFill>
+                  <a:srgbClr val="FFFF00"/>
+                </a:solidFill>
+                <a:latin typeface="Courier" charset="0"/>
+                <a:ea typeface="ＭＳ Ｐゴシック" charset="-128"/>
+              </a:rPr>
+              <a:t>GET </a:t>
+            </a:r>
+            <a:r>
+              <a:rPr lang="en-US" altLang="x-none" sz="2133" smtClean="0">
                 <a:solidFill>
                   <a:srgbClr val="FFFF00"/>
                 </a:solidFill>
@@ -12794,14 +17946,14 @@
           </a:ln>
           <a:extLst>
             <a:ext uri="{909E8E84-426E-40dd-AFC4-6F175D3DCCD1}">
-              <a14:hiddenFill xmlns:a14="http://schemas.microsoft.com/office/drawing/2010/main" xmlns="">
+              <a14:hiddenFill xmlns="" xmlns:a14="http://schemas.microsoft.com/office/drawing/2010/main">
                 <a:solidFill>
                   <a:srgbClr val="FFFFFF"/>
                 </a:solidFill>
               </a14:hiddenFill>
             </a:ext>
             <a:ext uri="{91240B29-F687-4f45-9708-019B960494DF}">
-              <a14:hiddenLine xmlns:a14="http://schemas.microsoft.com/office/drawing/2010/main" xmlns="" w="12700">
+              <a14:hiddenLine xmlns="" xmlns:a14="http://schemas.microsoft.com/office/drawing/2010/main" w="12700">
                 <a:solidFill>
                   <a:srgbClr val="000000"/>
                 </a:solidFill>
@@ -12986,7 +18138,7 @@
           </a:ln>
           <a:extLst>
             <a:ext uri="{91240B29-F687-4f45-9708-019B960494DF}">
-              <a14:hiddenLine xmlns:a14="http://schemas.microsoft.com/office/drawing/2010/main" xmlns="" w="12700">
+              <a14:hiddenLine xmlns="" xmlns:a14="http://schemas.microsoft.com/office/drawing/2010/main" w="12700">
                 <a:solidFill>
                   <a:srgbClr val="000000"/>
                 </a:solidFill>
@@ -13157,7 +18309,7 @@
           </a:ln>
           <a:extLst>
             <a:ext uri="{91240B29-F687-4f45-9708-019B960494DF}">
-              <a14:hiddenLine xmlns:a14="http://schemas.microsoft.com/office/drawing/2010/main" xmlns="" w="12700">
+              <a14:hiddenLine xmlns="" xmlns:a14="http://schemas.microsoft.com/office/drawing/2010/main" w="12700">
                 <a:solidFill>
                   <a:srgbClr val="000000"/>
                 </a:solidFill>
@@ -13331,7 +18483,7 @@
           </a:ln>
           <a:extLst>
             <a:ext uri="{909E8E84-426E-40dd-AFC4-6F175D3DCCD1}">
-              <a14:hiddenFill xmlns:a14="http://schemas.microsoft.com/office/drawing/2010/main" xmlns="">
+              <a14:hiddenFill xmlns="" xmlns:a14="http://schemas.microsoft.com/office/drawing/2010/main">
                 <a:noFill/>
               </a14:hiddenFill>
             </a:ext>
@@ -13370,14 +18522,14 @@
           </a:ln>
           <a:extLst>
             <a:ext uri="{909E8E84-426E-40dd-AFC4-6F175D3DCCD1}">
-              <a14:hiddenFill xmlns:a14="http://schemas.microsoft.com/office/drawing/2010/main" xmlns="">
+              <a14:hiddenFill xmlns="" xmlns:a14="http://schemas.microsoft.com/office/drawing/2010/main">
                 <a:solidFill>
                   <a:srgbClr val="FFFFFF"/>
                 </a:solidFill>
               </a14:hiddenFill>
             </a:ext>
             <a:ext uri="{91240B29-F687-4f45-9708-019B960494DF}">
-              <a14:hiddenLine xmlns:a14="http://schemas.microsoft.com/office/drawing/2010/main" xmlns="" w="12700">
+              <a14:hiddenLine xmlns="" xmlns:a14="http://schemas.microsoft.com/office/drawing/2010/main" w="12700">
                 <a:solidFill>
                   <a:srgbClr val="000000"/>
                 </a:solidFill>
@@ -13638,183 +18790,11 @@
   <p:clrMapOvr>
     <a:masterClrMapping/>
   </p:clrMapOvr>
-  <mc:AlternateContent xmlns:mc="http://schemas.openxmlformats.org/markup-compatibility/2006">
-    <mc:Choice xmlns:p14="http://schemas.microsoft.com/office/powerpoint/2010/main" Requires="p14">
+  <mc:AlternateContent xmlns:mc="http://schemas.openxmlformats.org/markup-compatibility/2006" xmlns:p14="http://schemas.microsoft.com/office/powerpoint/2010/main">
+    <mc:Choice Requires="p14">
       <p:transition spd="slow" p14:dur="2000"/>
     </mc:Choice>
-    <mc:Fallback>
-      <p:transition spd="slow"/>
-    </mc:Fallback>
-  </mc:AlternateContent>
-  <p:timing>
-    <p:tnLst>
-      <p:par>
-        <p:cTn id="1" dur="indefinite" restart="never" nodeType="tmRoot"/>
-      </p:par>
-    </p:tnLst>
-  </p:timing>
-</p:sld>
-</file>
-
-<file path=ppt/slides/slide9.xml><?xml version="1.0" encoding="utf-8"?>
-<p:sld xmlns:a="http://schemas.openxmlformats.org/drawingml/2006/main" xmlns:r="http://schemas.openxmlformats.org/officeDocument/2006/relationships" xmlns:p="http://schemas.openxmlformats.org/presentationml/2006/main">
-  <p:cSld>
-    <p:spTree>
-      <p:nvGrpSpPr>
-        <p:cNvPr id="1" name=""/>
-        <p:cNvGrpSpPr/>
-        <p:nvPr/>
-      </p:nvGrpSpPr>
-      <p:grpSpPr>
-        <a:xfrm>
-          <a:off x="0" y="0"/>
-          <a:ext cx="0" cy="0"/>
-          <a:chOff x="0" y="0"/>
-          <a:chExt cx="0" cy="0"/>
-        </a:xfrm>
-      </p:grpSpPr>
-      <p:sp>
-        <p:nvSpPr>
-          <p:cNvPr id="20481" name="Rectangle 1"/>
-          <p:cNvSpPr>
-            <a:spLocks noGrp="1" noChangeArrowheads="1"/>
-          </p:cNvSpPr>
-          <p:nvPr>
-            <p:ph type="title"/>
-          </p:nvPr>
-        </p:nvSpPr>
-        <p:spPr>
-          <a:xfrm>
-            <a:off x="865718" y="381001"/>
-            <a:ext cx="10449983" cy="1181100"/>
-          </a:xfrm>
-        </p:spPr>
-        <p:txBody>
-          <a:bodyPr/>
-          <a:lstStyle/>
-          <a:p>
-            <a:r>
-              <a:rPr lang="en-US" altLang="x-none" sz="5600">
-                <a:solidFill>
-                  <a:srgbClr val="FFCC66"/>
-                </a:solidFill>
-              </a:rPr>
-              <a:t>Rules of the POST/GET Choice</a:t>
-            </a:r>
-          </a:p>
-        </p:txBody>
-      </p:sp>
-      <p:sp>
-        <p:nvSpPr>
-          <p:cNvPr id="20482" name="Rectangle 2"/>
-          <p:cNvSpPr>
-            <a:spLocks noGrp="1" noChangeArrowheads="1"/>
-          </p:cNvSpPr>
-          <p:nvPr>
-            <p:ph type="body" idx="1"/>
-          </p:nvPr>
-        </p:nvSpPr>
-        <p:spPr>
-          <a:xfrm>
-            <a:off x="865718" y="1485901"/>
-            <a:ext cx="10449983" cy="4762500"/>
-          </a:xfrm>
-        </p:spPr>
-        <p:txBody>
-          <a:bodyPr/>
-          <a:lstStyle/>
-          <a:p>
-            <a:pPr marL="560903"/>
-            <a:r>
-              <a:rPr lang="en-US" altLang="x-none" sz="2667"/>
-              <a:t>POST is used when data is being created or modified.</a:t>
-            </a:r>
-          </a:p>
-          <a:p>
-            <a:pPr marL="560903"/>
-            <a:r>
-              <a:rPr lang="en-US" altLang="x-none" sz="2667"/>
-              <a:t>GET is used when your are reading or searching things.</a:t>
-            </a:r>
-          </a:p>
-          <a:p>
-            <a:pPr marL="560903"/>
-            <a:r>
-              <a:rPr lang="en-US" altLang="x-none" sz="2667"/>
-              <a:t>Web search spiders will follow GET URLs but generally not POST URLs.</a:t>
-            </a:r>
-          </a:p>
-          <a:p>
-            <a:pPr marL="560903"/>
-            <a:r>
-              <a:rPr lang="en-US" altLang="x-none" sz="2667"/>
-              <a:t>GET URLs should be </a:t>
-            </a:r>
-            <a:r>
-              <a:rPr lang="ja-JP" altLang="en-US" sz="2667">
-                <a:latin typeface="Arial" charset="0"/>
-              </a:rPr>
-              <a:t>“</a:t>
-            </a:r>
-            <a:r>
-              <a:rPr lang="en-US" altLang="ja-JP" sz="2667"/>
-              <a:t>idempotent</a:t>
-            </a:r>
-            <a:r>
-              <a:rPr lang="ja-JP" altLang="en-US" sz="2667">
-                <a:latin typeface="Arial" charset="0"/>
-              </a:rPr>
-              <a:t>”</a:t>
-            </a:r>
-            <a:r>
-              <a:rPr lang="en-US" altLang="ja-JP" sz="2667"/>
-              <a:t> - the same URL should give the </a:t>
-            </a:r>
-            <a:r>
-              <a:rPr lang="ja-JP" altLang="en-US" sz="2667">
-                <a:latin typeface="Arial" charset="0"/>
-              </a:rPr>
-              <a:t>“</a:t>
-            </a:r>
-            <a:r>
-              <a:rPr lang="en-US" altLang="ja-JP" sz="2667"/>
-              <a:t>same thing</a:t>
-            </a:r>
-            <a:r>
-              <a:rPr lang="ja-JP" altLang="en-US" sz="2667">
-                <a:latin typeface="Arial" charset="0"/>
-              </a:rPr>
-              <a:t>”</a:t>
-            </a:r>
-            <a:r>
-              <a:rPr lang="en-US" altLang="ja-JP" sz="2667"/>
-              <a:t> each time you access it.</a:t>
-            </a:r>
-          </a:p>
-          <a:p>
-            <a:pPr marL="560903"/>
-            <a:r>
-              <a:rPr lang="en-US" altLang="x-none" sz="2667"/>
-              <a:t>GET has an upper limit of the number of bytes of parameters and values (think about 2K).</a:t>
-            </a:r>
-          </a:p>
-        </p:txBody>
-      </p:sp>
-    </p:spTree>
-    <p:extLst>
-      <p:ext uri="{BB962C8B-B14F-4D97-AF65-F5344CB8AC3E}">
-        <p14:creationId xmlns:p14="http://schemas.microsoft.com/office/powerpoint/2010/main" val="835807025"/>
-      </p:ext>
-    </p:extLst>
-  </p:cSld>
-  <p:clrMapOvr>
-    <a:masterClrMapping/>
-  </p:clrMapOvr>
-  <mc:AlternateContent xmlns:mc="http://schemas.openxmlformats.org/markup-compatibility/2006">
-    <mc:Choice xmlns:p14="http://schemas.microsoft.com/office/powerpoint/2010/main" Requires="p14">
-      <p:transition spd="slow" p14:dur="2000"/>
-    </mc:Choice>
-    <mc:Fallback>
+    <mc:Fallback xmlns="">
       <p:transition spd="slow"/>
     </mc:Fallback>
   </mc:AlternateContent>

--- a/lectures/DJ-07-Forms.pptx
+++ b/lectures/DJ-07-Forms.pptx
@@ -5,7 +5,7 @@
     <p:sldMasterId id="2147483660" r:id="rId1"/>
   </p:sldMasterIdLst>
   <p:notesMasterIdLst>
-    <p:notesMasterId r:id="rId36"/>
+    <p:notesMasterId r:id="rId41"/>
   </p:notesMasterIdLst>
   <p:sldIdLst>
     <p:sldId id="258" r:id="rId2"/>
@@ -29,19 +29,24 @@
     <p:sldId id="312" r:id="rId20"/>
     <p:sldId id="313" r:id="rId21"/>
     <p:sldId id="331" r:id="rId22"/>
-    <p:sldId id="332" r:id="rId23"/>
-    <p:sldId id="333" r:id="rId24"/>
-    <p:sldId id="334" r:id="rId25"/>
-    <p:sldId id="335" r:id="rId26"/>
-    <p:sldId id="336" r:id="rId27"/>
-    <p:sldId id="337" r:id="rId28"/>
-    <p:sldId id="338" r:id="rId29"/>
-    <p:sldId id="341" r:id="rId30"/>
-    <p:sldId id="339" r:id="rId31"/>
-    <p:sldId id="340" r:id="rId32"/>
-    <p:sldId id="317" r:id="rId33"/>
-    <p:sldId id="281" r:id="rId34"/>
-    <p:sldId id="273" r:id="rId35"/>
+    <p:sldId id="347" r:id="rId23"/>
+    <p:sldId id="348" r:id="rId24"/>
+    <p:sldId id="343" r:id="rId25"/>
+    <p:sldId id="344" r:id="rId26"/>
+    <p:sldId id="346" r:id="rId27"/>
+    <p:sldId id="332" r:id="rId28"/>
+    <p:sldId id="333" r:id="rId29"/>
+    <p:sldId id="334" r:id="rId30"/>
+    <p:sldId id="335" r:id="rId31"/>
+    <p:sldId id="336" r:id="rId32"/>
+    <p:sldId id="337" r:id="rId33"/>
+    <p:sldId id="338" r:id="rId34"/>
+    <p:sldId id="341" r:id="rId35"/>
+    <p:sldId id="339" r:id="rId36"/>
+    <p:sldId id="340" r:id="rId37"/>
+    <p:sldId id="317" r:id="rId38"/>
+    <p:sldId id="281" r:id="rId39"/>
+    <p:sldId id="273" r:id="rId40"/>
   </p:sldIdLst>
   <p:sldSz cx="12192000" cy="6858000"/>
   <p:notesSz cx="6858000" cy="9144000"/>
@@ -230,7 +235,7 @@
           <a:p>
             <a:fld id="{C97B56FC-7D2E-F343-9D09-0D14B00AA564}" type="datetimeFigureOut">
               <a:rPr lang="en-US" smtClean="0"/>
-              <a:t>2/20/19</a:t>
+              <a:t>2/21/19</a:t>
             </a:fld>
             <a:endParaRPr lang="en-US"/>
           </a:p>
@@ -1175,7 +1180,7 @@
           <a:p>
             <a:fld id="{EEE7C04C-7AF8-1445-A186-502B631B934F}" type="datetimeFigureOut">
               <a:rPr lang="en-US" smtClean="0"/>
-              <a:t>2/20/19</a:t>
+              <a:t>2/21/19</a:t>
             </a:fld>
             <a:endParaRPr lang="en-US"/>
           </a:p>
@@ -1340,7 +1345,7 @@
           <a:p>
             <a:fld id="{EEE7C04C-7AF8-1445-A186-502B631B934F}" type="datetimeFigureOut">
               <a:rPr lang="en-US" smtClean="0"/>
-              <a:t>2/20/19</a:t>
+              <a:t>2/21/19</a:t>
             </a:fld>
             <a:endParaRPr lang="en-US"/>
           </a:p>
@@ -1515,7 +1520,7 @@
           <a:p>
             <a:fld id="{EEE7C04C-7AF8-1445-A186-502B631B934F}" type="datetimeFigureOut">
               <a:rPr lang="en-US" smtClean="0"/>
-              <a:t>2/20/19</a:t>
+              <a:t>2/21/19</a:t>
             </a:fld>
             <a:endParaRPr lang="en-US"/>
           </a:p>
@@ -1680,7 +1685,7 @@
           <a:p>
             <a:fld id="{EEE7C04C-7AF8-1445-A186-502B631B934F}" type="datetimeFigureOut">
               <a:rPr lang="en-US" smtClean="0"/>
-              <a:t>2/20/19</a:t>
+              <a:t>2/21/19</a:t>
             </a:fld>
             <a:endParaRPr lang="en-US"/>
           </a:p>
@@ -1921,7 +1926,7 @@
           <a:p>
             <a:fld id="{EEE7C04C-7AF8-1445-A186-502B631B934F}" type="datetimeFigureOut">
               <a:rPr lang="en-US" smtClean="0"/>
-              <a:t>2/20/19</a:t>
+              <a:t>2/21/19</a:t>
             </a:fld>
             <a:endParaRPr lang="en-US"/>
           </a:p>
@@ -2148,7 +2153,7 @@
           <a:p>
             <a:fld id="{EEE7C04C-7AF8-1445-A186-502B631B934F}" type="datetimeFigureOut">
               <a:rPr lang="en-US" smtClean="0"/>
-              <a:t>2/20/19</a:t>
+              <a:t>2/21/19</a:t>
             </a:fld>
             <a:endParaRPr lang="en-US"/>
           </a:p>
@@ -2510,7 +2515,7 @@
           <a:p>
             <a:fld id="{EEE7C04C-7AF8-1445-A186-502B631B934F}" type="datetimeFigureOut">
               <a:rPr lang="en-US" smtClean="0"/>
-              <a:t>2/20/19</a:t>
+              <a:t>2/21/19</a:t>
             </a:fld>
             <a:endParaRPr lang="en-US"/>
           </a:p>
@@ -2623,7 +2628,7 @@
           <a:p>
             <a:fld id="{EEE7C04C-7AF8-1445-A186-502B631B934F}" type="datetimeFigureOut">
               <a:rPr lang="en-US" smtClean="0"/>
-              <a:t>2/20/19</a:t>
+              <a:t>2/21/19</a:t>
             </a:fld>
             <a:endParaRPr lang="en-US"/>
           </a:p>
@@ -2713,7 +2718,7 @@
           <a:p>
             <a:fld id="{EEE7C04C-7AF8-1445-A186-502B631B934F}" type="datetimeFigureOut">
               <a:rPr lang="en-US" smtClean="0"/>
-              <a:t>2/20/19</a:t>
+              <a:t>2/21/19</a:t>
             </a:fld>
             <a:endParaRPr lang="en-US"/>
           </a:p>
@@ -2985,7 +2990,7 @@
           <a:p>
             <a:fld id="{EEE7C04C-7AF8-1445-A186-502B631B934F}" type="datetimeFigureOut">
               <a:rPr lang="en-US" smtClean="0"/>
-              <a:t>2/20/19</a:t>
+              <a:t>2/21/19</a:t>
             </a:fld>
             <a:endParaRPr lang="en-US"/>
           </a:p>
@@ -3237,7 +3242,7 @@
           <a:p>
             <a:fld id="{EEE7C04C-7AF8-1445-A186-502B631B934F}" type="datetimeFigureOut">
               <a:rPr lang="en-US" smtClean="0"/>
-              <a:t>2/20/19</a:t>
+              <a:t>2/21/19</a:t>
             </a:fld>
             <a:endParaRPr lang="en-US"/>
           </a:p>
@@ -3445,7 +3450,7 @@
           <a:p>
             <a:fld id="{EEE7C04C-7AF8-1445-A186-502B631B934F}" type="datetimeFigureOut">
               <a:rPr lang="en-US" smtClean="0"/>
-              <a:t>2/20/19</a:t>
+              <a:t>2/21/19</a:t>
             </a:fld>
             <a:endParaRPr lang="en-US"/>
           </a:p>
@@ -8974,7 +8979,7 @@
       </p:grpSpPr>
       <p:sp>
         <p:nvSpPr>
-          <p:cNvPr id="2" name="Title 1"/>
+          <p:cNvPr id="4" name="Title 3"/>
           <p:cNvSpPr>
             <a:spLocks noGrp="1"/>
           </p:cNvSpPr>
@@ -8989,7 +8994,7 @@
           <a:p>
             <a:r>
               <a:rPr lang="en-US" dirty="0" smtClean="0"/>
-              <a:t>Cross-Site-Request-Forgery (CSRF)</a:t>
+              <a:t>Form Data Errors</a:t>
             </a:r>
             <a:endParaRPr lang="en-US" dirty="0"/>
           </a:p>
@@ -8997,31 +9002,78 @@
       </p:sp>
       <p:sp>
         <p:nvSpPr>
-          <p:cNvPr id="3" name="Text Placeholder 2"/>
+          <p:cNvPr id="5" name="Content Placeholder 4"/>
           <p:cNvSpPr>
             <a:spLocks noGrp="1"/>
           </p:cNvSpPr>
           <p:nvPr>
-            <p:ph type="body" idx="1"/>
+            <p:ph idx="1"/>
           </p:nvPr>
         </p:nvSpPr>
-        <p:spPr/>
+        <p:spPr>
+          <a:xfrm>
+            <a:off x="838200" y="1825625"/>
+            <a:ext cx="5067423" cy="4351338"/>
+          </a:xfrm>
+        </p:spPr>
         <p:txBody>
           <a:bodyPr/>
           <a:lstStyle/>
           <a:p>
             <a:r>
               <a:rPr lang="en-US" dirty="0" smtClean="0"/>
-              <a:t>Security</a:t>
+              <a:t>Sometimes there are validation rules when you are filling out a form.</a:t>
+            </a:r>
+          </a:p>
+          <a:p>
+            <a:r>
+              <a:rPr lang="en-US" dirty="0" smtClean="0"/>
+              <a:t>When you submit the form, the view code checks the data to see if there are errors</a:t>
+            </a:r>
+          </a:p>
+          <a:p>
+            <a:r>
+              <a:rPr lang="en-US" dirty="0" smtClean="0"/>
+              <a:t>If there are errors, data is not saved and the user is notified and often given a chance to edit and resubmit the </a:t>
             </a:r>
             <a:endParaRPr lang="en-US" dirty="0"/>
           </a:p>
         </p:txBody>
       </p:sp>
+      <p:pic>
+        <p:nvPicPr>
+          <p:cNvPr id="6" name="Picture 5"/>
+          <p:cNvPicPr>
+            <a:picLocks noChangeAspect="1"/>
+          </p:cNvPicPr>
+          <p:nvPr/>
+        </p:nvPicPr>
+        <p:blipFill>
+          <a:blip r:embed="rId2">
+            <a:extLst>
+              <a:ext uri="{28A0092B-C50C-407E-A947-70E740481C1C}">
+                <a14:useLocalDpi xmlns:a14="http://schemas.microsoft.com/office/drawing/2010/main" val="0"/>
+              </a:ext>
+            </a:extLst>
+          </a:blip>
+          <a:stretch>
+            <a:fillRect/>
+          </a:stretch>
+        </p:blipFill>
+        <p:spPr>
+          <a:xfrm>
+            <a:off x="5905623" y="2026444"/>
+            <a:ext cx="6781800" cy="3949700"/>
+          </a:xfrm>
+          <a:prstGeom prst="rect">
+            <a:avLst/>
+          </a:prstGeom>
+        </p:spPr>
+      </p:pic>
     </p:spTree>
     <p:extLst>
       <p:ext uri="{BB962C8B-B14F-4D97-AF65-F5344CB8AC3E}">
-        <p14:creationId xmlns:p14="http://schemas.microsoft.com/office/powerpoint/2010/main" val="41795082"/>
+        <p14:creationId xmlns:p14="http://schemas.microsoft.com/office/powerpoint/2010/main" val="1405277743"/>
       </p:ext>
     </p:extLst>
   </p:cSld>
@@ -9065,7 +9117,7 @@
           <a:p>
             <a:r>
               <a:rPr lang="en-US" dirty="0" smtClean="0"/>
-              <a:t>CSRF Attack</a:t>
+              <a:t>Django form validation</a:t>
             </a:r>
             <a:endParaRPr lang="en-US" dirty="0"/>
           </a:p>
@@ -9073,80 +9125,333 @@
       </p:sp>
       <p:sp>
         <p:nvSpPr>
-          <p:cNvPr id="5" name="Content Placeholder 4"/>
-          <p:cNvSpPr>
-            <a:spLocks noGrp="1"/>
-          </p:cNvSpPr>
-          <p:nvPr>
-            <p:ph idx="1"/>
-          </p:nvPr>
+          <p:cNvPr id="5" name="TextBox 4"/>
+          <p:cNvSpPr txBox="1"/>
+          <p:nvPr/>
         </p:nvSpPr>
-        <p:spPr/>
+        <p:spPr>
+          <a:xfrm>
+            <a:off x="709539" y="2257424"/>
+            <a:ext cx="10644261" cy="1754326"/>
+          </a:xfrm>
+          <a:prstGeom prst="rect">
+            <a:avLst/>
+          </a:prstGeom>
+          <a:solidFill>
+            <a:schemeClr val="tx1"/>
+          </a:solidFill>
+        </p:spPr>
         <p:txBody>
-          <a:bodyPr>
-            <a:normAutofit/>
+          <a:bodyPr wrap="none" rtlCol="0">
+            <a:spAutoFit/>
           </a:bodyPr>
           <a:lstStyle/>
           <a:p>
             <a:r>
-              <a:rPr lang="en-US" dirty="0" smtClean="0"/>
-              <a:t>A rogue site generates a page that includes form that posts data to a site where the user is logged in via a session cookie</a:t>
-            </a:r>
-          </a:p>
-          <a:p>
-            <a:r>
-              <a:rPr lang="en-US" dirty="0" smtClean="0"/>
-              <a:t>The form is submitted to the legitimate site and the cookie is included</a:t>
-            </a:r>
-          </a:p>
-          <a:p>
-            <a:r>
-              <a:rPr lang="en-US" dirty="0" smtClean="0"/>
-              <a:t>The legitimate site accepts the request because of the cookie value</a:t>
-            </a:r>
-          </a:p>
-          <a:p>
+              <a:rPr lang="en-US" dirty="0">
+                <a:solidFill>
+                  <a:srgbClr val="C1651C"/>
+                </a:solidFill>
+                <a:latin typeface="Menlo-Regular" charset="0"/>
+              </a:rPr>
+              <a:t>class</a:t>
+            </a:r>
+            <a:r>
+              <a:rPr lang="en-US" dirty="0">
+                <a:solidFill>
+                  <a:srgbClr val="000000"/>
+                </a:solidFill>
+                <a:latin typeface="Menlo-Regular" charset="0"/>
+              </a:rPr>
+              <a:t> </a:t>
+            </a:r>
+            <a:r>
+              <a:rPr lang="en-US" dirty="0" err="1">
+                <a:solidFill>
+                  <a:srgbClr val="2EAEBB"/>
+                </a:solidFill>
+                <a:latin typeface="Menlo-Regular" charset="0"/>
+              </a:rPr>
+              <a:t>BasicForm</a:t>
+            </a:r>
+            <a:r>
+              <a:rPr lang="en-US" dirty="0">
+                <a:solidFill>
+                  <a:srgbClr val="000000"/>
+                </a:solidFill>
+                <a:latin typeface="Menlo-Regular" charset="0"/>
+              </a:rPr>
+              <a:t>(</a:t>
+            </a:r>
+            <a:r>
+              <a:rPr lang="en-US" dirty="0" err="1">
+                <a:solidFill>
+                  <a:srgbClr val="000000"/>
+                </a:solidFill>
+                <a:latin typeface="Menlo-Regular" charset="0"/>
+              </a:rPr>
+              <a:t>forms.Form</a:t>
+            </a:r>
+            <a:r>
+              <a:rPr lang="en-US" dirty="0">
+                <a:solidFill>
+                  <a:srgbClr val="000000"/>
+                </a:solidFill>
+                <a:latin typeface="Menlo-Regular" charset="0"/>
+              </a:rPr>
+              <a:t>):</a:t>
+            </a:r>
+          </a:p>
+          <a:p>
+            <a:r>
+              <a:rPr lang="en-US" dirty="0">
+                <a:solidFill>
+                  <a:srgbClr val="000000"/>
+                </a:solidFill>
+                <a:latin typeface="Menlo-Regular" charset="0"/>
+              </a:rPr>
+              <a:t>    title = </a:t>
+            </a:r>
+            <a:r>
+              <a:rPr lang="en-US" dirty="0" err="1">
+                <a:solidFill>
+                  <a:srgbClr val="000000"/>
+                </a:solidFill>
+                <a:latin typeface="Menlo-Regular" charset="0"/>
+              </a:rPr>
+              <a:t>forms.CharField</a:t>
+            </a:r>
+            <a:r>
+              <a:rPr lang="en-US" dirty="0">
+                <a:solidFill>
+                  <a:srgbClr val="000000"/>
+                </a:solidFill>
+                <a:latin typeface="Menlo-Regular" charset="0"/>
+              </a:rPr>
+              <a:t>(validators</a:t>
+            </a:r>
+            <a:r>
+              <a:rPr lang="en-US" dirty="0" smtClean="0">
+                <a:solidFill>
+                  <a:srgbClr val="000000"/>
+                </a:solidFill>
+                <a:latin typeface="Menlo-Regular" charset="0"/>
+              </a:rPr>
+              <a:t>=[</a:t>
+            </a:r>
+          </a:p>
+          <a:p>
+            <a:r>
+              <a:rPr lang="en-US" dirty="0">
+                <a:solidFill>
+                  <a:srgbClr val="000000"/>
+                </a:solidFill>
+                <a:latin typeface="Menlo-Regular" charset="0"/>
+              </a:rPr>
+              <a:t> </a:t>
+            </a:r>
+            <a:r>
+              <a:rPr lang="en-US" dirty="0" smtClean="0">
+                <a:solidFill>
+                  <a:srgbClr val="000000"/>
+                </a:solidFill>
+                <a:latin typeface="Menlo-Regular" charset="0"/>
+              </a:rPr>
+              <a:t>     </a:t>
+            </a:r>
+            <a:r>
+              <a:rPr lang="en-US" dirty="0" err="1" smtClean="0">
+                <a:solidFill>
+                  <a:srgbClr val="000000"/>
+                </a:solidFill>
+                <a:latin typeface="Menlo-Regular" charset="0"/>
+              </a:rPr>
+              <a:t>validators.MinLengthValidator</a:t>
+            </a:r>
+            <a:r>
+              <a:rPr lang="en-US" dirty="0" smtClean="0">
+                <a:solidFill>
+                  <a:srgbClr val="000000"/>
+                </a:solidFill>
+                <a:latin typeface="Menlo-Regular" charset="0"/>
+              </a:rPr>
+              <a:t>(</a:t>
+            </a:r>
+            <a:r>
+              <a:rPr lang="en-US" dirty="0" smtClean="0">
+                <a:solidFill>
+                  <a:srgbClr val="B42419"/>
+                </a:solidFill>
+                <a:latin typeface="Menlo-Regular" charset="0"/>
+              </a:rPr>
+              <a:t>2</a:t>
+            </a:r>
+            <a:r>
+              <a:rPr lang="en-US" dirty="0">
+                <a:solidFill>
+                  <a:srgbClr val="000000"/>
+                </a:solidFill>
+                <a:latin typeface="Menlo-Regular" charset="0"/>
+              </a:rPr>
+              <a:t>, </a:t>
+            </a:r>
+            <a:r>
+              <a:rPr lang="en-US" dirty="0">
+                <a:solidFill>
+                  <a:srgbClr val="B42419"/>
+                </a:solidFill>
+                <a:latin typeface="Menlo-Regular" charset="0"/>
+              </a:rPr>
+              <a:t>"Please enter 2 or more characters</a:t>
+            </a:r>
+            <a:r>
+              <a:rPr lang="en-US" dirty="0" smtClean="0">
+                <a:solidFill>
+                  <a:srgbClr val="B42419"/>
+                </a:solidFill>
+                <a:latin typeface="Menlo-Regular" charset="0"/>
+              </a:rPr>
+              <a:t>"</a:t>
+            </a:r>
+            <a:r>
+              <a:rPr lang="en-US" dirty="0" smtClean="0">
+                <a:solidFill>
+                  <a:srgbClr val="000000"/>
+                </a:solidFill>
+                <a:latin typeface="Menlo-Regular" charset="0"/>
+              </a:rPr>
+              <a:t>)</a:t>
+            </a:r>
+          </a:p>
+          <a:p>
+            <a:r>
+              <a:rPr lang="en-US" dirty="0">
+                <a:solidFill>
+                  <a:srgbClr val="000000"/>
+                </a:solidFill>
+                <a:latin typeface="Menlo-Regular" charset="0"/>
+              </a:rPr>
+              <a:t> </a:t>
+            </a:r>
+            <a:r>
+              <a:rPr lang="en-US" dirty="0" smtClean="0">
+                <a:solidFill>
+                  <a:srgbClr val="000000"/>
+                </a:solidFill>
+                <a:latin typeface="Menlo-Regular" charset="0"/>
+              </a:rPr>
+              <a:t>   ])</a:t>
+            </a:r>
+            <a:endParaRPr lang="en-US" dirty="0">
+              <a:solidFill>
+                <a:srgbClr val="000000"/>
+              </a:solidFill>
+              <a:latin typeface="Menlo-Regular" charset="0"/>
+            </a:endParaRPr>
+          </a:p>
+          <a:p>
+            <a:r>
+              <a:rPr lang="en-US" dirty="0">
+                <a:solidFill>
+                  <a:srgbClr val="000000"/>
+                </a:solidFill>
+                <a:latin typeface="Menlo-Regular" charset="0"/>
+              </a:rPr>
+              <a:t>    mileage = </a:t>
+            </a:r>
+            <a:r>
+              <a:rPr lang="en-US" dirty="0" err="1">
+                <a:solidFill>
+                  <a:srgbClr val="000000"/>
+                </a:solidFill>
+                <a:latin typeface="Menlo-Regular" charset="0"/>
+              </a:rPr>
+              <a:t>forms.IntegerField</a:t>
+            </a:r>
+            <a:r>
+              <a:rPr lang="en-US" dirty="0">
+                <a:solidFill>
+                  <a:srgbClr val="000000"/>
+                </a:solidFill>
+                <a:latin typeface="Menlo-Regular" charset="0"/>
+              </a:rPr>
+              <a:t>()</a:t>
+            </a:r>
+          </a:p>
+          <a:p>
+            <a:r>
+              <a:rPr lang="en-US" dirty="0">
+                <a:solidFill>
+                  <a:srgbClr val="000000"/>
+                </a:solidFill>
+                <a:latin typeface="Menlo-Regular" charset="0"/>
+              </a:rPr>
+              <a:t>    </a:t>
+            </a:r>
+            <a:r>
+              <a:rPr lang="en-US" dirty="0" err="1">
+                <a:solidFill>
+                  <a:srgbClr val="000000"/>
+                </a:solidFill>
+                <a:latin typeface="Menlo-Regular" charset="0"/>
+              </a:rPr>
+              <a:t>purchase_date</a:t>
+            </a:r>
+            <a:r>
+              <a:rPr lang="en-US" dirty="0">
+                <a:solidFill>
+                  <a:srgbClr val="000000"/>
+                </a:solidFill>
+                <a:latin typeface="Menlo-Regular" charset="0"/>
+              </a:rPr>
+              <a:t> = </a:t>
+            </a:r>
+            <a:r>
+              <a:rPr lang="en-US" dirty="0" err="1">
+                <a:solidFill>
+                  <a:srgbClr val="000000"/>
+                </a:solidFill>
+                <a:latin typeface="Menlo-Regular" charset="0"/>
+              </a:rPr>
+              <a:t>forms.DateField</a:t>
+            </a:r>
+            <a:r>
+              <a:rPr lang="en-US" dirty="0">
+                <a:solidFill>
+                  <a:srgbClr val="000000"/>
+                </a:solidFill>
+                <a:latin typeface="Menlo-Regular" charset="0"/>
+              </a:rPr>
+              <a:t>()</a:t>
+            </a:r>
             <a:endParaRPr lang="en-US" dirty="0"/>
-          </a:p>
-          <a:p>
-            <a:r>
-              <a:rPr lang="en-US" dirty="0" smtClean="0"/>
-              <a:t>Note that the rogue site does not need to know the cookie value </a:t>
-            </a:r>
-            <a:r>
-              <a:rPr lang="mr-IN" dirty="0" smtClean="0"/>
-              <a:t>–</a:t>
-            </a:r>
-            <a:r>
-              <a:rPr lang="en-US" dirty="0" smtClean="0"/>
-              <a:t> it just knows that the cookie will be sent on requests to the legitimate site</a:t>
-            </a:r>
           </a:p>
         </p:txBody>
       </p:sp>
       <p:sp>
         <p:nvSpPr>
-          <p:cNvPr id="6" name="Rectangle 5"/>
-          <p:cNvSpPr/>
+          <p:cNvPr id="7" name="TextBox 6"/>
+          <p:cNvSpPr txBox="1"/>
           <p:nvPr/>
         </p:nvSpPr>
         <p:spPr>
           <a:xfrm>
-            <a:off x="5210580" y="5616060"/>
-            <a:ext cx="6143220" cy="400110"/>
+            <a:off x="4484648" y="5614987"/>
+            <a:ext cx="6997813" cy="461665"/>
           </a:xfrm>
           <a:prstGeom prst="rect">
             <a:avLst/>
           </a:prstGeom>
+          <a:noFill/>
         </p:spPr>
         <p:txBody>
-          <a:bodyPr wrap="none">
+          <a:bodyPr wrap="none" rtlCol="0">
             <a:spAutoFit/>
           </a:bodyPr>
           <a:lstStyle/>
           <a:p>
             <a:r>
-              <a:rPr lang="en-US" sz="2000" dirty="0">
+              <a:rPr lang="en-US" sz="2400" dirty="0">
                 <a:solidFill>
                   <a:srgbClr val="FFFF00"/>
                 </a:solidFill>
@@ -9154,41 +9459,44 @@
               <a:t>https://</a:t>
             </a:r>
             <a:r>
-              <a:rPr lang="en-US" sz="2000" dirty="0" err="1">
+              <a:rPr lang="en-US" sz="2400" dirty="0" err="1">
                 <a:solidFill>
                   <a:srgbClr val="FFFF00"/>
                 </a:solidFill>
               </a:rPr>
-              <a:t>en.wikipedia.org</a:t>
-            </a:r>
-            <a:r>
-              <a:rPr lang="en-US" sz="2000" dirty="0">
+              <a:t>docs.djangoproject.com</a:t>
+            </a:r>
+            <a:r>
+              <a:rPr lang="en-US" sz="2400" dirty="0">
                 <a:solidFill>
                   <a:srgbClr val="FFFF00"/>
                 </a:solidFill>
               </a:rPr>
-              <a:t>/wiki/Cross-</a:t>
-            </a:r>
-            <a:r>
-              <a:rPr lang="en-US" sz="2000" dirty="0" err="1">
+              <a:t>/</a:t>
+            </a:r>
+            <a:r>
+              <a:rPr lang="en-US" sz="2400" dirty="0" err="1">
                 <a:solidFill>
                   <a:srgbClr val="FFFF00"/>
                 </a:solidFill>
               </a:rPr>
-              <a:t>site_request_forgery</a:t>
-            </a:r>
-            <a:endParaRPr lang="en-US" sz="2000" dirty="0">
-              <a:solidFill>
-                <a:srgbClr val="FFFF00"/>
-              </a:solidFill>
-            </a:endParaRPr>
+              <a:t>en</a:t>
+            </a:r>
+            <a:r>
+              <a:rPr lang="en-US" sz="2400" dirty="0">
+                <a:solidFill>
+                  <a:srgbClr val="FFFF00"/>
+                </a:solidFill>
+              </a:rPr>
+              <a:t>/2.1/ref/validators/</a:t>
+            </a:r>
           </a:p>
         </p:txBody>
       </p:sp>
     </p:spTree>
     <p:extLst>
       <p:ext uri="{BB962C8B-B14F-4D97-AF65-F5344CB8AC3E}">
-        <p14:creationId xmlns:p14="http://schemas.microsoft.com/office/powerpoint/2010/main" val="34056885"/>
+        <p14:creationId xmlns:p14="http://schemas.microsoft.com/office/powerpoint/2010/main" val="752322667"/>
       </p:ext>
     </p:extLst>
   </p:cSld>
@@ -9199,6 +9507,5238 @@
 </file>
 
 <file path=ppt/slides/slide24.xml><?xml version="1.0" encoding="utf-8"?>
+<p:sld xmlns:a="http://schemas.openxmlformats.org/drawingml/2006/main" xmlns:r="http://schemas.openxmlformats.org/officeDocument/2006/relationships" xmlns:p="http://schemas.openxmlformats.org/presentationml/2006/main">
+  <p:cSld>
+    <p:spTree>
+      <p:nvGrpSpPr>
+        <p:cNvPr id="1" name=""/>
+        <p:cNvGrpSpPr/>
+        <p:nvPr/>
+      </p:nvGrpSpPr>
+      <p:grpSpPr>
+        <a:xfrm>
+          <a:off x="0" y="0"/>
+          <a:ext cx="0" cy="0"/>
+          <a:chOff x="0" y="0"/>
+          <a:chExt cx="0" cy="0"/>
+        </a:xfrm>
+      </p:grpSpPr>
+      <p:pic>
+        <p:nvPicPr>
+          <p:cNvPr id="9" name="Picture 8"/>
+          <p:cNvPicPr>
+            <a:picLocks noChangeAspect="1"/>
+          </p:cNvPicPr>
+          <p:nvPr/>
+        </p:nvPicPr>
+        <p:blipFill>
+          <a:blip r:embed="rId2">
+            <a:extLst>
+              <a:ext uri="{28A0092B-C50C-407E-A947-70E740481C1C}">
+                <a14:useLocalDpi xmlns:a14="http://schemas.microsoft.com/office/drawing/2010/main" val="0"/>
+              </a:ext>
+            </a:extLst>
+          </a:blip>
+          <a:stretch>
+            <a:fillRect/>
+          </a:stretch>
+        </p:blipFill>
+        <p:spPr>
+          <a:xfrm>
+            <a:off x="-171450" y="1000125"/>
+            <a:ext cx="6781800" cy="3949700"/>
+          </a:xfrm>
+          <a:prstGeom prst="rect">
+            <a:avLst/>
+          </a:prstGeom>
+        </p:spPr>
+      </p:pic>
+      <p:sp>
+        <p:nvSpPr>
+          <p:cNvPr id="16" name="TextBox 15"/>
+          <p:cNvSpPr txBox="1"/>
+          <p:nvPr/>
+        </p:nvSpPr>
+        <p:spPr>
+          <a:xfrm>
+            <a:off x="4702672" y="737462"/>
+            <a:ext cx="7353295" cy="5632311"/>
+          </a:xfrm>
+          <a:prstGeom prst="rect">
+            <a:avLst/>
+          </a:prstGeom>
+          <a:solidFill>
+            <a:schemeClr val="tx1"/>
+          </a:solidFill>
+          <a:ln w="38100">
+            <a:solidFill>
+              <a:schemeClr val="bg1"/>
+            </a:solidFill>
+          </a:ln>
+        </p:spPr>
+        <p:txBody>
+          <a:bodyPr wrap="none" rtlCol="0">
+            <a:spAutoFit/>
+          </a:bodyPr>
+          <a:lstStyle/>
+          <a:p>
+            <a:r>
+              <a:rPr lang="en-US" b="1" dirty="0">
+                <a:solidFill>
+                  <a:srgbClr val="C1651C"/>
+                </a:solidFill>
+                <a:latin typeface="Courier" charset="0"/>
+                <a:ea typeface="Courier" charset="0"/>
+                <a:cs typeface="Courier" charset="0"/>
+              </a:rPr>
+              <a:t>class</a:t>
+            </a:r>
+            <a:r>
+              <a:rPr lang="en-US" b="1" dirty="0">
+                <a:solidFill>
+                  <a:srgbClr val="000000"/>
+                </a:solidFill>
+                <a:latin typeface="Courier" charset="0"/>
+                <a:ea typeface="Courier" charset="0"/>
+                <a:cs typeface="Courier" charset="0"/>
+              </a:rPr>
+              <a:t> </a:t>
+            </a:r>
+            <a:r>
+              <a:rPr lang="en-US" b="1" dirty="0">
+                <a:solidFill>
+                  <a:srgbClr val="2EAEBB"/>
+                </a:solidFill>
+                <a:latin typeface="Courier" charset="0"/>
+                <a:ea typeface="Courier" charset="0"/>
+                <a:cs typeface="Courier" charset="0"/>
+              </a:rPr>
+              <a:t>Validate</a:t>
+            </a:r>
+            <a:r>
+              <a:rPr lang="en-US" b="1" dirty="0">
+                <a:solidFill>
+                  <a:srgbClr val="000000"/>
+                </a:solidFill>
+                <a:latin typeface="Courier" charset="0"/>
+                <a:ea typeface="Courier" charset="0"/>
+                <a:cs typeface="Courier" charset="0"/>
+              </a:rPr>
+              <a:t>(</a:t>
+            </a:r>
+            <a:r>
+              <a:rPr lang="en-US" b="1" dirty="0" err="1">
+                <a:solidFill>
+                  <a:srgbClr val="000000"/>
+                </a:solidFill>
+                <a:latin typeface="Courier" charset="0"/>
+                <a:ea typeface="Courier" charset="0"/>
+                <a:cs typeface="Courier" charset="0"/>
+              </a:rPr>
+              <a:t>DumpPostView</a:t>
+            </a:r>
+            <a:r>
+              <a:rPr lang="en-US" b="1" dirty="0">
+                <a:solidFill>
+                  <a:srgbClr val="000000"/>
+                </a:solidFill>
+                <a:latin typeface="Courier" charset="0"/>
+                <a:ea typeface="Courier" charset="0"/>
+                <a:cs typeface="Courier" charset="0"/>
+              </a:rPr>
+              <a:t>):</a:t>
+            </a:r>
+          </a:p>
+          <a:p>
+            <a:r>
+              <a:rPr lang="en-US" b="1" dirty="0">
+                <a:solidFill>
+                  <a:srgbClr val="000000"/>
+                </a:solidFill>
+                <a:latin typeface="Courier" charset="0"/>
+                <a:ea typeface="Courier" charset="0"/>
+                <a:cs typeface="Courier" charset="0"/>
+              </a:rPr>
+              <a:t>    </a:t>
+            </a:r>
+            <a:r>
+              <a:rPr lang="en-US" b="1" dirty="0" err="1">
+                <a:solidFill>
+                  <a:srgbClr val="C1651C"/>
+                </a:solidFill>
+                <a:latin typeface="Courier" charset="0"/>
+                <a:ea typeface="Courier" charset="0"/>
+                <a:cs typeface="Courier" charset="0"/>
+              </a:rPr>
+              <a:t>def</a:t>
+            </a:r>
+            <a:r>
+              <a:rPr lang="en-US" b="1" dirty="0">
+                <a:solidFill>
+                  <a:srgbClr val="000000"/>
+                </a:solidFill>
+                <a:latin typeface="Courier" charset="0"/>
+                <a:ea typeface="Courier" charset="0"/>
+                <a:cs typeface="Courier" charset="0"/>
+              </a:rPr>
+              <a:t> </a:t>
+            </a:r>
+            <a:r>
+              <a:rPr lang="en-US" b="1" dirty="0">
+                <a:solidFill>
+                  <a:srgbClr val="2EAEBB"/>
+                </a:solidFill>
+                <a:latin typeface="Courier" charset="0"/>
+                <a:ea typeface="Courier" charset="0"/>
+                <a:cs typeface="Courier" charset="0"/>
+              </a:rPr>
+              <a:t>get</a:t>
+            </a:r>
+            <a:r>
+              <a:rPr lang="en-US" b="1" dirty="0">
+                <a:solidFill>
+                  <a:srgbClr val="000000"/>
+                </a:solidFill>
+                <a:latin typeface="Courier" charset="0"/>
+                <a:ea typeface="Courier" charset="0"/>
+                <a:cs typeface="Courier" charset="0"/>
+              </a:rPr>
+              <a:t>(self, request) :</a:t>
+            </a:r>
+          </a:p>
+          <a:p>
+            <a:r>
+              <a:rPr lang="mr-IN" b="1" dirty="0">
+                <a:solidFill>
+                  <a:srgbClr val="000000"/>
+                </a:solidFill>
+                <a:latin typeface="Courier" charset="0"/>
+                <a:ea typeface="Courier" charset="0"/>
+                <a:cs typeface="Courier" charset="0"/>
+              </a:rPr>
+              <a:t>        </a:t>
+            </a:r>
+            <a:r>
+              <a:rPr lang="mr-IN" b="1" dirty="0" err="1">
+                <a:solidFill>
+                  <a:srgbClr val="000000"/>
+                </a:solidFill>
+                <a:latin typeface="Courier" charset="0"/>
+                <a:ea typeface="Courier" charset="0"/>
+                <a:cs typeface="Courier" charset="0"/>
+              </a:rPr>
+              <a:t>old_data</a:t>
+            </a:r>
+            <a:r>
+              <a:rPr lang="mr-IN" b="1" dirty="0">
+                <a:solidFill>
+                  <a:srgbClr val="000000"/>
+                </a:solidFill>
+                <a:latin typeface="Courier" charset="0"/>
+                <a:ea typeface="Courier" charset="0"/>
+                <a:cs typeface="Courier" charset="0"/>
+              </a:rPr>
+              <a:t> = {</a:t>
+            </a:r>
+          </a:p>
+          <a:p>
+            <a:r>
+              <a:rPr lang="mr-IN" b="1" dirty="0">
+                <a:solidFill>
+                  <a:srgbClr val="000000"/>
+                </a:solidFill>
+                <a:latin typeface="Courier" charset="0"/>
+                <a:ea typeface="Courier" charset="0"/>
+                <a:cs typeface="Courier" charset="0"/>
+              </a:rPr>
+              <a:t>            </a:t>
+            </a:r>
+            <a:r>
+              <a:rPr lang="mr-IN" b="1" dirty="0">
+                <a:solidFill>
+                  <a:srgbClr val="B42419"/>
+                </a:solidFill>
+                <a:latin typeface="Courier" charset="0"/>
+                <a:ea typeface="Courier" charset="0"/>
+                <a:cs typeface="Courier" charset="0"/>
+              </a:rPr>
+              <a:t>'</a:t>
+            </a:r>
+            <a:r>
+              <a:rPr lang="mr-IN" b="1" dirty="0" err="1">
+                <a:solidFill>
+                  <a:srgbClr val="B42419"/>
+                </a:solidFill>
+                <a:latin typeface="Courier" charset="0"/>
+                <a:ea typeface="Courier" charset="0"/>
+                <a:cs typeface="Courier" charset="0"/>
+              </a:rPr>
+              <a:t>title</a:t>
+            </a:r>
+            <a:r>
+              <a:rPr lang="mr-IN" b="1" dirty="0">
+                <a:solidFill>
+                  <a:srgbClr val="B42419"/>
+                </a:solidFill>
+                <a:latin typeface="Courier" charset="0"/>
+                <a:ea typeface="Courier" charset="0"/>
+                <a:cs typeface="Courier" charset="0"/>
+              </a:rPr>
+              <a:t>'</a:t>
+            </a:r>
+            <a:r>
+              <a:rPr lang="mr-IN" b="1" dirty="0">
+                <a:solidFill>
+                  <a:srgbClr val="000000"/>
+                </a:solidFill>
+                <a:latin typeface="Courier" charset="0"/>
+                <a:ea typeface="Courier" charset="0"/>
+                <a:cs typeface="Courier" charset="0"/>
+              </a:rPr>
+              <a:t>: </a:t>
+            </a:r>
+            <a:r>
+              <a:rPr lang="mr-IN" b="1" dirty="0">
+                <a:solidFill>
+                  <a:srgbClr val="B42419"/>
+                </a:solidFill>
+                <a:latin typeface="Courier" charset="0"/>
+                <a:ea typeface="Courier" charset="0"/>
+                <a:cs typeface="Courier" charset="0"/>
+              </a:rPr>
+              <a:t>'</a:t>
+            </a:r>
+            <a:r>
+              <a:rPr lang="mr-IN" b="1" dirty="0" err="1">
+                <a:solidFill>
+                  <a:srgbClr val="B42419"/>
+                </a:solidFill>
+                <a:latin typeface="Courier" charset="0"/>
+                <a:ea typeface="Courier" charset="0"/>
+                <a:cs typeface="Courier" charset="0"/>
+              </a:rPr>
+              <a:t>SakaiCar</a:t>
+            </a:r>
+            <a:r>
+              <a:rPr lang="mr-IN" b="1" dirty="0">
+                <a:solidFill>
+                  <a:srgbClr val="B42419"/>
+                </a:solidFill>
+                <a:latin typeface="Courier" charset="0"/>
+                <a:ea typeface="Courier" charset="0"/>
+                <a:cs typeface="Courier" charset="0"/>
+              </a:rPr>
+              <a:t>'</a:t>
+            </a:r>
+            <a:r>
+              <a:rPr lang="mr-IN" b="1" dirty="0">
+                <a:solidFill>
+                  <a:srgbClr val="000000"/>
+                </a:solidFill>
+                <a:latin typeface="Courier" charset="0"/>
+                <a:ea typeface="Courier" charset="0"/>
+                <a:cs typeface="Courier" charset="0"/>
+              </a:rPr>
+              <a:t>,</a:t>
+            </a:r>
+          </a:p>
+          <a:p>
+            <a:r>
+              <a:rPr lang="mr-IN" b="1" dirty="0">
+                <a:solidFill>
+                  <a:srgbClr val="000000"/>
+                </a:solidFill>
+                <a:latin typeface="Courier" charset="0"/>
+                <a:ea typeface="Courier" charset="0"/>
+                <a:cs typeface="Courier" charset="0"/>
+              </a:rPr>
+              <a:t>            </a:t>
+            </a:r>
+            <a:r>
+              <a:rPr lang="mr-IN" b="1" dirty="0">
+                <a:solidFill>
+                  <a:srgbClr val="B42419"/>
+                </a:solidFill>
+                <a:latin typeface="Courier" charset="0"/>
+                <a:ea typeface="Courier" charset="0"/>
+                <a:cs typeface="Courier" charset="0"/>
+              </a:rPr>
+              <a:t>'</a:t>
+            </a:r>
+            <a:r>
+              <a:rPr lang="mr-IN" b="1" dirty="0" err="1">
+                <a:solidFill>
+                  <a:srgbClr val="B42419"/>
+                </a:solidFill>
+                <a:latin typeface="Courier" charset="0"/>
+                <a:ea typeface="Courier" charset="0"/>
+                <a:cs typeface="Courier" charset="0"/>
+              </a:rPr>
+              <a:t>mileage</a:t>
+            </a:r>
+            <a:r>
+              <a:rPr lang="mr-IN" b="1" dirty="0">
+                <a:solidFill>
+                  <a:srgbClr val="B42419"/>
+                </a:solidFill>
+                <a:latin typeface="Courier" charset="0"/>
+                <a:ea typeface="Courier" charset="0"/>
+                <a:cs typeface="Courier" charset="0"/>
+              </a:rPr>
+              <a:t>'</a:t>
+            </a:r>
+            <a:r>
+              <a:rPr lang="mr-IN" b="1" dirty="0">
+                <a:solidFill>
+                  <a:srgbClr val="000000"/>
+                </a:solidFill>
+                <a:latin typeface="Courier" charset="0"/>
+                <a:ea typeface="Courier" charset="0"/>
+                <a:cs typeface="Courier" charset="0"/>
+              </a:rPr>
+              <a:t> : </a:t>
+            </a:r>
+            <a:r>
+              <a:rPr lang="mr-IN" b="1" dirty="0">
+                <a:solidFill>
+                  <a:srgbClr val="B42419"/>
+                </a:solidFill>
+                <a:latin typeface="Courier" charset="0"/>
+                <a:ea typeface="Courier" charset="0"/>
+                <a:cs typeface="Courier" charset="0"/>
+              </a:rPr>
+              <a:t>42</a:t>
+            </a:r>
+            <a:r>
+              <a:rPr lang="mr-IN" b="1" dirty="0">
+                <a:solidFill>
+                  <a:srgbClr val="000000"/>
+                </a:solidFill>
+                <a:latin typeface="Courier" charset="0"/>
+                <a:ea typeface="Courier" charset="0"/>
+                <a:cs typeface="Courier" charset="0"/>
+              </a:rPr>
+              <a:t>,</a:t>
+            </a:r>
+          </a:p>
+          <a:p>
+            <a:r>
+              <a:rPr lang="mr-IN" b="1" dirty="0">
+                <a:solidFill>
+                  <a:srgbClr val="000000"/>
+                </a:solidFill>
+                <a:latin typeface="Courier" charset="0"/>
+                <a:ea typeface="Courier" charset="0"/>
+                <a:cs typeface="Courier" charset="0"/>
+              </a:rPr>
+              <a:t>            </a:t>
+            </a:r>
+            <a:r>
+              <a:rPr lang="mr-IN" b="1" dirty="0">
+                <a:solidFill>
+                  <a:srgbClr val="B42419"/>
+                </a:solidFill>
+                <a:latin typeface="Courier" charset="0"/>
+                <a:ea typeface="Courier" charset="0"/>
+                <a:cs typeface="Courier" charset="0"/>
+              </a:rPr>
+              <a:t>'</a:t>
+            </a:r>
+            <a:r>
+              <a:rPr lang="mr-IN" b="1" dirty="0" err="1">
+                <a:solidFill>
+                  <a:srgbClr val="B42419"/>
+                </a:solidFill>
+                <a:latin typeface="Courier" charset="0"/>
+                <a:ea typeface="Courier" charset="0"/>
+                <a:cs typeface="Courier" charset="0"/>
+              </a:rPr>
+              <a:t>purchase_date</a:t>
+            </a:r>
+            <a:r>
+              <a:rPr lang="mr-IN" b="1" dirty="0">
+                <a:solidFill>
+                  <a:srgbClr val="B42419"/>
+                </a:solidFill>
+                <a:latin typeface="Courier" charset="0"/>
+                <a:ea typeface="Courier" charset="0"/>
+                <a:cs typeface="Courier" charset="0"/>
+              </a:rPr>
+              <a:t>'</a:t>
+            </a:r>
+            <a:r>
+              <a:rPr lang="mr-IN" b="1" dirty="0">
+                <a:solidFill>
+                  <a:srgbClr val="000000"/>
+                </a:solidFill>
+                <a:latin typeface="Courier" charset="0"/>
+                <a:ea typeface="Courier" charset="0"/>
+                <a:cs typeface="Courier" charset="0"/>
+              </a:rPr>
+              <a:t>: </a:t>
+            </a:r>
+            <a:r>
+              <a:rPr lang="mr-IN" b="1" dirty="0">
+                <a:solidFill>
+                  <a:srgbClr val="B42419"/>
+                </a:solidFill>
+                <a:latin typeface="Courier" charset="0"/>
+                <a:ea typeface="Courier" charset="0"/>
+                <a:cs typeface="Courier" charset="0"/>
+              </a:rPr>
+              <a:t>'2018-08-14'</a:t>
+            </a:r>
+            <a:endParaRPr lang="mr-IN" b="1" dirty="0">
+              <a:solidFill>
+                <a:srgbClr val="000000"/>
+              </a:solidFill>
+              <a:latin typeface="Courier" charset="0"/>
+              <a:ea typeface="Courier" charset="0"/>
+              <a:cs typeface="Courier" charset="0"/>
+            </a:endParaRPr>
+          </a:p>
+          <a:p>
+            <a:r>
+              <a:rPr lang="mr-IN" b="1" dirty="0">
+                <a:solidFill>
+                  <a:srgbClr val="000000"/>
+                </a:solidFill>
+                <a:latin typeface="Courier" charset="0"/>
+                <a:ea typeface="Courier" charset="0"/>
+                <a:cs typeface="Courier" charset="0"/>
+              </a:rPr>
+              <a:t>        }</a:t>
+            </a:r>
+          </a:p>
+          <a:p>
+            <a:r>
+              <a:rPr lang="en-US" b="1" dirty="0">
+                <a:solidFill>
+                  <a:srgbClr val="000000"/>
+                </a:solidFill>
+                <a:latin typeface="Courier" charset="0"/>
+                <a:ea typeface="Courier" charset="0"/>
+                <a:cs typeface="Courier" charset="0"/>
+              </a:rPr>
+              <a:t>        form = </a:t>
+            </a:r>
+            <a:r>
+              <a:rPr lang="en-US" b="1" dirty="0" err="1">
+                <a:solidFill>
+                  <a:srgbClr val="000000"/>
+                </a:solidFill>
+                <a:latin typeface="Courier" charset="0"/>
+                <a:ea typeface="Courier" charset="0"/>
+                <a:cs typeface="Courier" charset="0"/>
+              </a:rPr>
+              <a:t>BasicForm</a:t>
+            </a:r>
+            <a:r>
+              <a:rPr lang="en-US" b="1" dirty="0">
+                <a:solidFill>
+                  <a:srgbClr val="000000"/>
+                </a:solidFill>
+                <a:latin typeface="Courier" charset="0"/>
+                <a:ea typeface="Courier" charset="0"/>
+                <a:cs typeface="Courier" charset="0"/>
+              </a:rPr>
+              <a:t>(initial=</a:t>
+            </a:r>
+            <a:r>
+              <a:rPr lang="en-US" b="1" dirty="0" err="1">
+                <a:solidFill>
+                  <a:srgbClr val="000000"/>
+                </a:solidFill>
+                <a:latin typeface="Courier" charset="0"/>
+                <a:ea typeface="Courier" charset="0"/>
+                <a:cs typeface="Courier" charset="0"/>
+              </a:rPr>
+              <a:t>old_data</a:t>
+            </a:r>
+            <a:r>
+              <a:rPr lang="en-US" b="1" dirty="0">
+                <a:solidFill>
+                  <a:srgbClr val="000000"/>
+                </a:solidFill>
+                <a:latin typeface="Courier" charset="0"/>
+                <a:ea typeface="Courier" charset="0"/>
+                <a:cs typeface="Courier" charset="0"/>
+              </a:rPr>
+              <a:t>)</a:t>
+            </a:r>
+          </a:p>
+          <a:p>
+            <a:r>
+              <a:rPr lang="mr-IN" b="1" dirty="0">
+                <a:solidFill>
+                  <a:srgbClr val="000000"/>
+                </a:solidFill>
+                <a:latin typeface="Courier" charset="0"/>
+                <a:ea typeface="Courier" charset="0"/>
+                <a:cs typeface="Courier" charset="0"/>
+              </a:rPr>
+              <a:t>        </a:t>
+            </a:r>
+            <a:r>
+              <a:rPr lang="mr-IN" b="1" dirty="0" err="1">
+                <a:solidFill>
+                  <a:srgbClr val="000000"/>
+                </a:solidFill>
+                <a:latin typeface="Courier" charset="0"/>
+                <a:ea typeface="Courier" charset="0"/>
+                <a:cs typeface="Courier" charset="0"/>
+              </a:rPr>
+              <a:t>ctx</a:t>
+            </a:r>
+            <a:r>
+              <a:rPr lang="mr-IN" b="1" dirty="0">
+                <a:solidFill>
+                  <a:srgbClr val="000000"/>
+                </a:solidFill>
+                <a:latin typeface="Courier" charset="0"/>
+                <a:ea typeface="Courier" charset="0"/>
+                <a:cs typeface="Courier" charset="0"/>
+              </a:rPr>
+              <a:t> = {</a:t>
+            </a:r>
+            <a:r>
+              <a:rPr lang="mr-IN" b="1" dirty="0">
+                <a:solidFill>
+                  <a:srgbClr val="B42419"/>
+                </a:solidFill>
+                <a:latin typeface="Courier" charset="0"/>
+                <a:ea typeface="Courier" charset="0"/>
+                <a:cs typeface="Courier" charset="0"/>
+              </a:rPr>
+              <a:t>'</a:t>
+            </a:r>
+            <a:r>
+              <a:rPr lang="mr-IN" b="1" dirty="0" err="1">
+                <a:solidFill>
+                  <a:srgbClr val="B42419"/>
+                </a:solidFill>
+                <a:latin typeface="Courier" charset="0"/>
+                <a:ea typeface="Courier" charset="0"/>
+                <a:cs typeface="Courier" charset="0"/>
+              </a:rPr>
+              <a:t>form</a:t>
+            </a:r>
+            <a:r>
+              <a:rPr lang="mr-IN" b="1" dirty="0">
+                <a:solidFill>
+                  <a:srgbClr val="B42419"/>
+                </a:solidFill>
+                <a:latin typeface="Courier" charset="0"/>
+                <a:ea typeface="Courier" charset="0"/>
+                <a:cs typeface="Courier" charset="0"/>
+              </a:rPr>
+              <a:t>'</a:t>
+            </a:r>
+            <a:r>
+              <a:rPr lang="mr-IN" b="1" dirty="0">
+                <a:solidFill>
+                  <a:srgbClr val="000000"/>
+                </a:solidFill>
+                <a:latin typeface="Courier" charset="0"/>
+                <a:ea typeface="Courier" charset="0"/>
+                <a:cs typeface="Courier" charset="0"/>
+              </a:rPr>
+              <a:t> : </a:t>
+            </a:r>
+            <a:r>
+              <a:rPr lang="mr-IN" b="1" dirty="0" err="1">
+                <a:solidFill>
+                  <a:srgbClr val="000000"/>
+                </a:solidFill>
+                <a:latin typeface="Courier" charset="0"/>
+                <a:ea typeface="Courier" charset="0"/>
+                <a:cs typeface="Courier" charset="0"/>
+              </a:rPr>
+              <a:t>form</a:t>
+            </a:r>
+            <a:r>
+              <a:rPr lang="mr-IN" b="1" dirty="0">
+                <a:solidFill>
+                  <a:srgbClr val="000000"/>
+                </a:solidFill>
+                <a:latin typeface="Courier" charset="0"/>
+                <a:ea typeface="Courier" charset="0"/>
+                <a:cs typeface="Courier" charset="0"/>
+              </a:rPr>
+              <a:t>}</a:t>
+            </a:r>
+          </a:p>
+          <a:p>
+            <a:r>
+              <a:rPr lang="en-US" b="1" dirty="0">
+                <a:solidFill>
+                  <a:srgbClr val="000000"/>
+                </a:solidFill>
+                <a:latin typeface="Courier" charset="0"/>
+                <a:ea typeface="Courier" charset="0"/>
+                <a:cs typeface="Courier" charset="0"/>
+              </a:rPr>
+              <a:t>        </a:t>
+            </a:r>
+            <a:r>
+              <a:rPr lang="en-US" b="1" dirty="0">
+                <a:solidFill>
+                  <a:srgbClr val="C1651C"/>
+                </a:solidFill>
+                <a:latin typeface="Courier" charset="0"/>
+                <a:ea typeface="Courier" charset="0"/>
+                <a:cs typeface="Courier" charset="0"/>
+              </a:rPr>
+              <a:t>return</a:t>
+            </a:r>
+            <a:r>
+              <a:rPr lang="en-US" b="1" dirty="0">
+                <a:solidFill>
+                  <a:srgbClr val="000000"/>
+                </a:solidFill>
+                <a:latin typeface="Courier" charset="0"/>
+                <a:ea typeface="Courier" charset="0"/>
+                <a:cs typeface="Courier" charset="0"/>
+              </a:rPr>
+              <a:t> render(request, </a:t>
+            </a:r>
+            <a:r>
+              <a:rPr lang="en-US" b="1" dirty="0">
+                <a:solidFill>
+                  <a:srgbClr val="B42419"/>
+                </a:solidFill>
+                <a:latin typeface="Courier" charset="0"/>
+                <a:ea typeface="Courier" charset="0"/>
+                <a:cs typeface="Courier" charset="0"/>
+              </a:rPr>
+              <a:t>'</a:t>
+            </a:r>
+            <a:r>
+              <a:rPr lang="en-US" b="1" dirty="0" err="1">
+                <a:solidFill>
+                  <a:srgbClr val="B42419"/>
+                </a:solidFill>
+                <a:latin typeface="Courier" charset="0"/>
+                <a:ea typeface="Courier" charset="0"/>
+                <a:cs typeface="Courier" charset="0"/>
+              </a:rPr>
+              <a:t>form.html</a:t>
+            </a:r>
+            <a:r>
+              <a:rPr lang="en-US" b="1" dirty="0">
+                <a:solidFill>
+                  <a:srgbClr val="B42419"/>
+                </a:solidFill>
+                <a:latin typeface="Courier" charset="0"/>
+                <a:ea typeface="Courier" charset="0"/>
+                <a:cs typeface="Courier" charset="0"/>
+              </a:rPr>
+              <a:t>'</a:t>
+            </a:r>
+            <a:r>
+              <a:rPr lang="en-US" b="1" dirty="0">
+                <a:solidFill>
+                  <a:srgbClr val="000000"/>
+                </a:solidFill>
+                <a:latin typeface="Courier" charset="0"/>
+                <a:ea typeface="Courier" charset="0"/>
+                <a:cs typeface="Courier" charset="0"/>
+              </a:rPr>
+              <a:t>, </a:t>
+            </a:r>
+            <a:r>
+              <a:rPr lang="en-US" b="1" dirty="0" err="1">
+                <a:solidFill>
+                  <a:srgbClr val="000000"/>
+                </a:solidFill>
+                <a:latin typeface="Courier" charset="0"/>
+                <a:ea typeface="Courier" charset="0"/>
+                <a:cs typeface="Courier" charset="0"/>
+              </a:rPr>
+              <a:t>ctx</a:t>
+            </a:r>
+            <a:r>
+              <a:rPr lang="en-US" b="1" dirty="0">
+                <a:solidFill>
+                  <a:srgbClr val="000000"/>
+                </a:solidFill>
+                <a:latin typeface="Courier" charset="0"/>
+                <a:ea typeface="Courier" charset="0"/>
+                <a:cs typeface="Courier" charset="0"/>
+              </a:rPr>
+              <a:t>)</a:t>
+            </a:r>
+          </a:p>
+          <a:p>
+            <a:endParaRPr lang="en-US" b="1" dirty="0">
+              <a:solidFill>
+                <a:srgbClr val="000000"/>
+              </a:solidFill>
+              <a:latin typeface="Courier" charset="0"/>
+              <a:ea typeface="Courier" charset="0"/>
+              <a:cs typeface="Courier" charset="0"/>
+            </a:endParaRPr>
+          </a:p>
+          <a:p>
+            <a:r>
+              <a:rPr lang="en-US" b="1" dirty="0">
+                <a:solidFill>
+                  <a:srgbClr val="000000"/>
+                </a:solidFill>
+                <a:latin typeface="Courier" charset="0"/>
+                <a:ea typeface="Courier" charset="0"/>
+                <a:cs typeface="Courier" charset="0"/>
+              </a:rPr>
+              <a:t>    </a:t>
+            </a:r>
+            <a:r>
+              <a:rPr lang="en-US" b="1" dirty="0" err="1">
+                <a:solidFill>
+                  <a:srgbClr val="C1651C"/>
+                </a:solidFill>
+                <a:latin typeface="Courier" charset="0"/>
+                <a:ea typeface="Courier" charset="0"/>
+                <a:cs typeface="Courier" charset="0"/>
+              </a:rPr>
+              <a:t>def</a:t>
+            </a:r>
+            <a:r>
+              <a:rPr lang="en-US" b="1" dirty="0">
+                <a:solidFill>
+                  <a:srgbClr val="000000"/>
+                </a:solidFill>
+                <a:latin typeface="Courier" charset="0"/>
+                <a:ea typeface="Courier" charset="0"/>
+                <a:cs typeface="Courier" charset="0"/>
+              </a:rPr>
+              <a:t> </a:t>
+            </a:r>
+            <a:r>
+              <a:rPr lang="en-US" b="1" dirty="0">
+                <a:solidFill>
+                  <a:srgbClr val="2EAEBB"/>
+                </a:solidFill>
+                <a:latin typeface="Courier" charset="0"/>
+                <a:ea typeface="Courier" charset="0"/>
+                <a:cs typeface="Courier" charset="0"/>
+              </a:rPr>
+              <a:t>post</a:t>
+            </a:r>
+            <a:r>
+              <a:rPr lang="en-US" b="1" dirty="0">
+                <a:solidFill>
+                  <a:srgbClr val="000000"/>
+                </a:solidFill>
+                <a:latin typeface="Courier" charset="0"/>
+                <a:ea typeface="Courier" charset="0"/>
+                <a:cs typeface="Courier" charset="0"/>
+              </a:rPr>
+              <a:t>(self, request) :</a:t>
+            </a:r>
+          </a:p>
+          <a:p>
+            <a:r>
+              <a:rPr lang="en-US" b="1" dirty="0">
+                <a:solidFill>
+                  <a:srgbClr val="000000"/>
+                </a:solidFill>
+                <a:latin typeface="Courier" charset="0"/>
+                <a:ea typeface="Courier" charset="0"/>
+                <a:cs typeface="Courier" charset="0"/>
+              </a:rPr>
+              <a:t>        form = </a:t>
+            </a:r>
+            <a:r>
+              <a:rPr lang="en-US" b="1" dirty="0" err="1">
+                <a:solidFill>
+                  <a:srgbClr val="000000"/>
+                </a:solidFill>
+                <a:latin typeface="Courier" charset="0"/>
+                <a:ea typeface="Courier" charset="0"/>
+                <a:cs typeface="Courier" charset="0"/>
+              </a:rPr>
+              <a:t>BasicForm</a:t>
+            </a:r>
+            <a:r>
+              <a:rPr lang="en-US" b="1" dirty="0">
+                <a:solidFill>
+                  <a:srgbClr val="000000"/>
+                </a:solidFill>
+                <a:latin typeface="Courier" charset="0"/>
+                <a:ea typeface="Courier" charset="0"/>
+                <a:cs typeface="Courier" charset="0"/>
+              </a:rPr>
+              <a:t>(</a:t>
+            </a:r>
+            <a:r>
+              <a:rPr lang="en-US" b="1" dirty="0" err="1">
+                <a:solidFill>
+                  <a:srgbClr val="000000"/>
+                </a:solidFill>
+                <a:latin typeface="Courier" charset="0"/>
+                <a:ea typeface="Courier" charset="0"/>
+                <a:cs typeface="Courier" charset="0"/>
+              </a:rPr>
+              <a:t>request.POST</a:t>
+            </a:r>
+            <a:r>
+              <a:rPr lang="en-US" b="1" dirty="0">
+                <a:solidFill>
+                  <a:srgbClr val="000000"/>
+                </a:solidFill>
+                <a:latin typeface="Courier" charset="0"/>
+                <a:ea typeface="Courier" charset="0"/>
+                <a:cs typeface="Courier" charset="0"/>
+              </a:rPr>
+              <a:t>)</a:t>
+            </a:r>
+          </a:p>
+          <a:p>
+            <a:r>
+              <a:rPr lang="en-US" b="1" dirty="0">
+                <a:solidFill>
+                  <a:srgbClr val="000000"/>
+                </a:solidFill>
+                <a:latin typeface="Courier" charset="0"/>
+                <a:ea typeface="Courier" charset="0"/>
+                <a:cs typeface="Courier" charset="0"/>
+              </a:rPr>
+              <a:t>        </a:t>
+            </a:r>
+            <a:r>
+              <a:rPr lang="en-US" b="1" dirty="0">
+                <a:solidFill>
+                  <a:srgbClr val="C1651C"/>
+                </a:solidFill>
+                <a:latin typeface="Courier" charset="0"/>
+                <a:ea typeface="Courier" charset="0"/>
+                <a:cs typeface="Courier" charset="0"/>
+              </a:rPr>
+              <a:t>if</a:t>
+            </a:r>
+            <a:r>
+              <a:rPr lang="en-US" b="1" dirty="0">
+                <a:solidFill>
+                  <a:srgbClr val="000000"/>
+                </a:solidFill>
+                <a:latin typeface="Courier" charset="0"/>
+                <a:ea typeface="Courier" charset="0"/>
+                <a:cs typeface="Courier" charset="0"/>
+              </a:rPr>
+              <a:t> </a:t>
+            </a:r>
+            <a:r>
+              <a:rPr lang="en-US" b="1" dirty="0">
+                <a:solidFill>
+                  <a:srgbClr val="C1651C"/>
+                </a:solidFill>
+                <a:latin typeface="Courier" charset="0"/>
+                <a:ea typeface="Courier" charset="0"/>
+                <a:cs typeface="Courier" charset="0"/>
+              </a:rPr>
+              <a:t>not</a:t>
+            </a:r>
+            <a:r>
+              <a:rPr lang="en-US" b="1" dirty="0">
+                <a:solidFill>
+                  <a:srgbClr val="000000"/>
+                </a:solidFill>
+                <a:latin typeface="Courier" charset="0"/>
+                <a:ea typeface="Courier" charset="0"/>
+                <a:cs typeface="Courier" charset="0"/>
+              </a:rPr>
+              <a:t> </a:t>
+            </a:r>
+            <a:r>
+              <a:rPr lang="en-US" b="1" dirty="0" err="1">
+                <a:solidFill>
+                  <a:srgbClr val="000000"/>
+                </a:solidFill>
+                <a:latin typeface="Courier" charset="0"/>
+                <a:ea typeface="Courier" charset="0"/>
+                <a:cs typeface="Courier" charset="0"/>
+              </a:rPr>
+              <a:t>form.is_valid</a:t>
+            </a:r>
+            <a:r>
+              <a:rPr lang="en-US" b="1" dirty="0">
+                <a:solidFill>
+                  <a:srgbClr val="000000"/>
+                </a:solidFill>
+                <a:latin typeface="Courier" charset="0"/>
+                <a:ea typeface="Courier" charset="0"/>
+                <a:cs typeface="Courier" charset="0"/>
+              </a:rPr>
+              <a:t>() :</a:t>
+            </a:r>
+          </a:p>
+          <a:p>
+            <a:r>
+              <a:rPr lang="mr-IN" b="1" dirty="0">
+                <a:solidFill>
+                  <a:srgbClr val="000000"/>
+                </a:solidFill>
+                <a:latin typeface="Courier" charset="0"/>
+                <a:ea typeface="Courier" charset="0"/>
+                <a:cs typeface="Courier" charset="0"/>
+              </a:rPr>
+              <a:t>            </a:t>
+            </a:r>
+            <a:r>
+              <a:rPr lang="mr-IN" b="1" dirty="0" err="1">
+                <a:solidFill>
+                  <a:srgbClr val="000000"/>
+                </a:solidFill>
+                <a:latin typeface="Courier" charset="0"/>
+                <a:ea typeface="Courier" charset="0"/>
+                <a:cs typeface="Courier" charset="0"/>
+              </a:rPr>
+              <a:t>ctx</a:t>
+            </a:r>
+            <a:r>
+              <a:rPr lang="mr-IN" b="1" dirty="0">
+                <a:solidFill>
+                  <a:srgbClr val="000000"/>
+                </a:solidFill>
+                <a:latin typeface="Courier" charset="0"/>
+                <a:ea typeface="Courier" charset="0"/>
+                <a:cs typeface="Courier" charset="0"/>
+              </a:rPr>
+              <a:t> = {</a:t>
+            </a:r>
+            <a:r>
+              <a:rPr lang="mr-IN" b="1" dirty="0">
+                <a:solidFill>
+                  <a:srgbClr val="B42419"/>
+                </a:solidFill>
+                <a:latin typeface="Courier" charset="0"/>
+                <a:ea typeface="Courier" charset="0"/>
+                <a:cs typeface="Courier" charset="0"/>
+              </a:rPr>
+              <a:t>'</a:t>
+            </a:r>
+            <a:r>
+              <a:rPr lang="mr-IN" b="1" dirty="0" err="1">
+                <a:solidFill>
+                  <a:srgbClr val="B42419"/>
+                </a:solidFill>
+                <a:latin typeface="Courier" charset="0"/>
+                <a:ea typeface="Courier" charset="0"/>
+                <a:cs typeface="Courier" charset="0"/>
+              </a:rPr>
+              <a:t>form</a:t>
+            </a:r>
+            <a:r>
+              <a:rPr lang="mr-IN" b="1" dirty="0">
+                <a:solidFill>
+                  <a:srgbClr val="B42419"/>
+                </a:solidFill>
+                <a:latin typeface="Courier" charset="0"/>
+                <a:ea typeface="Courier" charset="0"/>
+                <a:cs typeface="Courier" charset="0"/>
+              </a:rPr>
+              <a:t>'</a:t>
+            </a:r>
+            <a:r>
+              <a:rPr lang="mr-IN" b="1" dirty="0">
+                <a:solidFill>
+                  <a:srgbClr val="000000"/>
+                </a:solidFill>
+                <a:latin typeface="Courier" charset="0"/>
+                <a:ea typeface="Courier" charset="0"/>
+                <a:cs typeface="Courier" charset="0"/>
+              </a:rPr>
+              <a:t> : </a:t>
+            </a:r>
+            <a:r>
+              <a:rPr lang="mr-IN" b="1" dirty="0" err="1">
+                <a:solidFill>
+                  <a:srgbClr val="000000"/>
+                </a:solidFill>
+                <a:latin typeface="Courier" charset="0"/>
+                <a:ea typeface="Courier" charset="0"/>
+                <a:cs typeface="Courier" charset="0"/>
+              </a:rPr>
+              <a:t>form</a:t>
+            </a:r>
+            <a:r>
+              <a:rPr lang="mr-IN" b="1" dirty="0">
+                <a:solidFill>
+                  <a:srgbClr val="000000"/>
+                </a:solidFill>
+                <a:latin typeface="Courier" charset="0"/>
+                <a:ea typeface="Courier" charset="0"/>
+                <a:cs typeface="Courier" charset="0"/>
+              </a:rPr>
+              <a:t>}</a:t>
+            </a:r>
+          </a:p>
+          <a:p>
+            <a:r>
+              <a:rPr lang="en-US" b="1" dirty="0">
+                <a:solidFill>
+                  <a:srgbClr val="000000"/>
+                </a:solidFill>
+                <a:latin typeface="Courier" charset="0"/>
+                <a:ea typeface="Courier" charset="0"/>
+                <a:cs typeface="Courier" charset="0"/>
+              </a:rPr>
+              <a:t>            </a:t>
+            </a:r>
+            <a:r>
+              <a:rPr lang="en-US" b="1" dirty="0">
+                <a:solidFill>
+                  <a:srgbClr val="C1651C"/>
+                </a:solidFill>
+                <a:latin typeface="Courier" charset="0"/>
+                <a:ea typeface="Courier" charset="0"/>
+                <a:cs typeface="Courier" charset="0"/>
+              </a:rPr>
+              <a:t>return</a:t>
+            </a:r>
+            <a:r>
+              <a:rPr lang="en-US" b="1" dirty="0">
+                <a:solidFill>
+                  <a:srgbClr val="000000"/>
+                </a:solidFill>
+                <a:latin typeface="Courier" charset="0"/>
+                <a:ea typeface="Courier" charset="0"/>
+                <a:cs typeface="Courier" charset="0"/>
+              </a:rPr>
+              <a:t> render(request, </a:t>
+            </a:r>
+            <a:r>
+              <a:rPr lang="en-US" b="1" dirty="0">
+                <a:solidFill>
+                  <a:srgbClr val="B42419"/>
+                </a:solidFill>
+                <a:latin typeface="Courier" charset="0"/>
+                <a:ea typeface="Courier" charset="0"/>
+                <a:cs typeface="Courier" charset="0"/>
+              </a:rPr>
+              <a:t>'</a:t>
+            </a:r>
+            <a:r>
+              <a:rPr lang="en-US" b="1" dirty="0" err="1">
+                <a:solidFill>
+                  <a:srgbClr val="B42419"/>
+                </a:solidFill>
+                <a:latin typeface="Courier" charset="0"/>
+                <a:ea typeface="Courier" charset="0"/>
+                <a:cs typeface="Courier" charset="0"/>
+              </a:rPr>
+              <a:t>form.html</a:t>
+            </a:r>
+            <a:r>
+              <a:rPr lang="en-US" b="1" dirty="0">
+                <a:solidFill>
+                  <a:srgbClr val="B42419"/>
+                </a:solidFill>
+                <a:latin typeface="Courier" charset="0"/>
+                <a:ea typeface="Courier" charset="0"/>
+                <a:cs typeface="Courier" charset="0"/>
+              </a:rPr>
+              <a:t>'</a:t>
+            </a:r>
+            <a:r>
+              <a:rPr lang="en-US" b="1" dirty="0">
+                <a:solidFill>
+                  <a:srgbClr val="000000"/>
+                </a:solidFill>
+                <a:latin typeface="Courier" charset="0"/>
+                <a:ea typeface="Courier" charset="0"/>
+                <a:cs typeface="Courier" charset="0"/>
+              </a:rPr>
+              <a:t>, </a:t>
+            </a:r>
+            <a:r>
+              <a:rPr lang="en-US" b="1" dirty="0" err="1">
+                <a:solidFill>
+                  <a:srgbClr val="000000"/>
+                </a:solidFill>
+                <a:latin typeface="Courier" charset="0"/>
+                <a:ea typeface="Courier" charset="0"/>
+                <a:cs typeface="Courier" charset="0"/>
+              </a:rPr>
+              <a:t>ctx</a:t>
+            </a:r>
+            <a:r>
+              <a:rPr lang="en-US" b="1" dirty="0">
+                <a:solidFill>
+                  <a:srgbClr val="000000"/>
+                </a:solidFill>
+                <a:latin typeface="Courier" charset="0"/>
+                <a:ea typeface="Courier" charset="0"/>
+                <a:cs typeface="Courier" charset="0"/>
+              </a:rPr>
+              <a:t>)</a:t>
+            </a:r>
+          </a:p>
+          <a:p>
+            <a:r>
+              <a:rPr lang="en-US" b="1" dirty="0">
+                <a:solidFill>
+                  <a:srgbClr val="000000"/>
+                </a:solidFill>
+                <a:latin typeface="Courier" charset="0"/>
+                <a:ea typeface="Courier" charset="0"/>
+                <a:cs typeface="Courier" charset="0"/>
+              </a:rPr>
+              <a:t> </a:t>
+            </a:r>
+            <a:r>
+              <a:rPr lang="en-US" b="1" dirty="0" smtClean="0">
+                <a:solidFill>
+                  <a:srgbClr val="000000"/>
+                </a:solidFill>
+                <a:latin typeface="Courier" charset="0"/>
+                <a:ea typeface="Courier" charset="0"/>
+                <a:cs typeface="Courier" charset="0"/>
+              </a:rPr>
+              <a:t>       </a:t>
+            </a:r>
+            <a:r>
+              <a:rPr lang="en-US" b="1" dirty="0" smtClean="0">
+                <a:solidFill>
+                  <a:srgbClr val="C1651C"/>
+                </a:solidFill>
+                <a:latin typeface="Courier" charset="0"/>
+                <a:ea typeface="Courier" charset="0"/>
+                <a:cs typeface="Courier" charset="0"/>
+              </a:rPr>
+              <a:t>return</a:t>
+            </a:r>
+            <a:r>
+              <a:rPr lang="en-US" b="1" dirty="0" smtClean="0">
+                <a:solidFill>
+                  <a:srgbClr val="000000"/>
+                </a:solidFill>
+                <a:latin typeface="Courier" charset="0"/>
+                <a:ea typeface="Courier" charset="0"/>
+                <a:cs typeface="Courier" charset="0"/>
+              </a:rPr>
+              <a:t> </a:t>
+            </a:r>
+            <a:r>
+              <a:rPr lang="en-US" b="1" dirty="0">
+                <a:solidFill>
+                  <a:srgbClr val="000000"/>
+                </a:solidFill>
+                <a:latin typeface="Courier" charset="0"/>
+                <a:ea typeface="Courier" charset="0"/>
+                <a:cs typeface="Courier" charset="0"/>
+              </a:rPr>
+              <a:t>redirect(</a:t>
+            </a:r>
+            <a:r>
+              <a:rPr lang="en-US" b="1" dirty="0">
+                <a:solidFill>
+                  <a:srgbClr val="B42419"/>
+                </a:solidFill>
+                <a:latin typeface="Courier" charset="0"/>
+                <a:ea typeface="Courier" charset="0"/>
+                <a:cs typeface="Courier" charset="0"/>
+              </a:rPr>
+              <a:t>'/form/success'</a:t>
+            </a:r>
+            <a:r>
+              <a:rPr lang="en-US" b="1" dirty="0">
+                <a:solidFill>
+                  <a:srgbClr val="000000"/>
+                </a:solidFill>
+                <a:latin typeface="Courier" charset="0"/>
+                <a:ea typeface="Courier" charset="0"/>
+                <a:cs typeface="Courier" charset="0"/>
+              </a:rPr>
+              <a:t>)</a:t>
+            </a:r>
+          </a:p>
+          <a:p>
+            <a:endParaRPr lang="en-US" b="1" dirty="0">
+              <a:solidFill>
+                <a:srgbClr val="000000"/>
+              </a:solidFill>
+              <a:latin typeface="Courier" charset="0"/>
+              <a:ea typeface="Courier" charset="0"/>
+              <a:cs typeface="Courier" charset="0"/>
+            </a:endParaRPr>
+          </a:p>
+          <a:p>
+            <a:r>
+              <a:rPr lang="en-US" b="1" dirty="0" err="1">
+                <a:solidFill>
+                  <a:srgbClr val="C1651C"/>
+                </a:solidFill>
+                <a:latin typeface="Courier" charset="0"/>
+                <a:ea typeface="Courier" charset="0"/>
+                <a:cs typeface="Courier" charset="0"/>
+              </a:rPr>
+              <a:t>def</a:t>
+            </a:r>
+            <a:r>
+              <a:rPr lang="en-US" b="1" dirty="0">
+                <a:solidFill>
+                  <a:srgbClr val="000000"/>
+                </a:solidFill>
+                <a:latin typeface="Courier" charset="0"/>
+                <a:ea typeface="Courier" charset="0"/>
+                <a:cs typeface="Courier" charset="0"/>
+              </a:rPr>
+              <a:t> </a:t>
+            </a:r>
+            <a:r>
+              <a:rPr lang="en-US" b="1" dirty="0">
+                <a:solidFill>
+                  <a:srgbClr val="2EAEBB"/>
+                </a:solidFill>
+                <a:latin typeface="Courier" charset="0"/>
+                <a:ea typeface="Courier" charset="0"/>
+                <a:cs typeface="Courier" charset="0"/>
+              </a:rPr>
+              <a:t>success</a:t>
+            </a:r>
+            <a:r>
+              <a:rPr lang="en-US" b="1" dirty="0">
+                <a:solidFill>
+                  <a:srgbClr val="000000"/>
+                </a:solidFill>
+                <a:latin typeface="Courier" charset="0"/>
+                <a:ea typeface="Courier" charset="0"/>
+                <a:cs typeface="Courier" charset="0"/>
+              </a:rPr>
+              <a:t>(request) :</a:t>
+            </a:r>
+          </a:p>
+          <a:p>
+            <a:r>
+              <a:rPr lang="en-US" b="1" dirty="0">
+                <a:solidFill>
+                  <a:srgbClr val="000000"/>
+                </a:solidFill>
+                <a:latin typeface="Courier" charset="0"/>
+                <a:ea typeface="Courier" charset="0"/>
+                <a:cs typeface="Courier" charset="0"/>
+              </a:rPr>
+              <a:t>    </a:t>
+            </a:r>
+            <a:r>
+              <a:rPr lang="en-US" b="1" dirty="0">
+                <a:solidFill>
+                  <a:srgbClr val="C1651C"/>
+                </a:solidFill>
+                <a:latin typeface="Courier" charset="0"/>
+                <a:ea typeface="Courier" charset="0"/>
+                <a:cs typeface="Courier" charset="0"/>
+              </a:rPr>
+              <a:t>return</a:t>
+            </a:r>
+            <a:r>
+              <a:rPr lang="en-US" b="1" dirty="0">
+                <a:solidFill>
+                  <a:srgbClr val="000000"/>
+                </a:solidFill>
+                <a:latin typeface="Courier" charset="0"/>
+                <a:ea typeface="Courier" charset="0"/>
+                <a:cs typeface="Courier" charset="0"/>
+              </a:rPr>
+              <a:t> </a:t>
+            </a:r>
+            <a:r>
+              <a:rPr lang="en-US" b="1" dirty="0" err="1">
+                <a:solidFill>
+                  <a:srgbClr val="000000"/>
+                </a:solidFill>
+                <a:latin typeface="Courier" charset="0"/>
+                <a:ea typeface="Courier" charset="0"/>
+                <a:cs typeface="Courier" charset="0"/>
+              </a:rPr>
+              <a:t>HttpResponse</a:t>
+            </a:r>
+            <a:r>
+              <a:rPr lang="en-US" b="1" dirty="0">
+                <a:solidFill>
+                  <a:srgbClr val="000000"/>
+                </a:solidFill>
+                <a:latin typeface="Courier" charset="0"/>
+                <a:ea typeface="Courier" charset="0"/>
+                <a:cs typeface="Courier" charset="0"/>
+              </a:rPr>
+              <a:t>(</a:t>
+            </a:r>
+            <a:r>
+              <a:rPr lang="en-US" b="1" dirty="0">
+                <a:solidFill>
+                  <a:srgbClr val="B42419"/>
+                </a:solidFill>
+                <a:latin typeface="Courier" charset="0"/>
+                <a:ea typeface="Courier" charset="0"/>
+                <a:cs typeface="Courier" charset="0"/>
+              </a:rPr>
+              <a:t>'Thank you!'</a:t>
+            </a:r>
+            <a:r>
+              <a:rPr lang="en-US" b="1" dirty="0">
+                <a:solidFill>
+                  <a:srgbClr val="000000"/>
+                </a:solidFill>
+                <a:latin typeface="Courier" charset="0"/>
+                <a:ea typeface="Courier" charset="0"/>
+                <a:cs typeface="Courier" charset="0"/>
+              </a:rPr>
+              <a:t>)</a:t>
+            </a:r>
+            <a:endParaRPr lang="en-US" b="1" dirty="0">
+              <a:latin typeface="Courier" charset="0"/>
+              <a:ea typeface="Courier" charset="0"/>
+              <a:cs typeface="Courier" charset="0"/>
+            </a:endParaRPr>
+          </a:p>
+        </p:txBody>
+      </p:sp>
+      <p:cxnSp>
+        <p:nvCxnSpPr>
+          <p:cNvPr id="11" name="Straight Arrow Connector 10"/>
+          <p:cNvCxnSpPr/>
+          <p:nvPr/>
+        </p:nvCxnSpPr>
+        <p:spPr>
+          <a:xfrm flipH="1" flipV="1">
+            <a:off x="3612208" y="2982119"/>
+            <a:ext cx="2231382" cy="404019"/>
+          </a:xfrm>
+          <a:prstGeom prst="straightConnector1">
+            <a:avLst/>
+          </a:prstGeom>
+          <a:ln w="57150">
+            <a:solidFill>
+              <a:schemeClr val="accent1"/>
+            </a:solidFill>
+            <a:tailEnd type="triangle"/>
+          </a:ln>
+        </p:spPr>
+        <p:style>
+          <a:lnRef idx="1">
+            <a:schemeClr val="accent1"/>
+          </a:lnRef>
+          <a:fillRef idx="0">
+            <a:schemeClr val="accent1"/>
+          </a:fillRef>
+          <a:effectRef idx="0">
+            <a:schemeClr val="accent1"/>
+          </a:effectRef>
+          <a:fontRef idx="minor">
+            <a:schemeClr val="tx1"/>
+          </a:fontRef>
+        </p:style>
+      </p:cxnSp>
+      <p:cxnSp>
+        <p:nvCxnSpPr>
+          <p:cNvPr id="3" name="Straight Arrow Connector 2"/>
+          <p:cNvCxnSpPr/>
+          <p:nvPr/>
+        </p:nvCxnSpPr>
+        <p:spPr>
+          <a:xfrm>
+            <a:off x="1871663" y="328614"/>
+            <a:ext cx="3314700" cy="914399"/>
+          </a:xfrm>
+          <a:prstGeom prst="straightConnector1">
+            <a:avLst/>
+          </a:prstGeom>
+          <a:ln w="57150">
+            <a:solidFill>
+              <a:schemeClr val="accent1"/>
+            </a:solidFill>
+            <a:tailEnd type="triangle"/>
+          </a:ln>
+        </p:spPr>
+        <p:style>
+          <a:lnRef idx="1">
+            <a:schemeClr val="accent1"/>
+          </a:lnRef>
+          <a:fillRef idx="0">
+            <a:schemeClr val="accent1"/>
+          </a:fillRef>
+          <a:effectRef idx="0">
+            <a:schemeClr val="accent1"/>
+          </a:effectRef>
+          <a:fontRef idx="minor">
+            <a:schemeClr val="tx1"/>
+          </a:fontRef>
+        </p:style>
+      </p:cxnSp>
+      <p:sp>
+        <p:nvSpPr>
+          <p:cNvPr id="4" name="Rounded Rectangle 3"/>
+          <p:cNvSpPr/>
+          <p:nvPr/>
+        </p:nvSpPr>
+        <p:spPr>
+          <a:xfrm>
+            <a:off x="3036094" y="500064"/>
+            <a:ext cx="985838" cy="500061"/>
+          </a:xfrm>
+          <a:prstGeom prst="roundRect">
+            <a:avLst/>
+          </a:prstGeom>
+          <a:solidFill>
+            <a:schemeClr val="accent1"/>
+          </a:solidFill>
+          <a:ln>
+            <a:solidFill>
+              <a:schemeClr val="accent1"/>
+            </a:solidFill>
+          </a:ln>
+        </p:spPr>
+        <p:style>
+          <a:lnRef idx="2">
+            <a:schemeClr val="accent1">
+              <a:shade val="50000"/>
+            </a:schemeClr>
+          </a:lnRef>
+          <a:fillRef idx="1">
+            <a:schemeClr val="accent1"/>
+          </a:fillRef>
+          <a:effectRef idx="0">
+            <a:schemeClr val="accent1"/>
+          </a:effectRef>
+          <a:fontRef idx="minor">
+            <a:schemeClr val="lt1"/>
+          </a:fontRef>
+        </p:style>
+        <p:txBody>
+          <a:bodyPr rtlCol="0" anchor="ctr"/>
+          <a:lstStyle/>
+          <a:p>
+            <a:pPr algn="ctr"/>
+            <a:r>
+              <a:rPr lang="en-US" smtClean="0">
+                <a:solidFill>
+                  <a:schemeClr val="tx1"/>
+                </a:solidFill>
+              </a:rPr>
+              <a:t>GET</a:t>
+            </a:r>
+            <a:endParaRPr lang="en-US">
+              <a:solidFill>
+                <a:schemeClr val="tx1"/>
+              </a:solidFill>
+            </a:endParaRPr>
+          </a:p>
+        </p:txBody>
+      </p:sp>
+      <p:sp>
+        <p:nvSpPr>
+          <p:cNvPr id="20" name="Rounded Rectangle 19"/>
+          <p:cNvSpPr/>
+          <p:nvPr/>
+        </p:nvSpPr>
+        <p:spPr>
+          <a:xfrm>
+            <a:off x="4407694" y="2974975"/>
+            <a:ext cx="985838" cy="500061"/>
+          </a:xfrm>
+          <a:prstGeom prst="roundRect">
+            <a:avLst/>
+          </a:prstGeom>
+          <a:solidFill>
+            <a:schemeClr val="accent1"/>
+          </a:solidFill>
+          <a:ln>
+            <a:solidFill>
+              <a:schemeClr val="accent1"/>
+            </a:solidFill>
+          </a:ln>
+        </p:spPr>
+        <p:style>
+          <a:lnRef idx="2">
+            <a:schemeClr val="accent1">
+              <a:shade val="50000"/>
+            </a:schemeClr>
+          </a:lnRef>
+          <a:fillRef idx="1">
+            <a:schemeClr val="accent1"/>
+          </a:fillRef>
+          <a:effectRef idx="0">
+            <a:schemeClr val="accent1"/>
+          </a:effectRef>
+          <a:fontRef idx="minor">
+            <a:schemeClr val="lt1"/>
+          </a:fontRef>
+        </p:style>
+        <p:txBody>
+          <a:bodyPr rtlCol="0" anchor="ctr"/>
+          <a:lstStyle/>
+          <a:p>
+            <a:pPr algn="ctr"/>
+            <a:r>
+              <a:rPr lang="en-US" dirty="0" smtClean="0">
+                <a:solidFill>
+                  <a:schemeClr val="tx1"/>
+                </a:solidFill>
+              </a:rPr>
+              <a:t>200</a:t>
+            </a:r>
+            <a:endParaRPr lang="en-US" dirty="0">
+              <a:solidFill>
+                <a:schemeClr val="tx1"/>
+              </a:solidFill>
+            </a:endParaRPr>
+          </a:p>
+        </p:txBody>
+      </p:sp>
+    </p:spTree>
+    <p:extLst>
+      <p:ext uri="{BB962C8B-B14F-4D97-AF65-F5344CB8AC3E}">
+        <p14:creationId xmlns:p14="http://schemas.microsoft.com/office/powerpoint/2010/main" val="1567798648"/>
+      </p:ext>
+    </p:extLst>
+  </p:cSld>
+  <p:clrMapOvr>
+    <a:masterClrMapping/>
+  </p:clrMapOvr>
+</p:sld>
+</file>
+
+<file path=ppt/slides/slide25.xml><?xml version="1.0" encoding="utf-8"?>
+<p:sld xmlns:a="http://schemas.openxmlformats.org/drawingml/2006/main" xmlns:r="http://schemas.openxmlformats.org/officeDocument/2006/relationships" xmlns:p="http://schemas.openxmlformats.org/presentationml/2006/main">
+  <p:cSld>
+    <p:spTree>
+      <p:nvGrpSpPr>
+        <p:cNvPr id="1" name=""/>
+        <p:cNvGrpSpPr/>
+        <p:nvPr/>
+      </p:nvGrpSpPr>
+      <p:grpSpPr>
+        <a:xfrm>
+          <a:off x="0" y="0"/>
+          <a:ext cx="0" cy="0"/>
+          <a:chOff x="0" y="0"/>
+          <a:chExt cx="0" cy="0"/>
+        </a:xfrm>
+      </p:grpSpPr>
+      <p:pic>
+        <p:nvPicPr>
+          <p:cNvPr id="32" name="Picture 31"/>
+          <p:cNvPicPr>
+            <a:picLocks noChangeAspect="1"/>
+          </p:cNvPicPr>
+          <p:nvPr/>
+        </p:nvPicPr>
+        <p:blipFill>
+          <a:blip r:embed="rId2">
+            <a:extLst>
+              <a:ext uri="{28A0092B-C50C-407E-A947-70E740481C1C}">
+                <a14:useLocalDpi xmlns:a14="http://schemas.microsoft.com/office/drawing/2010/main" val="0"/>
+              </a:ext>
+            </a:extLst>
+          </a:blip>
+          <a:stretch>
+            <a:fillRect/>
+          </a:stretch>
+        </p:blipFill>
+        <p:spPr>
+          <a:xfrm>
+            <a:off x="-158504" y="3086030"/>
+            <a:ext cx="6794500" cy="3987800"/>
+          </a:xfrm>
+          <a:prstGeom prst="rect">
+            <a:avLst/>
+          </a:prstGeom>
+        </p:spPr>
+      </p:pic>
+      <p:pic>
+        <p:nvPicPr>
+          <p:cNvPr id="9" name="Picture 8"/>
+          <p:cNvPicPr>
+            <a:picLocks noChangeAspect="1"/>
+          </p:cNvPicPr>
+          <p:nvPr/>
+        </p:nvPicPr>
+        <p:blipFill>
+          <a:blip r:embed="rId3">
+            <a:extLst>
+              <a:ext uri="{28A0092B-C50C-407E-A947-70E740481C1C}">
+                <a14:useLocalDpi xmlns:a14="http://schemas.microsoft.com/office/drawing/2010/main" val="0"/>
+              </a:ext>
+            </a:extLst>
+          </a:blip>
+          <a:stretch>
+            <a:fillRect/>
+          </a:stretch>
+        </p:blipFill>
+        <p:spPr>
+          <a:xfrm>
+            <a:off x="-215900" y="-159613"/>
+            <a:ext cx="6781800" cy="3949700"/>
+          </a:xfrm>
+          <a:prstGeom prst="rect">
+            <a:avLst/>
+          </a:prstGeom>
+        </p:spPr>
+      </p:pic>
+      <p:sp>
+        <p:nvSpPr>
+          <p:cNvPr id="31" name="TextBox 30"/>
+          <p:cNvSpPr txBox="1"/>
+          <p:nvPr/>
+        </p:nvSpPr>
+        <p:spPr>
+          <a:xfrm>
+            <a:off x="4702672" y="737462"/>
+            <a:ext cx="7353295" cy="5632311"/>
+          </a:xfrm>
+          <a:prstGeom prst="rect">
+            <a:avLst/>
+          </a:prstGeom>
+          <a:solidFill>
+            <a:schemeClr val="tx1"/>
+          </a:solidFill>
+          <a:ln w="38100">
+            <a:solidFill>
+              <a:schemeClr val="bg1"/>
+            </a:solidFill>
+          </a:ln>
+        </p:spPr>
+        <p:txBody>
+          <a:bodyPr wrap="none" rtlCol="0">
+            <a:spAutoFit/>
+          </a:bodyPr>
+          <a:lstStyle/>
+          <a:p>
+            <a:r>
+              <a:rPr lang="en-US" b="1" dirty="0">
+                <a:solidFill>
+                  <a:srgbClr val="C1651C"/>
+                </a:solidFill>
+                <a:latin typeface="Courier" charset="0"/>
+                <a:ea typeface="Courier" charset="0"/>
+                <a:cs typeface="Courier" charset="0"/>
+              </a:rPr>
+              <a:t>class</a:t>
+            </a:r>
+            <a:r>
+              <a:rPr lang="en-US" b="1" dirty="0">
+                <a:solidFill>
+                  <a:srgbClr val="000000"/>
+                </a:solidFill>
+                <a:latin typeface="Courier" charset="0"/>
+                <a:ea typeface="Courier" charset="0"/>
+                <a:cs typeface="Courier" charset="0"/>
+              </a:rPr>
+              <a:t> </a:t>
+            </a:r>
+            <a:r>
+              <a:rPr lang="en-US" b="1" dirty="0">
+                <a:solidFill>
+                  <a:srgbClr val="2EAEBB"/>
+                </a:solidFill>
+                <a:latin typeface="Courier" charset="0"/>
+                <a:ea typeface="Courier" charset="0"/>
+                <a:cs typeface="Courier" charset="0"/>
+              </a:rPr>
+              <a:t>Validate</a:t>
+            </a:r>
+            <a:r>
+              <a:rPr lang="en-US" b="1" dirty="0">
+                <a:solidFill>
+                  <a:srgbClr val="000000"/>
+                </a:solidFill>
+                <a:latin typeface="Courier" charset="0"/>
+                <a:ea typeface="Courier" charset="0"/>
+                <a:cs typeface="Courier" charset="0"/>
+              </a:rPr>
+              <a:t>(</a:t>
+            </a:r>
+            <a:r>
+              <a:rPr lang="en-US" b="1" dirty="0" err="1">
+                <a:solidFill>
+                  <a:srgbClr val="000000"/>
+                </a:solidFill>
+                <a:latin typeface="Courier" charset="0"/>
+                <a:ea typeface="Courier" charset="0"/>
+                <a:cs typeface="Courier" charset="0"/>
+              </a:rPr>
+              <a:t>DumpPostView</a:t>
+            </a:r>
+            <a:r>
+              <a:rPr lang="en-US" b="1" dirty="0">
+                <a:solidFill>
+                  <a:srgbClr val="000000"/>
+                </a:solidFill>
+                <a:latin typeface="Courier" charset="0"/>
+                <a:ea typeface="Courier" charset="0"/>
+                <a:cs typeface="Courier" charset="0"/>
+              </a:rPr>
+              <a:t>):</a:t>
+            </a:r>
+          </a:p>
+          <a:p>
+            <a:r>
+              <a:rPr lang="en-US" b="1" dirty="0">
+                <a:solidFill>
+                  <a:srgbClr val="000000"/>
+                </a:solidFill>
+                <a:latin typeface="Courier" charset="0"/>
+                <a:ea typeface="Courier" charset="0"/>
+                <a:cs typeface="Courier" charset="0"/>
+              </a:rPr>
+              <a:t>    </a:t>
+            </a:r>
+            <a:r>
+              <a:rPr lang="en-US" b="1" dirty="0" err="1">
+                <a:solidFill>
+                  <a:srgbClr val="C1651C"/>
+                </a:solidFill>
+                <a:latin typeface="Courier" charset="0"/>
+                <a:ea typeface="Courier" charset="0"/>
+                <a:cs typeface="Courier" charset="0"/>
+              </a:rPr>
+              <a:t>def</a:t>
+            </a:r>
+            <a:r>
+              <a:rPr lang="en-US" b="1" dirty="0">
+                <a:solidFill>
+                  <a:srgbClr val="000000"/>
+                </a:solidFill>
+                <a:latin typeface="Courier" charset="0"/>
+                <a:ea typeface="Courier" charset="0"/>
+                <a:cs typeface="Courier" charset="0"/>
+              </a:rPr>
+              <a:t> </a:t>
+            </a:r>
+            <a:r>
+              <a:rPr lang="en-US" b="1" dirty="0">
+                <a:solidFill>
+                  <a:srgbClr val="2EAEBB"/>
+                </a:solidFill>
+                <a:latin typeface="Courier" charset="0"/>
+                <a:ea typeface="Courier" charset="0"/>
+                <a:cs typeface="Courier" charset="0"/>
+              </a:rPr>
+              <a:t>get</a:t>
+            </a:r>
+            <a:r>
+              <a:rPr lang="en-US" b="1" dirty="0">
+                <a:solidFill>
+                  <a:srgbClr val="000000"/>
+                </a:solidFill>
+                <a:latin typeface="Courier" charset="0"/>
+                <a:ea typeface="Courier" charset="0"/>
+                <a:cs typeface="Courier" charset="0"/>
+              </a:rPr>
+              <a:t>(self, request) :</a:t>
+            </a:r>
+          </a:p>
+          <a:p>
+            <a:r>
+              <a:rPr lang="mr-IN" b="1" dirty="0">
+                <a:solidFill>
+                  <a:srgbClr val="000000"/>
+                </a:solidFill>
+                <a:latin typeface="Courier" charset="0"/>
+                <a:ea typeface="Courier" charset="0"/>
+                <a:cs typeface="Courier" charset="0"/>
+              </a:rPr>
+              <a:t>        </a:t>
+            </a:r>
+            <a:r>
+              <a:rPr lang="mr-IN" b="1" dirty="0" err="1">
+                <a:solidFill>
+                  <a:srgbClr val="000000"/>
+                </a:solidFill>
+                <a:latin typeface="Courier" charset="0"/>
+                <a:ea typeface="Courier" charset="0"/>
+                <a:cs typeface="Courier" charset="0"/>
+              </a:rPr>
+              <a:t>old_data</a:t>
+            </a:r>
+            <a:r>
+              <a:rPr lang="mr-IN" b="1" dirty="0">
+                <a:solidFill>
+                  <a:srgbClr val="000000"/>
+                </a:solidFill>
+                <a:latin typeface="Courier" charset="0"/>
+                <a:ea typeface="Courier" charset="0"/>
+                <a:cs typeface="Courier" charset="0"/>
+              </a:rPr>
+              <a:t> = {</a:t>
+            </a:r>
+          </a:p>
+          <a:p>
+            <a:r>
+              <a:rPr lang="mr-IN" b="1" dirty="0">
+                <a:solidFill>
+                  <a:srgbClr val="000000"/>
+                </a:solidFill>
+                <a:latin typeface="Courier" charset="0"/>
+                <a:ea typeface="Courier" charset="0"/>
+                <a:cs typeface="Courier" charset="0"/>
+              </a:rPr>
+              <a:t>            </a:t>
+            </a:r>
+            <a:r>
+              <a:rPr lang="mr-IN" b="1" dirty="0">
+                <a:solidFill>
+                  <a:srgbClr val="B42419"/>
+                </a:solidFill>
+                <a:latin typeface="Courier" charset="0"/>
+                <a:ea typeface="Courier" charset="0"/>
+                <a:cs typeface="Courier" charset="0"/>
+              </a:rPr>
+              <a:t>'</a:t>
+            </a:r>
+            <a:r>
+              <a:rPr lang="mr-IN" b="1" dirty="0" err="1">
+                <a:solidFill>
+                  <a:srgbClr val="B42419"/>
+                </a:solidFill>
+                <a:latin typeface="Courier" charset="0"/>
+                <a:ea typeface="Courier" charset="0"/>
+                <a:cs typeface="Courier" charset="0"/>
+              </a:rPr>
+              <a:t>title</a:t>
+            </a:r>
+            <a:r>
+              <a:rPr lang="mr-IN" b="1" dirty="0">
+                <a:solidFill>
+                  <a:srgbClr val="B42419"/>
+                </a:solidFill>
+                <a:latin typeface="Courier" charset="0"/>
+                <a:ea typeface="Courier" charset="0"/>
+                <a:cs typeface="Courier" charset="0"/>
+              </a:rPr>
+              <a:t>'</a:t>
+            </a:r>
+            <a:r>
+              <a:rPr lang="mr-IN" b="1" dirty="0">
+                <a:solidFill>
+                  <a:srgbClr val="000000"/>
+                </a:solidFill>
+                <a:latin typeface="Courier" charset="0"/>
+                <a:ea typeface="Courier" charset="0"/>
+                <a:cs typeface="Courier" charset="0"/>
+              </a:rPr>
+              <a:t>: </a:t>
+            </a:r>
+            <a:r>
+              <a:rPr lang="mr-IN" b="1" dirty="0">
+                <a:solidFill>
+                  <a:srgbClr val="B42419"/>
+                </a:solidFill>
+                <a:latin typeface="Courier" charset="0"/>
+                <a:ea typeface="Courier" charset="0"/>
+                <a:cs typeface="Courier" charset="0"/>
+              </a:rPr>
+              <a:t>'</a:t>
+            </a:r>
+            <a:r>
+              <a:rPr lang="mr-IN" b="1" dirty="0" err="1">
+                <a:solidFill>
+                  <a:srgbClr val="B42419"/>
+                </a:solidFill>
+                <a:latin typeface="Courier" charset="0"/>
+                <a:ea typeface="Courier" charset="0"/>
+                <a:cs typeface="Courier" charset="0"/>
+              </a:rPr>
+              <a:t>SakaiCar</a:t>
+            </a:r>
+            <a:r>
+              <a:rPr lang="mr-IN" b="1" dirty="0">
+                <a:solidFill>
+                  <a:srgbClr val="B42419"/>
+                </a:solidFill>
+                <a:latin typeface="Courier" charset="0"/>
+                <a:ea typeface="Courier" charset="0"/>
+                <a:cs typeface="Courier" charset="0"/>
+              </a:rPr>
+              <a:t>'</a:t>
+            </a:r>
+            <a:r>
+              <a:rPr lang="mr-IN" b="1" dirty="0">
+                <a:solidFill>
+                  <a:srgbClr val="000000"/>
+                </a:solidFill>
+                <a:latin typeface="Courier" charset="0"/>
+                <a:ea typeface="Courier" charset="0"/>
+                <a:cs typeface="Courier" charset="0"/>
+              </a:rPr>
+              <a:t>,</a:t>
+            </a:r>
+          </a:p>
+          <a:p>
+            <a:r>
+              <a:rPr lang="mr-IN" b="1" dirty="0">
+                <a:solidFill>
+                  <a:srgbClr val="000000"/>
+                </a:solidFill>
+                <a:latin typeface="Courier" charset="0"/>
+                <a:ea typeface="Courier" charset="0"/>
+                <a:cs typeface="Courier" charset="0"/>
+              </a:rPr>
+              <a:t>            </a:t>
+            </a:r>
+            <a:r>
+              <a:rPr lang="mr-IN" b="1" dirty="0">
+                <a:solidFill>
+                  <a:srgbClr val="B42419"/>
+                </a:solidFill>
+                <a:latin typeface="Courier" charset="0"/>
+                <a:ea typeface="Courier" charset="0"/>
+                <a:cs typeface="Courier" charset="0"/>
+              </a:rPr>
+              <a:t>'</a:t>
+            </a:r>
+            <a:r>
+              <a:rPr lang="mr-IN" b="1" dirty="0" err="1">
+                <a:solidFill>
+                  <a:srgbClr val="B42419"/>
+                </a:solidFill>
+                <a:latin typeface="Courier" charset="0"/>
+                <a:ea typeface="Courier" charset="0"/>
+                <a:cs typeface="Courier" charset="0"/>
+              </a:rPr>
+              <a:t>mileage</a:t>
+            </a:r>
+            <a:r>
+              <a:rPr lang="mr-IN" b="1" dirty="0">
+                <a:solidFill>
+                  <a:srgbClr val="B42419"/>
+                </a:solidFill>
+                <a:latin typeface="Courier" charset="0"/>
+                <a:ea typeface="Courier" charset="0"/>
+                <a:cs typeface="Courier" charset="0"/>
+              </a:rPr>
+              <a:t>'</a:t>
+            </a:r>
+            <a:r>
+              <a:rPr lang="mr-IN" b="1" dirty="0">
+                <a:solidFill>
+                  <a:srgbClr val="000000"/>
+                </a:solidFill>
+                <a:latin typeface="Courier" charset="0"/>
+                <a:ea typeface="Courier" charset="0"/>
+                <a:cs typeface="Courier" charset="0"/>
+              </a:rPr>
+              <a:t> : </a:t>
+            </a:r>
+            <a:r>
+              <a:rPr lang="mr-IN" b="1" dirty="0">
+                <a:solidFill>
+                  <a:srgbClr val="B42419"/>
+                </a:solidFill>
+                <a:latin typeface="Courier" charset="0"/>
+                <a:ea typeface="Courier" charset="0"/>
+                <a:cs typeface="Courier" charset="0"/>
+              </a:rPr>
+              <a:t>42</a:t>
+            </a:r>
+            <a:r>
+              <a:rPr lang="mr-IN" b="1" dirty="0">
+                <a:solidFill>
+                  <a:srgbClr val="000000"/>
+                </a:solidFill>
+                <a:latin typeface="Courier" charset="0"/>
+                <a:ea typeface="Courier" charset="0"/>
+                <a:cs typeface="Courier" charset="0"/>
+              </a:rPr>
+              <a:t>,</a:t>
+            </a:r>
+          </a:p>
+          <a:p>
+            <a:r>
+              <a:rPr lang="mr-IN" b="1" dirty="0">
+                <a:solidFill>
+                  <a:srgbClr val="000000"/>
+                </a:solidFill>
+                <a:latin typeface="Courier" charset="0"/>
+                <a:ea typeface="Courier" charset="0"/>
+                <a:cs typeface="Courier" charset="0"/>
+              </a:rPr>
+              <a:t>            </a:t>
+            </a:r>
+            <a:r>
+              <a:rPr lang="mr-IN" b="1" dirty="0">
+                <a:solidFill>
+                  <a:srgbClr val="B42419"/>
+                </a:solidFill>
+                <a:latin typeface="Courier" charset="0"/>
+                <a:ea typeface="Courier" charset="0"/>
+                <a:cs typeface="Courier" charset="0"/>
+              </a:rPr>
+              <a:t>'</a:t>
+            </a:r>
+            <a:r>
+              <a:rPr lang="mr-IN" b="1" dirty="0" err="1">
+                <a:solidFill>
+                  <a:srgbClr val="B42419"/>
+                </a:solidFill>
+                <a:latin typeface="Courier" charset="0"/>
+                <a:ea typeface="Courier" charset="0"/>
+                <a:cs typeface="Courier" charset="0"/>
+              </a:rPr>
+              <a:t>purchase_date</a:t>
+            </a:r>
+            <a:r>
+              <a:rPr lang="mr-IN" b="1" dirty="0">
+                <a:solidFill>
+                  <a:srgbClr val="B42419"/>
+                </a:solidFill>
+                <a:latin typeface="Courier" charset="0"/>
+                <a:ea typeface="Courier" charset="0"/>
+                <a:cs typeface="Courier" charset="0"/>
+              </a:rPr>
+              <a:t>'</a:t>
+            </a:r>
+            <a:r>
+              <a:rPr lang="mr-IN" b="1" dirty="0">
+                <a:solidFill>
+                  <a:srgbClr val="000000"/>
+                </a:solidFill>
+                <a:latin typeface="Courier" charset="0"/>
+                <a:ea typeface="Courier" charset="0"/>
+                <a:cs typeface="Courier" charset="0"/>
+              </a:rPr>
+              <a:t>: </a:t>
+            </a:r>
+            <a:r>
+              <a:rPr lang="mr-IN" b="1" dirty="0">
+                <a:solidFill>
+                  <a:srgbClr val="B42419"/>
+                </a:solidFill>
+                <a:latin typeface="Courier" charset="0"/>
+                <a:ea typeface="Courier" charset="0"/>
+                <a:cs typeface="Courier" charset="0"/>
+              </a:rPr>
+              <a:t>'2018-08-14'</a:t>
+            </a:r>
+            <a:endParaRPr lang="mr-IN" b="1" dirty="0">
+              <a:solidFill>
+                <a:srgbClr val="000000"/>
+              </a:solidFill>
+              <a:latin typeface="Courier" charset="0"/>
+              <a:ea typeface="Courier" charset="0"/>
+              <a:cs typeface="Courier" charset="0"/>
+            </a:endParaRPr>
+          </a:p>
+          <a:p>
+            <a:r>
+              <a:rPr lang="mr-IN" b="1" dirty="0">
+                <a:solidFill>
+                  <a:srgbClr val="000000"/>
+                </a:solidFill>
+                <a:latin typeface="Courier" charset="0"/>
+                <a:ea typeface="Courier" charset="0"/>
+                <a:cs typeface="Courier" charset="0"/>
+              </a:rPr>
+              <a:t>        }</a:t>
+            </a:r>
+          </a:p>
+          <a:p>
+            <a:r>
+              <a:rPr lang="en-US" b="1" dirty="0">
+                <a:solidFill>
+                  <a:srgbClr val="000000"/>
+                </a:solidFill>
+                <a:latin typeface="Courier" charset="0"/>
+                <a:ea typeface="Courier" charset="0"/>
+                <a:cs typeface="Courier" charset="0"/>
+              </a:rPr>
+              <a:t>        form = </a:t>
+            </a:r>
+            <a:r>
+              <a:rPr lang="en-US" b="1" dirty="0" err="1">
+                <a:solidFill>
+                  <a:srgbClr val="000000"/>
+                </a:solidFill>
+                <a:latin typeface="Courier" charset="0"/>
+                <a:ea typeface="Courier" charset="0"/>
+                <a:cs typeface="Courier" charset="0"/>
+              </a:rPr>
+              <a:t>BasicForm</a:t>
+            </a:r>
+            <a:r>
+              <a:rPr lang="en-US" b="1" dirty="0">
+                <a:solidFill>
+                  <a:srgbClr val="000000"/>
+                </a:solidFill>
+                <a:latin typeface="Courier" charset="0"/>
+                <a:ea typeface="Courier" charset="0"/>
+                <a:cs typeface="Courier" charset="0"/>
+              </a:rPr>
+              <a:t>(initial=</a:t>
+            </a:r>
+            <a:r>
+              <a:rPr lang="en-US" b="1" dirty="0" err="1">
+                <a:solidFill>
+                  <a:srgbClr val="000000"/>
+                </a:solidFill>
+                <a:latin typeface="Courier" charset="0"/>
+                <a:ea typeface="Courier" charset="0"/>
+                <a:cs typeface="Courier" charset="0"/>
+              </a:rPr>
+              <a:t>old_data</a:t>
+            </a:r>
+            <a:r>
+              <a:rPr lang="en-US" b="1" dirty="0">
+                <a:solidFill>
+                  <a:srgbClr val="000000"/>
+                </a:solidFill>
+                <a:latin typeface="Courier" charset="0"/>
+                <a:ea typeface="Courier" charset="0"/>
+                <a:cs typeface="Courier" charset="0"/>
+              </a:rPr>
+              <a:t>)</a:t>
+            </a:r>
+          </a:p>
+          <a:p>
+            <a:r>
+              <a:rPr lang="mr-IN" b="1" dirty="0">
+                <a:solidFill>
+                  <a:srgbClr val="000000"/>
+                </a:solidFill>
+                <a:latin typeface="Courier" charset="0"/>
+                <a:ea typeface="Courier" charset="0"/>
+                <a:cs typeface="Courier" charset="0"/>
+              </a:rPr>
+              <a:t>        </a:t>
+            </a:r>
+            <a:r>
+              <a:rPr lang="mr-IN" b="1" dirty="0" err="1">
+                <a:solidFill>
+                  <a:srgbClr val="000000"/>
+                </a:solidFill>
+                <a:latin typeface="Courier" charset="0"/>
+                <a:ea typeface="Courier" charset="0"/>
+                <a:cs typeface="Courier" charset="0"/>
+              </a:rPr>
+              <a:t>ctx</a:t>
+            </a:r>
+            <a:r>
+              <a:rPr lang="mr-IN" b="1" dirty="0">
+                <a:solidFill>
+                  <a:srgbClr val="000000"/>
+                </a:solidFill>
+                <a:latin typeface="Courier" charset="0"/>
+                <a:ea typeface="Courier" charset="0"/>
+                <a:cs typeface="Courier" charset="0"/>
+              </a:rPr>
+              <a:t> = {</a:t>
+            </a:r>
+            <a:r>
+              <a:rPr lang="mr-IN" b="1" dirty="0">
+                <a:solidFill>
+                  <a:srgbClr val="B42419"/>
+                </a:solidFill>
+                <a:latin typeface="Courier" charset="0"/>
+                <a:ea typeface="Courier" charset="0"/>
+                <a:cs typeface="Courier" charset="0"/>
+              </a:rPr>
+              <a:t>'</a:t>
+            </a:r>
+            <a:r>
+              <a:rPr lang="mr-IN" b="1" dirty="0" err="1">
+                <a:solidFill>
+                  <a:srgbClr val="B42419"/>
+                </a:solidFill>
+                <a:latin typeface="Courier" charset="0"/>
+                <a:ea typeface="Courier" charset="0"/>
+                <a:cs typeface="Courier" charset="0"/>
+              </a:rPr>
+              <a:t>form</a:t>
+            </a:r>
+            <a:r>
+              <a:rPr lang="mr-IN" b="1" dirty="0">
+                <a:solidFill>
+                  <a:srgbClr val="B42419"/>
+                </a:solidFill>
+                <a:latin typeface="Courier" charset="0"/>
+                <a:ea typeface="Courier" charset="0"/>
+                <a:cs typeface="Courier" charset="0"/>
+              </a:rPr>
+              <a:t>'</a:t>
+            </a:r>
+            <a:r>
+              <a:rPr lang="mr-IN" b="1" dirty="0">
+                <a:solidFill>
+                  <a:srgbClr val="000000"/>
+                </a:solidFill>
+                <a:latin typeface="Courier" charset="0"/>
+                <a:ea typeface="Courier" charset="0"/>
+                <a:cs typeface="Courier" charset="0"/>
+              </a:rPr>
+              <a:t> : </a:t>
+            </a:r>
+            <a:r>
+              <a:rPr lang="mr-IN" b="1" dirty="0" err="1">
+                <a:solidFill>
+                  <a:srgbClr val="000000"/>
+                </a:solidFill>
+                <a:latin typeface="Courier" charset="0"/>
+                <a:ea typeface="Courier" charset="0"/>
+                <a:cs typeface="Courier" charset="0"/>
+              </a:rPr>
+              <a:t>form</a:t>
+            </a:r>
+            <a:r>
+              <a:rPr lang="mr-IN" b="1" dirty="0">
+                <a:solidFill>
+                  <a:srgbClr val="000000"/>
+                </a:solidFill>
+                <a:latin typeface="Courier" charset="0"/>
+                <a:ea typeface="Courier" charset="0"/>
+                <a:cs typeface="Courier" charset="0"/>
+              </a:rPr>
+              <a:t>}</a:t>
+            </a:r>
+          </a:p>
+          <a:p>
+            <a:r>
+              <a:rPr lang="en-US" b="1" dirty="0">
+                <a:solidFill>
+                  <a:srgbClr val="000000"/>
+                </a:solidFill>
+                <a:latin typeface="Courier" charset="0"/>
+                <a:ea typeface="Courier" charset="0"/>
+                <a:cs typeface="Courier" charset="0"/>
+              </a:rPr>
+              <a:t>        </a:t>
+            </a:r>
+            <a:r>
+              <a:rPr lang="en-US" b="1" dirty="0">
+                <a:solidFill>
+                  <a:srgbClr val="C1651C"/>
+                </a:solidFill>
+                <a:latin typeface="Courier" charset="0"/>
+                <a:ea typeface="Courier" charset="0"/>
+                <a:cs typeface="Courier" charset="0"/>
+              </a:rPr>
+              <a:t>return</a:t>
+            </a:r>
+            <a:r>
+              <a:rPr lang="en-US" b="1" dirty="0">
+                <a:solidFill>
+                  <a:srgbClr val="000000"/>
+                </a:solidFill>
+                <a:latin typeface="Courier" charset="0"/>
+                <a:ea typeface="Courier" charset="0"/>
+                <a:cs typeface="Courier" charset="0"/>
+              </a:rPr>
+              <a:t> render(request, </a:t>
+            </a:r>
+            <a:r>
+              <a:rPr lang="en-US" b="1" dirty="0">
+                <a:solidFill>
+                  <a:srgbClr val="B42419"/>
+                </a:solidFill>
+                <a:latin typeface="Courier" charset="0"/>
+                <a:ea typeface="Courier" charset="0"/>
+                <a:cs typeface="Courier" charset="0"/>
+              </a:rPr>
+              <a:t>'</a:t>
+            </a:r>
+            <a:r>
+              <a:rPr lang="en-US" b="1" dirty="0" err="1">
+                <a:solidFill>
+                  <a:srgbClr val="B42419"/>
+                </a:solidFill>
+                <a:latin typeface="Courier" charset="0"/>
+                <a:ea typeface="Courier" charset="0"/>
+                <a:cs typeface="Courier" charset="0"/>
+              </a:rPr>
+              <a:t>form.html</a:t>
+            </a:r>
+            <a:r>
+              <a:rPr lang="en-US" b="1" dirty="0">
+                <a:solidFill>
+                  <a:srgbClr val="B42419"/>
+                </a:solidFill>
+                <a:latin typeface="Courier" charset="0"/>
+                <a:ea typeface="Courier" charset="0"/>
+                <a:cs typeface="Courier" charset="0"/>
+              </a:rPr>
+              <a:t>'</a:t>
+            </a:r>
+            <a:r>
+              <a:rPr lang="en-US" b="1" dirty="0">
+                <a:solidFill>
+                  <a:srgbClr val="000000"/>
+                </a:solidFill>
+                <a:latin typeface="Courier" charset="0"/>
+                <a:ea typeface="Courier" charset="0"/>
+                <a:cs typeface="Courier" charset="0"/>
+              </a:rPr>
+              <a:t>, </a:t>
+            </a:r>
+            <a:r>
+              <a:rPr lang="en-US" b="1" dirty="0" err="1">
+                <a:solidFill>
+                  <a:srgbClr val="000000"/>
+                </a:solidFill>
+                <a:latin typeface="Courier" charset="0"/>
+                <a:ea typeface="Courier" charset="0"/>
+                <a:cs typeface="Courier" charset="0"/>
+              </a:rPr>
+              <a:t>ctx</a:t>
+            </a:r>
+            <a:r>
+              <a:rPr lang="en-US" b="1" dirty="0">
+                <a:solidFill>
+                  <a:srgbClr val="000000"/>
+                </a:solidFill>
+                <a:latin typeface="Courier" charset="0"/>
+                <a:ea typeface="Courier" charset="0"/>
+                <a:cs typeface="Courier" charset="0"/>
+              </a:rPr>
+              <a:t>)</a:t>
+            </a:r>
+          </a:p>
+          <a:p>
+            <a:endParaRPr lang="en-US" b="1" dirty="0">
+              <a:solidFill>
+                <a:srgbClr val="000000"/>
+              </a:solidFill>
+              <a:latin typeface="Courier" charset="0"/>
+              <a:ea typeface="Courier" charset="0"/>
+              <a:cs typeface="Courier" charset="0"/>
+            </a:endParaRPr>
+          </a:p>
+          <a:p>
+            <a:r>
+              <a:rPr lang="en-US" b="1" dirty="0">
+                <a:solidFill>
+                  <a:srgbClr val="000000"/>
+                </a:solidFill>
+                <a:latin typeface="Courier" charset="0"/>
+                <a:ea typeface="Courier" charset="0"/>
+                <a:cs typeface="Courier" charset="0"/>
+              </a:rPr>
+              <a:t>    </a:t>
+            </a:r>
+            <a:r>
+              <a:rPr lang="en-US" b="1" dirty="0" err="1">
+                <a:solidFill>
+                  <a:srgbClr val="C1651C"/>
+                </a:solidFill>
+                <a:latin typeface="Courier" charset="0"/>
+                <a:ea typeface="Courier" charset="0"/>
+                <a:cs typeface="Courier" charset="0"/>
+              </a:rPr>
+              <a:t>def</a:t>
+            </a:r>
+            <a:r>
+              <a:rPr lang="en-US" b="1" dirty="0">
+                <a:solidFill>
+                  <a:srgbClr val="000000"/>
+                </a:solidFill>
+                <a:latin typeface="Courier" charset="0"/>
+                <a:ea typeface="Courier" charset="0"/>
+                <a:cs typeface="Courier" charset="0"/>
+              </a:rPr>
+              <a:t> </a:t>
+            </a:r>
+            <a:r>
+              <a:rPr lang="en-US" b="1" dirty="0">
+                <a:solidFill>
+                  <a:srgbClr val="2EAEBB"/>
+                </a:solidFill>
+                <a:latin typeface="Courier" charset="0"/>
+                <a:ea typeface="Courier" charset="0"/>
+                <a:cs typeface="Courier" charset="0"/>
+              </a:rPr>
+              <a:t>post</a:t>
+            </a:r>
+            <a:r>
+              <a:rPr lang="en-US" b="1" dirty="0">
+                <a:solidFill>
+                  <a:srgbClr val="000000"/>
+                </a:solidFill>
+                <a:latin typeface="Courier" charset="0"/>
+                <a:ea typeface="Courier" charset="0"/>
+                <a:cs typeface="Courier" charset="0"/>
+              </a:rPr>
+              <a:t>(self, request) :</a:t>
+            </a:r>
+          </a:p>
+          <a:p>
+            <a:r>
+              <a:rPr lang="en-US" b="1" dirty="0">
+                <a:solidFill>
+                  <a:srgbClr val="000000"/>
+                </a:solidFill>
+                <a:latin typeface="Courier" charset="0"/>
+                <a:ea typeface="Courier" charset="0"/>
+                <a:cs typeface="Courier" charset="0"/>
+              </a:rPr>
+              <a:t>        form = </a:t>
+            </a:r>
+            <a:r>
+              <a:rPr lang="en-US" b="1" dirty="0" err="1">
+                <a:solidFill>
+                  <a:srgbClr val="000000"/>
+                </a:solidFill>
+                <a:latin typeface="Courier" charset="0"/>
+                <a:ea typeface="Courier" charset="0"/>
+                <a:cs typeface="Courier" charset="0"/>
+              </a:rPr>
+              <a:t>BasicForm</a:t>
+            </a:r>
+            <a:r>
+              <a:rPr lang="en-US" b="1" dirty="0">
+                <a:solidFill>
+                  <a:srgbClr val="000000"/>
+                </a:solidFill>
+                <a:latin typeface="Courier" charset="0"/>
+                <a:ea typeface="Courier" charset="0"/>
+                <a:cs typeface="Courier" charset="0"/>
+              </a:rPr>
+              <a:t>(</a:t>
+            </a:r>
+            <a:r>
+              <a:rPr lang="en-US" b="1" dirty="0" err="1">
+                <a:solidFill>
+                  <a:srgbClr val="000000"/>
+                </a:solidFill>
+                <a:latin typeface="Courier" charset="0"/>
+                <a:ea typeface="Courier" charset="0"/>
+                <a:cs typeface="Courier" charset="0"/>
+              </a:rPr>
+              <a:t>request.POST</a:t>
+            </a:r>
+            <a:r>
+              <a:rPr lang="en-US" b="1" dirty="0">
+                <a:solidFill>
+                  <a:srgbClr val="000000"/>
+                </a:solidFill>
+                <a:latin typeface="Courier" charset="0"/>
+                <a:ea typeface="Courier" charset="0"/>
+                <a:cs typeface="Courier" charset="0"/>
+              </a:rPr>
+              <a:t>)</a:t>
+            </a:r>
+          </a:p>
+          <a:p>
+            <a:r>
+              <a:rPr lang="en-US" b="1" dirty="0">
+                <a:solidFill>
+                  <a:srgbClr val="000000"/>
+                </a:solidFill>
+                <a:latin typeface="Courier" charset="0"/>
+                <a:ea typeface="Courier" charset="0"/>
+                <a:cs typeface="Courier" charset="0"/>
+              </a:rPr>
+              <a:t>        </a:t>
+            </a:r>
+            <a:r>
+              <a:rPr lang="en-US" b="1" dirty="0">
+                <a:solidFill>
+                  <a:srgbClr val="C1651C"/>
+                </a:solidFill>
+                <a:latin typeface="Courier" charset="0"/>
+                <a:ea typeface="Courier" charset="0"/>
+                <a:cs typeface="Courier" charset="0"/>
+              </a:rPr>
+              <a:t>if</a:t>
+            </a:r>
+            <a:r>
+              <a:rPr lang="en-US" b="1" dirty="0">
+                <a:solidFill>
+                  <a:srgbClr val="000000"/>
+                </a:solidFill>
+                <a:latin typeface="Courier" charset="0"/>
+                <a:ea typeface="Courier" charset="0"/>
+                <a:cs typeface="Courier" charset="0"/>
+              </a:rPr>
+              <a:t> </a:t>
+            </a:r>
+            <a:r>
+              <a:rPr lang="en-US" b="1" dirty="0">
+                <a:solidFill>
+                  <a:srgbClr val="C1651C"/>
+                </a:solidFill>
+                <a:latin typeface="Courier" charset="0"/>
+                <a:ea typeface="Courier" charset="0"/>
+                <a:cs typeface="Courier" charset="0"/>
+              </a:rPr>
+              <a:t>not</a:t>
+            </a:r>
+            <a:r>
+              <a:rPr lang="en-US" b="1" dirty="0">
+                <a:solidFill>
+                  <a:srgbClr val="000000"/>
+                </a:solidFill>
+                <a:latin typeface="Courier" charset="0"/>
+                <a:ea typeface="Courier" charset="0"/>
+                <a:cs typeface="Courier" charset="0"/>
+              </a:rPr>
+              <a:t> </a:t>
+            </a:r>
+            <a:r>
+              <a:rPr lang="en-US" b="1" dirty="0" err="1">
+                <a:solidFill>
+                  <a:srgbClr val="000000"/>
+                </a:solidFill>
+                <a:latin typeface="Courier" charset="0"/>
+                <a:ea typeface="Courier" charset="0"/>
+                <a:cs typeface="Courier" charset="0"/>
+              </a:rPr>
+              <a:t>form.is_valid</a:t>
+            </a:r>
+            <a:r>
+              <a:rPr lang="en-US" b="1" dirty="0">
+                <a:solidFill>
+                  <a:srgbClr val="000000"/>
+                </a:solidFill>
+                <a:latin typeface="Courier" charset="0"/>
+                <a:ea typeface="Courier" charset="0"/>
+                <a:cs typeface="Courier" charset="0"/>
+              </a:rPr>
+              <a:t>() :</a:t>
+            </a:r>
+          </a:p>
+          <a:p>
+            <a:r>
+              <a:rPr lang="mr-IN" b="1" dirty="0">
+                <a:solidFill>
+                  <a:srgbClr val="000000"/>
+                </a:solidFill>
+                <a:latin typeface="Courier" charset="0"/>
+                <a:ea typeface="Courier" charset="0"/>
+                <a:cs typeface="Courier" charset="0"/>
+              </a:rPr>
+              <a:t>            </a:t>
+            </a:r>
+            <a:r>
+              <a:rPr lang="mr-IN" b="1" dirty="0" err="1">
+                <a:solidFill>
+                  <a:srgbClr val="000000"/>
+                </a:solidFill>
+                <a:latin typeface="Courier" charset="0"/>
+                <a:ea typeface="Courier" charset="0"/>
+                <a:cs typeface="Courier" charset="0"/>
+              </a:rPr>
+              <a:t>ctx</a:t>
+            </a:r>
+            <a:r>
+              <a:rPr lang="mr-IN" b="1" dirty="0">
+                <a:solidFill>
+                  <a:srgbClr val="000000"/>
+                </a:solidFill>
+                <a:latin typeface="Courier" charset="0"/>
+                <a:ea typeface="Courier" charset="0"/>
+                <a:cs typeface="Courier" charset="0"/>
+              </a:rPr>
+              <a:t> = {</a:t>
+            </a:r>
+            <a:r>
+              <a:rPr lang="mr-IN" b="1" dirty="0">
+                <a:solidFill>
+                  <a:srgbClr val="B42419"/>
+                </a:solidFill>
+                <a:latin typeface="Courier" charset="0"/>
+                <a:ea typeface="Courier" charset="0"/>
+                <a:cs typeface="Courier" charset="0"/>
+              </a:rPr>
+              <a:t>'</a:t>
+            </a:r>
+            <a:r>
+              <a:rPr lang="mr-IN" b="1" dirty="0" err="1">
+                <a:solidFill>
+                  <a:srgbClr val="B42419"/>
+                </a:solidFill>
+                <a:latin typeface="Courier" charset="0"/>
+                <a:ea typeface="Courier" charset="0"/>
+                <a:cs typeface="Courier" charset="0"/>
+              </a:rPr>
+              <a:t>form</a:t>
+            </a:r>
+            <a:r>
+              <a:rPr lang="mr-IN" b="1" dirty="0">
+                <a:solidFill>
+                  <a:srgbClr val="B42419"/>
+                </a:solidFill>
+                <a:latin typeface="Courier" charset="0"/>
+                <a:ea typeface="Courier" charset="0"/>
+                <a:cs typeface="Courier" charset="0"/>
+              </a:rPr>
+              <a:t>'</a:t>
+            </a:r>
+            <a:r>
+              <a:rPr lang="mr-IN" b="1" dirty="0">
+                <a:solidFill>
+                  <a:srgbClr val="000000"/>
+                </a:solidFill>
+                <a:latin typeface="Courier" charset="0"/>
+                <a:ea typeface="Courier" charset="0"/>
+                <a:cs typeface="Courier" charset="0"/>
+              </a:rPr>
+              <a:t> : </a:t>
+            </a:r>
+            <a:r>
+              <a:rPr lang="mr-IN" b="1" dirty="0" err="1">
+                <a:solidFill>
+                  <a:srgbClr val="000000"/>
+                </a:solidFill>
+                <a:latin typeface="Courier" charset="0"/>
+                <a:ea typeface="Courier" charset="0"/>
+                <a:cs typeface="Courier" charset="0"/>
+              </a:rPr>
+              <a:t>form</a:t>
+            </a:r>
+            <a:r>
+              <a:rPr lang="mr-IN" b="1" dirty="0">
+                <a:solidFill>
+                  <a:srgbClr val="000000"/>
+                </a:solidFill>
+                <a:latin typeface="Courier" charset="0"/>
+                <a:ea typeface="Courier" charset="0"/>
+                <a:cs typeface="Courier" charset="0"/>
+              </a:rPr>
+              <a:t>}</a:t>
+            </a:r>
+          </a:p>
+          <a:p>
+            <a:r>
+              <a:rPr lang="en-US" b="1" dirty="0">
+                <a:solidFill>
+                  <a:srgbClr val="000000"/>
+                </a:solidFill>
+                <a:latin typeface="Courier" charset="0"/>
+                <a:ea typeface="Courier" charset="0"/>
+                <a:cs typeface="Courier" charset="0"/>
+              </a:rPr>
+              <a:t>            </a:t>
+            </a:r>
+            <a:r>
+              <a:rPr lang="en-US" b="1" dirty="0">
+                <a:solidFill>
+                  <a:srgbClr val="C1651C"/>
+                </a:solidFill>
+                <a:latin typeface="Courier" charset="0"/>
+                <a:ea typeface="Courier" charset="0"/>
+                <a:cs typeface="Courier" charset="0"/>
+              </a:rPr>
+              <a:t>return</a:t>
+            </a:r>
+            <a:r>
+              <a:rPr lang="en-US" b="1" dirty="0">
+                <a:solidFill>
+                  <a:srgbClr val="000000"/>
+                </a:solidFill>
+                <a:latin typeface="Courier" charset="0"/>
+                <a:ea typeface="Courier" charset="0"/>
+                <a:cs typeface="Courier" charset="0"/>
+              </a:rPr>
+              <a:t> render(request, </a:t>
+            </a:r>
+            <a:r>
+              <a:rPr lang="en-US" b="1" dirty="0">
+                <a:solidFill>
+                  <a:srgbClr val="B42419"/>
+                </a:solidFill>
+                <a:latin typeface="Courier" charset="0"/>
+                <a:ea typeface="Courier" charset="0"/>
+                <a:cs typeface="Courier" charset="0"/>
+              </a:rPr>
+              <a:t>'</a:t>
+            </a:r>
+            <a:r>
+              <a:rPr lang="en-US" b="1" dirty="0" err="1">
+                <a:solidFill>
+                  <a:srgbClr val="B42419"/>
+                </a:solidFill>
+                <a:latin typeface="Courier" charset="0"/>
+                <a:ea typeface="Courier" charset="0"/>
+                <a:cs typeface="Courier" charset="0"/>
+              </a:rPr>
+              <a:t>form.html</a:t>
+            </a:r>
+            <a:r>
+              <a:rPr lang="en-US" b="1" dirty="0">
+                <a:solidFill>
+                  <a:srgbClr val="B42419"/>
+                </a:solidFill>
+                <a:latin typeface="Courier" charset="0"/>
+                <a:ea typeface="Courier" charset="0"/>
+                <a:cs typeface="Courier" charset="0"/>
+              </a:rPr>
+              <a:t>'</a:t>
+            </a:r>
+            <a:r>
+              <a:rPr lang="en-US" b="1" dirty="0">
+                <a:solidFill>
+                  <a:srgbClr val="000000"/>
+                </a:solidFill>
+                <a:latin typeface="Courier" charset="0"/>
+                <a:ea typeface="Courier" charset="0"/>
+                <a:cs typeface="Courier" charset="0"/>
+              </a:rPr>
+              <a:t>, </a:t>
+            </a:r>
+            <a:r>
+              <a:rPr lang="en-US" b="1" dirty="0" err="1">
+                <a:solidFill>
+                  <a:srgbClr val="000000"/>
+                </a:solidFill>
+                <a:latin typeface="Courier" charset="0"/>
+                <a:ea typeface="Courier" charset="0"/>
+                <a:cs typeface="Courier" charset="0"/>
+              </a:rPr>
+              <a:t>ctx</a:t>
+            </a:r>
+            <a:r>
+              <a:rPr lang="en-US" b="1" dirty="0">
+                <a:solidFill>
+                  <a:srgbClr val="000000"/>
+                </a:solidFill>
+                <a:latin typeface="Courier" charset="0"/>
+                <a:ea typeface="Courier" charset="0"/>
+                <a:cs typeface="Courier" charset="0"/>
+              </a:rPr>
+              <a:t>)</a:t>
+            </a:r>
+          </a:p>
+          <a:p>
+            <a:r>
+              <a:rPr lang="en-US" b="1" dirty="0">
+                <a:solidFill>
+                  <a:srgbClr val="000000"/>
+                </a:solidFill>
+                <a:latin typeface="Courier" charset="0"/>
+                <a:ea typeface="Courier" charset="0"/>
+                <a:cs typeface="Courier" charset="0"/>
+              </a:rPr>
+              <a:t> </a:t>
+            </a:r>
+            <a:r>
+              <a:rPr lang="en-US" b="1" dirty="0" smtClean="0">
+                <a:solidFill>
+                  <a:srgbClr val="000000"/>
+                </a:solidFill>
+                <a:latin typeface="Courier" charset="0"/>
+                <a:ea typeface="Courier" charset="0"/>
+                <a:cs typeface="Courier" charset="0"/>
+              </a:rPr>
+              <a:t>       </a:t>
+            </a:r>
+            <a:r>
+              <a:rPr lang="en-US" b="1" dirty="0" smtClean="0">
+                <a:solidFill>
+                  <a:srgbClr val="C1651C"/>
+                </a:solidFill>
+                <a:latin typeface="Courier" charset="0"/>
+                <a:ea typeface="Courier" charset="0"/>
+                <a:cs typeface="Courier" charset="0"/>
+              </a:rPr>
+              <a:t>return</a:t>
+            </a:r>
+            <a:r>
+              <a:rPr lang="en-US" b="1" dirty="0" smtClean="0">
+                <a:solidFill>
+                  <a:srgbClr val="000000"/>
+                </a:solidFill>
+                <a:latin typeface="Courier" charset="0"/>
+                <a:ea typeface="Courier" charset="0"/>
+                <a:cs typeface="Courier" charset="0"/>
+              </a:rPr>
+              <a:t> </a:t>
+            </a:r>
+            <a:r>
+              <a:rPr lang="en-US" b="1" dirty="0">
+                <a:solidFill>
+                  <a:srgbClr val="000000"/>
+                </a:solidFill>
+                <a:latin typeface="Courier" charset="0"/>
+                <a:ea typeface="Courier" charset="0"/>
+                <a:cs typeface="Courier" charset="0"/>
+              </a:rPr>
+              <a:t>redirect(</a:t>
+            </a:r>
+            <a:r>
+              <a:rPr lang="en-US" b="1" dirty="0">
+                <a:solidFill>
+                  <a:srgbClr val="B42419"/>
+                </a:solidFill>
+                <a:latin typeface="Courier" charset="0"/>
+                <a:ea typeface="Courier" charset="0"/>
+                <a:cs typeface="Courier" charset="0"/>
+              </a:rPr>
+              <a:t>'/form/success'</a:t>
+            </a:r>
+            <a:r>
+              <a:rPr lang="en-US" b="1" dirty="0">
+                <a:solidFill>
+                  <a:srgbClr val="000000"/>
+                </a:solidFill>
+                <a:latin typeface="Courier" charset="0"/>
+                <a:ea typeface="Courier" charset="0"/>
+                <a:cs typeface="Courier" charset="0"/>
+              </a:rPr>
+              <a:t>)</a:t>
+            </a:r>
+          </a:p>
+          <a:p>
+            <a:endParaRPr lang="en-US" b="1" dirty="0">
+              <a:solidFill>
+                <a:srgbClr val="000000"/>
+              </a:solidFill>
+              <a:latin typeface="Courier" charset="0"/>
+              <a:ea typeface="Courier" charset="0"/>
+              <a:cs typeface="Courier" charset="0"/>
+            </a:endParaRPr>
+          </a:p>
+          <a:p>
+            <a:r>
+              <a:rPr lang="en-US" b="1" dirty="0" err="1">
+                <a:solidFill>
+                  <a:srgbClr val="C1651C"/>
+                </a:solidFill>
+                <a:latin typeface="Courier" charset="0"/>
+                <a:ea typeface="Courier" charset="0"/>
+                <a:cs typeface="Courier" charset="0"/>
+              </a:rPr>
+              <a:t>def</a:t>
+            </a:r>
+            <a:r>
+              <a:rPr lang="en-US" b="1" dirty="0">
+                <a:solidFill>
+                  <a:srgbClr val="000000"/>
+                </a:solidFill>
+                <a:latin typeface="Courier" charset="0"/>
+                <a:ea typeface="Courier" charset="0"/>
+                <a:cs typeface="Courier" charset="0"/>
+              </a:rPr>
+              <a:t> </a:t>
+            </a:r>
+            <a:r>
+              <a:rPr lang="en-US" b="1" dirty="0">
+                <a:solidFill>
+                  <a:srgbClr val="2EAEBB"/>
+                </a:solidFill>
+                <a:latin typeface="Courier" charset="0"/>
+                <a:ea typeface="Courier" charset="0"/>
+                <a:cs typeface="Courier" charset="0"/>
+              </a:rPr>
+              <a:t>success</a:t>
+            </a:r>
+            <a:r>
+              <a:rPr lang="en-US" b="1" dirty="0">
+                <a:solidFill>
+                  <a:srgbClr val="000000"/>
+                </a:solidFill>
+                <a:latin typeface="Courier" charset="0"/>
+                <a:ea typeface="Courier" charset="0"/>
+                <a:cs typeface="Courier" charset="0"/>
+              </a:rPr>
+              <a:t>(request) :</a:t>
+            </a:r>
+          </a:p>
+          <a:p>
+            <a:r>
+              <a:rPr lang="en-US" b="1" dirty="0">
+                <a:solidFill>
+                  <a:srgbClr val="000000"/>
+                </a:solidFill>
+                <a:latin typeface="Courier" charset="0"/>
+                <a:ea typeface="Courier" charset="0"/>
+                <a:cs typeface="Courier" charset="0"/>
+              </a:rPr>
+              <a:t>    </a:t>
+            </a:r>
+            <a:r>
+              <a:rPr lang="en-US" b="1" dirty="0">
+                <a:solidFill>
+                  <a:srgbClr val="C1651C"/>
+                </a:solidFill>
+                <a:latin typeface="Courier" charset="0"/>
+                <a:ea typeface="Courier" charset="0"/>
+                <a:cs typeface="Courier" charset="0"/>
+              </a:rPr>
+              <a:t>return</a:t>
+            </a:r>
+            <a:r>
+              <a:rPr lang="en-US" b="1" dirty="0">
+                <a:solidFill>
+                  <a:srgbClr val="000000"/>
+                </a:solidFill>
+                <a:latin typeface="Courier" charset="0"/>
+                <a:ea typeface="Courier" charset="0"/>
+                <a:cs typeface="Courier" charset="0"/>
+              </a:rPr>
+              <a:t> </a:t>
+            </a:r>
+            <a:r>
+              <a:rPr lang="en-US" b="1" dirty="0" err="1">
+                <a:solidFill>
+                  <a:srgbClr val="000000"/>
+                </a:solidFill>
+                <a:latin typeface="Courier" charset="0"/>
+                <a:ea typeface="Courier" charset="0"/>
+                <a:cs typeface="Courier" charset="0"/>
+              </a:rPr>
+              <a:t>HttpResponse</a:t>
+            </a:r>
+            <a:r>
+              <a:rPr lang="en-US" b="1" dirty="0">
+                <a:solidFill>
+                  <a:srgbClr val="000000"/>
+                </a:solidFill>
+                <a:latin typeface="Courier" charset="0"/>
+                <a:ea typeface="Courier" charset="0"/>
+                <a:cs typeface="Courier" charset="0"/>
+              </a:rPr>
+              <a:t>(</a:t>
+            </a:r>
+            <a:r>
+              <a:rPr lang="en-US" b="1" dirty="0">
+                <a:solidFill>
+                  <a:srgbClr val="B42419"/>
+                </a:solidFill>
+                <a:latin typeface="Courier" charset="0"/>
+                <a:ea typeface="Courier" charset="0"/>
+                <a:cs typeface="Courier" charset="0"/>
+              </a:rPr>
+              <a:t>'Thank you!'</a:t>
+            </a:r>
+            <a:r>
+              <a:rPr lang="en-US" b="1" dirty="0">
+                <a:solidFill>
+                  <a:srgbClr val="000000"/>
+                </a:solidFill>
+                <a:latin typeface="Courier" charset="0"/>
+                <a:ea typeface="Courier" charset="0"/>
+                <a:cs typeface="Courier" charset="0"/>
+              </a:rPr>
+              <a:t>)</a:t>
+            </a:r>
+            <a:endParaRPr lang="en-US" b="1" dirty="0">
+              <a:latin typeface="Courier" charset="0"/>
+              <a:ea typeface="Courier" charset="0"/>
+              <a:cs typeface="Courier" charset="0"/>
+            </a:endParaRPr>
+          </a:p>
+        </p:txBody>
+      </p:sp>
+      <p:cxnSp>
+        <p:nvCxnSpPr>
+          <p:cNvPr id="13" name="Straight Arrow Connector 12"/>
+          <p:cNvCxnSpPr/>
+          <p:nvPr/>
+        </p:nvCxnSpPr>
+        <p:spPr>
+          <a:xfrm>
+            <a:off x="1014413" y="2500313"/>
+            <a:ext cx="4286250" cy="1428750"/>
+          </a:xfrm>
+          <a:prstGeom prst="straightConnector1">
+            <a:avLst/>
+          </a:prstGeom>
+          <a:ln w="57150">
+            <a:solidFill>
+              <a:schemeClr val="accent1"/>
+            </a:solidFill>
+            <a:tailEnd type="triangle"/>
+          </a:ln>
+        </p:spPr>
+        <p:style>
+          <a:lnRef idx="1">
+            <a:schemeClr val="accent1"/>
+          </a:lnRef>
+          <a:fillRef idx="0">
+            <a:schemeClr val="accent1"/>
+          </a:fillRef>
+          <a:effectRef idx="0">
+            <a:schemeClr val="accent1"/>
+          </a:effectRef>
+          <a:fontRef idx="minor">
+            <a:schemeClr val="tx1"/>
+          </a:fontRef>
+        </p:style>
+      </p:cxnSp>
+      <p:sp>
+        <p:nvSpPr>
+          <p:cNvPr id="14" name="Rounded Rectangle 13"/>
+          <p:cNvSpPr/>
+          <p:nvPr/>
+        </p:nvSpPr>
+        <p:spPr>
+          <a:xfrm>
+            <a:off x="1570832" y="2600323"/>
+            <a:ext cx="985838" cy="500061"/>
+          </a:xfrm>
+          <a:prstGeom prst="roundRect">
+            <a:avLst/>
+          </a:prstGeom>
+          <a:solidFill>
+            <a:schemeClr val="accent1"/>
+          </a:solidFill>
+          <a:ln>
+            <a:solidFill>
+              <a:schemeClr val="accent1"/>
+            </a:solidFill>
+          </a:ln>
+        </p:spPr>
+        <p:style>
+          <a:lnRef idx="2">
+            <a:schemeClr val="accent1">
+              <a:shade val="50000"/>
+            </a:schemeClr>
+          </a:lnRef>
+          <a:fillRef idx="1">
+            <a:schemeClr val="accent1"/>
+          </a:fillRef>
+          <a:effectRef idx="0">
+            <a:schemeClr val="accent1"/>
+          </a:effectRef>
+          <a:fontRef idx="minor">
+            <a:schemeClr val="lt1"/>
+          </a:fontRef>
+        </p:style>
+        <p:txBody>
+          <a:bodyPr rtlCol="0" anchor="ctr"/>
+          <a:lstStyle/>
+          <a:p>
+            <a:pPr algn="ctr"/>
+            <a:r>
+              <a:rPr lang="en-US" dirty="0" smtClean="0">
+                <a:solidFill>
+                  <a:schemeClr val="tx1"/>
+                </a:solidFill>
+              </a:rPr>
+              <a:t>POST</a:t>
+            </a:r>
+            <a:endParaRPr lang="en-US" dirty="0">
+              <a:solidFill>
+                <a:schemeClr val="tx1"/>
+              </a:solidFill>
+            </a:endParaRPr>
+          </a:p>
+        </p:txBody>
+      </p:sp>
+      <p:sp>
+        <p:nvSpPr>
+          <p:cNvPr id="29" name="Rectangle 28"/>
+          <p:cNvSpPr/>
+          <p:nvPr/>
+        </p:nvSpPr>
+        <p:spPr>
+          <a:xfrm>
+            <a:off x="5865020" y="4375804"/>
+            <a:ext cx="6050756" cy="866483"/>
+          </a:xfrm>
+          <a:prstGeom prst="rect">
+            <a:avLst/>
+          </a:prstGeom>
+          <a:solidFill>
+            <a:srgbClr val="000000">
+              <a:alpha val="20784"/>
+            </a:srgbClr>
+          </a:solidFill>
+          <a:ln>
+            <a:noFill/>
+          </a:ln>
+        </p:spPr>
+        <p:style>
+          <a:lnRef idx="2">
+            <a:schemeClr val="accent1">
+              <a:shade val="50000"/>
+            </a:schemeClr>
+          </a:lnRef>
+          <a:fillRef idx="1">
+            <a:schemeClr val="accent1"/>
+          </a:fillRef>
+          <a:effectRef idx="0">
+            <a:schemeClr val="accent1"/>
+          </a:effectRef>
+          <a:fontRef idx="minor">
+            <a:schemeClr val="lt1"/>
+          </a:fontRef>
+        </p:style>
+        <p:txBody>
+          <a:bodyPr rtlCol="0" anchor="ctr"/>
+          <a:lstStyle/>
+          <a:p>
+            <a:pPr algn="ctr"/>
+            <a:endParaRPr lang="en-US"/>
+          </a:p>
+        </p:txBody>
+      </p:sp>
+      <p:sp>
+        <p:nvSpPr>
+          <p:cNvPr id="53" name="Freeform 52"/>
+          <p:cNvSpPr/>
+          <p:nvPr/>
+        </p:nvSpPr>
+        <p:spPr>
+          <a:xfrm>
+            <a:off x="487316" y="4814888"/>
+            <a:ext cx="4627609" cy="1492671"/>
+          </a:xfrm>
+          <a:custGeom>
+            <a:avLst/>
+            <a:gdLst>
+              <a:gd name="connsiteX0" fmla="*/ 4627609 w 4627609"/>
+              <a:gd name="connsiteY0" fmla="*/ 1371600 h 1492671"/>
+              <a:gd name="connsiteX1" fmla="*/ 627109 w 4627609"/>
+              <a:gd name="connsiteY1" fmla="*/ 1357312 h 1492671"/>
+              <a:gd name="connsiteX2" fmla="*/ 12747 w 4627609"/>
+              <a:gd name="connsiteY2" fmla="*/ 0 h 1492671"/>
+            </a:gdLst>
+            <a:ahLst/>
+            <a:cxnLst>
+              <a:cxn ang="0">
+                <a:pos x="connsiteX0" y="connsiteY0"/>
+              </a:cxn>
+              <a:cxn ang="0">
+                <a:pos x="connsiteX1" y="connsiteY1"/>
+              </a:cxn>
+              <a:cxn ang="0">
+                <a:pos x="connsiteX2" y="connsiteY2"/>
+              </a:cxn>
+            </a:cxnLst>
+            <a:rect l="l" t="t" r="r" b="b"/>
+            <a:pathLst>
+              <a:path w="4627609" h="1492671">
+                <a:moveTo>
+                  <a:pt x="4627609" y="1371600"/>
+                </a:moveTo>
+                <a:cubicBezTo>
+                  <a:pt x="3011931" y="1478756"/>
+                  <a:pt x="1396253" y="1585912"/>
+                  <a:pt x="627109" y="1357312"/>
+                </a:cubicBezTo>
+                <a:cubicBezTo>
+                  <a:pt x="-142035" y="1128712"/>
+                  <a:pt x="12747" y="0"/>
+                  <a:pt x="12747" y="0"/>
+                </a:cubicBezTo>
+              </a:path>
+            </a:pathLst>
+          </a:custGeom>
+          <a:noFill/>
+          <a:ln w="57150">
+            <a:solidFill>
+              <a:schemeClr val="accent1"/>
+            </a:solidFill>
+            <a:headEnd type="none" w="med" len="med"/>
+            <a:tailEnd type="triangle" w="med" len="med"/>
+          </a:ln>
+        </p:spPr>
+        <p:style>
+          <a:lnRef idx="2">
+            <a:schemeClr val="accent1">
+              <a:shade val="50000"/>
+            </a:schemeClr>
+          </a:lnRef>
+          <a:fillRef idx="1">
+            <a:schemeClr val="accent1"/>
+          </a:fillRef>
+          <a:effectRef idx="0">
+            <a:schemeClr val="accent1"/>
+          </a:effectRef>
+          <a:fontRef idx="minor">
+            <a:schemeClr val="lt1"/>
+          </a:fontRef>
+        </p:style>
+        <p:txBody>
+          <a:bodyPr rtlCol="0" anchor="ctr"/>
+          <a:lstStyle/>
+          <a:p>
+            <a:pPr algn="ctr"/>
+            <a:endParaRPr lang="en-US"/>
+          </a:p>
+        </p:txBody>
+      </p:sp>
+      <p:sp>
+        <p:nvSpPr>
+          <p:cNvPr id="54" name="Rounded Rectangle 53"/>
+          <p:cNvSpPr/>
+          <p:nvPr/>
+        </p:nvSpPr>
+        <p:spPr>
+          <a:xfrm>
+            <a:off x="1460451" y="5995114"/>
+            <a:ext cx="985838" cy="500061"/>
+          </a:xfrm>
+          <a:prstGeom prst="roundRect">
+            <a:avLst/>
+          </a:prstGeom>
+          <a:solidFill>
+            <a:schemeClr val="accent1"/>
+          </a:solidFill>
+          <a:ln>
+            <a:solidFill>
+              <a:schemeClr val="accent1"/>
+            </a:solidFill>
+          </a:ln>
+        </p:spPr>
+        <p:style>
+          <a:lnRef idx="2">
+            <a:schemeClr val="accent1">
+              <a:shade val="50000"/>
+            </a:schemeClr>
+          </a:lnRef>
+          <a:fillRef idx="1">
+            <a:schemeClr val="accent1"/>
+          </a:fillRef>
+          <a:effectRef idx="0">
+            <a:schemeClr val="accent1"/>
+          </a:effectRef>
+          <a:fontRef idx="minor">
+            <a:schemeClr val="lt1"/>
+          </a:fontRef>
+        </p:style>
+        <p:txBody>
+          <a:bodyPr rtlCol="0" anchor="ctr"/>
+          <a:lstStyle/>
+          <a:p>
+            <a:pPr algn="ctr"/>
+            <a:r>
+              <a:rPr lang="en-US" dirty="0" smtClean="0">
+                <a:solidFill>
+                  <a:schemeClr val="tx1"/>
+                </a:solidFill>
+              </a:rPr>
+              <a:t>200</a:t>
+            </a:r>
+            <a:endParaRPr lang="en-US" dirty="0">
+              <a:solidFill>
+                <a:schemeClr val="tx1"/>
+              </a:solidFill>
+            </a:endParaRPr>
+          </a:p>
+        </p:txBody>
+      </p:sp>
+      <p:sp>
+        <p:nvSpPr>
+          <p:cNvPr id="55" name="Freeform 54"/>
+          <p:cNvSpPr/>
+          <p:nvPr/>
+        </p:nvSpPr>
+        <p:spPr>
+          <a:xfrm>
+            <a:off x="1750218" y="4851354"/>
+            <a:ext cx="3986213" cy="972405"/>
+          </a:xfrm>
+          <a:custGeom>
+            <a:avLst/>
+            <a:gdLst>
+              <a:gd name="connsiteX0" fmla="*/ 4340071 w 4340071"/>
+              <a:gd name="connsiteY0" fmla="*/ 443767 h 972405"/>
+              <a:gd name="connsiteX1" fmla="*/ 753908 w 4340071"/>
+              <a:gd name="connsiteY1" fmla="*/ 855 h 972405"/>
+              <a:gd name="connsiteX2" fmla="*/ 196696 w 4340071"/>
+              <a:gd name="connsiteY2" fmla="*/ 543780 h 972405"/>
+              <a:gd name="connsiteX3" fmla="*/ 3282796 w 4340071"/>
+              <a:gd name="connsiteY3" fmla="*/ 972405 h 972405"/>
+            </a:gdLst>
+            <a:ahLst/>
+            <a:cxnLst>
+              <a:cxn ang="0">
+                <a:pos x="connsiteX0" y="connsiteY0"/>
+              </a:cxn>
+              <a:cxn ang="0">
+                <a:pos x="connsiteX1" y="connsiteY1"/>
+              </a:cxn>
+              <a:cxn ang="0">
+                <a:pos x="connsiteX2" y="connsiteY2"/>
+              </a:cxn>
+              <a:cxn ang="0">
+                <a:pos x="connsiteX3" y="connsiteY3"/>
+              </a:cxn>
+            </a:cxnLst>
+            <a:rect l="l" t="t" r="r" b="b"/>
+            <a:pathLst>
+              <a:path w="4340071" h="972405">
+                <a:moveTo>
+                  <a:pt x="4340071" y="443767"/>
+                </a:moveTo>
+                <a:cubicBezTo>
+                  <a:pt x="2892270" y="213976"/>
+                  <a:pt x="1444470" y="-15814"/>
+                  <a:pt x="753908" y="855"/>
+                </a:cubicBezTo>
+                <a:cubicBezTo>
+                  <a:pt x="63346" y="17524"/>
+                  <a:pt x="-224785" y="381855"/>
+                  <a:pt x="196696" y="543780"/>
+                </a:cubicBezTo>
+                <a:cubicBezTo>
+                  <a:pt x="618177" y="705705"/>
+                  <a:pt x="3282796" y="972405"/>
+                  <a:pt x="3282796" y="972405"/>
+                </a:cubicBezTo>
+              </a:path>
+            </a:pathLst>
+          </a:custGeom>
+          <a:noFill/>
+          <a:ln w="57150">
+            <a:solidFill>
+              <a:schemeClr val="accent1"/>
+            </a:solidFill>
+            <a:headEnd type="none" w="med" len="med"/>
+            <a:tailEnd type="triangle" w="med" len="med"/>
+          </a:ln>
+        </p:spPr>
+        <p:style>
+          <a:lnRef idx="2">
+            <a:schemeClr val="accent1">
+              <a:shade val="50000"/>
+            </a:schemeClr>
+          </a:lnRef>
+          <a:fillRef idx="1">
+            <a:schemeClr val="accent1"/>
+          </a:fillRef>
+          <a:effectRef idx="0">
+            <a:schemeClr val="accent1"/>
+          </a:effectRef>
+          <a:fontRef idx="minor">
+            <a:schemeClr val="lt1"/>
+          </a:fontRef>
+        </p:style>
+        <p:txBody>
+          <a:bodyPr rtlCol="0" anchor="ctr"/>
+          <a:lstStyle/>
+          <a:p>
+            <a:pPr algn="ctr"/>
+            <a:endParaRPr lang="en-US"/>
+          </a:p>
+        </p:txBody>
+      </p:sp>
+      <p:sp>
+        <p:nvSpPr>
+          <p:cNvPr id="35" name="Rounded Rectangle 34"/>
+          <p:cNvSpPr/>
+          <p:nvPr/>
+        </p:nvSpPr>
+        <p:spPr>
+          <a:xfrm>
+            <a:off x="3136752" y="4719657"/>
+            <a:ext cx="985838" cy="500061"/>
+          </a:xfrm>
+          <a:prstGeom prst="roundRect">
+            <a:avLst/>
+          </a:prstGeom>
+          <a:solidFill>
+            <a:schemeClr val="accent1"/>
+          </a:solidFill>
+          <a:ln>
+            <a:solidFill>
+              <a:schemeClr val="accent1"/>
+            </a:solidFill>
+          </a:ln>
+        </p:spPr>
+        <p:style>
+          <a:lnRef idx="2">
+            <a:schemeClr val="accent1">
+              <a:shade val="50000"/>
+            </a:schemeClr>
+          </a:lnRef>
+          <a:fillRef idx="1">
+            <a:schemeClr val="accent1"/>
+          </a:fillRef>
+          <a:effectRef idx="0">
+            <a:schemeClr val="accent1"/>
+          </a:effectRef>
+          <a:fontRef idx="minor">
+            <a:schemeClr val="lt1"/>
+          </a:fontRef>
+        </p:style>
+        <p:txBody>
+          <a:bodyPr rtlCol="0" anchor="ctr"/>
+          <a:lstStyle/>
+          <a:p>
+            <a:pPr algn="ctr"/>
+            <a:r>
+              <a:rPr lang="en-US" smtClean="0">
+                <a:solidFill>
+                  <a:schemeClr val="tx1"/>
+                </a:solidFill>
+              </a:rPr>
+              <a:t>302</a:t>
+            </a:r>
+            <a:endParaRPr lang="en-US" dirty="0">
+              <a:solidFill>
+                <a:schemeClr val="tx1"/>
+              </a:solidFill>
+            </a:endParaRPr>
+          </a:p>
+        </p:txBody>
+      </p:sp>
+      <p:sp>
+        <p:nvSpPr>
+          <p:cNvPr id="36" name="Rounded Rectangle 35"/>
+          <p:cNvSpPr/>
+          <p:nvPr/>
+        </p:nvSpPr>
+        <p:spPr>
+          <a:xfrm>
+            <a:off x="2966740" y="5398127"/>
+            <a:ext cx="985838" cy="500061"/>
+          </a:xfrm>
+          <a:prstGeom prst="roundRect">
+            <a:avLst/>
+          </a:prstGeom>
+          <a:solidFill>
+            <a:schemeClr val="accent1"/>
+          </a:solidFill>
+          <a:ln>
+            <a:solidFill>
+              <a:schemeClr val="accent1"/>
+            </a:solidFill>
+          </a:ln>
+        </p:spPr>
+        <p:style>
+          <a:lnRef idx="2">
+            <a:schemeClr val="accent1">
+              <a:shade val="50000"/>
+            </a:schemeClr>
+          </a:lnRef>
+          <a:fillRef idx="1">
+            <a:schemeClr val="accent1"/>
+          </a:fillRef>
+          <a:effectRef idx="0">
+            <a:schemeClr val="accent1"/>
+          </a:effectRef>
+          <a:fontRef idx="minor">
+            <a:schemeClr val="lt1"/>
+          </a:fontRef>
+        </p:style>
+        <p:txBody>
+          <a:bodyPr rtlCol="0" anchor="ctr"/>
+          <a:lstStyle/>
+          <a:p>
+            <a:pPr algn="ctr"/>
+            <a:r>
+              <a:rPr lang="en-US" dirty="0" smtClean="0">
+                <a:solidFill>
+                  <a:schemeClr val="tx1"/>
+                </a:solidFill>
+              </a:rPr>
+              <a:t>GET</a:t>
+            </a:r>
+            <a:endParaRPr lang="en-US" dirty="0">
+              <a:solidFill>
+                <a:schemeClr val="tx1"/>
+              </a:solidFill>
+            </a:endParaRPr>
+          </a:p>
+        </p:txBody>
+      </p:sp>
+    </p:spTree>
+    <p:extLst>
+      <p:ext uri="{BB962C8B-B14F-4D97-AF65-F5344CB8AC3E}">
+        <p14:creationId xmlns:p14="http://schemas.microsoft.com/office/powerpoint/2010/main" val="1182623155"/>
+      </p:ext>
+    </p:extLst>
+  </p:cSld>
+  <p:clrMapOvr>
+    <a:masterClrMapping/>
+  </p:clrMapOvr>
+</p:sld>
+</file>
+
+<file path=ppt/slides/slide26.xml><?xml version="1.0" encoding="utf-8"?>
+<p:sld xmlns:a="http://schemas.openxmlformats.org/drawingml/2006/main" xmlns:r="http://schemas.openxmlformats.org/officeDocument/2006/relationships" xmlns:p="http://schemas.openxmlformats.org/presentationml/2006/main">
+  <p:cSld>
+    <p:spTree>
+      <p:nvGrpSpPr>
+        <p:cNvPr id="1" name=""/>
+        <p:cNvGrpSpPr/>
+        <p:nvPr/>
+      </p:nvGrpSpPr>
+      <p:grpSpPr>
+        <a:xfrm>
+          <a:off x="0" y="0"/>
+          <a:ext cx="0" cy="0"/>
+          <a:chOff x="0" y="0"/>
+          <a:chExt cx="0" cy="0"/>
+        </a:xfrm>
+      </p:grpSpPr>
+      <p:pic>
+        <p:nvPicPr>
+          <p:cNvPr id="17" name="Picture 16"/>
+          <p:cNvPicPr>
+            <a:picLocks noChangeAspect="1"/>
+          </p:cNvPicPr>
+          <p:nvPr/>
+        </p:nvPicPr>
+        <p:blipFill>
+          <a:blip r:embed="rId2">
+            <a:extLst>
+              <a:ext uri="{28A0092B-C50C-407E-A947-70E740481C1C}">
+                <a14:useLocalDpi xmlns:a14="http://schemas.microsoft.com/office/drawing/2010/main" val="0"/>
+              </a:ext>
+            </a:extLst>
+          </a:blip>
+          <a:stretch>
+            <a:fillRect/>
+          </a:stretch>
+        </p:blipFill>
+        <p:spPr>
+          <a:xfrm>
+            <a:off x="-180852" y="3164228"/>
+            <a:ext cx="6781800" cy="3949700"/>
+          </a:xfrm>
+          <a:prstGeom prst="rect">
+            <a:avLst/>
+          </a:prstGeom>
+        </p:spPr>
+      </p:pic>
+      <p:pic>
+        <p:nvPicPr>
+          <p:cNvPr id="16" name="Picture 15"/>
+          <p:cNvPicPr>
+            <a:picLocks noChangeAspect="1"/>
+          </p:cNvPicPr>
+          <p:nvPr/>
+        </p:nvPicPr>
+        <p:blipFill>
+          <a:blip r:embed="rId3">
+            <a:extLst>
+              <a:ext uri="{28A0092B-C50C-407E-A947-70E740481C1C}">
+                <a14:useLocalDpi xmlns:a14="http://schemas.microsoft.com/office/drawing/2010/main" val="0"/>
+              </a:ext>
+            </a:extLst>
+          </a:blip>
+          <a:stretch>
+            <a:fillRect/>
+          </a:stretch>
+        </p:blipFill>
+        <p:spPr>
+          <a:xfrm>
+            <a:off x="-215900" y="-125487"/>
+            <a:ext cx="6781800" cy="3949700"/>
+          </a:xfrm>
+          <a:prstGeom prst="rect">
+            <a:avLst/>
+          </a:prstGeom>
+        </p:spPr>
+      </p:pic>
+      <p:sp>
+        <p:nvSpPr>
+          <p:cNvPr id="31" name="TextBox 30"/>
+          <p:cNvSpPr txBox="1"/>
+          <p:nvPr/>
+        </p:nvSpPr>
+        <p:spPr>
+          <a:xfrm>
+            <a:off x="4702672" y="737462"/>
+            <a:ext cx="7353295" cy="5632311"/>
+          </a:xfrm>
+          <a:prstGeom prst="rect">
+            <a:avLst/>
+          </a:prstGeom>
+          <a:solidFill>
+            <a:schemeClr val="tx1"/>
+          </a:solidFill>
+          <a:ln w="38100">
+            <a:solidFill>
+              <a:schemeClr val="bg1"/>
+            </a:solidFill>
+          </a:ln>
+        </p:spPr>
+        <p:txBody>
+          <a:bodyPr wrap="none" rtlCol="0">
+            <a:spAutoFit/>
+          </a:bodyPr>
+          <a:lstStyle/>
+          <a:p>
+            <a:r>
+              <a:rPr lang="en-US" b="1" dirty="0">
+                <a:solidFill>
+                  <a:srgbClr val="C1651C"/>
+                </a:solidFill>
+                <a:latin typeface="Courier" charset="0"/>
+                <a:ea typeface="Courier" charset="0"/>
+                <a:cs typeface="Courier" charset="0"/>
+              </a:rPr>
+              <a:t>class</a:t>
+            </a:r>
+            <a:r>
+              <a:rPr lang="en-US" b="1" dirty="0">
+                <a:solidFill>
+                  <a:srgbClr val="000000"/>
+                </a:solidFill>
+                <a:latin typeface="Courier" charset="0"/>
+                <a:ea typeface="Courier" charset="0"/>
+                <a:cs typeface="Courier" charset="0"/>
+              </a:rPr>
+              <a:t> </a:t>
+            </a:r>
+            <a:r>
+              <a:rPr lang="en-US" b="1" dirty="0">
+                <a:solidFill>
+                  <a:srgbClr val="2EAEBB"/>
+                </a:solidFill>
+                <a:latin typeface="Courier" charset="0"/>
+                <a:ea typeface="Courier" charset="0"/>
+                <a:cs typeface="Courier" charset="0"/>
+              </a:rPr>
+              <a:t>Validate</a:t>
+            </a:r>
+            <a:r>
+              <a:rPr lang="en-US" b="1" dirty="0">
+                <a:solidFill>
+                  <a:srgbClr val="000000"/>
+                </a:solidFill>
+                <a:latin typeface="Courier" charset="0"/>
+                <a:ea typeface="Courier" charset="0"/>
+                <a:cs typeface="Courier" charset="0"/>
+              </a:rPr>
+              <a:t>(</a:t>
+            </a:r>
+            <a:r>
+              <a:rPr lang="en-US" b="1" dirty="0" err="1">
+                <a:solidFill>
+                  <a:srgbClr val="000000"/>
+                </a:solidFill>
+                <a:latin typeface="Courier" charset="0"/>
+                <a:ea typeface="Courier" charset="0"/>
+                <a:cs typeface="Courier" charset="0"/>
+              </a:rPr>
+              <a:t>DumpPostView</a:t>
+            </a:r>
+            <a:r>
+              <a:rPr lang="en-US" b="1" dirty="0">
+                <a:solidFill>
+                  <a:srgbClr val="000000"/>
+                </a:solidFill>
+                <a:latin typeface="Courier" charset="0"/>
+                <a:ea typeface="Courier" charset="0"/>
+                <a:cs typeface="Courier" charset="0"/>
+              </a:rPr>
+              <a:t>):</a:t>
+            </a:r>
+          </a:p>
+          <a:p>
+            <a:r>
+              <a:rPr lang="en-US" b="1" dirty="0">
+                <a:solidFill>
+                  <a:srgbClr val="000000"/>
+                </a:solidFill>
+                <a:latin typeface="Courier" charset="0"/>
+                <a:ea typeface="Courier" charset="0"/>
+                <a:cs typeface="Courier" charset="0"/>
+              </a:rPr>
+              <a:t>    </a:t>
+            </a:r>
+            <a:r>
+              <a:rPr lang="en-US" b="1" dirty="0" err="1">
+                <a:solidFill>
+                  <a:srgbClr val="C1651C"/>
+                </a:solidFill>
+                <a:latin typeface="Courier" charset="0"/>
+                <a:ea typeface="Courier" charset="0"/>
+                <a:cs typeface="Courier" charset="0"/>
+              </a:rPr>
+              <a:t>def</a:t>
+            </a:r>
+            <a:r>
+              <a:rPr lang="en-US" b="1" dirty="0">
+                <a:solidFill>
+                  <a:srgbClr val="000000"/>
+                </a:solidFill>
+                <a:latin typeface="Courier" charset="0"/>
+                <a:ea typeface="Courier" charset="0"/>
+                <a:cs typeface="Courier" charset="0"/>
+              </a:rPr>
+              <a:t> </a:t>
+            </a:r>
+            <a:r>
+              <a:rPr lang="en-US" b="1" dirty="0">
+                <a:solidFill>
+                  <a:srgbClr val="2EAEBB"/>
+                </a:solidFill>
+                <a:latin typeface="Courier" charset="0"/>
+                <a:ea typeface="Courier" charset="0"/>
+                <a:cs typeface="Courier" charset="0"/>
+              </a:rPr>
+              <a:t>get</a:t>
+            </a:r>
+            <a:r>
+              <a:rPr lang="en-US" b="1" dirty="0">
+                <a:solidFill>
+                  <a:srgbClr val="000000"/>
+                </a:solidFill>
+                <a:latin typeface="Courier" charset="0"/>
+                <a:ea typeface="Courier" charset="0"/>
+                <a:cs typeface="Courier" charset="0"/>
+              </a:rPr>
+              <a:t>(self, request) :</a:t>
+            </a:r>
+          </a:p>
+          <a:p>
+            <a:r>
+              <a:rPr lang="mr-IN" b="1" dirty="0">
+                <a:solidFill>
+                  <a:srgbClr val="000000"/>
+                </a:solidFill>
+                <a:latin typeface="Courier" charset="0"/>
+                <a:ea typeface="Courier" charset="0"/>
+                <a:cs typeface="Courier" charset="0"/>
+              </a:rPr>
+              <a:t>        </a:t>
+            </a:r>
+            <a:r>
+              <a:rPr lang="mr-IN" b="1" dirty="0" err="1">
+                <a:solidFill>
+                  <a:srgbClr val="000000"/>
+                </a:solidFill>
+                <a:latin typeface="Courier" charset="0"/>
+                <a:ea typeface="Courier" charset="0"/>
+                <a:cs typeface="Courier" charset="0"/>
+              </a:rPr>
+              <a:t>old_data</a:t>
+            </a:r>
+            <a:r>
+              <a:rPr lang="mr-IN" b="1" dirty="0">
+                <a:solidFill>
+                  <a:srgbClr val="000000"/>
+                </a:solidFill>
+                <a:latin typeface="Courier" charset="0"/>
+                <a:ea typeface="Courier" charset="0"/>
+                <a:cs typeface="Courier" charset="0"/>
+              </a:rPr>
+              <a:t> = {</a:t>
+            </a:r>
+          </a:p>
+          <a:p>
+            <a:r>
+              <a:rPr lang="mr-IN" b="1" dirty="0">
+                <a:solidFill>
+                  <a:srgbClr val="000000"/>
+                </a:solidFill>
+                <a:latin typeface="Courier" charset="0"/>
+                <a:ea typeface="Courier" charset="0"/>
+                <a:cs typeface="Courier" charset="0"/>
+              </a:rPr>
+              <a:t>            </a:t>
+            </a:r>
+            <a:r>
+              <a:rPr lang="mr-IN" b="1" dirty="0">
+                <a:solidFill>
+                  <a:srgbClr val="B42419"/>
+                </a:solidFill>
+                <a:latin typeface="Courier" charset="0"/>
+                <a:ea typeface="Courier" charset="0"/>
+                <a:cs typeface="Courier" charset="0"/>
+              </a:rPr>
+              <a:t>'</a:t>
+            </a:r>
+            <a:r>
+              <a:rPr lang="mr-IN" b="1" dirty="0" err="1">
+                <a:solidFill>
+                  <a:srgbClr val="B42419"/>
+                </a:solidFill>
+                <a:latin typeface="Courier" charset="0"/>
+                <a:ea typeface="Courier" charset="0"/>
+                <a:cs typeface="Courier" charset="0"/>
+              </a:rPr>
+              <a:t>title</a:t>
+            </a:r>
+            <a:r>
+              <a:rPr lang="mr-IN" b="1" dirty="0">
+                <a:solidFill>
+                  <a:srgbClr val="B42419"/>
+                </a:solidFill>
+                <a:latin typeface="Courier" charset="0"/>
+                <a:ea typeface="Courier" charset="0"/>
+                <a:cs typeface="Courier" charset="0"/>
+              </a:rPr>
+              <a:t>'</a:t>
+            </a:r>
+            <a:r>
+              <a:rPr lang="mr-IN" b="1" dirty="0">
+                <a:solidFill>
+                  <a:srgbClr val="000000"/>
+                </a:solidFill>
+                <a:latin typeface="Courier" charset="0"/>
+                <a:ea typeface="Courier" charset="0"/>
+                <a:cs typeface="Courier" charset="0"/>
+              </a:rPr>
+              <a:t>: </a:t>
+            </a:r>
+            <a:r>
+              <a:rPr lang="mr-IN" b="1" dirty="0">
+                <a:solidFill>
+                  <a:srgbClr val="B42419"/>
+                </a:solidFill>
+                <a:latin typeface="Courier" charset="0"/>
+                <a:ea typeface="Courier" charset="0"/>
+                <a:cs typeface="Courier" charset="0"/>
+              </a:rPr>
+              <a:t>'</a:t>
+            </a:r>
+            <a:r>
+              <a:rPr lang="mr-IN" b="1" dirty="0" err="1">
+                <a:solidFill>
+                  <a:srgbClr val="B42419"/>
+                </a:solidFill>
+                <a:latin typeface="Courier" charset="0"/>
+                <a:ea typeface="Courier" charset="0"/>
+                <a:cs typeface="Courier" charset="0"/>
+              </a:rPr>
+              <a:t>SakaiCar</a:t>
+            </a:r>
+            <a:r>
+              <a:rPr lang="mr-IN" b="1" dirty="0">
+                <a:solidFill>
+                  <a:srgbClr val="B42419"/>
+                </a:solidFill>
+                <a:latin typeface="Courier" charset="0"/>
+                <a:ea typeface="Courier" charset="0"/>
+                <a:cs typeface="Courier" charset="0"/>
+              </a:rPr>
+              <a:t>'</a:t>
+            </a:r>
+            <a:r>
+              <a:rPr lang="mr-IN" b="1" dirty="0">
+                <a:solidFill>
+                  <a:srgbClr val="000000"/>
+                </a:solidFill>
+                <a:latin typeface="Courier" charset="0"/>
+                <a:ea typeface="Courier" charset="0"/>
+                <a:cs typeface="Courier" charset="0"/>
+              </a:rPr>
+              <a:t>,</a:t>
+            </a:r>
+          </a:p>
+          <a:p>
+            <a:r>
+              <a:rPr lang="mr-IN" b="1" dirty="0">
+                <a:solidFill>
+                  <a:srgbClr val="000000"/>
+                </a:solidFill>
+                <a:latin typeface="Courier" charset="0"/>
+                <a:ea typeface="Courier" charset="0"/>
+                <a:cs typeface="Courier" charset="0"/>
+              </a:rPr>
+              <a:t>            </a:t>
+            </a:r>
+            <a:r>
+              <a:rPr lang="mr-IN" b="1" dirty="0">
+                <a:solidFill>
+                  <a:srgbClr val="B42419"/>
+                </a:solidFill>
+                <a:latin typeface="Courier" charset="0"/>
+                <a:ea typeface="Courier" charset="0"/>
+                <a:cs typeface="Courier" charset="0"/>
+              </a:rPr>
+              <a:t>'</a:t>
+            </a:r>
+            <a:r>
+              <a:rPr lang="mr-IN" b="1" dirty="0" err="1">
+                <a:solidFill>
+                  <a:srgbClr val="B42419"/>
+                </a:solidFill>
+                <a:latin typeface="Courier" charset="0"/>
+                <a:ea typeface="Courier" charset="0"/>
+                <a:cs typeface="Courier" charset="0"/>
+              </a:rPr>
+              <a:t>mileage</a:t>
+            </a:r>
+            <a:r>
+              <a:rPr lang="mr-IN" b="1" dirty="0">
+                <a:solidFill>
+                  <a:srgbClr val="B42419"/>
+                </a:solidFill>
+                <a:latin typeface="Courier" charset="0"/>
+                <a:ea typeface="Courier" charset="0"/>
+                <a:cs typeface="Courier" charset="0"/>
+              </a:rPr>
+              <a:t>'</a:t>
+            </a:r>
+            <a:r>
+              <a:rPr lang="mr-IN" b="1" dirty="0">
+                <a:solidFill>
+                  <a:srgbClr val="000000"/>
+                </a:solidFill>
+                <a:latin typeface="Courier" charset="0"/>
+                <a:ea typeface="Courier" charset="0"/>
+                <a:cs typeface="Courier" charset="0"/>
+              </a:rPr>
+              <a:t> : </a:t>
+            </a:r>
+            <a:r>
+              <a:rPr lang="mr-IN" b="1" dirty="0">
+                <a:solidFill>
+                  <a:srgbClr val="B42419"/>
+                </a:solidFill>
+                <a:latin typeface="Courier" charset="0"/>
+                <a:ea typeface="Courier" charset="0"/>
+                <a:cs typeface="Courier" charset="0"/>
+              </a:rPr>
+              <a:t>42</a:t>
+            </a:r>
+            <a:r>
+              <a:rPr lang="mr-IN" b="1" dirty="0">
+                <a:solidFill>
+                  <a:srgbClr val="000000"/>
+                </a:solidFill>
+                <a:latin typeface="Courier" charset="0"/>
+                <a:ea typeface="Courier" charset="0"/>
+                <a:cs typeface="Courier" charset="0"/>
+              </a:rPr>
+              <a:t>,</a:t>
+            </a:r>
+          </a:p>
+          <a:p>
+            <a:r>
+              <a:rPr lang="mr-IN" b="1" dirty="0">
+                <a:solidFill>
+                  <a:srgbClr val="000000"/>
+                </a:solidFill>
+                <a:latin typeface="Courier" charset="0"/>
+                <a:ea typeface="Courier" charset="0"/>
+                <a:cs typeface="Courier" charset="0"/>
+              </a:rPr>
+              <a:t>            </a:t>
+            </a:r>
+            <a:r>
+              <a:rPr lang="mr-IN" b="1" dirty="0">
+                <a:solidFill>
+                  <a:srgbClr val="B42419"/>
+                </a:solidFill>
+                <a:latin typeface="Courier" charset="0"/>
+                <a:ea typeface="Courier" charset="0"/>
+                <a:cs typeface="Courier" charset="0"/>
+              </a:rPr>
+              <a:t>'</a:t>
+            </a:r>
+            <a:r>
+              <a:rPr lang="mr-IN" b="1" dirty="0" err="1">
+                <a:solidFill>
+                  <a:srgbClr val="B42419"/>
+                </a:solidFill>
+                <a:latin typeface="Courier" charset="0"/>
+                <a:ea typeface="Courier" charset="0"/>
+                <a:cs typeface="Courier" charset="0"/>
+              </a:rPr>
+              <a:t>purchase_date</a:t>
+            </a:r>
+            <a:r>
+              <a:rPr lang="mr-IN" b="1" dirty="0">
+                <a:solidFill>
+                  <a:srgbClr val="B42419"/>
+                </a:solidFill>
+                <a:latin typeface="Courier" charset="0"/>
+                <a:ea typeface="Courier" charset="0"/>
+                <a:cs typeface="Courier" charset="0"/>
+              </a:rPr>
+              <a:t>'</a:t>
+            </a:r>
+            <a:r>
+              <a:rPr lang="mr-IN" b="1" dirty="0">
+                <a:solidFill>
+                  <a:srgbClr val="000000"/>
+                </a:solidFill>
+                <a:latin typeface="Courier" charset="0"/>
+                <a:ea typeface="Courier" charset="0"/>
+                <a:cs typeface="Courier" charset="0"/>
+              </a:rPr>
+              <a:t>: </a:t>
+            </a:r>
+            <a:r>
+              <a:rPr lang="mr-IN" b="1" dirty="0">
+                <a:solidFill>
+                  <a:srgbClr val="B42419"/>
+                </a:solidFill>
+                <a:latin typeface="Courier" charset="0"/>
+                <a:ea typeface="Courier" charset="0"/>
+                <a:cs typeface="Courier" charset="0"/>
+              </a:rPr>
+              <a:t>'2018-08-14'</a:t>
+            </a:r>
+            <a:endParaRPr lang="mr-IN" b="1" dirty="0">
+              <a:solidFill>
+                <a:srgbClr val="000000"/>
+              </a:solidFill>
+              <a:latin typeface="Courier" charset="0"/>
+              <a:ea typeface="Courier" charset="0"/>
+              <a:cs typeface="Courier" charset="0"/>
+            </a:endParaRPr>
+          </a:p>
+          <a:p>
+            <a:r>
+              <a:rPr lang="mr-IN" b="1" dirty="0">
+                <a:solidFill>
+                  <a:srgbClr val="000000"/>
+                </a:solidFill>
+                <a:latin typeface="Courier" charset="0"/>
+                <a:ea typeface="Courier" charset="0"/>
+                <a:cs typeface="Courier" charset="0"/>
+              </a:rPr>
+              <a:t>        }</a:t>
+            </a:r>
+          </a:p>
+          <a:p>
+            <a:r>
+              <a:rPr lang="en-US" b="1" dirty="0">
+                <a:solidFill>
+                  <a:srgbClr val="000000"/>
+                </a:solidFill>
+                <a:latin typeface="Courier" charset="0"/>
+                <a:ea typeface="Courier" charset="0"/>
+                <a:cs typeface="Courier" charset="0"/>
+              </a:rPr>
+              <a:t>        form = </a:t>
+            </a:r>
+            <a:r>
+              <a:rPr lang="en-US" b="1" dirty="0" err="1">
+                <a:solidFill>
+                  <a:srgbClr val="000000"/>
+                </a:solidFill>
+                <a:latin typeface="Courier" charset="0"/>
+                <a:ea typeface="Courier" charset="0"/>
+                <a:cs typeface="Courier" charset="0"/>
+              </a:rPr>
+              <a:t>BasicForm</a:t>
+            </a:r>
+            <a:r>
+              <a:rPr lang="en-US" b="1" dirty="0">
+                <a:solidFill>
+                  <a:srgbClr val="000000"/>
+                </a:solidFill>
+                <a:latin typeface="Courier" charset="0"/>
+                <a:ea typeface="Courier" charset="0"/>
+                <a:cs typeface="Courier" charset="0"/>
+              </a:rPr>
+              <a:t>(initial=</a:t>
+            </a:r>
+            <a:r>
+              <a:rPr lang="en-US" b="1" dirty="0" err="1">
+                <a:solidFill>
+                  <a:srgbClr val="000000"/>
+                </a:solidFill>
+                <a:latin typeface="Courier" charset="0"/>
+                <a:ea typeface="Courier" charset="0"/>
+                <a:cs typeface="Courier" charset="0"/>
+              </a:rPr>
+              <a:t>old_data</a:t>
+            </a:r>
+            <a:r>
+              <a:rPr lang="en-US" b="1" dirty="0">
+                <a:solidFill>
+                  <a:srgbClr val="000000"/>
+                </a:solidFill>
+                <a:latin typeface="Courier" charset="0"/>
+                <a:ea typeface="Courier" charset="0"/>
+                <a:cs typeface="Courier" charset="0"/>
+              </a:rPr>
+              <a:t>)</a:t>
+            </a:r>
+          </a:p>
+          <a:p>
+            <a:r>
+              <a:rPr lang="mr-IN" b="1" dirty="0">
+                <a:solidFill>
+                  <a:srgbClr val="000000"/>
+                </a:solidFill>
+                <a:latin typeface="Courier" charset="0"/>
+                <a:ea typeface="Courier" charset="0"/>
+                <a:cs typeface="Courier" charset="0"/>
+              </a:rPr>
+              <a:t>        </a:t>
+            </a:r>
+            <a:r>
+              <a:rPr lang="mr-IN" b="1" dirty="0" err="1">
+                <a:solidFill>
+                  <a:srgbClr val="000000"/>
+                </a:solidFill>
+                <a:latin typeface="Courier" charset="0"/>
+                <a:ea typeface="Courier" charset="0"/>
+                <a:cs typeface="Courier" charset="0"/>
+              </a:rPr>
+              <a:t>ctx</a:t>
+            </a:r>
+            <a:r>
+              <a:rPr lang="mr-IN" b="1" dirty="0">
+                <a:solidFill>
+                  <a:srgbClr val="000000"/>
+                </a:solidFill>
+                <a:latin typeface="Courier" charset="0"/>
+                <a:ea typeface="Courier" charset="0"/>
+                <a:cs typeface="Courier" charset="0"/>
+              </a:rPr>
+              <a:t> = {</a:t>
+            </a:r>
+            <a:r>
+              <a:rPr lang="mr-IN" b="1" dirty="0">
+                <a:solidFill>
+                  <a:srgbClr val="B42419"/>
+                </a:solidFill>
+                <a:latin typeface="Courier" charset="0"/>
+                <a:ea typeface="Courier" charset="0"/>
+                <a:cs typeface="Courier" charset="0"/>
+              </a:rPr>
+              <a:t>'</a:t>
+            </a:r>
+            <a:r>
+              <a:rPr lang="mr-IN" b="1" dirty="0" err="1">
+                <a:solidFill>
+                  <a:srgbClr val="B42419"/>
+                </a:solidFill>
+                <a:latin typeface="Courier" charset="0"/>
+                <a:ea typeface="Courier" charset="0"/>
+                <a:cs typeface="Courier" charset="0"/>
+              </a:rPr>
+              <a:t>form</a:t>
+            </a:r>
+            <a:r>
+              <a:rPr lang="mr-IN" b="1" dirty="0">
+                <a:solidFill>
+                  <a:srgbClr val="B42419"/>
+                </a:solidFill>
+                <a:latin typeface="Courier" charset="0"/>
+                <a:ea typeface="Courier" charset="0"/>
+                <a:cs typeface="Courier" charset="0"/>
+              </a:rPr>
+              <a:t>'</a:t>
+            </a:r>
+            <a:r>
+              <a:rPr lang="mr-IN" b="1" dirty="0">
+                <a:solidFill>
+                  <a:srgbClr val="000000"/>
+                </a:solidFill>
+                <a:latin typeface="Courier" charset="0"/>
+                <a:ea typeface="Courier" charset="0"/>
+                <a:cs typeface="Courier" charset="0"/>
+              </a:rPr>
+              <a:t> : </a:t>
+            </a:r>
+            <a:r>
+              <a:rPr lang="mr-IN" b="1" dirty="0" err="1">
+                <a:solidFill>
+                  <a:srgbClr val="000000"/>
+                </a:solidFill>
+                <a:latin typeface="Courier" charset="0"/>
+                <a:ea typeface="Courier" charset="0"/>
+                <a:cs typeface="Courier" charset="0"/>
+              </a:rPr>
+              <a:t>form</a:t>
+            </a:r>
+            <a:r>
+              <a:rPr lang="mr-IN" b="1" dirty="0">
+                <a:solidFill>
+                  <a:srgbClr val="000000"/>
+                </a:solidFill>
+                <a:latin typeface="Courier" charset="0"/>
+                <a:ea typeface="Courier" charset="0"/>
+                <a:cs typeface="Courier" charset="0"/>
+              </a:rPr>
+              <a:t>}</a:t>
+            </a:r>
+          </a:p>
+          <a:p>
+            <a:r>
+              <a:rPr lang="en-US" b="1" dirty="0">
+                <a:solidFill>
+                  <a:srgbClr val="000000"/>
+                </a:solidFill>
+                <a:latin typeface="Courier" charset="0"/>
+                <a:ea typeface="Courier" charset="0"/>
+                <a:cs typeface="Courier" charset="0"/>
+              </a:rPr>
+              <a:t>        </a:t>
+            </a:r>
+            <a:r>
+              <a:rPr lang="en-US" b="1" dirty="0">
+                <a:solidFill>
+                  <a:srgbClr val="C1651C"/>
+                </a:solidFill>
+                <a:latin typeface="Courier" charset="0"/>
+                <a:ea typeface="Courier" charset="0"/>
+                <a:cs typeface="Courier" charset="0"/>
+              </a:rPr>
+              <a:t>return</a:t>
+            </a:r>
+            <a:r>
+              <a:rPr lang="en-US" b="1" dirty="0">
+                <a:solidFill>
+                  <a:srgbClr val="000000"/>
+                </a:solidFill>
+                <a:latin typeface="Courier" charset="0"/>
+                <a:ea typeface="Courier" charset="0"/>
+                <a:cs typeface="Courier" charset="0"/>
+              </a:rPr>
+              <a:t> render(request, </a:t>
+            </a:r>
+            <a:r>
+              <a:rPr lang="en-US" b="1" dirty="0">
+                <a:solidFill>
+                  <a:srgbClr val="B42419"/>
+                </a:solidFill>
+                <a:latin typeface="Courier" charset="0"/>
+                <a:ea typeface="Courier" charset="0"/>
+                <a:cs typeface="Courier" charset="0"/>
+              </a:rPr>
+              <a:t>'</a:t>
+            </a:r>
+            <a:r>
+              <a:rPr lang="en-US" b="1" dirty="0" err="1">
+                <a:solidFill>
+                  <a:srgbClr val="B42419"/>
+                </a:solidFill>
+                <a:latin typeface="Courier" charset="0"/>
+                <a:ea typeface="Courier" charset="0"/>
+                <a:cs typeface="Courier" charset="0"/>
+              </a:rPr>
+              <a:t>form.html</a:t>
+            </a:r>
+            <a:r>
+              <a:rPr lang="en-US" b="1" dirty="0">
+                <a:solidFill>
+                  <a:srgbClr val="B42419"/>
+                </a:solidFill>
+                <a:latin typeface="Courier" charset="0"/>
+                <a:ea typeface="Courier" charset="0"/>
+                <a:cs typeface="Courier" charset="0"/>
+              </a:rPr>
+              <a:t>'</a:t>
+            </a:r>
+            <a:r>
+              <a:rPr lang="en-US" b="1" dirty="0">
+                <a:solidFill>
+                  <a:srgbClr val="000000"/>
+                </a:solidFill>
+                <a:latin typeface="Courier" charset="0"/>
+                <a:ea typeface="Courier" charset="0"/>
+                <a:cs typeface="Courier" charset="0"/>
+              </a:rPr>
+              <a:t>, </a:t>
+            </a:r>
+            <a:r>
+              <a:rPr lang="en-US" b="1" dirty="0" err="1">
+                <a:solidFill>
+                  <a:srgbClr val="000000"/>
+                </a:solidFill>
+                <a:latin typeface="Courier" charset="0"/>
+                <a:ea typeface="Courier" charset="0"/>
+                <a:cs typeface="Courier" charset="0"/>
+              </a:rPr>
+              <a:t>ctx</a:t>
+            </a:r>
+            <a:r>
+              <a:rPr lang="en-US" b="1" dirty="0">
+                <a:solidFill>
+                  <a:srgbClr val="000000"/>
+                </a:solidFill>
+                <a:latin typeface="Courier" charset="0"/>
+                <a:ea typeface="Courier" charset="0"/>
+                <a:cs typeface="Courier" charset="0"/>
+              </a:rPr>
+              <a:t>)</a:t>
+            </a:r>
+          </a:p>
+          <a:p>
+            <a:endParaRPr lang="en-US" b="1" dirty="0">
+              <a:solidFill>
+                <a:srgbClr val="000000"/>
+              </a:solidFill>
+              <a:latin typeface="Courier" charset="0"/>
+              <a:ea typeface="Courier" charset="0"/>
+              <a:cs typeface="Courier" charset="0"/>
+            </a:endParaRPr>
+          </a:p>
+          <a:p>
+            <a:r>
+              <a:rPr lang="en-US" b="1" dirty="0">
+                <a:solidFill>
+                  <a:srgbClr val="000000"/>
+                </a:solidFill>
+                <a:latin typeface="Courier" charset="0"/>
+                <a:ea typeface="Courier" charset="0"/>
+                <a:cs typeface="Courier" charset="0"/>
+              </a:rPr>
+              <a:t>    </a:t>
+            </a:r>
+            <a:r>
+              <a:rPr lang="en-US" b="1" dirty="0" err="1">
+                <a:solidFill>
+                  <a:srgbClr val="C1651C"/>
+                </a:solidFill>
+                <a:latin typeface="Courier" charset="0"/>
+                <a:ea typeface="Courier" charset="0"/>
+                <a:cs typeface="Courier" charset="0"/>
+              </a:rPr>
+              <a:t>def</a:t>
+            </a:r>
+            <a:r>
+              <a:rPr lang="en-US" b="1" dirty="0">
+                <a:solidFill>
+                  <a:srgbClr val="000000"/>
+                </a:solidFill>
+                <a:latin typeface="Courier" charset="0"/>
+                <a:ea typeface="Courier" charset="0"/>
+                <a:cs typeface="Courier" charset="0"/>
+              </a:rPr>
+              <a:t> </a:t>
+            </a:r>
+            <a:r>
+              <a:rPr lang="en-US" b="1" dirty="0">
+                <a:solidFill>
+                  <a:srgbClr val="2EAEBB"/>
+                </a:solidFill>
+                <a:latin typeface="Courier" charset="0"/>
+                <a:ea typeface="Courier" charset="0"/>
+                <a:cs typeface="Courier" charset="0"/>
+              </a:rPr>
+              <a:t>post</a:t>
+            </a:r>
+            <a:r>
+              <a:rPr lang="en-US" b="1" dirty="0">
+                <a:solidFill>
+                  <a:srgbClr val="000000"/>
+                </a:solidFill>
+                <a:latin typeface="Courier" charset="0"/>
+                <a:ea typeface="Courier" charset="0"/>
+                <a:cs typeface="Courier" charset="0"/>
+              </a:rPr>
+              <a:t>(self, request) :</a:t>
+            </a:r>
+          </a:p>
+          <a:p>
+            <a:r>
+              <a:rPr lang="en-US" b="1" dirty="0">
+                <a:solidFill>
+                  <a:srgbClr val="000000"/>
+                </a:solidFill>
+                <a:latin typeface="Courier" charset="0"/>
+                <a:ea typeface="Courier" charset="0"/>
+                <a:cs typeface="Courier" charset="0"/>
+              </a:rPr>
+              <a:t>        form = </a:t>
+            </a:r>
+            <a:r>
+              <a:rPr lang="en-US" b="1" dirty="0" err="1">
+                <a:solidFill>
+                  <a:srgbClr val="000000"/>
+                </a:solidFill>
+                <a:latin typeface="Courier" charset="0"/>
+                <a:ea typeface="Courier" charset="0"/>
+                <a:cs typeface="Courier" charset="0"/>
+              </a:rPr>
+              <a:t>BasicForm</a:t>
+            </a:r>
+            <a:r>
+              <a:rPr lang="en-US" b="1" dirty="0">
+                <a:solidFill>
+                  <a:srgbClr val="000000"/>
+                </a:solidFill>
+                <a:latin typeface="Courier" charset="0"/>
+                <a:ea typeface="Courier" charset="0"/>
+                <a:cs typeface="Courier" charset="0"/>
+              </a:rPr>
+              <a:t>(</a:t>
+            </a:r>
+            <a:r>
+              <a:rPr lang="en-US" b="1" dirty="0" err="1">
+                <a:solidFill>
+                  <a:srgbClr val="000000"/>
+                </a:solidFill>
+                <a:latin typeface="Courier" charset="0"/>
+                <a:ea typeface="Courier" charset="0"/>
+                <a:cs typeface="Courier" charset="0"/>
+              </a:rPr>
+              <a:t>request.POST</a:t>
+            </a:r>
+            <a:r>
+              <a:rPr lang="en-US" b="1" dirty="0">
+                <a:solidFill>
+                  <a:srgbClr val="000000"/>
+                </a:solidFill>
+                <a:latin typeface="Courier" charset="0"/>
+                <a:ea typeface="Courier" charset="0"/>
+                <a:cs typeface="Courier" charset="0"/>
+              </a:rPr>
+              <a:t>)</a:t>
+            </a:r>
+          </a:p>
+          <a:p>
+            <a:r>
+              <a:rPr lang="en-US" b="1" dirty="0">
+                <a:solidFill>
+                  <a:srgbClr val="000000"/>
+                </a:solidFill>
+                <a:latin typeface="Courier" charset="0"/>
+                <a:ea typeface="Courier" charset="0"/>
+                <a:cs typeface="Courier" charset="0"/>
+              </a:rPr>
+              <a:t>        </a:t>
+            </a:r>
+            <a:r>
+              <a:rPr lang="en-US" b="1" dirty="0">
+                <a:solidFill>
+                  <a:srgbClr val="C1651C"/>
+                </a:solidFill>
+                <a:latin typeface="Courier" charset="0"/>
+                <a:ea typeface="Courier" charset="0"/>
+                <a:cs typeface="Courier" charset="0"/>
+              </a:rPr>
+              <a:t>if</a:t>
+            </a:r>
+            <a:r>
+              <a:rPr lang="en-US" b="1" dirty="0">
+                <a:solidFill>
+                  <a:srgbClr val="000000"/>
+                </a:solidFill>
+                <a:latin typeface="Courier" charset="0"/>
+                <a:ea typeface="Courier" charset="0"/>
+                <a:cs typeface="Courier" charset="0"/>
+              </a:rPr>
+              <a:t> </a:t>
+            </a:r>
+            <a:r>
+              <a:rPr lang="en-US" b="1" dirty="0">
+                <a:solidFill>
+                  <a:srgbClr val="C1651C"/>
+                </a:solidFill>
+                <a:latin typeface="Courier" charset="0"/>
+                <a:ea typeface="Courier" charset="0"/>
+                <a:cs typeface="Courier" charset="0"/>
+              </a:rPr>
+              <a:t>not</a:t>
+            </a:r>
+            <a:r>
+              <a:rPr lang="en-US" b="1" dirty="0">
+                <a:solidFill>
+                  <a:srgbClr val="000000"/>
+                </a:solidFill>
+                <a:latin typeface="Courier" charset="0"/>
+                <a:ea typeface="Courier" charset="0"/>
+                <a:cs typeface="Courier" charset="0"/>
+              </a:rPr>
+              <a:t> </a:t>
+            </a:r>
+            <a:r>
+              <a:rPr lang="en-US" b="1" dirty="0" err="1">
+                <a:solidFill>
+                  <a:srgbClr val="000000"/>
+                </a:solidFill>
+                <a:latin typeface="Courier" charset="0"/>
+                <a:ea typeface="Courier" charset="0"/>
+                <a:cs typeface="Courier" charset="0"/>
+              </a:rPr>
+              <a:t>form.is_valid</a:t>
+            </a:r>
+            <a:r>
+              <a:rPr lang="en-US" b="1" dirty="0">
+                <a:solidFill>
+                  <a:srgbClr val="000000"/>
+                </a:solidFill>
+                <a:latin typeface="Courier" charset="0"/>
+                <a:ea typeface="Courier" charset="0"/>
+                <a:cs typeface="Courier" charset="0"/>
+              </a:rPr>
+              <a:t>() :</a:t>
+            </a:r>
+          </a:p>
+          <a:p>
+            <a:r>
+              <a:rPr lang="mr-IN" b="1" dirty="0">
+                <a:solidFill>
+                  <a:srgbClr val="000000"/>
+                </a:solidFill>
+                <a:latin typeface="Courier" charset="0"/>
+                <a:ea typeface="Courier" charset="0"/>
+                <a:cs typeface="Courier" charset="0"/>
+              </a:rPr>
+              <a:t>            </a:t>
+            </a:r>
+            <a:r>
+              <a:rPr lang="mr-IN" b="1" dirty="0" err="1">
+                <a:solidFill>
+                  <a:srgbClr val="000000"/>
+                </a:solidFill>
+                <a:latin typeface="Courier" charset="0"/>
+                <a:ea typeface="Courier" charset="0"/>
+                <a:cs typeface="Courier" charset="0"/>
+              </a:rPr>
+              <a:t>ctx</a:t>
+            </a:r>
+            <a:r>
+              <a:rPr lang="mr-IN" b="1" dirty="0">
+                <a:solidFill>
+                  <a:srgbClr val="000000"/>
+                </a:solidFill>
+                <a:latin typeface="Courier" charset="0"/>
+                <a:ea typeface="Courier" charset="0"/>
+                <a:cs typeface="Courier" charset="0"/>
+              </a:rPr>
+              <a:t> = {</a:t>
+            </a:r>
+            <a:r>
+              <a:rPr lang="mr-IN" b="1" dirty="0">
+                <a:solidFill>
+                  <a:srgbClr val="B42419"/>
+                </a:solidFill>
+                <a:latin typeface="Courier" charset="0"/>
+                <a:ea typeface="Courier" charset="0"/>
+                <a:cs typeface="Courier" charset="0"/>
+              </a:rPr>
+              <a:t>'</a:t>
+            </a:r>
+            <a:r>
+              <a:rPr lang="mr-IN" b="1" dirty="0" err="1">
+                <a:solidFill>
+                  <a:srgbClr val="B42419"/>
+                </a:solidFill>
+                <a:latin typeface="Courier" charset="0"/>
+                <a:ea typeface="Courier" charset="0"/>
+                <a:cs typeface="Courier" charset="0"/>
+              </a:rPr>
+              <a:t>form</a:t>
+            </a:r>
+            <a:r>
+              <a:rPr lang="mr-IN" b="1" dirty="0">
+                <a:solidFill>
+                  <a:srgbClr val="B42419"/>
+                </a:solidFill>
+                <a:latin typeface="Courier" charset="0"/>
+                <a:ea typeface="Courier" charset="0"/>
+                <a:cs typeface="Courier" charset="0"/>
+              </a:rPr>
+              <a:t>'</a:t>
+            </a:r>
+            <a:r>
+              <a:rPr lang="mr-IN" b="1" dirty="0">
+                <a:solidFill>
+                  <a:srgbClr val="000000"/>
+                </a:solidFill>
+                <a:latin typeface="Courier" charset="0"/>
+                <a:ea typeface="Courier" charset="0"/>
+                <a:cs typeface="Courier" charset="0"/>
+              </a:rPr>
+              <a:t> : </a:t>
+            </a:r>
+            <a:r>
+              <a:rPr lang="mr-IN" b="1" dirty="0" err="1">
+                <a:solidFill>
+                  <a:srgbClr val="000000"/>
+                </a:solidFill>
+                <a:latin typeface="Courier" charset="0"/>
+                <a:ea typeface="Courier" charset="0"/>
+                <a:cs typeface="Courier" charset="0"/>
+              </a:rPr>
+              <a:t>form</a:t>
+            </a:r>
+            <a:r>
+              <a:rPr lang="mr-IN" b="1" dirty="0">
+                <a:solidFill>
+                  <a:srgbClr val="000000"/>
+                </a:solidFill>
+                <a:latin typeface="Courier" charset="0"/>
+                <a:ea typeface="Courier" charset="0"/>
+                <a:cs typeface="Courier" charset="0"/>
+              </a:rPr>
+              <a:t>}</a:t>
+            </a:r>
+          </a:p>
+          <a:p>
+            <a:r>
+              <a:rPr lang="en-US" b="1" dirty="0">
+                <a:solidFill>
+                  <a:srgbClr val="000000"/>
+                </a:solidFill>
+                <a:latin typeface="Courier" charset="0"/>
+                <a:ea typeface="Courier" charset="0"/>
+                <a:cs typeface="Courier" charset="0"/>
+              </a:rPr>
+              <a:t>            </a:t>
+            </a:r>
+            <a:r>
+              <a:rPr lang="en-US" b="1" dirty="0">
+                <a:solidFill>
+                  <a:srgbClr val="C1651C"/>
+                </a:solidFill>
+                <a:latin typeface="Courier" charset="0"/>
+                <a:ea typeface="Courier" charset="0"/>
+                <a:cs typeface="Courier" charset="0"/>
+              </a:rPr>
+              <a:t>return</a:t>
+            </a:r>
+            <a:r>
+              <a:rPr lang="en-US" b="1" dirty="0">
+                <a:solidFill>
+                  <a:srgbClr val="000000"/>
+                </a:solidFill>
+                <a:latin typeface="Courier" charset="0"/>
+                <a:ea typeface="Courier" charset="0"/>
+                <a:cs typeface="Courier" charset="0"/>
+              </a:rPr>
+              <a:t> render(request, </a:t>
+            </a:r>
+            <a:r>
+              <a:rPr lang="en-US" b="1" dirty="0">
+                <a:solidFill>
+                  <a:srgbClr val="B42419"/>
+                </a:solidFill>
+                <a:latin typeface="Courier" charset="0"/>
+                <a:ea typeface="Courier" charset="0"/>
+                <a:cs typeface="Courier" charset="0"/>
+              </a:rPr>
+              <a:t>'</a:t>
+            </a:r>
+            <a:r>
+              <a:rPr lang="en-US" b="1" dirty="0" err="1">
+                <a:solidFill>
+                  <a:srgbClr val="B42419"/>
+                </a:solidFill>
+                <a:latin typeface="Courier" charset="0"/>
+                <a:ea typeface="Courier" charset="0"/>
+                <a:cs typeface="Courier" charset="0"/>
+              </a:rPr>
+              <a:t>form.html</a:t>
+            </a:r>
+            <a:r>
+              <a:rPr lang="en-US" b="1" dirty="0">
+                <a:solidFill>
+                  <a:srgbClr val="B42419"/>
+                </a:solidFill>
+                <a:latin typeface="Courier" charset="0"/>
+                <a:ea typeface="Courier" charset="0"/>
+                <a:cs typeface="Courier" charset="0"/>
+              </a:rPr>
+              <a:t>'</a:t>
+            </a:r>
+            <a:r>
+              <a:rPr lang="en-US" b="1" dirty="0">
+                <a:solidFill>
+                  <a:srgbClr val="000000"/>
+                </a:solidFill>
+                <a:latin typeface="Courier" charset="0"/>
+                <a:ea typeface="Courier" charset="0"/>
+                <a:cs typeface="Courier" charset="0"/>
+              </a:rPr>
+              <a:t>, </a:t>
+            </a:r>
+            <a:r>
+              <a:rPr lang="en-US" b="1" dirty="0" err="1">
+                <a:solidFill>
+                  <a:srgbClr val="000000"/>
+                </a:solidFill>
+                <a:latin typeface="Courier" charset="0"/>
+                <a:ea typeface="Courier" charset="0"/>
+                <a:cs typeface="Courier" charset="0"/>
+              </a:rPr>
+              <a:t>ctx</a:t>
+            </a:r>
+            <a:r>
+              <a:rPr lang="en-US" b="1" dirty="0">
+                <a:solidFill>
+                  <a:srgbClr val="000000"/>
+                </a:solidFill>
+                <a:latin typeface="Courier" charset="0"/>
+                <a:ea typeface="Courier" charset="0"/>
+                <a:cs typeface="Courier" charset="0"/>
+              </a:rPr>
+              <a:t>)</a:t>
+            </a:r>
+          </a:p>
+          <a:p>
+            <a:r>
+              <a:rPr lang="en-US" b="1" dirty="0">
+                <a:solidFill>
+                  <a:srgbClr val="000000"/>
+                </a:solidFill>
+                <a:latin typeface="Courier" charset="0"/>
+                <a:ea typeface="Courier" charset="0"/>
+                <a:cs typeface="Courier" charset="0"/>
+              </a:rPr>
+              <a:t> </a:t>
+            </a:r>
+            <a:r>
+              <a:rPr lang="en-US" b="1" dirty="0" smtClean="0">
+                <a:solidFill>
+                  <a:srgbClr val="000000"/>
+                </a:solidFill>
+                <a:latin typeface="Courier" charset="0"/>
+                <a:ea typeface="Courier" charset="0"/>
+                <a:cs typeface="Courier" charset="0"/>
+              </a:rPr>
+              <a:t>       </a:t>
+            </a:r>
+            <a:r>
+              <a:rPr lang="en-US" b="1" dirty="0" smtClean="0">
+                <a:solidFill>
+                  <a:srgbClr val="C1651C"/>
+                </a:solidFill>
+                <a:latin typeface="Courier" charset="0"/>
+                <a:ea typeface="Courier" charset="0"/>
+                <a:cs typeface="Courier" charset="0"/>
+              </a:rPr>
+              <a:t>return</a:t>
+            </a:r>
+            <a:r>
+              <a:rPr lang="en-US" b="1" dirty="0" smtClean="0">
+                <a:solidFill>
+                  <a:srgbClr val="000000"/>
+                </a:solidFill>
+                <a:latin typeface="Courier" charset="0"/>
+                <a:ea typeface="Courier" charset="0"/>
+                <a:cs typeface="Courier" charset="0"/>
+              </a:rPr>
+              <a:t> </a:t>
+            </a:r>
+            <a:r>
+              <a:rPr lang="en-US" b="1" dirty="0">
+                <a:solidFill>
+                  <a:srgbClr val="000000"/>
+                </a:solidFill>
+                <a:latin typeface="Courier" charset="0"/>
+                <a:ea typeface="Courier" charset="0"/>
+                <a:cs typeface="Courier" charset="0"/>
+              </a:rPr>
+              <a:t>redirect(</a:t>
+            </a:r>
+            <a:r>
+              <a:rPr lang="en-US" b="1" dirty="0">
+                <a:solidFill>
+                  <a:srgbClr val="B42419"/>
+                </a:solidFill>
+                <a:latin typeface="Courier" charset="0"/>
+                <a:ea typeface="Courier" charset="0"/>
+                <a:cs typeface="Courier" charset="0"/>
+              </a:rPr>
+              <a:t>'/form/success'</a:t>
+            </a:r>
+            <a:r>
+              <a:rPr lang="en-US" b="1" dirty="0">
+                <a:solidFill>
+                  <a:srgbClr val="000000"/>
+                </a:solidFill>
+                <a:latin typeface="Courier" charset="0"/>
+                <a:ea typeface="Courier" charset="0"/>
+                <a:cs typeface="Courier" charset="0"/>
+              </a:rPr>
+              <a:t>)</a:t>
+            </a:r>
+          </a:p>
+          <a:p>
+            <a:endParaRPr lang="en-US" b="1" dirty="0">
+              <a:solidFill>
+                <a:srgbClr val="000000"/>
+              </a:solidFill>
+              <a:latin typeface="Courier" charset="0"/>
+              <a:ea typeface="Courier" charset="0"/>
+              <a:cs typeface="Courier" charset="0"/>
+            </a:endParaRPr>
+          </a:p>
+          <a:p>
+            <a:r>
+              <a:rPr lang="en-US" b="1" dirty="0" err="1">
+                <a:solidFill>
+                  <a:srgbClr val="C1651C"/>
+                </a:solidFill>
+                <a:latin typeface="Courier" charset="0"/>
+                <a:ea typeface="Courier" charset="0"/>
+                <a:cs typeface="Courier" charset="0"/>
+              </a:rPr>
+              <a:t>def</a:t>
+            </a:r>
+            <a:r>
+              <a:rPr lang="en-US" b="1" dirty="0">
+                <a:solidFill>
+                  <a:srgbClr val="000000"/>
+                </a:solidFill>
+                <a:latin typeface="Courier" charset="0"/>
+                <a:ea typeface="Courier" charset="0"/>
+                <a:cs typeface="Courier" charset="0"/>
+              </a:rPr>
+              <a:t> </a:t>
+            </a:r>
+            <a:r>
+              <a:rPr lang="en-US" b="1" dirty="0">
+                <a:solidFill>
+                  <a:srgbClr val="2EAEBB"/>
+                </a:solidFill>
+                <a:latin typeface="Courier" charset="0"/>
+                <a:ea typeface="Courier" charset="0"/>
+                <a:cs typeface="Courier" charset="0"/>
+              </a:rPr>
+              <a:t>success</a:t>
+            </a:r>
+            <a:r>
+              <a:rPr lang="en-US" b="1" dirty="0">
+                <a:solidFill>
+                  <a:srgbClr val="000000"/>
+                </a:solidFill>
+                <a:latin typeface="Courier" charset="0"/>
+                <a:ea typeface="Courier" charset="0"/>
+                <a:cs typeface="Courier" charset="0"/>
+              </a:rPr>
+              <a:t>(request) :</a:t>
+            </a:r>
+          </a:p>
+          <a:p>
+            <a:r>
+              <a:rPr lang="en-US" b="1" dirty="0">
+                <a:solidFill>
+                  <a:srgbClr val="000000"/>
+                </a:solidFill>
+                <a:latin typeface="Courier" charset="0"/>
+                <a:ea typeface="Courier" charset="0"/>
+                <a:cs typeface="Courier" charset="0"/>
+              </a:rPr>
+              <a:t>    </a:t>
+            </a:r>
+            <a:r>
+              <a:rPr lang="en-US" b="1" dirty="0">
+                <a:solidFill>
+                  <a:srgbClr val="C1651C"/>
+                </a:solidFill>
+                <a:latin typeface="Courier" charset="0"/>
+                <a:ea typeface="Courier" charset="0"/>
+                <a:cs typeface="Courier" charset="0"/>
+              </a:rPr>
+              <a:t>return</a:t>
+            </a:r>
+            <a:r>
+              <a:rPr lang="en-US" b="1" dirty="0">
+                <a:solidFill>
+                  <a:srgbClr val="000000"/>
+                </a:solidFill>
+                <a:latin typeface="Courier" charset="0"/>
+                <a:ea typeface="Courier" charset="0"/>
+                <a:cs typeface="Courier" charset="0"/>
+              </a:rPr>
+              <a:t> </a:t>
+            </a:r>
+            <a:r>
+              <a:rPr lang="en-US" b="1" dirty="0" err="1">
+                <a:solidFill>
+                  <a:srgbClr val="000000"/>
+                </a:solidFill>
+                <a:latin typeface="Courier" charset="0"/>
+                <a:ea typeface="Courier" charset="0"/>
+                <a:cs typeface="Courier" charset="0"/>
+              </a:rPr>
+              <a:t>HttpResponse</a:t>
+            </a:r>
+            <a:r>
+              <a:rPr lang="en-US" b="1" dirty="0">
+                <a:solidFill>
+                  <a:srgbClr val="000000"/>
+                </a:solidFill>
+                <a:latin typeface="Courier" charset="0"/>
+                <a:ea typeface="Courier" charset="0"/>
+                <a:cs typeface="Courier" charset="0"/>
+              </a:rPr>
+              <a:t>(</a:t>
+            </a:r>
+            <a:r>
+              <a:rPr lang="en-US" b="1" dirty="0">
+                <a:solidFill>
+                  <a:srgbClr val="B42419"/>
+                </a:solidFill>
+                <a:latin typeface="Courier" charset="0"/>
+                <a:ea typeface="Courier" charset="0"/>
+                <a:cs typeface="Courier" charset="0"/>
+              </a:rPr>
+              <a:t>'Thank you!'</a:t>
+            </a:r>
+            <a:r>
+              <a:rPr lang="en-US" b="1" dirty="0">
+                <a:solidFill>
+                  <a:srgbClr val="000000"/>
+                </a:solidFill>
+                <a:latin typeface="Courier" charset="0"/>
+                <a:ea typeface="Courier" charset="0"/>
+                <a:cs typeface="Courier" charset="0"/>
+              </a:rPr>
+              <a:t>)</a:t>
+            </a:r>
+            <a:endParaRPr lang="en-US" b="1" dirty="0">
+              <a:latin typeface="Courier" charset="0"/>
+              <a:ea typeface="Courier" charset="0"/>
+              <a:cs typeface="Courier" charset="0"/>
+            </a:endParaRPr>
+          </a:p>
+        </p:txBody>
+      </p:sp>
+      <p:cxnSp>
+        <p:nvCxnSpPr>
+          <p:cNvPr id="13" name="Straight Arrow Connector 12"/>
+          <p:cNvCxnSpPr/>
+          <p:nvPr/>
+        </p:nvCxnSpPr>
+        <p:spPr>
+          <a:xfrm>
+            <a:off x="1014413" y="2500313"/>
+            <a:ext cx="4286250" cy="1428750"/>
+          </a:xfrm>
+          <a:prstGeom prst="straightConnector1">
+            <a:avLst/>
+          </a:prstGeom>
+          <a:ln w="57150">
+            <a:solidFill>
+              <a:schemeClr val="accent1"/>
+            </a:solidFill>
+            <a:tailEnd type="triangle"/>
+          </a:ln>
+        </p:spPr>
+        <p:style>
+          <a:lnRef idx="1">
+            <a:schemeClr val="accent1"/>
+          </a:lnRef>
+          <a:fillRef idx="0">
+            <a:schemeClr val="accent1"/>
+          </a:fillRef>
+          <a:effectRef idx="0">
+            <a:schemeClr val="accent1"/>
+          </a:effectRef>
+          <a:fontRef idx="minor">
+            <a:schemeClr val="tx1"/>
+          </a:fontRef>
+        </p:style>
+      </p:cxnSp>
+      <p:sp>
+        <p:nvSpPr>
+          <p:cNvPr id="14" name="Rounded Rectangle 13"/>
+          <p:cNvSpPr/>
+          <p:nvPr/>
+        </p:nvSpPr>
+        <p:spPr>
+          <a:xfrm>
+            <a:off x="1570832" y="2600323"/>
+            <a:ext cx="985838" cy="500061"/>
+          </a:xfrm>
+          <a:prstGeom prst="roundRect">
+            <a:avLst/>
+          </a:prstGeom>
+          <a:solidFill>
+            <a:schemeClr val="accent1"/>
+          </a:solidFill>
+          <a:ln>
+            <a:solidFill>
+              <a:schemeClr val="accent1"/>
+            </a:solidFill>
+          </a:ln>
+        </p:spPr>
+        <p:style>
+          <a:lnRef idx="2">
+            <a:schemeClr val="accent1">
+              <a:shade val="50000"/>
+            </a:schemeClr>
+          </a:lnRef>
+          <a:fillRef idx="1">
+            <a:schemeClr val="accent1"/>
+          </a:fillRef>
+          <a:effectRef idx="0">
+            <a:schemeClr val="accent1"/>
+          </a:effectRef>
+          <a:fontRef idx="minor">
+            <a:schemeClr val="lt1"/>
+          </a:fontRef>
+        </p:style>
+        <p:txBody>
+          <a:bodyPr rtlCol="0" anchor="ctr"/>
+          <a:lstStyle/>
+          <a:p>
+            <a:pPr algn="ctr"/>
+            <a:r>
+              <a:rPr lang="en-US" dirty="0" smtClean="0">
+                <a:solidFill>
+                  <a:schemeClr val="tx1"/>
+                </a:solidFill>
+              </a:rPr>
+              <a:t>POST</a:t>
+            </a:r>
+            <a:endParaRPr lang="en-US" dirty="0">
+              <a:solidFill>
+                <a:schemeClr val="tx1"/>
+              </a:solidFill>
+            </a:endParaRPr>
+          </a:p>
+        </p:txBody>
+      </p:sp>
+      <p:cxnSp>
+        <p:nvCxnSpPr>
+          <p:cNvPr id="21" name="Straight Arrow Connector 20"/>
+          <p:cNvCxnSpPr/>
+          <p:nvPr/>
+        </p:nvCxnSpPr>
+        <p:spPr>
+          <a:xfrm flipH="1" flipV="1">
+            <a:off x="2229350" y="4916780"/>
+            <a:ext cx="4114300" cy="222298"/>
+          </a:xfrm>
+          <a:prstGeom prst="straightConnector1">
+            <a:avLst/>
+          </a:prstGeom>
+          <a:ln w="57150">
+            <a:solidFill>
+              <a:schemeClr val="accent1"/>
+            </a:solidFill>
+            <a:tailEnd type="triangle"/>
+          </a:ln>
+        </p:spPr>
+        <p:style>
+          <a:lnRef idx="1">
+            <a:schemeClr val="accent1"/>
+          </a:lnRef>
+          <a:fillRef idx="0">
+            <a:schemeClr val="accent1"/>
+          </a:fillRef>
+          <a:effectRef idx="0">
+            <a:schemeClr val="accent1"/>
+          </a:effectRef>
+          <a:fontRef idx="minor">
+            <a:schemeClr val="tx1"/>
+          </a:fontRef>
+        </p:style>
+      </p:cxnSp>
+      <p:sp>
+        <p:nvSpPr>
+          <p:cNvPr id="35" name="Rounded Rectangle 34"/>
+          <p:cNvSpPr/>
+          <p:nvPr/>
+        </p:nvSpPr>
+        <p:spPr>
+          <a:xfrm>
+            <a:off x="4807744" y="4846962"/>
+            <a:ext cx="985838" cy="500061"/>
+          </a:xfrm>
+          <a:prstGeom prst="roundRect">
+            <a:avLst/>
+          </a:prstGeom>
+          <a:solidFill>
+            <a:schemeClr val="accent1"/>
+          </a:solidFill>
+          <a:ln>
+            <a:solidFill>
+              <a:schemeClr val="accent1"/>
+            </a:solidFill>
+          </a:ln>
+        </p:spPr>
+        <p:style>
+          <a:lnRef idx="2">
+            <a:schemeClr val="accent1">
+              <a:shade val="50000"/>
+            </a:schemeClr>
+          </a:lnRef>
+          <a:fillRef idx="1">
+            <a:schemeClr val="accent1"/>
+          </a:fillRef>
+          <a:effectRef idx="0">
+            <a:schemeClr val="accent1"/>
+          </a:effectRef>
+          <a:fontRef idx="minor">
+            <a:schemeClr val="lt1"/>
+          </a:fontRef>
+        </p:style>
+        <p:txBody>
+          <a:bodyPr rtlCol="0" anchor="ctr"/>
+          <a:lstStyle/>
+          <a:p>
+            <a:pPr algn="ctr"/>
+            <a:r>
+              <a:rPr lang="en-US" dirty="0" smtClean="0">
+                <a:solidFill>
+                  <a:schemeClr val="tx1"/>
+                </a:solidFill>
+              </a:rPr>
+              <a:t>200</a:t>
+            </a:r>
+            <a:endParaRPr lang="en-US" dirty="0">
+              <a:solidFill>
+                <a:schemeClr val="tx1"/>
+              </a:solidFill>
+            </a:endParaRPr>
+          </a:p>
+        </p:txBody>
+      </p:sp>
+    </p:spTree>
+    <p:extLst>
+      <p:ext uri="{BB962C8B-B14F-4D97-AF65-F5344CB8AC3E}">
+        <p14:creationId xmlns:p14="http://schemas.microsoft.com/office/powerpoint/2010/main" val="676628813"/>
+      </p:ext>
+    </p:extLst>
+  </p:cSld>
+  <p:clrMapOvr>
+    <a:masterClrMapping/>
+  </p:clrMapOvr>
+</p:sld>
+</file>
+
+<file path=ppt/slides/slide27.xml><?xml version="1.0" encoding="utf-8"?>
+<p:sld xmlns:a="http://schemas.openxmlformats.org/drawingml/2006/main" xmlns:r="http://schemas.openxmlformats.org/officeDocument/2006/relationships" xmlns:p="http://schemas.openxmlformats.org/presentationml/2006/main">
+  <p:cSld>
+    <p:spTree>
+      <p:nvGrpSpPr>
+        <p:cNvPr id="1" name=""/>
+        <p:cNvGrpSpPr/>
+        <p:nvPr/>
+      </p:nvGrpSpPr>
+      <p:grpSpPr>
+        <a:xfrm>
+          <a:off x="0" y="0"/>
+          <a:ext cx="0" cy="0"/>
+          <a:chOff x="0" y="0"/>
+          <a:chExt cx="0" cy="0"/>
+        </a:xfrm>
+      </p:grpSpPr>
+      <p:sp>
+        <p:nvSpPr>
+          <p:cNvPr id="2" name="Title 1"/>
+          <p:cNvSpPr>
+            <a:spLocks noGrp="1"/>
+          </p:cNvSpPr>
+          <p:nvPr>
+            <p:ph type="title"/>
+          </p:nvPr>
+        </p:nvSpPr>
+        <p:spPr/>
+        <p:txBody>
+          <a:bodyPr/>
+          <a:lstStyle/>
+          <a:p>
+            <a:r>
+              <a:rPr lang="en-US" dirty="0" smtClean="0"/>
+              <a:t>Cross-Site-Request-Forgery (CSRF)</a:t>
+            </a:r>
+            <a:endParaRPr lang="en-US" dirty="0"/>
+          </a:p>
+        </p:txBody>
+      </p:sp>
+      <p:sp>
+        <p:nvSpPr>
+          <p:cNvPr id="3" name="Text Placeholder 2"/>
+          <p:cNvSpPr>
+            <a:spLocks noGrp="1"/>
+          </p:cNvSpPr>
+          <p:nvPr>
+            <p:ph type="body" idx="1"/>
+          </p:nvPr>
+        </p:nvSpPr>
+        <p:spPr/>
+        <p:txBody>
+          <a:bodyPr/>
+          <a:lstStyle/>
+          <a:p>
+            <a:r>
+              <a:rPr lang="en-US" dirty="0" smtClean="0"/>
+              <a:t>Security</a:t>
+            </a:r>
+            <a:endParaRPr lang="en-US" dirty="0"/>
+          </a:p>
+        </p:txBody>
+      </p:sp>
+    </p:spTree>
+    <p:extLst>
+      <p:ext uri="{BB962C8B-B14F-4D97-AF65-F5344CB8AC3E}">
+        <p14:creationId xmlns:p14="http://schemas.microsoft.com/office/powerpoint/2010/main" val="41795082"/>
+      </p:ext>
+    </p:extLst>
+  </p:cSld>
+  <p:clrMapOvr>
+    <a:masterClrMapping/>
+  </p:clrMapOvr>
+</p:sld>
+</file>
+
+<file path=ppt/slides/slide28.xml><?xml version="1.0" encoding="utf-8"?>
 <p:sld xmlns:a="http://schemas.openxmlformats.org/drawingml/2006/main" xmlns:r="http://schemas.openxmlformats.org/officeDocument/2006/relationships" xmlns:p="http://schemas.openxmlformats.org/presentationml/2006/main">
   <p:cSld>
     <p:spTree>
@@ -9232,7 +14772,7 @@
           <a:p>
             <a:r>
               <a:rPr lang="en-US" dirty="0" smtClean="0"/>
-              <a:t>CSRF Defense</a:t>
+              <a:t>CSRF Attack</a:t>
             </a:r>
             <a:endParaRPr lang="en-US" dirty="0"/>
           </a:p>
@@ -9250,35 +14790,44 @@
         </p:nvSpPr>
         <p:spPr/>
         <p:txBody>
-          <a:bodyPr/>
+          <a:bodyPr>
+            <a:normAutofit/>
+          </a:bodyPr>
           <a:lstStyle/>
           <a:p>
             <a:r>
               <a:rPr lang="en-US" dirty="0" smtClean="0"/>
-              <a:t>The legitimate site chooses a large random number (the CRRF Token) and puts it in the session</a:t>
+              <a:t>A rogue site generates a page that includes form that posts data to a site where the user is logged in via a session cookie</a:t>
             </a:r>
           </a:p>
           <a:p>
             <a:r>
               <a:rPr lang="en-US" dirty="0" smtClean="0"/>
-              <a:t>When the legitimate site generates a POST form, it includes the CSRF Token as a hidden input field</a:t>
+              <a:t>The form is submitted to the legitimate site and the cookie is included</a:t>
             </a:r>
           </a:p>
           <a:p>
             <a:r>
               <a:rPr lang="en-US" dirty="0" smtClean="0"/>
-              <a:t>When the form is submitted the CSRF Token is sent as well as the cookie</a:t>
-            </a:r>
+              <a:t>The legitimate site accepts the request because of the cookie value</a:t>
+            </a:r>
+          </a:p>
+          <a:p>
+            <a:endParaRPr lang="en-US" dirty="0"/>
           </a:p>
           <a:p>
             <a:r>
               <a:rPr lang="en-US" dirty="0" smtClean="0"/>
-              <a:t>The site looks up the session and rejects the request if the incoming CSRF Token does not match the session's CSRF Token</a:t>
-            </a:r>
-          </a:p>
-          <a:p>
-            <a:pPr lvl="1"/>
-            <a:endParaRPr lang="en-US" dirty="0"/>
+              <a:t>Note that the rogue site does not need to know the cookie value </a:t>
+            </a:r>
+            <a:r>
+              <a:rPr lang="mr-IN" dirty="0" smtClean="0"/>
+              <a:t>–</a:t>
+            </a:r>
+            <a:r>
+              <a:rPr lang="en-US" dirty="0" smtClean="0"/>
+              <a:t> it just knows that the cookie will be sent on requests to the legitimate site</a:t>
+            </a:r>
           </a:p>
         </p:txBody>
       </p:sp>
@@ -9346,6 +14895,164 @@
     </p:spTree>
     <p:extLst>
       <p:ext uri="{BB962C8B-B14F-4D97-AF65-F5344CB8AC3E}">
+        <p14:creationId xmlns:p14="http://schemas.microsoft.com/office/powerpoint/2010/main" val="34056885"/>
+      </p:ext>
+    </p:extLst>
+  </p:cSld>
+  <p:clrMapOvr>
+    <a:masterClrMapping/>
+  </p:clrMapOvr>
+</p:sld>
+</file>
+
+<file path=ppt/slides/slide29.xml><?xml version="1.0" encoding="utf-8"?>
+<p:sld xmlns:a="http://schemas.openxmlformats.org/drawingml/2006/main" xmlns:r="http://schemas.openxmlformats.org/officeDocument/2006/relationships" xmlns:p="http://schemas.openxmlformats.org/presentationml/2006/main">
+  <p:cSld>
+    <p:spTree>
+      <p:nvGrpSpPr>
+        <p:cNvPr id="1" name=""/>
+        <p:cNvGrpSpPr/>
+        <p:nvPr/>
+      </p:nvGrpSpPr>
+      <p:grpSpPr>
+        <a:xfrm>
+          <a:off x="0" y="0"/>
+          <a:ext cx="0" cy="0"/>
+          <a:chOff x="0" y="0"/>
+          <a:chExt cx="0" cy="0"/>
+        </a:xfrm>
+      </p:grpSpPr>
+      <p:sp>
+        <p:nvSpPr>
+          <p:cNvPr id="4" name="Title 3"/>
+          <p:cNvSpPr>
+            <a:spLocks noGrp="1"/>
+          </p:cNvSpPr>
+          <p:nvPr>
+            <p:ph type="title"/>
+          </p:nvPr>
+        </p:nvSpPr>
+        <p:spPr/>
+        <p:txBody>
+          <a:bodyPr/>
+          <a:lstStyle/>
+          <a:p>
+            <a:r>
+              <a:rPr lang="en-US" dirty="0" smtClean="0"/>
+              <a:t>CSRF Defense</a:t>
+            </a:r>
+            <a:endParaRPr lang="en-US" dirty="0"/>
+          </a:p>
+        </p:txBody>
+      </p:sp>
+      <p:sp>
+        <p:nvSpPr>
+          <p:cNvPr id="5" name="Content Placeholder 4"/>
+          <p:cNvSpPr>
+            <a:spLocks noGrp="1"/>
+          </p:cNvSpPr>
+          <p:nvPr>
+            <p:ph idx="1"/>
+          </p:nvPr>
+        </p:nvSpPr>
+        <p:spPr/>
+        <p:txBody>
+          <a:bodyPr/>
+          <a:lstStyle/>
+          <a:p>
+            <a:r>
+              <a:rPr lang="en-US" dirty="0" smtClean="0"/>
+              <a:t>The legitimate site chooses a large random number (the CRRF Token) and puts it in the session</a:t>
+            </a:r>
+          </a:p>
+          <a:p>
+            <a:r>
+              <a:rPr lang="en-US" dirty="0" smtClean="0"/>
+              <a:t>When the legitimate site generates a POST form, it includes the CSRF Token as a hidden input field</a:t>
+            </a:r>
+          </a:p>
+          <a:p>
+            <a:r>
+              <a:rPr lang="en-US" dirty="0" smtClean="0"/>
+              <a:t>When the form is submitted the CSRF Token is sent as well as the cookie</a:t>
+            </a:r>
+          </a:p>
+          <a:p>
+            <a:r>
+              <a:rPr lang="en-US" dirty="0" smtClean="0"/>
+              <a:t>The site looks up the session and rejects the request if the incoming CSRF Token does not match the session's CSRF Token</a:t>
+            </a:r>
+          </a:p>
+          <a:p>
+            <a:pPr lvl="1"/>
+            <a:endParaRPr lang="en-US" dirty="0"/>
+          </a:p>
+        </p:txBody>
+      </p:sp>
+      <p:sp>
+        <p:nvSpPr>
+          <p:cNvPr id="6" name="Rectangle 5"/>
+          <p:cNvSpPr/>
+          <p:nvPr/>
+        </p:nvSpPr>
+        <p:spPr>
+          <a:xfrm>
+            <a:off x="5210580" y="5616060"/>
+            <a:ext cx="6143220" cy="400110"/>
+          </a:xfrm>
+          <a:prstGeom prst="rect">
+            <a:avLst/>
+          </a:prstGeom>
+        </p:spPr>
+        <p:txBody>
+          <a:bodyPr wrap="none">
+            <a:spAutoFit/>
+          </a:bodyPr>
+          <a:lstStyle/>
+          <a:p>
+            <a:r>
+              <a:rPr lang="en-US" sz="2000" dirty="0">
+                <a:solidFill>
+                  <a:srgbClr val="FFFF00"/>
+                </a:solidFill>
+              </a:rPr>
+              <a:t>https://</a:t>
+            </a:r>
+            <a:r>
+              <a:rPr lang="en-US" sz="2000" dirty="0" err="1">
+                <a:solidFill>
+                  <a:srgbClr val="FFFF00"/>
+                </a:solidFill>
+              </a:rPr>
+              <a:t>en.wikipedia.org</a:t>
+            </a:r>
+            <a:r>
+              <a:rPr lang="en-US" sz="2000" dirty="0">
+                <a:solidFill>
+                  <a:srgbClr val="FFFF00"/>
+                </a:solidFill>
+              </a:rPr>
+              <a:t>/wiki/Cross-</a:t>
+            </a:r>
+            <a:r>
+              <a:rPr lang="en-US" sz="2000" dirty="0" err="1">
+                <a:solidFill>
+                  <a:srgbClr val="FFFF00"/>
+                </a:solidFill>
+              </a:rPr>
+              <a:t>site_request_forgery</a:t>
+            </a:r>
+            <a:endParaRPr lang="en-US" sz="2000" dirty="0">
+              <a:solidFill>
+                <a:srgbClr val="FFFF00"/>
+              </a:solidFill>
+            </a:endParaRPr>
+          </a:p>
+        </p:txBody>
+      </p:sp>
+    </p:spTree>
+    <p:extLst>
+      <p:ext uri="{BB962C8B-B14F-4D97-AF65-F5344CB8AC3E}">
         <p14:creationId xmlns:p14="http://schemas.microsoft.com/office/powerpoint/2010/main" val="322838158"/>
       </p:ext>
     </p:extLst>
@@ -9356,7 +15063,242 @@
 </p:sld>
 </file>
 
-<file path=ppt/slides/slide25.xml><?xml version="1.0" encoding="utf-8"?>
+<file path=ppt/slides/slide3.xml><?xml version="1.0" encoding="utf-8"?>
+<p:sld xmlns:a="http://schemas.openxmlformats.org/drawingml/2006/main" xmlns:r="http://schemas.openxmlformats.org/officeDocument/2006/relationships" xmlns:p="http://schemas.openxmlformats.org/presentationml/2006/main">
+  <p:cSld>
+    <p:bg>
+      <p:bgPr>
+        <a:solidFill>
+          <a:schemeClr val="bg1"/>
+        </a:solidFill>
+        <a:effectLst/>
+      </p:bgPr>
+    </p:bg>
+    <p:spTree>
+      <p:nvGrpSpPr>
+        <p:cNvPr id="1" name=""/>
+        <p:cNvGrpSpPr/>
+        <p:nvPr/>
+      </p:nvGrpSpPr>
+      <p:grpSpPr>
+        <a:xfrm>
+          <a:off x="0" y="0"/>
+          <a:ext cx="0" cy="0"/>
+          <a:chOff x="0" y="0"/>
+          <a:chExt cx="0" cy="0"/>
+        </a:xfrm>
+      </p:grpSpPr>
+      <p:sp>
+        <p:nvSpPr>
+          <p:cNvPr id="15" name="Down Arrow 7">
+            <a:extLst>
+              <a:ext uri="{FF2B5EF4-FFF2-40B4-BE49-F238E27FC236}">
+                <a16:creationId xmlns="" xmlns:a16="http://schemas.microsoft.com/office/drawing/2014/main" id="{73DE2CFE-42F2-48F0-8706-5264E012B10C}"/>
+              </a:ext>
+              <a:ext uri="{C183D7F6-B498-43B3-948B-1728B52AA6E4}">
+                <adec:decorative xmlns="" xmlns:adec="http://schemas.microsoft.com/office/drawing/2017/decorative" val="1"/>
+              </a:ext>
+            </a:extLst>
+          </p:cNvPr>
+          <p:cNvSpPr>
+            <a:spLocks noGrp="1" noRot="1" noChangeAspect="1" noMove="1" noResize="1" noEditPoints="1" noAdjustHandles="1" noChangeArrowheads="1" noChangeShapeType="1" noTextEdit="1"/>
+          </p:cNvSpPr>
+          <p:nvPr>
+            <p:extLst>
+              <p:ext uri="{386F3935-93C4-4BCD-93E2-E3B085C9AB24}">
+                <p16:designElem xmlns:p16="http://schemas.microsoft.com/office/powerpoint/2015/main" val="1"/>
+              </p:ext>
+            </p:extLst>
+          </p:nvPr>
+        </p:nvSpPr>
+        <p:spPr>
+          <a:xfrm rot="16200000">
+            <a:off x="1288521" y="381403"/>
+            <a:ext cx="2200313" cy="3342508"/>
+          </a:xfrm>
+          <a:prstGeom prst="downArrow">
+            <a:avLst>
+              <a:gd name="adj1" fmla="val 100000"/>
+              <a:gd name="adj2" fmla="val 15788"/>
+            </a:avLst>
+          </a:prstGeom>
+          <a:solidFill>
+            <a:srgbClr val="404040"/>
+          </a:solidFill>
+          <a:ln w="53975">
+            <a:noFill/>
+          </a:ln>
+        </p:spPr>
+        <p:style>
+          <a:lnRef idx="2">
+            <a:schemeClr val="accent1">
+              <a:shade val="50000"/>
+            </a:schemeClr>
+          </a:lnRef>
+          <a:fillRef idx="1">
+            <a:schemeClr val="accent1"/>
+          </a:fillRef>
+          <a:effectRef idx="0">
+            <a:schemeClr val="accent1"/>
+          </a:effectRef>
+          <a:fontRef idx="minor">
+            <a:schemeClr val="lt1"/>
+          </a:fontRef>
+        </p:style>
+        <p:txBody>
+          <a:bodyPr rtlCol="0" anchor="ctr"/>
+          <a:lstStyle/>
+          <a:p>
+            <a:pPr marL="0" marR="0" lvl="0" indent="0" algn="ctr" defTabSz="914400" rtl="0" eaLnBrk="1" fontAlgn="auto" latinLnBrk="0" hangingPunct="1">
+              <a:lnSpc>
+                <a:spcPct val="100000"/>
+              </a:lnSpc>
+              <a:spcBef>
+                <a:spcPts val="0"/>
+              </a:spcBef>
+              <a:spcAft>
+                <a:spcPts val="0"/>
+              </a:spcAft>
+              <a:buClrTx/>
+              <a:buSzTx/>
+              <a:buFontTx/>
+              <a:buNone/>
+              <a:tabLst/>
+              <a:defRPr/>
+            </a:pPr>
+            <a:endParaRPr kumimoji="0" lang="en-US" sz="1800" b="0" i="0" u="none" strike="noStrike" kern="1200" cap="none" spc="0" normalizeH="0" baseline="0" noProof="0">
+              <a:ln>
+                <a:noFill/>
+              </a:ln>
+              <a:solidFill>
+                <a:prstClr val="white"/>
+              </a:solidFill>
+              <a:effectLst/>
+              <a:uLnTx/>
+              <a:uFillTx/>
+              <a:latin typeface="Calibri" panose="020F0502020204030204"/>
+              <a:ea typeface="+mn-ea"/>
+              <a:cs typeface="+mn-cs"/>
+            </a:endParaRPr>
+          </a:p>
+        </p:txBody>
+      </p:sp>
+      <p:sp>
+        <p:nvSpPr>
+          <p:cNvPr id="2" name="Title 1"/>
+          <p:cNvSpPr>
+            <a:spLocks noGrp="1"/>
+          </p:cNvSpPr>
+          <p:nvPr>
+            <p:ph type="title"/>
+          </p:nvPr>
+        </p:nvSpPr>
+        <p:spPr>
+          <a:xfrm>
+            <a:off x="966952" y="1204108"/>
+            <a:ext cx="2669406" cy="1781175"/>
+          </a:xfrm>
+        </p:spPr>
+        <p:txBody>
+          <a:bodyPr>
+            <a:normAutofit/>
+          </a:bodyPr>
+          <a:lstStyle/>
+          <a:p>
+            <a:r>
+              <a:rPr lang="en-US" sz="3200">
+                <a:solidFill>
+                  <a:srgbClr val="FFFFFF"/>
+                </a:solidFill>
+              </a:rPr>
+              <a:t>Forms gather data and send it to the server</a:t>
+            </a:r>
+          </a:p>
+        </p:txBody>
+      </p:sp>
+      <p:sp>
+        <p:nvSpPr>
+          <p:cNvPr id="12" name="Content Placeholder 11">
+            <a:extLst>
+              <a:ext uri="{FF2B5EF4-FFF2-40B4-BE49-F238E27FC236}">
+                <a16:creationId xmlns="" xmlns:a16="http://schemas.microsoft.com/office/drawing/2014/main" id="{10441444-F734-43CA-98E6-1F3C07414448}"/>
+              </a:ext>
+            </a:extLst>
+          </p:cNvPr>
+          <p:cNvSpPr>
+            <a:spLocks noGrp="1"/>
+          </p:cNvSpPr>
+          <p:nvPr>
+            <p:ph idx="1"/>
+          </p:nvPr>
+        </p:nvSpPr>
+        <p:spPr>
+          <a:xfrm>
+            <a:off x="966951" y="3355130"/>
+            <a:ext cx="2669407" cy="2427333"/>
+          </a:xfrm>
+        </p:spPr>
+        <p:txBody>
+          <a:bodyPr>
+            <a:normAutofit/>
+          </a:bodyPr>
+          <a:lstStyle/>
+          <a:p>
+            <a:endParaRPr lang="en-US" sz="1600"/>
+          </a:p>
+        </p:txBody>
+      </p:sp>
+      <p:pic>
+        <p:nvPicPr>
+          <p:cNvPr id="10" name="Content Placeholder 6"/>
+          <p:cNvPicPr>
+            <a:picLocks noChangeAspect="1"/>
+          </p:cNvPicPr>
+          <p:nvPr/>
+        </p:nvPicPr>
+        <p:blipFill>
+          <a:blip r:embed="rId2">
+            <a:extLst>
+              <a:ext uri="{28A0092B-C50C-407E-A947-70E740481C1C}">
+                <a14:useLocalDpi xmlns:a14="http://schemas.microsoft.com/office/drawing/2010/main" val="0"/>
+              </a:ext>
+            </a:extLst>
+          </a:blip>
+          <a:stretch>
+            <a:fillRect/>
+          </a:stretch>
+        </p:blipFill>
+        <p:spPr>
+          <a:xfrm>
+            <a:off x="4794401" y="952500"/>
+            <a:ext cx="6639124" cy="4829963"/>
+          </a:xfrm>
+          <a:prstGeom prst="rect">
+            <a:avLst/>
+          </a:prstGeom>
+        </p:spPr>
+      </p:pic>
+    </p:spTree>
+    <p:extLst>
+      <p:ext uri="{BB962C8B-B14F-4D97-AF65-F5344CB8AC3E}">
+        <p14:creationId xmlns:p14="http://schemas.microsoft.com/office/powerpoint/2010/main" val="897824742"/>
+      </p:ext>
+    </p:extLst>
+  </p:cSld>
+  <p:clrMapOvr>
+    <a:masterClrMapping/>
+  </p:clrMapOvr>
+  <p:timing>
+    <p:tnLst>
+      <p:par>
+        <p:cTn id="1" dur="indefinite" restart="never" nodeType="tmRoot"/>
+      </p:par>
+    </p:tnLst>
+  </p:timing>
+</p:sld>
+</file>
+
+<file path=ppt/slides/slide30.xml><?xml version="1.0" encoding="utf-8"?>
 <p:sld xmlns:a="http://schemas.openxmlformats.org/drawingml/2006/main" xmlns:r="http://schemas.openxmlformats.org/officeDocument/2006/relationships" xmlns:p="http://schemas.openxmlformats.org/presentationml/2006/main">
   <p:cSld>
     <p:spTree>
@@ -10124,7 +16066,7 @@
 </p:sld>
 </file>
 
-<file path=ppt/slides/slide26.xml><?xml version="1.0" encoding="utf-8"?>
+<file path=ppt/slides/slide31.xml><?xml version="1.0" encoding="utf-8"?>
 <p:sld xmlns:a="http://schemas.openxmlformats.org/drawingml/2006/main" xmlns:r="http://schemas.openxmlformats.org/officeDocument/2006/relationships" xmlns:p="http://schemas.openxmlformats.org/presentationml/2006/main">
   <p:cSld>
     <p:spTree>
@@ -11001,7 +16943,7 @@
 </p:sld>
 </file>
 
-<file path=ppt/slides/slide27.xml><?xml version="1.0" encoding="utf-8"?>
+<file path=ppt/slides/slide32.xml><?xml version="1.0" encoding="utf-8"?>
 <p:sld xmlns:a="http://schemas.openxmlformats.org/drawingml/2006/main" xmlns:r="http://schemas.openxmlformats.org/officeDocument/2006/relationships" xmlns:p="http://schemas.openxmlformats.org/presentationml/2006/main">
   <p:cSld>
     <p:spTree>
@@ -11844,7 +17786,7 @@
 </p:sld>
 </file>
 
-<file path=ppt/slides/slide28.xml><?xml version="1.0" encoding="utf-8"?>
+<file path=ppt/slides/slide33.xml><?xml version="1.0" encoding="utf-8"?>
 <p:sld xmlns:a="http://schemas.openxmlformats.org/drawingml/2006/main" xmlns:r="http://schemas.openxmlformats.org/officeDocument/2006/relationships" xmlns:p="http://schemas.openxmlformats.org/presentationml/2006/main">
   <p:cSld>
     <p:spTree>
@@ -12715,7 +18657,7 @@
 </p:sld>
 </file>
 
-<file path=ppt/slides/slide29.xml><?xml version="1.0" encoding="utf-8"?>
+<file path=ppt/slides/slide34.xml><?xml version="1.0" encoding="utf-8"?>
 <p:sld xmlns:a="http://schemas.openxmlformats.org/drawingml/2006/main" xmlns:r="http://schemas.openxmlformats.org/officeDocument/2006/relationships" xmlns:p="http://schemas.openxmlformats.org/presentationml/2006/main">
   <p:cSld>
     <p:spTree>
@@ -12775,242 +18717,7 @@
 </p:sld>
 </file>
 
-<file path=ppt/slides/slide3.xml><?xml version="1.0" encoding="utf-8"?>
-<p:sld xmlns:a="http://schemas.openxmlformats.org/drawingml/2006/main" xmlns:r="http://schemas.openxmlformats.org/officeDocument/2006/relationships" xmlns:p="http://schemas.openxmlformats.org/presentationml/2006/main">
-  <p:cSld>
-    <p:bg>
-      <p:bgPr>
-        <a:solidFill>
-          <a:schemeClr val="bg1"/>
-        </a:solidFill>
-        <a:effectLst/>
-      </p:bgPr>
-    </p:bg>
-    <p:spTree>
-      <p:nvGrpSpPr>
-        <p:cNvPr id="1" name=""/>
-        <p:cNvGrpSpPr/>
-        <p:nvPr/>
-      </p:nvGrpSpPr>
-      <p:grpSpPr>
-        <a:xfrm>
-          <a:off x="0" y="0"/>
-          <a:ext cx="0" cy="0"/>
-          <a:chOff x="0" y="0"/>
-          <a:chExt cx="0" cy="0"/>
-        </a:xfrm>
-      </p:grpSpPr>
-      <p:sp>
-        <p:nvSpPr>
-          <p:cNvPr id="15" name="Down Arrow 7">
-            <a:extLst>
-              <a:ext uri="{FF2B5EF4-FFF2-40B4-BE49-F238E27FC236}">
-                <a16:creationId xmlns="" xmlns:a16="http://schemas.microsoft.com/office/drawing/2014/main" id="{73DE2CFE-42F2-48F0-8706-5264E012B10C}"/>
-              </a:ext>
-              <a:ext uri="{C183D7F6-B498-43B3-948B-1728B52AA6E4}">
-                <adec:decorative xmlns="" xmlns:adec="http://schemas.microsoft.com/office/drawing/2017/decorative" val="1"/>
-              </a:ext>
-            </a:extLst>
-          </p:cNvPr>
-          <p:cNvSpPr>
-            <a:spLocks noGrp="1" noRot="1" noChangeAspect="1" noMove="1" noResize="1" noEditPoints="1" noAdjustHandles="1" noChangeArrowheads="1" noChangeShapeType="1" noTextEdit="1"/>
-          </p:cNvSpPr>
-          <p:nvPr>
-            <p:extLst>
-              <p:ext uri="{386F3935-93C4-4BCD-93E2-E3B085C9AB24}">
-                <p16:designElem xmlns:p16="http://schemas.microsoft.com/office/powerpoint/2015/main" val="1"/>
-              </p:ext>
-            </p:extLst>
-          </p:nvPr>
-        </p:nvSpPr>
-        <p:spPr>
-          <a:xfrm rot="16200000">
-            <a:off x="1288521" y="381403"/>
-            <a:ext cx="2200313" cy="3342508"/>
-          </a:xfrm>
-          <a:prstGeom prst="downArrow">
-            <a:avLst>
-              <a:gd name="adj1" fmla="val 100000"/>
-              <a:gd name="adj2" fmla="val 15788"/>
-            </a:avLst>
-          </a:prstGeom>
-          <a:solidFill>
-            <a:srgbClr val="404040"/>
-          </a:solidFill>
-          <a:ln w="53975">
-            <a:noFill/>
-          </a:ln>
-        </p:spPr>
-        <p:style>
-          <a:lnRef idx="2">
-            <a:schemeClr val="accent1">
-              <a:shade val="50000"/>
-            </a:schemeClr>
-          </a:lnRef>
-          <a:fillRef idx="1">
-            <a:schemeClr val="accent1"/>
-          </a:fillRef>
-          <a:effectRef idx="0">
-            <a:schemeClr val="accent1"/>
-          </a:effectRef>
-          <a:fontRef idx="minor">
-            <a:schemeClr val="lt1"/>
-          </a:fontRef>
-        </p:style>
-        <p:txBody>
-          <a:bodyPr rtlCol="0" anchor="ctr"/>
-          <a:lstStyle/>
-          <a:p>
-            <a:pPr marL="0" marR="0" lvl="0" indent="0" algn="ctr" defTabSz="914400" rtl="0" eaLnBrk="1" fontAlgn="auto" latinLnBrk="0" hangingPunct="1">
-              <a:lnSpc>
-                <a:spcPct val="100000"/>
-              </a:lnSpc>
-              <a:spcBef>
-                <a:spcPts val="0"/>
-              </a:spcBef>
-              <a:spcAft>
-                <a:spcPts val="0"/>
-              </a:spcAft>
-              <a:buClrTx/>
-              <a:buSzTx/>
-              <a:buFontTx/>
-              <a:buNone/>
-              <a:tabLst/>
-              <a:defRPr/>
-            </a:pPr>
-            <a:endParaRPr kumimoji="0" lang="en-US" sz="1800" b="0" i="0" u="none" strike="noStrike" kern="1200" cap="none" spc="0" normalizeH="0" baseline="0" noProof="0">
-              <a:ln>
-                <a:noFill/>
-              </a:ln>
-              <a:solidFill>
-                <a:prstClr val="white"/>
-              </a:solidFill>
-              <a:effectLst/>
-              <a:uLnTx/>
-              <a:uFillTx/>
-              <a:latin typeface="Calibri" panose="020F0502020204030204"/>
-              <a:ea typeface="+mn-ea"/>
-              <a:cs typeface="+mn-cs"/>
-            </a:endParaRPr>
-          </a:p>
-        </p:txBody>
-      </p:sp>
-      <p:sp>
-        <p:nvSpPr>
-          <p:cNvPr id="2" name="Title 1"/>
-          <p:cNvSpPr>
-            <a:spLocks noGrp="1"/>
-          </p:cNvSpPr>
-          <p:nvPr>
-            <p:ph type="title"/>
-          </p:nvPr>
-        </p:nvSpPr>
-        <p:spPr>
-          <a:xfrm>
-            <a:off x="966952" y="1204108"/>
-            <a:ext cx="2669406" cy="1781175"/>
-          </a:xfrm>
-        </p:spPr>
-        <p:txBody>
-          <a:bodyPr>
-            <a:normAutofit/>
-          </a:bodyPr>
-          <a:lstStyle/>
-          <a:p>
-            <a:r>
-              <a:rPr lang="en-US" sz="3200">
-                <a:solidFill>
-                  <a:srgbClr val="FFFFFF"/>
-                </a:solidFill>
-              </a:rPr>
-              <a:t>Forms gather data and send it to the server</a:t>
-            </a:r>
-          </a:p>
-        </p:txBody>
-      </p:sp>
-      <p:sp>
-        <p:nvSpPr>
-          <p:cNvPr id="12" name="Content Placeholder 11">
-            <a:extLst>
-              <a:ext uri="{FF2B5EF4-FFF2-40B4-BE49-F238E27FC236}">
-                <a16:creationId xmlns="" xmlns:a16="http://schemas.microsoft.com/office/drawing/2014/main" id="{10441444-F734-43CA-98E6-1F3C07414448}"/>
-              </a:ext>
-            </a:extLst>
-          </p:cNvPr>
-          <p:cNvSpPr>
-            <a:spLocks noGrp="1"/>
-          </p:cNvSpPr>
-          <p:nvPr>
-            <p:ph idx="1"/>
-          </p:nvPr>
-        </p:nvSpPr>
-        <p:spPr>
-          <a:xfrm>
-            <a:off x="966951" y="3355130"/>
-            <a:ext cx="2669407" cy="2427333"/>
-          </a:xfrm>
-        </p:spPr>
-        <p:txBody>
-          <a:bodyPr>
-            <a:normAutofit/>
-          </a:bodyPr>
-          <a:lstStyle/>
-          <a:p>
-            <a:endParaRPr lang="en-US" sz="1600"/>
-          </a:p>
-        </p:txBody>
-      </p:sp>
-      <p:pic>
-        <p:nvPicPr>
-          <p:cNvPr id="10" name="Content Placeholder 6"/>
-          <p:cNvPicPr>
-            <a:picLocks noChangeAspect="1"/>
-          </p:cNvPicPr>
-          <p:nvPr/>
-        </p:nvPicPr>
-        <p:blipFill>
-          <a:blip r:embed="rId2">
-            <a:extLst>
-              <a:ext uri="{28A0092B-C50C-407E-A947-70E740481C1C}">
-                <a14:useLocalDpi xmlns:a14="http://schemas.microsoft.com/office/drawing/2010/main" val="0"/>
-              </a:ext>
-            </a:extLst>
-          </a:blip>
-          <a:stretch>
-            <a:fillRect/>
-          </a:stretch>
-        </p:blipFill>
-        <p:spPr>
-          <a:xfrm>
-            <a:off x="4794401" y="952500"/>
-            <a:ext cx="6639124" cy="4829963"/>
-          </a:xfrm>
-          <a:prstGeom prst="rect">
-            <a:avLst/>
-          </a:prstGeom>
-        </p:spPr>
-      </p:pic>
-    </p:spTree>
-    <p:extLst>
-      <p:ext uri="{BB962C8B-B14F-4D97-AF65-F5344CB8AC3E}">
-        <p14:creationId xmlns:p14="http://schemas.microsoft.com/office/powerpoint/2010/main" val="897824742"/>
-      </p:ext>
-    </p:extLst>
-  </p:cSld>
-  <p:clrMapOvr>
-    <a:masterClrMapping/>
-  </p:clrMapOvr>
-  <p:timing>
-    <p:tnLst>
-      <p:par>
-        <p:cTn id="1" dur="indefinite" restart="never" nodeType="tmRoot"/>
-      </p:par>
-    </p:tnLst>
-  </p:timing>
-</p:sld>
-</file>
-
-<file path=ppt/slides/slide30.xml><?xml version="1.0" encoding="utf-8"?>
+<file path=ppt/slides/slide35.xml><?xml version="1.0" encoding="utf-8"?>
 <p:sld xmlns:a="http://schemas.openxmlformats.org/drawingml/2006/main" xmlns:r="http://schemas.openxmlformats.org/officeDocument/2006/relationships" xmlns:p="http://schemas.openxmlformats.org/presentationml/2006/main">
   <p:cSld>
     <p:spTree>
@@ -13342,7 +19049,7 @@
 </p:sld>
 </file>
 
-<file path=ppt/slides/slide31.xml><?xml version="1.0" encoding="utf-8"?>
+<file path=ppt/slides/slide36.xml><?xml version="1.0" encoding="utf-8"?>
 <p:sld xmlns:a="http://schemas.openxmlformats.org/drawingml/2006/main" xmlns:r="http://schemas.openxmlformats.org/officeDocument/2006/relationships" xmlns:p="http://schemas.openxmlformats.org/presentationml/2006/main">
   <p:cSld>
     <p:spTree>
@@ -13982,7 +19689,7 @@
 </p:sld>
 </file>
 
-<file path=ppt/slides/slide32.xml><?xml version="1.0" encoding="utf-8"?>
+<file path=ppt/slides/slide37.xml><?xml version="1.0" encoding="utf-8"?>
 <p:sld xmlns:a="http://schemas.openxmlformats.org/drawingml/2006/main" xmlns:r="http://schemas.openxmlformats.org/officeDocument/2006/relationships" xmlns:p="http://schemas.openxmlformats.org/presentationml/2006/main">
   <p:cSld>
     <p:spTree>
@@ -14058,7 +19765,7 @@
 </p:sld>
 </file>
 
-<file path=ppt/slides/slide33.xml><?xml version="1.0" encoding="utf-8"?>
+<file path=ppt/slides/slide38.xml><?xml version="1.0" encoding="utf-8"?>
 <p:sld xmlns:a="http://schemas.openxmlformats.org/drawingml/2006/main" xmlns:r="http://schemas.openxmlformats.org/officeDocument/2006/relationships" xmlns:p="http://schemas.openxmlformats.org/presentationml/2006/main">
   <p:cSld>
     <p:spTree>
@@ -14142,11 +19849,7 @@
             </a:pPr>
             <a:r>
               <a:rPr lang="en-US" altLang="x-none" dirty="0" smtClean="0"/>
-              <a:t>POST Redirect </a:t>
-            </a:r>
-            <a:r>
-              <a:rPr lang="en-US" altLang="x-none" dirty="0" smtClean="0"/>
-              <a:t>GET</a:t>
+              <a:t>POST Redirect GET</a:t>
             </a:r>
           </a:p>
           <a:p>
@@ -14198,7 +19901,7 @@
 </p:sld>
 </file>
 
-<file path=ppt/slides/slide34.xml><?xml version="1.0" encoding="utf-8"?>
+<file path=ppt/slides/slide39.xml><?xml version="1.0" encoding="utf-8"?>
 <p:sld xmlns:a="http://schemas.openxmlformats.org/drawingml/2006/main" xmlns:r="http://schemas.openxmlformats.org/officeDocument/2006/relationships" xmlns:p="http://schemas.openxmlformats.org/presentationml/2006/main">
   <p:cSld>
     <p:spTree>

--- a/lectures/DJ-07-Forms.pptx
+++ b/lectures/DJ-07-Forms.pptx
@@ -5,7 +5,7 @@
     <p:sldMasterId id="2147483660" r:id="rId1"/>
   </p:sldMasterIdLst>
   <p:notesMasterIdLst>
-    <p:notesMasterId r:id="rId41"/>
+    <p:notesMasterId r:id="rId42"/>
   </p:notesMasterIdLst>
   <p:sldIdLst>
     <p:sldId id="258" r:id="rId2"/>
@@ -44,9 +44,10 @@
     <p:sldId id="341" r:id="rId35"/>
     <p:sldId id="339" r:id="rId36"/>
     <p:sldId id="340" r:id="rId37"/>
-    <p:sldId id="317" r:id="rId38"/>
-    <p:sldId id="281" r:id="rId39"/>
-    <p:sldId id="273" r:id="rId40"/>
+    <p:sldId id="349" r:id="rId38"/>
+    <p:sldId id="317" r:id="rId39"/>
+    <p:sldId id="281" r:id="rId40"/>
+    <p:sldId id="273" r:id="rId41"/>
   </p:sldIdLst>
   <p:sldSz cx="12192000" cy="6858000"/>
   <p:notesSz cx="6858000" cy="9144000"/>
@@ -235,7 +236,7 @@
           <a:p>
             <a:fld id="{C97B56FC-7D2E-F343-9D09-0D14B00AA564}" type="datetimeFigureOut">
               <a:rPr lang="en-US" smtClean="0"/>
-              <a:t>2/21/19</a:t>
+              <a:t>2/22/19</a:t>
             </a:fld>
             <a:endParaRPr lang="en-US"/>
           </a:p>
@@ -1180,7 +1181,7 @@
           <a:p>
             <a:fld id="{EEE7C04C-7AF8-1445-A186-502B631B934F}" type="datetimeFigureOut">
               <a:rPr lang="en-US" smtClean="0"/>
-              <a:t>2/21/19</a:t>
+              <a:t>2/22/19</a:t>
             </a:fld>
             <a:endParaRPr lang="en-US"/>
           </a:p>
@@ -1345,7 +1346,7 @@
           <a:p>
             <a:fld id="{EEE7C04C-7AF8-1445-A186-502B631B934F}" type="datetimeFigureOut">
               <a:rPr lang="en-US" smtClean="0"/>
-              <a:t>2/21/19</a:t>
+              <a:t>2/22/19</a:t>
             </a:fld>
             <a:endParaRPr lang="en-US"/>
           </a:p>
@@ -1520,7 +1521,7 @@
           <a:p>
             <a:fld id="{EEE7C04C-7AF8-1445-A186-502B631B934F}" type="datetimeFigureOut">
               <a:rPr lang="en-US" smtClean="0"/>
-              <a:t>2/21/19</a:t>
+              <a:t>2/22/19</a:t>
             </a:fld>
             <a:endParaRPr lang="en-US"/>
           </a:p>
@@ -1685,7 +1686,7 @@
           <a:p>
             <a:fld id="{EEE7C04C-7AF8-1445-A186-502B631B934F}" type="datetimeFigureOut">
               <a:rPr lang="en-US" smtClean="0"/>
-              <a:t>2/21/19</a:t>
+              <a:t>2/22/19</a:t>
             </a:fld>
             <a:endParaRPr lang="en-US"/>
           </a:p>
@@ -1926,7 +1927,7 @@
           <a:p>
             <a:fld id="{EEE7C04C-7AF8-1445-A186-502B631B934F}" type="datetimeFigureOut">
               <a:rPr lang="en-US" smtClean="0"/>
-              <a:t>2/21/19</a:t>
+              <a:t>2/22/19</a:t>
             </a:fld>
             <a:endParaRPr lang="en-US"/>
           </a:p>
@@ -2153,7 +2154,7 @@
           <a:p>
             <a:fld id="{EEE7C04C-7AF8-1445-A186-502B631B934F}" type="datetimeFigureOut">
               <a:rPr lang="en-US" smtClean="0"/>
-              <a:t>2/21/19</a:t>
+              <a:t>2/22/19</a:t>
             </a:fld>
             <a:endParaRPr lang="en-US"/>
           </a:p>
@@ -2515,7 +2516,7 @@
           <a:p>
             <a:fld id="{EEE7C04C-7AF8-1445-A186-502B631B934F}" type="datetimeFigureOut">
               <a:rPr lang="en-US" smtClean="0"/>
-              <a:t>2/21/19</a:t>
+              <a:t>2/22/19</a:t>
             </a:fld>
             <a:endParaRPr lang="en-US"/>
           </a:p>
@@ -2628,7 +2629,7 @@
           <a:p>
             <a:fld id="{EEE7C04C-7AF8-1445-A186-502B631B934F}" type="datetimeFigureOut">
               <a:rPr lang="en-US" smtClean="0"/>
-              <a:t>2/21/19</a:t>
+              <a:t>2/22/19</a:t>
             </a:fld>
             <a:endParaRPr lang="en-US"/>
           </a:p>
@@ -2718,7 +2719,7 @@
           <a:p>
             <a:fld id="{EEE7C04C-7AF8-1445-A186-502B631B934F}" type="datetimeFigureOut">
               <a:rPr lang="en-US" smtClean="0"/>
-              <a:t>2/21/19</a:t>
+              <a:t>2/22/19</a:t>
             </a:fld>
             <a:endParaRPr lang="en-US"/>
           </a:p>
@@ -2990,7 +2991,7 @@
           <a:p>
             <a:fld id="{EEE7C04C-7AF8-1445-A186-502B631B934F}" type="datetimeFigureOut">
               <a:rPr lang="en-US" smtClean="0"/>
-              <a:t>2/21/19</a:t>
+              <a:t>2/22/19</a:t>
             </a:fld>
             <a:endParaRPr lang="en-US"/>
           </a:p>
@@ -3242,7 +3243,7 @@
           <a:p>
             <a:fld id="{EEE7C04C-7AF8-1445-A186-502B631B934F}" type="datetimeFigureOut">
               <a:rPr lang="en-US" smtClean="0"/>
-              <a:t>2/21/19</a:t>
+              <a:t>2/22/19</a:t>
             </a:fld>
             <a:endParaRPr lang="en-US"/>
           </a:p>
@@ -3450,7 +3451,7 @@
           <a:p>
             <a:fld id="{EEE7C04C-7AF8-1445-A186-502B631B934F}" type="datetimeFigureOut">
               <a:rPr lang="en-US" smtClean="0"/>
-              <a:t>2/21/19</a:t>
+              <a:t>2/22/19</a:t>
             </a:fld>
             <a:endParaRPr lang="en-US"/>
           </a:p>
@@ -3868,10 +3869,10 @@
           <p:cNvPr id="10" name="Rectangle 9">
             <a:extLst>
               <a:ext uri="{FF2B5EF4-FFF2-40B4-BE49-F238E27FC236}">
-                <a16:creationId xmlns="" xmlns:a16="http://schemas.microsoft.com/office/drawing/2014/main" id="{E20EB187-900F-4AF5-813B-101456D9FD39}"/>
+                <a16:creationId xmlns:a16="http://schemas.microsoft.com/office/drawing/2014/main" xmlns="" id="{E20EB187-900F-4AF5-813B-101456D9FD39}"/>
               </a:ext>
               <a:ext uri="{C183D7F6-B498-43B3-948B-1728B52AA6E4}">
-                <adec:decorative xmlns="" xmlns:adec="http://schemas.microsoft.com/office/drawing/2017/decorative" val="1"/>
+                <adec:decorative xmlns:adec="http://schemas.microsoft.com/office/drawing/2017/decorative" xmlns="" val="1"/>
               </a:ext>
             </a:extLst>
           </p:cNvPr>
@@ -4045,10 +4046,10 @@
           <p:cNvPr id="12" name="Straight Connector 11">
             <a:extLst>
               <a:ext uri="{FF2B5EF4-FFF2-40B4-BE49-F238E27FC236}">
-                <a16:creationId xmlns="" xmlns:a16="http://schemas.microsoft.com/office/drawing/2014/main" id="{624D17C8-E9C2-48A4-AA36-D7048A6CCC41}"/>
+                <a16:creationId xmlns:a16="http://schemas.microsoft.com/office/drawing/2014/main" xmlns="" id="{624D17C8-E9C2-48A4-AA36-D7048A6CCC41}"/>
               </a:ext>
               <a:ext uri="{C183D7F6-B498-43B3-948B-1728B52AA6E4}">
-                <adec:decorative xmlns="" xmlns:adec="http://schemas.microsoft.com/office/drawing/2017/decorative" val="1"/>
+                <adec:decorative xmlns:adec="http://schemas.microsoft.com/office/drawing/2017/decorative" xmlns="" val="1"/>
               </a:ext>
             </a:extLst>
           </p:cNvPr>
@@ -6296,10 +6297,10 @@
           <p:cNvPr id="135" name="Rectangle 134">
             <a:extLst>
               <a:ext uri="{FF2B5EF4-FFF2-40B4-BE49-F238E27FC236}">
-                <a16:creationId xmlns="" xmlns:a16="http://schemas.microsoft.com/office/drawing/2014/main" id="{867D4867-5BA7-4462-B2F6-A23F4A622AA7}"/>
+                <a16:creationId xmlns:a16="http://schemas.microsoft.com/office/drawing/2014/main" xmlns="" id="{867D4867-5BA7-4462-B2F6-A23F4A622AA7}"/>
               </a:ext>
               <a:ext uri="{C183D7F6-B498-43B3-948B-1728B52AA6E4}">
-                <adec:decorative xmlns="" xmlns:adec="http://schemas.microsoft.com/office/drawing/2017/decorative" val="1"/>
+                <adec:decorative xmlns:adec="http://schemas.microsoft.com/office/drawing/2017/decorative" xmlns="" val="1"/>
               </a:ext>
             </a:extLst>
           </p:cNvPr>
@@ -6503,6 +6504,13 @@
   <p:clrMapOvr>
     <a:overrideClrMapping bg1="lt1" tx1="dk1" bg2="lt2" tx2="dk2" accent1="accent1" accent2="accent2" accent3="accent3" accent4="accent4" accent5="accent5" accent6="accent6" hlink="hlink" folHlink="folHlink"/>
   </p:clrMapOvr>
+  <p:timing>
+    <p:tnLst>
+      <p:par>
+        <p:cTn id="1" dur="indefinite" restart="never" nodeType="tmRoot"/>
+      </p:par>
+    </p:tnLst>
+  </p:timing>
 </p:sld>
 </file>
 
@@ -8957,6 +8965,13 @@
   <p:clrMapOvr>
     <a:masterClrMapping/>
   </p:clrMapOvr>
+  <p:timing>
+    <p:tnLst>
+      <p:par>
+        <p:cTn id="1" dur="indefinite" restart="never" nodeType="tmRoot"/>
+      </p:par>
+    </p:tnLst>
+  </p:timing>
 </p:sld>
 </file>
 
@@ -9080,6 +9095,13 @@
   <p:clrMapOvr>
     <a:masterClrMapping/>
   </p:clrMapOvr>
+  <p:timing>
+    <p:tnLst>
+      <p:par>
+        <p:cTn id="1" dur="indefinite" restart="never" nodeType="tmRoot"/>
+      </p:par>
+    </p:tnLst>
+  </p:timing>
 </p:sld>
 </file>
 
@@ -9503,6 +9525,13 @@
   <p:clrMapOvr>
     <a:masterClrMapping/>
   </p:clrMapOvr>
+  <p:timing>
+    <p:tnLst>
+      <p:par>
+        <p:cTn id="1" dur="indefinite" restart="never" nodeType="tmRoot"/>
+      </p:par>
+    </p:tnLst>
+  </p:timing>
 </p:sld>
 </file>
 
@@ -9545,7 +9574,7 @@
         </p:blipFill>
         <p:spPr>
           <a:xfrm>
-            <a:off x="-171450" y="1000125"/>
+            <a:off x="-149124" y="1171575"/>
             <a:ext cx="6781800" cy="3949700"/>
           </a:xfrm>
           <a:prstGeom prst="rect">
@@ -9562,7 +9591,7 @@
         <p:spPr>
           <a:xfrm>
             <a:off x="4702672" y="737462"/>
-            <a:ext cx="7353295" cy="5632311"/>
+            <a:ext cx="7353295" cy="5909310"/>
           </a:xfrm>
           <a:prstGeom prst="rect">
             <a:avLst/>
@@ -9605,7 +9634,7 @@
               <a:t> </a:t>
             </a:r>
             <a:r>
-              <a:rPr lang="en-US" b="1" dirty="0">
+              <a:rPr lang="en-US" b="1" dirty="0" smtClean="0">
                 <a:solidFill>
                   <a:srgbClr val="2EAEBB"/>
                 </a:solidFill>
@@ -9616,26 +9645,15 @@
               <a:t>Validate</a:t>
             </a:r>
             <a:r>
-              <a:rPr lang="en-US" b="1" dirty="0">
-                <a:solidFill>
-                  <a:srgbClr val="000000"/>
-                </a:solidFill>
-                <a:latin typeface="Courier" charset="0"/>
-                <a:ea typeface="Courier" charset="0"/>
-                <a:cs typeface="Courier" charset="0"/>
-              </a:rPr>
-              <a:t>(</a:t>
-            </a:r>
-            <a:r>
-              <a:rPr lang="en-US" b="1" dirty="0" err="1">
-                <a:solidFill>
-                  <a:srgbClr val="000000"/>
-                </a:solidFill>
-                <a:latin typeface="Courier" charset="0"/>
-                <a:ea typeface="Courier" charset="0"/>
-                <a:cs typeface="Courier" charset="0"/>
-              </a:rPr>
-              <a:t>DumpPostView</a:t>
+              <a:rPr lang="en-US" b="1" dirty="0" smtClean="0">
+                <a:solidFill>
+                  <a:srgbClr val="000000"/>
+                </a:solidFill>
+                <a:latin typeface="Courier" charset="0"/>
+                <a:ea typeface="Courier" charset="0"/>
+                <a:cs typeface="Courier" charset="0"/>
+              </a:rPr>
+              <a:t>(View</a:t>
             </a:r>
             <a:r>
               <a:rPr lang="en-US" b="1" dirty="0">
@@ -10663,6 +10681,19 @@
               <a:t>ctx</a:t>
             </a:r>
             <a:r>
+              <a:rPr lang="en-US" b="1" dirty="0" smtClean="0">
+                <a:solidFill>
+                  <a:srgbClr val="000000"/>
+                </a:solidFill>
+                <a:latin typeface="Courier" charset="0"/>
+                <a:ea typeface="Courier" charset="0"/>
+                <a:cs typeface="Courier" charset="0"/>
+              </a:rPr>
+              <a:t>)</a:t>
+            </a:r>
+          </a:p>
+          <a:p>
+            <a:r>
               <a:rPr lang="en-US" b="1" dirty="0">
                 <a:solidFill>
                   <a:srgbClr val="000000"/>
@@ -10671,8 +10702,27 @@
                 <a:ea typeface="Courier" charset="0"/>
                 <a:cs typeface="Courier" charset="0"/>
               </a:rPr>
-              <a:t>)</a:t>
-            </a:r>
+              <a:t> </a:t>
+            </a:r>
+            <a:r>
+              <a:rPr lang="en-US" b="1" dirty="0" smtClean="0">
+                <a:solidFill>
+                  <a:srgbClr val="000000"/>
+                </a:solidFill>
+                <a:latin typeface="Courier" charset="0"/>
+                <a:ea typeface="Courier" charset="0"/>
+                <a:cs typeface="Courier" charset="0"/>
+              </a:rPr>
+              <a:t>       # Save the Data</a:t>
+            </a:r>
+            <a:endParaRPr lang="en-US" b="1" dirty="0">
+              <a:solidFill>
+                <a:srgbClr val="000000"/>
+              </a:solidFill>
+              <a:latin typeface="Courier" charset="0"/>
+              <a:ea typeface="Courier" charset="0"/>
+              <a:cs typeface="Courier" charset="0"/>
+            </a:endParaRPr>
           </a:p>
           <a:p>
             <a:r>
@@ -11097,6 +11147,13 @@
   <p:clrMapOvr>
     <a:masterClrMapping/>
   </p:clrMapOvr>
+  <p:timing>
+    <p:tnLst>
+      <p:par>
+        <p:cTn id="1" dur="indefinite" restart="never" nodeType="tmRoot"/>
+      </p:par>
+    </p:tnLst>
+  </p:timing>
 </p:sld>
 </file>
 
@@ -11186,7 +11243,7 @@
         <p:spPr>
           <a:xfrm>
             <a:off x="4702672" y="737462"/>
-            <a:ext cx="7353295" cy="5632311"/>
+            <a:ext cx="7353295" cy="5909310"/>
           </a:xfrm>
           <a:prstGeom prst="rect">
             <a:avLst/>
@@ -12314,6 +12371,71 @@
               <a:rPr lang="en-US" b="1" dirty="0" smtClean="0">
                 <a:solidFill>
                   <a:srgbClr val="000000"/>
+                </a:solidFill>
+                <a:latin typeface="Courier" charset="0"/>
+                <a:ea typeface="Courier" charset="0"/>
+                <a:cs typeface="Courier" charset="0"/>
+              </a:rPr>
+              <a:t>      </a:t>
+            </a:r>
+            <a:r>
+              <a:rPr lang="en-US" b="1" dirty="0" smtClean="0">
+                <a:solidFill>
+                  <a:srgbClr val="000000"/>
+                </a:solidFill>
+                <a:latin typeface="Courier" charset="0"/>
+                <a:ea typeface="Courier" charset="0"/>
+                <a:cs typeface="Courier" charset="0"/>
+              </a:rPr>
+              <a:t> </a:t>
+            </a:r>
+            <a:r>
+              <a:rPr lang="en-US" b="1" dirty="0">
+                <a:solidFill>
+                  <a:srgbClr val="000000"/>
+                </a:solidFill>
+                <a:latin typeface="Courier" charset="0"/>
+                <a:ea typeface="Courier" charset="0"/>
+                <a:cs typeface="Courier" charset="0"/>
+              </a:rPr>
+              <a:t># Save the </a:t>
+            </a:r>
+            <a:r>
+              <a:rPr lang="en-US" b="1" dirty="0" smtClean="0">
+                <a:solidFill>
+                  <a:srgbClr val="000000"/>
+                </a:solidFill>
+                <a:latin typeface="Courier" charset="0"/>
+                <a:ea typeface="Courier" charset="0"/>
+                <a:cs typeface="Courier" charset="0"/>
+              </a:rPr>
+              <a:t>Data</a:t>
+            </a:r>
+            <a:br>
+              <a:rPr lang="en-US" b="1" dirty="0" smtClean="0">
+                <a:solidFill>
+                  <a:srgbClr val="000000"/>
+                </a:solidFill>
+                <a:latin typeface="Courier" charset="0"/>
+                <a:ea typeface="Courier" charset="0"/>
+                <a:cs typeface="Courier" charset="0"/>
+              </a:rPr>
+            </a:br>
+            <a:r>
+              <a:rPr lang="en-US" b="1" dirty="0" smtClean="0">
+                <a:solidFill>
+                  <a:srgbClr val="000000"/>
+                </a:solidFill>
+                <a:latin typeface="Courier" charset="0"/>
+                <a:ea typeface="Courier" charset="0"/>
+                <a:cs typeface="Courier" charset="0"/>
+              </a:rPr>
+              <a:t> </a:t>
+            </a:r>
+            <a:r>
+              <a:rPr lang="en-US" b="1" dirty="0" smtClean="0">
+                <a:solidFill>
+                  <a:srgbClr val="C1651C"/>
                 </a:solidFill>
                 <a:latin typeface="Courier" charset="0"/>
                 <a:ea typeface="Courier" charset="0"/>
@@ -12665,172 +12787,28 @@
       </p:sp>
       <p:sp>
         <p:nvSpPr>
-          <p:cNvPr id="53" name="Freeform 52"/>
+          <p:cNvPr id="2" name="Freeform 1"/>
           <p:cNvSpPr/>
           <p:nvPr/>
         </p:nvSpPr>
         <p:spPr>
           <a:xfrm>
-            <a:off x="487316" y="4814888"/>
-            <a:ext cx="4627609" cy="1492671"/>
+            <a:off x="2396931" y="4894450"/>
+            <a:ext cx="3346644" cy="1220600"/>
           </a:xfrm>
           <a:custGeom>
             <a:avLst/>
             <a:gdLst>
-              <a:gd name="connsiteX0" fmla="*/ 4627609 w 4627609"/>
-              <a:gd name="connsiteY0" fmla="*/ 1371600 h 1492671"/>
-              <a:gd name="connsiteX1" fmla="*/ 627109 w 4627609"/>
-              <a:gd name="connsiteY1" fmla="*/ 1357312 h 1492671"/>
-              <a:gd name="connsiteX2" fmla="*/ 12747 w 4627609"/>
-              <a:gd name="connsiteY2" fmla="*/ 0 h 1492671"/>
-            </a:gdLst>
-            <a:ahLst/>
-            <a:cxnLst>
-              <a:cxn ang="0">
-                <a:pos x="connsiteX0" y="connsiteY0"/>
-              </a:cxn>
-              <a:cxn ang="0">
-                <a:pos x="connsiteX1" y="connsiteY1"/>
-              </a:cxn>
-              <a:cxn ang="0">
-                <a:pos x="connsiteX2" y="connsiteY2"/>
-              </a:cxn>
-            </a:cxnLst>
-            <a:rect l="l" t="t" r="r" b="b"/>
-            <a:pathLst>
-              <a:path w="4627609" h="1492671">
-                <a:moveTo>
-                  <a:pt x="4627609" y="1371600"/>
-                </a:moveTo>
-                <a:cubicBezTo>
-                  <a:pt x="3011931" y="1478756"/>
-                  <a:pt x="1396253" y="1585912"/>
-                  <a:pt x="627109" y="1357312"/>
-                </a:cubicBezTo>
-                <a:cubicBezTo>
-                  <a:pt x="-142035" y="1128712"/>
-                  <a:pt x="12747" y="0"/>
-                  <a:pt x="12747" y="0"/>
-                </a:cubicBezTo>
-              </a:path>
-            </a:pathLst>
-          </a:custGeom>
-          <a:noFill/>
-          <a:ln w="57150">
-            <a:solidFill>
-              <a:schemeClr val="accent1"/>
-            </a:solidFill>
-            <a:headEnd type="none" w="med" len="med"/>
-            <a:tailEnd type="triangle" w="med" len="med"/>
-          </a:ln>
-        </p:spPr>
-        <p:style>
-          <a:lnRef idx="2">
-            <a:schemeClr val="accent1">
-              <a:shade val="50000"/>
-            </a:schemeClr>
-          </a:lnRef>
-          <a:fillRef idx="1">
-            <a:schemeClr val="accent1"/>
-          </a:fillRef>
-          <a:effectRef idx="0">
-            <a:schemeClr val="accent1"/>
-          </a:effectRef>
-          <a:fontRef idx="minor">
-            <a:schemeClr val="lt1"/>
-          </a:fontRef>
-        </p:style>
-        <p:txBody>
-          <a:bodyPr rtlCol="0" anchor="ctr"/>
-          <a:lstStyle/>
-          <a:p>
-            <a:pPr algn="ctr"/>
-            <a:endParaRPr lang="en-US"/>
-          </a:p>
-        </p:txBody>
-      </p:sp>
-      <p:sp>
-        <p:nvSpPr>
-          <p:cNvPr id="54" name="Rounded Rectangle 53"/>
-          <p:cNvSpPr/>
-          <p:nvPr/>
-        </p:nvSpPr>
-        <p:spPr>
-          <a:xfrm>
-            <a:off x="1460451" y="5995114"/>
-            <a:ext cx="985838" cy="500061"/>
-          </a:xfrm>
-          <a:prstGeom prst="roundRect">
-            <a:avLst/>
-          </a:prstGeom>
-          <a:solidFill>
-            <a:schemeClr val="accent1"/>
-          </a:solidFill>
-          <a:ln>
-            <a:solidFill>
-              <a:schemeClr val="accent1"/>
-            </a:solidFill>
-          </a:ln>
-        </p:spPr>
-        <p:style>
-          <a:lnRef idx="2">
-            <a:schemeClr val="accent1">
-              <a:shade val="50000"/>
-            </a:schemeClr>
-          </a:lnRef>
-          <a:fillRef idx="1">
-            <a:schemeClr val="accent1"/>
-          </a:fillRef>
-          <a:effectRef idx="0">
-            <a:schemeClr val="accent1"/>
-          </a:effectRef>
-          <a:fontRef idx="minor">
-            <a:schemeClr val="lt1"/>
-          </a:fontRef>
-        </p:style>
-        <p:txBody>
-          <a:bodyPr rtlCol="0" anchor="ctr"/>
-          <a:lstStyle/>
-          <a:p>
-            <a:pPr algn="ctr"/>
-            <a:r>
-              <a:rPr lang="en-US" dirty="0" smtClean="0">
-                <a:solidFill>
-                  <a:schemeClr val="tx1"/>
-                </a:solidFill>
-              </a:rPr>
-              <a:t>200</a:t>
-            </a:r>
-            <a:endParaRPr lang="en-US" dirty="0">
-              <a:solidFill>
-                <a:schemeClr val="tx1"/>
-              </a:solidFill>
-            </a:endParaRPr>
-          </a:p>
-        </p:txBody>
-      </p:sp>
-      <p:sp>
-        <p:nvSpPr>
-          <p:cNvPr id="55" name="Freeform 54"/>
-          <p:cNvSpPr/>
-          <p:nvPr/>
-        </p:nvSpPr>
-        <p:spPr>
-          <a:xfrm>
-            <a:off x="1750218" y="4851354"/>
-            <a:ext cx="3986213" cy="972405"/>
-          </a:xfrm>
-          <a:custGeom>
-            <a:avLst/>
-            <a:gdLst>
-              <a:gd name="connsiteX0" fmla="*/ 4340071 w 4340071"/>
-              <a:gd name="connsiteY0" fmla="*/ 443767 h 972405"/>
-              <a:gd name="connsiteX1" fmla="*/ 753908 w 4340071"/>
-              <a:gd name="connsiteY1" fmla="*/ 855 h 972405"/>
-              <a:gd name="connsiteX2" fmla="*/ 196696 w 4340071"/>
-              <a:gd name="connsiteY2" fmla="*/ 543780 h 972405"/>
-              <a:gd name="connsiteX3" fmla="*/ 3282796 w 4340071"/>
-              <a:gd name="connsiteY3" fmla="*/ 972405 h 972405"/>
+              <a:gd name="connsiteX0" fmla="*/ 3346644 w 3346644"/>
+              <a:gd name="connsiteY0" fmla="*/ 706250 h 1220600"/>
+              <a:gd name="connsiteX1" fmla="*/ 1089219 w 3346644"/>
+              <a:gd name="connsiteY1" fmla="*/ 20450 h 1220600"/>
+              <a:gd name="connsiteX2" fmla="*/ 3369 w 3346644"/>
+              <a:gd name="connsiteY2" fmla="*/ 234763 h 1220600"/>
+              <a:gd name="connsiteX3" fmla="*/ 803469 w 3346644"/>
+              <a:gd name="connsiteY3" fmla="*/ 791975 h 1220600"/>
+              <a:gd name="connsiteX4" fmla="*/ 2289369 w 3346644"/>
+              <a:gd name="connsiteY4" fmla="*/ 1220600 h 1220600"/>
             </a:gdLst>
             <a:ahLst/>
             <a:cxnLst>
@@ -12846,27 +12824,35 @@
               <a:cxn ang="0">
                 <a:pos x="connsiteX3" y="connsiteY3"/>
               </a:cxn>
+              <a:cxn ang="0">
+                <a:pos x="connsiteX4" y="connsiteY4"/>
+              </a:cxn>
             </a:cxnLst>
             <a:rect l="l" t="t" r="r" b="b"/>
             <a:pathLst>
-              <a:path w="4340071" h="972405">
+              <a:path w="3346644" h="1220600">
                 <a:moveTo>
-                  <a:pt x="4340071" y="443767"/>
+                  <a:pt x="3346644" y="706250"/>
                 </a:moveTo>
                 <a:cubicBezTo>
-                  <a:pt x="2892270" y="213976"/>
-                  <a:pt x="1444470" y="-15814"/>
-                  <a:pt x="753908" y="855"/>
+                  <a:pt x="2496537" y="402640"/>
+                  <a:pt x="1646431" y="99031"/>
+                  <a:pt x="1089219" y="20450"/>
                 </a:cubicBezTo>
                 <a:cubicBezTo>
-                  <a:pt x="63346" y="17524"/>
-                  <a:pt x="-224785" y="381855"/>
-                  <a:pt x="196696" y="543780"/>
+                  <a:pt x="532007" y="-58131"/>
+                  <a:pt x="50994" y="106175"/>
+                  <a:pt x="3369" y="234763"/>
                 </a:cubicBezTo>
                 <a:cubicBezTo>
-                  <a:pt x="618177" y="705705"/>
-                  <a:pt x="3282796" y="972405"/>
-                  <a:pt x="3282796" y="972405"/>
+                  <a:pt x="-44256" y="363350"/>
+                  <a:pt x="422469" y="627669"/>
+                  <a:pt x="803469" y="791975"/>
+                </a:cubicBezTo>
+                <a:cubicBezTo>
+                  <a:pt x="1184469" y="956281"/>
+                  <a:pt x="2289369" y="1220600"/>
+                  <a:pt x="2289369" y="1220600"/>
                 </a:cubicBezTo>
               </a:path>
             </a:pathLst>
@@ -13025,6 +13011,152 @@
           </a:p>
         </p:txBody>
       </p:sp>
+      <p:sp>
+        <p:nvSpPr>
+          <p:cNvPr id="4" name="Freeform 3"/>
+          <p:cNvSpPr/>
+          <p:nvPr/>
+        </p:nvSpPr>
+        <p:spPr>
+          <a:xfrm>
+            <a:off x="685800" y="4772025"/>
+            <a:ext cx="4600575" cy="1671638"/>
+          </a:xfrm>
+          <a:custGeom>
+            <a:avLst/>
+            <a:gdLst>
+              <a:gd name="connsiteX0" fmla="*/ 4600575 w 4600575"/>
+              <a:gd name="connsiteY0" fmla="*/ 1671638 h 1671638"/>
+              <a:gd name="connsiteX1" fmla="*/ 1143000 w 4600575"/>
+              <a:gd name="connsiteY1" fmla="*/ 1228725 h 1671638"/>
+              <a:gd name="connsiteX2" fmla="*/ 0 w 4600575"/>
+              <a:gd name="connsiteY2" fmla="*/ 0 h 1671638"/>
+            </a:gdLst>
+            <a:ahLst/>
+            <a:cxnLst>
+              <a:cxn ang="0">
+                <a:pos x="connsiteX0" y="connsiteY0"/>
+              </a:cxn>
+              <a:cxn ang="0">
+                <a:pos x="connsiteX1" y="connsiteY1"/>
+              </a:cxn>
+              <a:cxn ang="0">
+                <a:pos x="connsiteX2" y="connsiteY2"/>
+              </a:cxn>
+            </a:cxnLst>
+            <a:rect l="l" t="t" r="r" b="b"/>
+            <a:pathLst>
+              <a:path w="4600575" h="1671638">
+                <a:moveTo>
+                  <a:pt x="4600575" y="1671638"/>
+                </a:moveTo>
+                <a:cubicBezTo>
+                  <a:pt x="3255169" y="1589484"/>
+                  <a:pt x="1909763" y="1507331"/>
+                  <a:pt x="1143000" y="1228725"/>
+                </a:cubicBezTo>
+                <a:cubicBezTo>
+                  <a:pt x="376237" y="950119"/>
+                  <a:pt x="0" y="0"/>
+                  <a:pt x="0" y="0"/>
+                </a:cubicBezTo>
+              </a:path>
+            </a:pathLst>
+          </a:custGeom>
+          <a:noFill/>
+          <a:ln w="57150">
+            <a:solidFill>
+              <a:schemeClr val="accent1"/>
+            </a:solidFill>
+            <a:headEnd type="none" w="med" len="med"/>
+            <a:tailEnd type="triangle" w="med" len="med"/>
+          </a:ln>
+        </p:spPr>
+        <p:style>
+          <a:lnRef idx="2">
+            <a:schemeClr val="accent1">
+              <a:shade val="50000"/>
+            </a:schemeClr>
+          </a:lnRef>
+          <a:fillRef idx="1">
+            <a:schemeClr val="accent1"/>
+          </a:fillRef>
+          <a:effectRef idx="0">
+            <a:schemeClr val="accent1"/>
+          </a:effectRef>
+          <a:fontRef idx="minor">
+            <a:schemeClr val="lt1"/>
+          </a:fontRef>
+        </p:style>
+        <p:txBody>
+          <a:bodyPr rtlCol="0" anchor="ctr"/>
+          <a:lstStyle/>
+          <a:p>
+            <a:pPr algn="ctr"/>
+            <a:endParaRPr lang="en-US"/>
+          </a:p>
+        </p:txBody>
+      </p:sp>
+      <p:sp>
+        <p:nvSpPr>
+          <p:cNvPr id="54" name="Rounded Rectangle 53"/>
+          <p:cNvSpPr/>
+          <p:nvPr/>
+        </p:nvSpPr>
+        <p:spPr>
+          <a:xfrm>
+            <a:off x="1197942" y="5681456"/>
+            <a:ext cx="985838" cy="500061"/>
+          </a:xfrm>
+          <a:prstGeom prst="roundRect">
+            <a:avLst/>
+          </a:prstGeom>
+          <a:solidFill>
+            <a:schemeClr val="accent1"/>
+          </a:solidFill>
+          <a:ln>
+            <a:solidFill>
+              <a:schemeClr val="accent1"/>
+            </a:solidFill>
+          </a:ln>
+        </p:spPr>
+        <p:style>
+          <a:lnRef idx="2">
+            <a:schemeClr val="accent1">
+              <a:shade val="50000"/>
+            </a:schemeClr>
+          </a:lnRef>
+          <a:fillRef idx="1">
+            <a:schemeClr val="accent1"/>
+          </a:fillRef>
+          <a:effectRef idx="0">
+            <a:schemeClr val="accent1"/>
+          </a:effectRef>
+          <a:fontRef idx="minor">
+            <a:schemeClr val="lt1"/>
+          </a:fontRef>
+        </p:style>
+        <p:txBody>
+          <a:bodyPr rtlCol="0" anchor="ctr"/>
+          <a:lstStyle/>
+          <a:p>
+            <a:pPr algn="ctr"/>
+            <a:r>
+              <a:rPr lang="en-US" dirty="0" smtClean="0">
+                <a:solidFill>
+                  <a:schemeClr val="tx1"/>
+                </a:solidFill>
+              </a:rPr>
+              <a:t>200</a:t>
+            </a:r>
+            <a:endParaRPr lang="en-US" dirty="0">
+              <a:solidFill>
+                <a:schemeClr val="tx1"/>
+              </a:solidFill>
+            </a:endParaRPr>
+          </a:p>
+        </p:txBody>
+      </p:sp>
     </p:spTree>
     <p:extLst>
       <p:ext uri="{BB962C8B-B14F-4D97-AF65-F5344CB8AC3E}">
@@ -13035,6 +13167,13 @@
   <p:clrMapOvr>
     <a:masterClrMapping/>
   </p:clrMapOvr>
+  <p:timing>
+    <p:tnLst>
+      <p:par>
+        <p:cTn id="1" dur="indefinite" restart="never" nodeType="tmRoot"/>
+      </p:par>
+    </p:tnLst>
+  </p:timing>
 </p:sld>
 </file>
 
@@ -13077,7 +13216,7 @@
         </p:blipFill>
         <p:spPr>
           <a:xfrm>
-            <a:off x="-180852" y="3164228"/>
+            <a:off x="-166564" y="3149940"/>
             <a:ext cx="6781800" cy="3949700"/>
           </a:xfrm>
           <a:prstGeom prst="rect">
@@ -13124,7 +13263,7 @@
         <p:spPr>
           <a:xfrm>
             <a:off x="4702672" y="737462"/>
-            <a:ext cx="7353295" cy="5632311"/>
+            <a:ext cx="7353295" cy="5909310"/>
           </a:xfrm>
           <a:prstGeom prst="rect">
             <a:avLst/>
@@ -14238,6 +14377,28 @@
           </a:p>
           <a:p>
             <a:r>
+              <a:rPr lang="en-US" b="1" dirty="0" smtClean="0">
+                <a:solidFill>
+                  <a:srgbClr val="000000"/>
+                </a:solidFill>
+                <a:latin typeface="Courier" charset="0"/>
+                <a:ea typeface="Courier" charset="0"/>
+                <a:cs typeface="Courier" charset="0"/>
+              </a:rPr>
+              <a:t>        # </a:t>
+            </a:r>
+            <a:r>
+              <a:rPr lang="en-US" b="1" dirty="0" smtClean="0">
+                <a:solidFill>
+                  <a:srgbClr val="000000"/>
+                </a:solidFill>
+                <a:latin typeface="Courier" charset="0"/>
+                <a:ea typeface="Courier" charset="0"/>
+                <a:cs typeface="Courier" charset="0"/>
+              </a:rPr>
+              <a:t>Save </a:t>
+            </a:r>
+            <a:r>
               <a:rPr lang="en-US" b="1" dirty="0">
                 <a:solidFill>
                   <a:srgbClr val="000000"/>
@@ -14246,29 +14407,28 @@
                 <a:ea typeface="Courier" charset="0"/>
                 <a:cs typeface="Courier" charset="0"/>
               </a:rPr>
-              <a:t> </a:t>
-            </a:r>
+              <a:t>the Data</a:t>
+            </a:r>
+            <a:endParaRPr lang="en-US" b="1" dirty="0" smtClean="0">
+              <a:solidFill>
+                <a:srgbClr val="000000"/>
+              </a:solidFill>
+              <a:latin typeface="Courier" charset="0"/>
+              <a:ea typeface="Courier" charset="0"/>
+              <a:cs typeface="Courier" charset="0"/>
+            </a:endParaRPr>
+          </a:p>
+          <a:p>
             <a:r>
               <a:rPr lang="en-US" b="1" dirty="0" smtClean="0">
                 <a:solidFill>
-                  <a:srgbClr val="000000"/>
-                </a:solidFill>
-                <a:latin typeface="Courier" charset="0"/>
-                <a:ea typeface="Courier" charset="0"/>
-                <a:cs typeface="Courier" charset="0"/>
-              </a:rPr>
-              <a:t>       </a:t>
-            </a:r>
-            <a:r>
-              <a:rPr lang="en-US" b="1" dirty="0" smtClean="0">
-                <a:solidFill>
                   <a:srgbClr val="C1651C"/>
                 </a:solidFill>
                 <a:latin typeface="Courier" charset="0"/>
                 <a:ea typeface="Courier" charset="0"/>
                 <a:cs typeface="Courier" charset="0"/>
               </a:rPr>
-              <a:t>return</a:t>
+              <a:t>        return</a:t>
             </a:r>
             <a:r>
               <a:rPr lang="en-US" b="1" dirty="0" smtClean="0">
@@ -14562,7 +14722,7 @@
         <p:spPr>
           <a:xfrm flipH="1" flipV="1">
             <a:off x="2229350" y="4916780"/>
-            <a:ext cx="4114300" cy="222298"/>
+            <a:ext cx="4171450" cy="126708"/>
           </a:xfrm>
           <a:prstGeom prst="straightConnector1">
             <a:avLst/>
@@ -14597,7 +14757,7 @@
         </p:nvSpPr>
         <p:spPr>
           <a:xfrm>
-            <a:off x="4807744" y="4846962"/>
+            <a:off x="4329363" y="4730026"/>
             <a:ext cx="985838" cy="500061"/>
           </a:xfrm>
           <a:prstGeom prst="roundRect">
@@ -14659,6 +14819,13 @@
   <p:clrMapOvr>
     <a:masterClrMapping/>
   </p:clrMapOvr>
+  <p:timing>
+    <p:tnLst>
+      <p:par>
+        <p:cTn id="1" dur="indefinite" restart="never" nodeType="tmRoot"/>
+      </p:par>
+    </p:tnLst>
+  </p:timing>
 </p:sld>
 </file>
 
@@ -14735,6 +14902,13 @@
   <p:clrMapOvr>
     <a:masterClrMapping/>
   </p:clrMapOvr>
+  <p:timing>
+    <p:tnLst>
+      <p:par>
+        <p:cTn id="1" dur="indefinite" restart="never" nodeType="tmRoot"/>
+      </p:par>
+    </p:tnLst>
+  </p:timing>
 </p:sld>
 </file>
 
@@ -14902,6 +15076,13 @@
   <p:clrMapOvr>
     <a:masterClrMapping/>
   </p:clrMapOvr>
+  <p:timing>
+    <p:tnLst>
+      <p:par>
+        <p:cTn id="1" dur="indefinite" restart="never" nodeType="tmRoot"/>
+      </p:par>
+    </p:tnLst>
+  </p:timing>
 </p:sld>
 </file>
 
@@ -14962,7 +15143,7 @@
           <a:p>
             <a:r>
               <a:rPr lang="en-US" dirty="0" smtClean="0"/>
-              <a:t>The legitimate site chooses a large random number (the CRRF Token) and puts it in the session</a:t>
+              <a:t>The legitimate site chooses a large random number (the CSRF Token) and puts it in the session</a:t>
             </a:r>
           </a:p>
           <a:p>
@@ -15060,6 +15241,13 @@
   <p:clrMapOvr>
     <a:masterClrMapping/>
   </p:clrMapOvr>
+  <p:timing>
+    <p:tnLst>
+      <p:par>
+        <p:cTn id="1" dur="indefinite" restart="never" nodeType="tmRoot"/>
+      </p:par>
+    </p:tnLst>
+  </p:timing>
 </p:sld>
 </file>
 
@@ -15093,10 +15281,10 @@
           <p:cNvPr id="15" name="Down Arrow 7">
             <a:extLst>
               <a:ext uri="{FF2B5EF4-FFF2-40B4-BE49-F238E27FC236}">
-                <a16:creationId xmlns="" xmlns:a16="http://schemas.microsoft.com/office/drawing/2014/main" id="{73DE2CFE-42F2-48F0-8706-5264E012B10C}"/>
+                <a16:creationId xmlns:a16="http://schemas.microsoft.com/office/drawing/2014/main" xmlns="" id="{73DE2CFE-42F2-48F0-8706-5264E012B10C}"/>
               </a:ext>
               <a:ext uri="{C183D7F6-B498-43B3-948B-1728B52AA6E4}">
-                <adec:decorative xmlns="" xmlns:adec="http://schemas.microsoft.com/office/drawing/2017/decorative" val="1"/>
+                <adec:decorative xmlns:adec="http://schemas.microsoft.com/office/drawing/2017/decorative" xmlns="" val="1"/>
               </a:ext>
             </a:extLst>
           </p:cNvPr>
@@ -15221,7 +15409,7 @@
           <p:cNvPr id="12" name="Content Placeholder 11">
             <a:extLst>
               <a:ext uri="{FF2B5EF4-FFF2-40B4-BE49-F238E27FC236}">
-                <a16:creationId xmlns="" xmlns:a16="http://schemas.microsoft.com/office/drawing/2014/main" id="{10441444-F734-43CA-98E6-1F3C07414448}"/>
+                <a16:creationId xmlns:a16="http://schemas.microsoft.com/office/drawing/2014/main" xmlns="" id="{10441444-F734-43CA-98E6-1F3C07414448}"/>
               </a:ext>
             </a:extLst>
           </p:cNvPr>
@@ -15726,22 +15914,28 @@
           <a:p>
             <a:r>
               <a:rPr lang="en-US" dirty="0" smtClean="0"/>
-              <a:t>&lt;</a:t>
+              <a:t>&lt;input type="text" name="new-grade</a:t>
             </a:r>
             <a:r>
               <a:rPr lang="en-US" dirty="0"/>
-              <a:t>input type="text" name</a:t>
+              <a:t>" </a:t>
+            </a:r>
+            <a:endParaRPr lang="en-US" dirty="0" smtClean="0"/>
+          </a:p>
+          <a:p>
+            <a:r>
+              <a:rPr lang="en-US" dirty="0"/>
+              <a:t> </a:t>
             </a:r>
             <a:r>
               <a:rPr lang="en-US" dirty="0" smtClean="0"/>
-              <a:t>="id" value="0.5"&gt;</a:t>
-            </a:r>
-          </a:p>
-          <a:p>
-            <a:r>
-              <a:rPr lang="en-US" dirty="0" smtClean="0"/>
-              <a:t>&lt;input type="text" name="new-grade"&gt;</a:t>
-            </a:r>
+              <a:t>    value</a:t>
+            </a:r>
+            <a:r>
+              <a:rPr lang="en-US" dirty="0"/>
+              <a:t>="0.5"&gt; </a:t>
+            </a:r>
+            <a:endParaRPr lang="en-US" dirty="0" smtClean="0"/>
           </a:p>
           <a:p>
             <a:r>
@@ -16063,6 +16257,13 @@
   <p:clrMapOvr>
     <a:masterClrMapping/>
   </p:clrMapOvr>
+  <p:timing>
+    <p:tnLst>
+      <p:par>
+        <p:cTn id="1" dur="indefinite" restart="never" nodeType="tmRoot"/>
+      </p:par>
+    </p:tnLst>
+  </p:timing>
 </p:sld>
 </file>
 
@@ -16120,6 +16321,9 @@
           <a:prstGeom prst="rect">
             <a:avLst/>
           </a:prstGeom>
+          <a:solidFill>
+            <a:srgbClr val="C00000"/>
+          </a:solidFill>
         </p:spPr>
         <p:style>
           <a:lnRef idx="2">
@@ -16494,18 +16698,29 @@
           <a:p>
             <a:r>
               <a:rPr lang="en-US" dirty="0" smtClean="0"/>
-              <a:t>&lt;</a:t>
+              <a:t>&lt;input type="text" name="</a:t>
             </a:r>
             <a:r>
               <a:rPr lang="en-US" dirty="0"/>
-              <a:t>input type="text" name</a:t>
+              <a:t>new-grade" </a:t>
+            </a:r>
+            <a:endParaRPr lang="en-US" dirty="0" smtClean="0"/>
+          </a:p>
+          <a:p>
+            <a:r>
+              <a:rPr lang="en-US" dirty="0"/>
+              <a:t> </a:t>
             </a:r>
             <a:r>
               <a:rPr lang="en-US" dirty="0" smtClean="0"/>
-              <a:t>="id" value="</a:t>
-            </a:r>
-            <a:r>
-              <a:rPr lang="en-US" dirty="0" smtClean="0">
+              <a:t>  value</a:t>
+            </a:r>
+            <a:r>
+              <a:rPr lang="en-US" dirty="0"/>
+              <a:t>="</a:t>
+            </a:r>
+            <a:r>
+              <a:rPr lang="en-US" dirty="0">
                 <a:solidFill>
                   <a:srgbClr val="FFFF00"/>
                 </a:solidFill>
@@ -16515,12 +16730,6 @@
             <a:r>
               <a:rPr lang="en-US" dirty="0" smtClean="0"/>
               <a:t>"&gt;</a:t>
-            </a:r>
-          </a:p>
-          <a:p>
-            <a:r>
-              <a:rPr lang="en-US" dirty="0" smtClean="0"/>
-              <a:t>&lt;input type="text" name="new-grade"&gt;</a:t>
             </a:r>
           </a:p>
           <a:p>
@@ -16940,6 +17149,13 @@
   <p:clrMapOvr>
     <a:masterClrMapping/>
   </p:clrMapOvr>
+  <p:timing>
+    <p:tnLst>
+      <p:par>
+        <p:cTn id="1" dur="indefinite" restart="never" nodeType="tmRoot"/>
+      </p:par>
+    </p:tnLst>
+  </p:timing>
 </p:sld>
 </file>
 
@@ -17355,7 +17571,7 @@
         <p:spPr>
           <a:xfrm>
             <a:off x="705565" y="2821671"/>
-            <a:ext cx="4463851" cy="2031325"/>
+            <a:ext cx="4653838" cy="2308324"/>
           </a:xfrm>
           <a:prstGeom prst="rect">
             <a:avLst/>
@@ -17370,19 +17586,35 @@
           <a:p>
             <a:r>
               <a:rPr lang="en-US" dirty="0" smtClean="0"/>
-              <a:t>&lt;form method="post"</a:t>
-            </a:r>
-          </a:p>
-          <a:p>
+              <a:t>&lt;</a:t>
+            </a:r>
+            <a:r>
+              <a:rPr lang="en-US" dirty="0"/>
+              <a:t>form method="post"</a:t>
+            </a:r>
+          </a:p>
+          <a:p>
+            <a:r>
+              <a:rPr lang="en-US" dirty="0"/>
+              <a:t>action="https://www.dj4e.com/grades/123</a:t>
+            </a:r>
             <a:r>
               <a:rPr lang="en-US" dirty="0" smtClean="0"/>
-              <a:t>action="https://www.dj4e.com/grades/123"&gt;</a:t>
+              <a:t>"&gt;</a:t>
             </a:r>
           </a:p>
           <a:p>
             <a:r>
               <a:rPr lang="en-US" dirty="0"/>
-              <a:t>&lt;input type="text" name="</a:t>
+              <a:t>&lt;input type</a:t>
+            </a:r>
+            <a:r>
+              <a:rPr lang="en-US" dirty="0" smtClean="0"/>
+              <a:t>="hidden" </a:t>
+            </a:r>
+            <a:r>
+              <a:rPr lang="en-US" dirty="0"/>
+              <a:t>name="</a:t>
             </a:r>
             <a:r>
               <a:rPr lang="en-US" dirty="0" err="1"/>
@@ -17396,38 +17628,50 @@
               <a:rPr lang="en-US" dirty="0" smtClean="0"/>
               <a:t>"&gt;</a:t>
             </a:r>
-          </a:p>
-          <a:p>
+            <a:endParaRPr lang="en-US" dirty="0"/>
+          </a:p>
+          <a:p>
+            <a:r>
+              <a:rPr lang="en-US" dirty="0"/>
+              <a:t>&lt;input type="text" name="new-grade" </a:t>
+            </a:r>
+          </a:p>
+          <a:p>
+            <a:r>
+              <a:rPr lang="en-US" dirty="0"/>
+              <a:t>   value</a:t>
+            </a:r>
             <a:r>
               <a:rPr lang="en-US" dirty="0" smtClean="0"/>
-              <a:t>&lt;</a:t>
-            </a:r>
+              <a:t>="</a:t>
+            </a:r>
+            <a:r>
+              <a:rPr lang="en-US" dirty="0" smtClean="0">
+                <a:solidFill>
+                  <a:srgbClr val="FFFF00"/>
+                </a:solidFill>
+              </a:rPr>
+              <a:t>0.5</a:t>
+            </a:r>
+            <a:r>
+              <a:rPr lang="en-US" dirty="0" smtClean="0"/>
+              <a:t>"&gt;</a:t>
+            </a:r>
+            <a:endParaRPr lang="en-US" dirty="0"/>
+          </a:p>
+          <a:p>
             <a:r>
               <a:rPr lang="en-US" dirty="0"/>
-              <a:t>input type="text" name</a:t>
-            </a:r>
-            <a:r>
-              <a:rPr lang="en-US" dirty="0" smtClean="0"/>
-              <a:t>="id" value="0.5"&gt;</a:t>
-            </a:r>
-          </a:p>
-          <a:p>
-            <a:r>
-              <a:rPr lang="en-US" dirty="0" smtClean="0"/>
-              <a:t>&lt;input type="text" name="new-grade"&gt;</a:t>
-            </a:r>
-          </a:p>
-          <a:p>
-            <a:r>
-              <a:rPr lang="en-US" dirty="0" smtClean="0"/>
               <a:t>&lt;input type="submit"&gt;</a:t>
             </a:r>
           </a:p>
           <a:p>
             <a:r>
-              <a:rPr lang="en-US" dirty="0" smtClean="0"/>
+              <a:rPr lang="en-US" dirty="0"/>
               <a:t>&lt;/form&gt;</a:t>
             </a:r>
+          </a:p>
+          <a:p>
             <a:endParaRPr lang="en-US" dirty="0"/>
           </a:p>
         </p:txBody>
@@ -17783,6 +18027,13 @@
   <p:clrMapOvr>
     <a:masterClrMapping/>
   </p:clrMapOvr>
+  <p:timing>
+    <p:tnLst>
+      <p:par>
+        <p:cTn id="1" dur="indefinite" restart="never" nodeType="tmRoot"/>
+      </p:par>
+    </p:tnLst>
+  </p:timing>
 </p:sld>
 </file>
 
@@ -17840,6 +18091,9 @@
           <a:prstGeom prst="rect">
             <a:avLst/>
           </a:prstGeom>
+          <a:solidFill>
+            <a:srgbClr val="C00000"/>
+          </a:solidFill>
         </p:spPr>
         <p:style>
           <a:lnRef idx="2">
@@ -18199,7 +18453,7 @@
         <p:spPr>
           <a:xfrm>
             <a:off x="705565" y="2821671"/>
-            <a:ext cx="4463851" cy="2031325"/>
+            <a:ext cx="4653838" cy="2031325"/>
           </a:xfrm>
           <a:prstGeom prst="rect">
             <a:avLst/>
@@ -18213,70 +18467,83 @@
           <a:lstStyle/>
           <a:p>
             <a:r>
+              <a:rPr lang="en-US" dirty="0"/>
+              <a:t>&lt;form method="post"</a:t>
+            </a:r>
+          </a:p>
+          <a:p>
+            <a:r>
+              <a:rPr lang="en-US" dirty="0"/>
+              <a:t>action="https://www.dj4e.com/grades/123"&gt;</a:t>
+            </a:r>
+          </a:p>
+          <a:p>
+            <a:r>
+              <a:rPr lang="en-US" dirty="0"/>
+              <a:t>&lt;input type</a:t>
+            </a:r>
+            <a:r>
               <a:rPr lang="en-US" dirty="0" smtClean="0"/>
-              <a:t>&lt;form method="post"</a:t>
-            </a:r>
-          </a:p>
-          <a:p>
+              <a:t>="hidden" </a:t>
+            </a:r>
+            <a:r>
+              <a:rPr lang="en-US" dirty="0"/>
+              <a:t>name="</a:t>
+            </a:r>
+            <a:r>
+              <a:rPr lang="en-US" dirty="0" err="1"/>
+              <a:t>csrf</a:t>
+            </a:r>
+            <a:r>
+              <a:rPr lang="en-US" dirty="0"/>
+              <a:t>" value</a:t>
+            </a:r>
             <a:r>
               <a:rPr lang="en-US" dirty="0" smtClean="0"/>
-              <a:t>action="https://www.dj4e.com/grades/123"&gt;</a:t>
-            </a:r>
+              <a:t>="42"&gt;</a:t>
+            </a:r>
+            <a:endParaRPr lang="en-US" dirty="0"/>
           </a:p>
           <a:p>
             <a:r>
               <a:rPr lang="en-US" dirty="0"/>
-              <a:t>&lt;input type="text" name</a:t>
+              <a:t>&lt;input type="text" name="new-grade" </a:t>
+            </a:r>
+          </a:p>
+          <a:p>
+            <a:r>
+              <a:rPr lang="en-US" dirty="0"/>
+              <a:t>   value</a:t>
             </a:r>
             <a:r>
               <a:rPr lang="en-US" dirty="0" smtClean="0"/>
               <a:t>="</a:t>
             </a:r>
             <a:r>
-              <a:rPr lang="en-US" dirty="0" err="1" smtClean="0"/>
-              <a:t>csrf</a:t>
+              <a:rPr lang="en-US" dirty="0" smtClean="0">
+                <a:solidFill>
+                  <a:srgbClr val="FFFF00"/>
+                </a:solidFill>
+              </a:rPr>
+              <a:t>1.0</a:t>
             </a:r>
             <a:r>
               <a:rPr lang="en-US" dirty="0" smtClean="0"/>
-              <a:t>" </a:t>
-            </a:r>
+              <a:t>"&gt;</a:t>
+            </a:r>
+            <a:endParaRPr lang="en-US" dirty="0"/>
+          </a:p>
+          <a:p>
             <a:r>
               <a:rPr lang="en-US" dirty="0"/>
-              <a:t>value</a:t>
-            </a:r>
-            <a:r>
-              <a:rPr lang="en-US" dirty="0" smtClean="0"/>
-              <a:t>="42"&gt;</a:t>
+              <a:t>&lt;input type="submit"&gt;</a:t>
             </a:r>
           </a:p>
           <a:p>
             <a:r>
               <a:rPr lang="en-US" dirty="0"/>
-              <a:t>&lt;input type="text" name</a:t>
-            </a:r>
-            <a:r>
-              <a:rPr lang="en-US" dirty="0" smtClean="0"/>
-              <a:t>="id" value="1.0"&gt;</a:t>
-            </a:r>
-          </a:p>
-          <a:p>
-            <a:r>
-              <a:rPr lang="en-US" dirty="0" smtClean="0"/>
-              <a:t>&lt;input type="text" name="new-grade"&gt;</a:t>
-            </a:r>
-          </a:p>
-          <a:p>
-            <a:r>
-              <a:rPr lang="en-US" dirty="0" smtClean="0"/>
-              <a:t>&lt;input type="submit"&gt;</a:t>
-            </a:r>
-          </a:p>
-          <a:p>
-            <a:r>
-              <a:rPr lang="en-US" dirty="0" smtClean="0"/>
               <a:t>&lt;/form&gt;</a:t>
             </a:r>
-            <a:endParaRPr lang="en-US" dirty="0"/>
           </a:p>
         </p:txBody>
       </p:sp>
@@ -18654,6 +18921,13 @@
   <p:clrMapOvr>
     <a:masterClrMapping/>
   </p:clrMapOvr>
+  <p:timing>
+    <p:tnLst>
+      <p:par>
+        <p:cTn id="1" dur="indefinite" restart="never" nodeType="tmRoot"/>
+      </p:par>
+    </p:tnLst>
+  </p:timing>
 </p:sld>
 </file>
 
@@ -18714,6 +18988,13 @@
   <p:clrMapOvr>
     <a:masterClrMapping/>
   </p:clrMapOvr>
+  <p:timing>
+    <p:tnLst>
+      <p:par>
+        <p:cTn id="1" dur="indefinite" restart="never" nodeType="tmRoot"/>
+      </p:par>
+    </p:tnLst>
+  </p:timing>
 </p:sld>
 </file>
 
@@ -19046,6 +19327,13 @@
   <p:clrMapOvr>
     <a:masterClrMapping/>
   </p:clrMapOvr>
+  <p:timing>
+    <p:tnLst>
+      <p:par>
+        <p:cTn id="1" dur="indefinite" restart="never" nodeType="tmRoot"/>
+      </p:par>
+    </p:tnLst>
+  </p:timing>
 </p:sld>
 </file>
 
@@ -19686,10 +19974,690 @@
   <p:clrMapOvr>
     <a:masterClrMapping/>
   </p:clrMapOvr>
+  <p:timing>
+    <p:tnLst>
+      <p:par>
+        <p:cTn id="1" dur="indefinite" restart="never" nodeType="tmRoot"/>
+      </p:par>
+    </p:tnLst>
+  </p:timing>
 </p:sld>
 </file>
 
 <file path=ppt/slides/slide37.xml><?xml version="1.0" encoding="utf-8"?>
+<p:sld xmlns:a="http://schemas.openxmlformats.org/drawingml/2006/main" xmlns:r="http://schemas.openxmlformats.org/officeDocument/2006/relationships" xmlns:p="http://schemas.openxmlformats.org/presentationml/2006/main">
+  <p:cSld>
+    <p:spTree>
+      <p:nvGrpSpPr>
+        <p:cNvPr id="1" name=""/>
+        <p:cNvGrpSpPr/>
+        <p:nvPr/>
+      </p:nvGrpSpPr>
+      <p:grpSpPr>
+        <a:xfrm>
+          <a:off x="0" y="0"/>
+          <a:ext cx="0" cy="0"/>
+          <a:chOff x="0" y="0"/>
+          <a:chExt cx="0" cy="0"/>
+        </a:xfrm>
+      </p:grpSpPr>
+      <p:sp>
+        <p:nvSpPr>
+          <p:cNvPr id="4" name="Title 3"/>
+          <p:cNvSpPr>
+            <a:spLocks noGrp="1"/>
+          </p:cNvSpPr>
+          <p:nvPr>
+            <p:ph type="title"/>
+          </p:nvPr>
+        </p:nvSpPr>
+        <p:spPr/>
+        <p:txBody>
+          <a:bodyPr/>
+          <a:lstStyle/>
+          <a:p>
+            <a:r>
+              <a:rPr lang="en-US"/>
+              <a:t>Django CSRF in </a:t>
+            </a:r>
+            <a:r>
+              <a:rPr lang="en-US" smtClean="0"/>
+              <a:t>HTML</a:t>
+            </a:r>
+            <a:endParaRPr lang="en-US"/>
+          </a:p>
+        </p:txBody>
+      </p:sp>
+      <p:sp>
+        <p:nvSpPr>
+          <p:cNvPr id="5" name="TextBox 4"/>
+          <p:cNvSpPr txBox="1"/>
+          <p:nvPr/>
+        </p:nvSpPr>
+        <p:spPr>
+          <a:xfrm>
+            <a:off x="862012" y="2214563"/>
+            <a:ext cx="10710625" cy="3693319"/>
+          </a:xfrm>
+          <a:prstGeom prst="rect">
+            <a:avLst/>
+          </a:prstGeom>
+          <a:solidFill>
+            <a:schemeClr val="tx1"/>
+          </a:solidFill>
+        </p:spPr>
+        <p:txBody>
+          <a:bodyPr wrap="square" rtlCol="0">
+            <a:spAutoFit/>
+          </a:bodyPr>
+          <a:lstStyle/>
+          <a:p>
+            <a:r>
+              <a:rPr lang="en-US" b="1" dirty="0">
+                <a:solidFill>
+                  <a:srgbClr val="000000"/>
+                </a:solidFill>
+                <a:latin typeface="Courier" charset="0"/>
+                <a:ea typeface="Courier" charset="0"/>
+                <a:cs typeface="Courier" charset="0"/>
+              </a:rPr>
+              <a:t>&lt;form action="" method="post"&gt;		</a:t>
+            </a:r>
+            <a:endParaRPr lang="en-US" b="1" dirty="0" smtClean="0">
+              <a:solidFill>
+                <a:srgbClr val="000000"/>
+              </a:solidFill>
+              <a:latin typeface="Courier" charset="0"/>
+              <a:ea typeface="Courier" charset="0"/>
+              <a:cs typeface="Courier" charset="0"/>
+            </a:endParaRPr>
+          </a:p>
+          <a:p>
+            <a:r>
+              <a:rPr lang="en-US" b="1" dirty="0" smtClean="0">
+                <a:solidFill>
+                  <a:schemeClr val="accent4"/>
+                </a:solidFill>
+                <a:latin typeface="Courier" charset="0"/>
+                <a:ea typeface="Courier" charset="0"/>
+                <a:cs typeface="Courier" charset="0"/>
+              </a:rPr>
+              <a:t>&lt;</a:t>
+            </a:r>
+            <a:r>
+              <a:rPr lang="en-US" b="1" dirty="0">
+                <a:solidFill>
+                  <a:schemeClr val="accent4"/>
+                </a:solidFill>
+                <a:latin typeface="Courier" charset="0"/>
+                <a:ea typeface="Courier" charset="0"/>
+                <a:cs typeface="Courier" charset="0"/>
+              </a:rPr>
+              <a:t>input type="hidden" name="</a:t>
+            </a:r>
+            <a:r>
+              <a:rPr lang="en-US" b="1" dirty="0" err="1" smtClean="0">
+                <a:solidFill>
+                  <a:schemeClr val="accent4"/>
+                </a:solidFill>
+                <a:latin typeface="Courier" charset="0"/>
+                <a:ea typeface="Courier" charset="0"/>
+                <a:cs typeface="Courier" charset="0"/>
+              </a:rPr>
+              <a:t>csrfmiddlewaretoken</a:t>
+            </a:r>
+            <a:r>
+              <a:rPr lang="en-US" b="1" dirty="0" smtClean="0">
+                <a:solidFill>
+                  <a:schemeClr val="accent4"/>
+                </a:solidFill>
+                <a:latin typeface="Courier" charset="0"/>
+                <a:ea typeface="Courier" charset="0"/>
+                <a:cs typeface="Courier" charset="0"/>
+              </a:rPr>
+              <a:t>"</a:t>
+            </a:r>
+          </a:p>
+          <a:p>
+            <a:r>
+              <a:rPr lang="en-US" b="1" dirty="0">
+                <a:solidFill>
+                  <a:schemeClr val="accent4"/>
+                </a:solidFill>
+                <a:latin typeface="Courier" charset="0"/>
+                <a:ea typeface="Courier" charset="0"/>
+                <a:cs typeface="Courier" charset="0"/>
+              </a:rPr>
+              <a:t> </a:t>
+            </a:r>
+            <a:r>
+              <a:rPr lang="en-US" b="1" dirty="0" smtClean="0">
+                <a:solidFill>
+                  <a:schemeClr val="accent4"/>
+                </a:solidFill>
+                <a:latin typeface="Courier" charset="0"/>
+                <a:ea typeface="Courier" charset="0"/>
+                <a:cs typeface="Courier" charset="0"/>
+              </a:rPr>
+              <a:t> value</a:t>
+            </a:r>
+            <a:r>
+              <a:rPr lang="en-US" b="1" dirty="0">
+                <a:solidFill>
+                  <a:schemeClr val="accent4"/>
+                </a:solidFill>
+                <a:latin typeface="Courier" charset="0"/>
+                <a:ea typeface="Courier" charset="0"/>
+                <a:cs typeface="Courier" charset="0"/>
+              </a:rPr>
+              <a:t>="mzuvSAjCqJ2N61cX6m17t1jBvqULLbavAMZYoIgM1DQpRZFZFaRLzm3GrBukk95P</a:t>
+            </a:r>
+            <a:r>
+              <a:rPr lang="en-US" b="1" dirty="0" smtClean="0">
+                <a:solidFill>
+                  <a:schemeClr val="accent4"/>
+                </a:solidFill>
+                <a:latin typeface="Courier" charset="0"/>
+                <a:ea typeface="Courier" charset="0"/>
+                <a:cs typeface="Courier" charset="0"/>
+              </a:rPr>
+              <a:t>"&gt;</a:t>
+            </a:r>
+            <a:endParaRPr lang="en-US" b="1" dirty="0">
+              <a:solidFill>
+                <a:schemeClr val="accent4"/>
+              </a:solidFill>
+              <a:latin typeface="Courier" charset="0"/>
+              <a:ea typeface="Courier" charset="0"/>
+              <a:cs typeface="Courier" charset="0"/>
+            </a:endParaRPr>
+          </a:p>
+          <a:p>
+            <a:r>
+              <a:rPr lang="mr-IN" b="1" dirty="0" smtClean="0">
+                <a:solidFill>
+                  <a:srgbClr val="000000"/>
+                </a:solidFill>
+                <a:latin typeface="Courier" charset="0"/>
+                <a:ea typeface="Courier" charset="0"/>
+                <a:cs typeface="Courier" charset="0"/>
+              </a:rPr>
+              <a:t>&lt;</a:t>
+            </a:r>
+            <a:r>
+              <a:rPr lang="mr-IN" b="1" dirty="0" err="1">
+                <a:solidFill>
+                  <a:srgbClr val="000000"/>
+                </a:solidFill>
+                <a:latin typeface="Courier" charset="0"/>
+                <a:ea typeface="Courier" charset="0"/>
+                <a:cs typeface="Courier" charset="0"/>
+              </a:rPr>
+              <a:t>table</a:t>
+            </a:r>
+            <a:r>
+              <a:rPr lang="mr-IN" b="1" dirty="0">
+                <a:solidFill>
+                  <a:srgbClr val="000000"/>
+                </a:solidFill>
+                <a:latin typeface="Courier" charset="0"/>
+                <a:ea typeface="Courier" charset="0"/>
+                <a:cs typeface="Courier" charset="0"/>
+              </a:rPr>
+              <a:t>&gt;	</a:t>
+            </a:r>
+          </a:p>
+          <a:p>
+            <a:r>
+              <a:rPr lang="en-US" b="1" dirty="0" smtClean="0">
+                <a:solidFill>
+                  <a:srgbClr val="000000"/>
+                </a:solidFill>
+                <a:latin typeface="Courier" charset="0"/>
+                <a:ea typeface="Courier" charset="0"/>
+                <a:cs typeface="Courier" charset="0"/>
+              </a:rPr>
+              <a:t>&lt;</a:t>
+            </a:r>
+            <a:r>
+              <a:rPr lang="en-US" b="1" dirty="0" err="1">
+                <a:solidFill>
+                  <a:srgbClr val="000000"/>
+                </a:solidFill>
+                <a:latin typeface="Courier" charset="0"/>
+                <a:ea typeface="Courier" charset="0"/>
+                <a:cs typeface="Courier" charset="0"/>
+              </a:rPr>
+              <a:t>tr</a:t>
+            </a:r>
+            <a:r>
+              <a:rPr lang="en-US" b="1" dirty="0">
+                <a:solidFill>
+                  <a:srgbClr val="000000"/>
+                </a:solidFill>
+                <a:latin typeface="Courier" charset="0"/>
+                <a:ea typeface="Courier" charset="0"/>
+                <a:cs typeface="Courier" charset="0"/>
+              </a:rPr>
+              <a:t>&gt;&lt;</a:t>
+            </a:r>
+            <a:r>
+              <a:rPr lang="en-US" b="1" dirty="0" err="1">
+                <a:solidFill>
+                  <a:srgbClr val="000000"/>
+                </a:solidFill>
+                <a:latin typeface="Courier" charset="0"/>
+                <a:ea typeface="Courier" charset="0"/>
+                <a:cs typeface="Courier" charset="0"/>
+              </a:rPr>
+              <a:t>th</a:t>
+            </a:r>
+            <a:r>
+              <a:rPr lang="en-US" b="1" dirty="0">
+                <a:solidFill>
+                  <a:srgbClr val="000000"/>
+                </a:solidFill>
+                <a:latin typeface="Courier" charset="0"/>
+                <a:ea typeface="Courier" charset="0"/>
+                <a:cs typeface="Courier" charset="0"/>
+              </a:rPr>
+              <a:t>&gt;&lt;label for="</a:t>
+            </a:r>
+            <a:r>
+              <a:rPr lang="en-US" b="1" dirty="0" err="1">
+                <a:solidFill>
+                  <a:srgbClr val="000000"/>
+                </a:solidFill>
+                <a:latin typeface="Courier" charset="0"/>
+                <a:ea typeface="Courier" charset="0"/>
+                <a:cs typeface="Courier" charset="0"/>
+              </a:rPr>
+              <a:t>id_name</a:t>
+            </a:r>
+            <a:r>
+              <a:rPr lang="en-US" b="1" dirty="0">
+                <a:solidFill>
+                  <a:srgbClr val="000000"/>
+                </a:solidFill>
+                <a:latin typeface="Courier" charset="0"/>
+                <a:ea typeface="Courier" charset="0"/>
+                <a:cs typeface="Courier" charset="0"/>
+              </a:rPr>
+              <a:t>"&gt;Name:&lt;/label&gt;&lt;/</a:t>
+            </a:r>
+            <a:r>
+              <a:rPr lang="en-US" b="1" dirty="0" err="1">
+                <a:solidFill>
+                  <a:srgbClr val="000000"/>
+                </a:solidFill>
+                <a:latin typeface="Courier" charset="0"/>
+                <a:ea typeface="Courier" charset="0"/>
+                <a:cs typeface="Courier" charset="0"/>
+              </a:rPr>
+              <a:t>th</a:t>
+            </a:r>
+            <a:r>
+              <a:rPr lang="en-US" b="1" dirty="0" smtClean="0">
+                <a:solidFill>
+                  <a:srgbClr val="000000"/>
+                </a:solidFill>
+                <a:latin typeface="Courier" charset="0"/>
+                <a:ea typeface="Courier" charset="0"/>
+                <a:cs typeface="Courier" charset="0"/>
+              </a:rPr>
+              <a:t>&gt;</a:t>
+            </a:r>
+          </a:p>
+          <a:p>
+            <a:r>
+              <a:rPr lang="en-US" b="1" dirty="0" smtClean="0">
+                <a:solidFill>
+                  <a:srgbClr val="000000"/>
+                </a:solidFill>
+                <a:latin typeface="Courier" charset="0"/>
+                <a:ea typeface="Courier" charset="0"/>
+                <a:cs typeface="Courier" charset="0"/>
+              </a:rPr>
+              <a:t>&lt;</a:t>
+            </a:r>
+            <a:r>
+              <a:rPr lang="en-US" b="1" dirty="0">
+                <a:solidFill>
+                  <a:srgbClr val="000000"/>
+                </a:solidFill>
+                <a:latin typeface="Courier" charset="0"/>
+                <a:ea typeface="Courier" charset="0"/>
+                <a:cs typeface="Courier" charset="0"/>
+              </a:rPr>
+              <a:t>td&gt;&lt;input type="text" name="name" value="Tabby" </a:t>
+            </a:r>
+            <a:r>
+              <a:rPr lang="en-US" b="1" dirty="0" err="1">
+                <a:solidFill>
+                  <a:srgbClr val="000000"/>
+                </a:solidFill>
+                <a:latin typeface="Courier" charset="0"/>
+                <a:ea typeface="Courier" charset="0"/>
+                <a:cs typeface="Courier" charset="0"/>
+              </a:rPr>
+              <a:t>maxlength</a:t>
+            </a:r>
+            <a:r>
+              <a:rPr lang="en-US" b="1" dirty="0">
+                <a:solidFill>
+                  <a:srgbClr val="000000"/>
+                </a:solidFill>
+                <a:latin typeface="Courier" charset="0"/>
+                <a:ea typeface="Courier" charset="0"/>
+                <a:cs typeface="Courier" charset="0"/>
+              </a:rPr>
+              <a:t>="200</a:t>
+            </a:r>
+            <a:r>
+              <a:rPr lang="en-US" b="1" dirty="0" smtClean="0">
+                <a:solidFill>
+                  <a:srgbClr val="000000"/>
+                </a:solidFill>
+                <a:latin typeface="Courier" charset="0"/>
+                <a:ea typeface="Courier" charset="0"/>
+                <a:cs typeface="Courier" charset="0"/>
+              </a:rPr>
+              <a:t>"</a:t>
+            </a:r>
+          </a:p>
+          <a:p>
+            <a:r>
+              <a:rPr lang="en-US" b="1" dirty="0" smtClean="0">
+                <a:solidFill>
+                  <a:srgbClr val="000000"/>
+                </a:solidFill>
+                <a:latin typeface="Courier" charset="0"/>
+                <a:ea typeface="Courier" charset="0"/>
+                <a:cs typeface="Courier" charset="0"/>
+              </a:rPr>
+              <a:t> </a:t>
+            </a:r>
+            <a:r>
+              <a:rPr lang="en-US" b="1" dirty="0">
+                <a:solidFill>
+                  <a:srgbClr val="000000"/>
+                </a:solidFill>
+                <a:latin typeface="Courier" charset="0"/>
+                <a:ea typeface="Courier" charset="0"/>
+                <a:cs typeface="Courier" charset="0"/>
+              </a:rPr>
+              <a:t>required id="</a:t>
+            </a:r>
+            <a:r>
+              <a:rPr lang="en-US" b="1" dirty="0" err="1">
+                <a:solidFill>
+                  <a:srgbClr val="000000"/>
+                </a:solidFill>
+                <a:latin typeface="Courier" charset="0"/>
+                <a:ea typeface="Courier" charset="0"/>
+                <a:cs typeface="Courier" charset="0"/>
+              </a:rPr>
+              <a:t>id_name</a:t>
+            </a:r>
+            <a:r>
+              <a:rPr lang="en-US" b="1" dirty="0">
+                <a:solidFill>
+                  <a:srgbClr val="000000"/>
+                </a:solidFill>
+                <a:latin typeface="Courier" charset="0"/>
+                <a:ea typeface="Courier" charset="0"/>
+                <a:cs typeface="Courier" charset="0"/>
+              </a:rPr>
+              <a:t>"&gt;&lt;/td&gt;&lt;/</a:t>
+            </a:r>
+            <a:r>
+              <a:rPr lang="en-US" b="1" dirty="0" err="1">
+                <a:solidFill>
+                  <a:srgbClr val="000000"/>
+                </a:solidFill>
+                <a:latin typeface="Courier" charset="0"/>
+                <a:ea typeface="Courier" charset="0"/>
+                <a:cs typeface="Courier" charset="0"/>
+              </a:rPr>
+              <a:t>tr</a:t>
+            </a:r>
+            <a:r>
+              <a:rPr lang="en-US" b="1" dirty="0">
+                <a:solidFill>
+                  <a:srgbClr val="000000"/>
+                </a:solidFill>
+                <a:latin typeface="Courier" charset="0"/>
+                <a:ea typeface="Courier" charset="0"/>
+                <a:cs typeface="Courier" charset="0"/>
+              </a:rPr>
+              <a:t>&gt;	</a:t>
+            </a:r>
+          </a:p>
+          <a:p>
+            <a:r>
+              <a:rPr lang="en-US" b="1" dirty="0" smtClean="0">
+                <a:solidFill>
+                  <a:srgbClr val="000000"/>
+                </a:solidFill>
+                <a:latin typeface="Courier" charset="0"/>
+                <a:ea typeface="Courier" charset="0"/>
+                <a:cs typeface="Courier" charset="0"/>
+              </a:rPr>
+              <a:t>&lt;</a:t>
+            </a:r>
+            <a:r>
+              <a:rPr lang="en-US" b="1" dirty="0" err="1">
+                <a:solidFill>
+                  <a:srgbClr val="000000"/>
+                </a:solidFill>
+                <a:latin typeface="Courier" charset="0"/>
+                <a:ea typeface="Courier" charset="0"/>
+                <a:cs typeface="Courier" charset="0"/>
+              </a:rPr>
+              <a:t>tr</a:t>
+            </a:r>
+            <a:r>
+              <a:rPr lang="en-US" b="1" dirty="0">
+                <a:solidFill>
+                  <a:srgbClr val="000000"/>
+                </a:solidFill>
+                <a:latin typeface="Courier" charset="0"/>
+                <a:ea typeface="Courier" charset="0"/>
+                <a:cs typeface="Courier" charset="0"/>
+              </a:rPr>
+              <a:t>&gt;&lt;td&gt;&amp;</a:t>
+            </a:r>
+            <a:r>
+              <a:rPr lang="en-US" b="1" dirty="0" err="1">
+                <a:solidFill>
+                  <a:srgbClr val="000000"/>
+                </a:solidFill>
+                <a:latin typeface="Courier" charset="0"/>
+                <a:ea typeface="Courier" charset="0"/>
+                <a:cs typeface="Courier" charset="0"/>
+              </a:rPr>
+              <a:t>nbsp</a:t>
+            </a:r>
+            <a:r>
+              <a:rPr lang="en-US" b="1" dirty="0">
+                <a:solidFill>
+                  <a:srgbClr val="000000"/>
+                </a:solidFill>
+                <a:latin typeface="Courier" charset="0"/>
+                <a:ea typeface="Courier" charset="0"/>
+                <a:cs typeface="Courier" charset="0"/>
+              </a:rPr>
+              <a:t>;&lt;/td&gt;&lt;td&gt;&lt;span class="</a:t>
+            </a:r>
+            <a:r>
+              <a:rPr lang="en-US" b="1" dirty="0" err="1">
+                <a:solidFill>
+                  <a:srgbClr val="000000"/>
+                </a:solidFill>
+                <a:latin typeface="Courier" charset="0"/>
+                <a:ea typeface="Courier" charset="0"/>
+                <a:cs typeface="Courier" charset="0"/>
+              </a:rPr>
+              <a:t>helptext</a:t>
+            </a:r>
+            <a:r>
+              <a:rPr lang="en-US" b="1" dirty="0">
+                <a:solidFill>
+                  <a:srgbClr val="000000"/>
+                </a:solidFill>
+                <a:latin typeface="Courier" charset="0"/>
+                <a:ea typeface="Courier" charset="0"/>
+                <a:cs typeface="Courier" charset="0"/>
+              </a:rPr>
+              <a:t>"&gt;Enter an item&lt;/span&gt;&lt;/td&gt;&lt;/</a:t>
+            </a:r>
+            <a:r>
+              <a:rPr lang="en-US" b="1" dirty="0" err="1">
+                <a:solidFill>
+                  <a:srgbClr val="000000"/>
+                </a:solidFill>
+                <a:latin typeface="Courier" charset="0"/>
+                <a:ea typeface="Courier" charset="0"/>
+                <a:cs typeface="Courier" charset="0"/>
+              </a:rPr>
+              <a:t>tr</a:t>
+            </a:r>
+            <a:r>
+              <a:rPr lang="en-US" b="1" dirty="0">
+                <a:solidFill>
+                  <a:srgbClr val="000000"/>
+                </a:solidFill>
+                <a:latin typeface="Courier" charset="0"/>
+                <a:ea typeface="Courier" charset="0"/>
+                <a:cs typeface="Courier" charset="0"/>
+              </a:rPr>
+              <a:t>&gt;	</a:t>
+            </a:r>
+          </a:p>
+          <a:p>
+            <a:r>
+              <a:rPr lang="mr-IN" b="1" dirty="0" smtClean="0">
+                <a:solidFill>
+                  <a:srgbClr val="000000"/>
+                </a:solidFill>
+                <a:latin typeface="Courier" charset="0"/>
+                <a:ea typeface="Courier" charset="0"/>
+                <a:cs typeface="Courier" charset="0"/>
+              </a:rPr>
+              <a:t>&lt;/</a:t>
+            </a:r>
+            <a:r>
+              <a:rPr lang="mr-IN" b="1" dirty="0" err="1">
+                <a:solidFill>
+                  <a:srgbClr val="000000"/>
+                </a:solidFill>
+                <a:latin typeface="Courier" charset="0"/>
+                <a:ea typeface="Courier" charset="0"/>
+                <a:cs typeface="Courier" charset="0"/>
+              </a:rPr>
+              <a:t>table</a:t>
+            </a:r>
+            <a:r>
+              <a:rPr lang="mr-IN" b="1" dirty="0">
+                <a:solidFill>
+                  <a:srgbClr val="000000"/>
+                </a:solidFill>
+                <a:latin typeface="Courier" charset="0"/>
+                <a:ea typeface="Courier" charset="0"/>
+                <a:cs typeface="Courier" charset="0"/>
+              </a:rPr>
+              <a:t>&gt;	</a:t>
+            </a:r>
+          </a:p>
+          <a:p>
+            <a:r>
+              <a:rPr lang="en-US" b="1" dirty="0" smtClean="0">
+                <a:solidFill>
+                  <a:srgbClr val="000000"/>
+                </a:solidFill>
+                <a:latin typeface="Courier" charset="0"/>
+                <a:ea typeface="Courier" charset="0"/>
+                <a:cs typeface="Courier" charset="0"/>
+              </a:rPr>
+              <a:t>&lt;</a:t>
+            </a:r>
+            <a:r>
+              <a:rPr lang="en-US" b="1" dirty="0">
+                <a:solidFill>
+                  <a:srgbClr val="000000"/>
+                </a:solidFill>
+                <a:latin typeface="Courier" charset="0"/>
+                <a:ea typeface="Courier" charset="0"/>
+                <a:cs typeface="Courier" charset="0"/>
+              </a:rPr>
+              <a:t>input type="submit" value="Submit"&gt;	</a:t>
+            </a:r>
+          </a:p>
+          <a:p>
+            <a:r>
+              <a:rPr lang="mr-IN" b="1" dirty="0" smtClean="0">
+                <a:solidFill>
+                  <a:srgbClr val="000000"/>
+                </a:solidFill>
+                <a:latin typeface="Courier" charset="0"/>
+                <a:ea typeface="Courier" charset="0"/>
+                <a:cs typeface="Courier" charset="0"/>
+              </a:rPr>
+              <a:t>&lt;/</a:t>
+            </a:r>
+            <a:r>
+              <a:rPr lang="mr-IN" b="1" dirty="0" err="1">
+                <a:solidFill>
+                  <a:srgbClr val="000000"/>
+                </a:solidFill>
+                <a:latin typeface="Courier" charset="0"/>
+                <a:ea typeface="Courier" charset="0"/>
+                <a:cs typeface="Courier" charset="0"/>
+              </a:rPr>
+              <a:t>form</a:t>
+            </a:r>
+            <a:r>
+              <a:rPr lang="mr-IN" b="1" dirty="0">
+                <a:solidFill>
+                  <a:srgbClr val="000000"/>
+                </a:solidFill>
+                <a:latin typeface="Courier" charset="0"/>
+                <a:ea typeface="Courier" charset="0"/>
+                <a:cs typeface="Courier" charset="0"/>
+              </a:rPr>
+              <a:t>&gt;	</a:t>
+            </a:r>
+          </a:p>
+          <a:p>
+            <a:endParaRPr lang="en-US" b="1" dirty="0">
+              <a:latin typeface="Courier" charset="0"/>
+              <a:ea typeface="Courier" charset="0"/>
+              <a:cs typeface="Courier" charset="0"/>
+            </a:endParaRPr>
+          </a:p>
+        </p:txBody>
+      </p:sp>
+    </p:spTree>
+    <p:extLst>
+      <p:ext uri="{BB962C8B-B14F-4D97-AF65-F5344CB8AC3E}">
+        <p14:creationId xmlns:p14="http://schemas.microsoft.com/office/powerpoint/2010/main" val="1491153566"/>
+      </p:ext>
+    </p:extLst>
+  </p:cSld>
+  <p:clrMapOvr>
+    <a:masterClrMapping/>
+  </p:clrMapOvr>
+  <p:timing>
+    <p:tnLst>
+      <p:par>
+        <p:cTn id="1" dur="indefinite" restart="never" nodeType="tmRoot"/>
+      </p:par>
+    </p:tnLst>
+  </p:timing>
+</p:sld>
+</file>
+
+<file path=ppt/slides/slide38.xml><?xml version="1.0" encoding="utf-8"?>
 <p:sld xmlns:a="http://schemas.openxmlformats.org/drawingml/2006/main" xmlns:r="http://schemas.openxmlformats.org/officeDocument/2006/relationships" xmlns:p="http://schemas.openxmlformats.org/presentationml/2006/main">
   <p:cSld>
     <p:spTree>
@@ -19762,10 +20730,17 @@
   <p:clrMapOvr>
     <a:masterClrMapping/>
   </p:clrMapOvr>
+  <p:timing>
+    <p:tnLst>
+      <p:par>
+        <p:cTn id="1" dur="indefinite" restart="never" nodeType="tmRoot"/>
+      </p:par>
+    </p:tnLst>
+  </p:timing>
 </p:sld>
 </file>
 
-<file path=ppt/slides/slide38.xml><?xml version="1.0" encoding="utf-8"?>
+<file path=ppt/slides/slide39.xml><?xml version="1.0" encoding="utf-8"?>
 <p:sld xmlns:a="http://schemas.openxmlformats.org/drawingml/2006/main" xmlns:r="http://schemas.openxmlformats.org/officeDocument/2006/relationships" xmlns:p="http://schemas.openxmlformats.org/presentationml/2006/main">
   <p:cSld>
     <p:spTree>
@@ -19891,761 +20866,6 @@
       <p:transition spd="slow"/>
     </mc:Fallback>
   </mc:AlternateContent>
-  <p:timing>
-    <p:tnLst>
-      <p:par>
-        <p:cTn id="1" dur="indefinite" restart="never" nodeType="tmRoot"/>
-      </p:par>
-    </p:tnLst>
-  </p:timing>
-</p:sld>
-</file>
-
-<file path=ppt/slides/slide39.xml><?xml version="1.0" encoding="utf-8"?>
-<p:sld xmlns:a="http://schemas.openxmlformats.org/drawingml/2006/main" xmlns:r="http://schemas.openxmlformats.org/officeDocument/2006/relationships" xmlns:p="http://schemas.openxmlformats.org/presentationml/2006/main">
-  <p:cSld>
-    <p:spTree>
-      <p:nvGrpSpPr>
-        <p:cNvPr id="1" name=""/>
-        <p:cNvGrpSpPr/>
-        <p:nvPr/>
-      </p:nvGrpSpPr>
-      <p:grpSpPr>
-        <a:xfrm>
-          <a:off x="0" y="0"/>
-          <a:ext cx="0" cy="0"/>
-          <a:chOff x="0" y="0"/>
-          <a:chExt cx="0" cy="0"/>
-        </a:xfrm>
-      </p:grpSpPr>
-      <p:sp>
-        <p:nvSpPr>
-          <p:cNvPr id="4" name="Title 3"/>
-          <p:cNvSpPr>
-            <a:spLocks noGrp="1"/>
-          </p:cNvSpPr>
-          <p:nvPr>
-            <p:ph type="title"/>
-          </p:nvPr>
-        </p:nvSpPr>
-        <p:spPr/>
-        <p:txBody>
-          <a:bodyPr/>
-          <a:lstStyle/>
-          <a:p>
-            <a:r>
-              <a:rPr lang="en-US" dirty="0"/>
-              <a:t>Acknowledgements / Contributions</a:t>
-            </a:r>
-          </a:p>
-        </p:txBody>
-      </p:sp>
-      <p:sp>
-        <p:nvSpPr>
-          <p:cNvPr id="8" name="TextBox 4"/>
-          <p:cNvSpPr txBox="1">
-            <a:spLocks noChangeArrowheads="1"/>
-          </p:cNvSpPr>
-          <p:nvPr/>
-        </p:nvSpPr>
-        <p:spPr bwMode="auto">
-          <a:xfrm>
-            <a:off x="838200" y="1512888"/>
-            <a:ext cx="5257800" cy="4401205"/>
-          </a:xfrm>
-          <a:prstGeom prst="rect">
-            <a:avLst/>
-          </a:prstGeom>
-          <a:noFill/>
-          <a:ln>
-            <a:noFill/>
-          </a:ln>
-        </p:spPr>
-        <p:txBody>
-          <a:bodyPr wrap="square">
-            <a:spAutoFit/>
-          </a:bodyPr>
-          <a:lstStyle>
-            <a:lvl1pPr>
-              <a:defRPr sz="2000">
-                <a:solidFill>
-                  <a:srgbClr val="FFFFFF"/>
-                </a:solidFill>
-                <a:latin typeface="Gill Sans" charset="0"/>
-                <a:ea typeface="ヒラギノ角ゴ ProN W3" charset="-128"/>
-                <a:sym typeface="Gill Sans" charset="0"/>
-              </a:defRPr>
-            </a:lvl1pPr>
-            <a:lvl2pPr marL="742950" indent="-285750">
-              <a:defRPr sz="2000">
-                <a:solidFill>
-                  <a:srgbClr val="FFFFFF"/>
-                </a:solidFill>
-                <a:latin typeface="Gill Sans" charset="0"/>
-                <a:ea typeface="ヒラギノ角ゴ ProN W3" charset="-128"/>
-                <a:sym typeface="Gill Sans" charset="0"/>
-              </a:defRPr>
-            </a:lvl2pPr>
-            <a:lvl3pPr marL="1143000" indent="-228600">
-              <a:defRPr sz="2000">
-                <a:solidFill>
-                  <a:srgbClr val="FFFFFF"/>
-                </a:solidFill>
-                <a:latin typeface="Gill Sans" charset="0"/>
-                <a:ea typeface="ヒラギノ角ゴ ProN W3" charset="-128"/>
-                <a:sym typeface="Gill Sans" charset="0"/>
-              </a:defRPr>
-            </a:lvl3pPr>
-            <a:lvl4pPr marL="1600200" indent="-228600">
-              <a:defRPr sz="2000">
-                <a:solidFill>
-                  <a:srgbClr val="FFFFFF"/>
-                </a:solidFill>
-                <a:latin typeface="Gill Sans" charset="0"/>
-                <a:ea typeface="ヒラギノ角ゴ ProN W3" charset="-128"/>
-                <a:sym typeface="Gill Sans" charset="0"/>
-              </a:defRPr>
-            </a:lvl4pPr>
-            <a:lvl5pPr marL="2057400" indent="-228600">
-              <a:defRPr sz="2000">
-                <a:solidFill>
-                  <a:srgbClr val="FFFFFF"/>
-                </a:solidFill>
-                <a:latin typeface="Gill Sans" charset="0"/>
-                <a:ea typeface="ヒラギノ角ゴ ProN W3" charset="-128"/>
-                <a:sym typeface="Gill Sans" charset="0"/>
-              </a:defRPr>
-            </a:lvl5pPr>
-            <a:lvl6pPr marL="2514600" indent="-228600" eaLnBrk="0" fontAlgn="base" hangingPunct="0">
-              <a:spcBef>
-                <a:spcPct val="0"/>
-              </a:spcBef>
-              <a:spcAft>
-                <a:spcPct val="0"/>
-              </a:spcAft>
-              <a:defRPr sz="2000">
-                <a:solidFill>
-                  <a:srgbClr val="FFFFFF"/>
-                </a:solidFill>
-                <a:latin typeface="Gill Sans" charset="0"/>
-                <a:ea typeface="ヒラギノ角ゴ ProN W3" charset="-128"/>
-                <a:sym typeface="Gill Sans" charset="0"/>
-              </a:defRPr>
-            </a:lvl6pPr>
-            <a:lvl7pPr marL="2971800" indent="-228600" eaLnBrk="0" fontAlgn="base" hangingPunct="0">
-              <a:spcBef>
-                <a:spcPct val="0"/>
-              </a:spcBef>
-              <a:spcAft>
-                <a:spcPct val="0"/>
-              </a:spcAft>
-              <a:defRPr sz="2000">
-                <a:solidFill>
-                  <a:srgbClr val="FFFFFF"/>
-                </a:solidFill>
-                <a:latin typeface="Gill Sans" charset="0"/>
-                <a:ea typeface="ヒラギノ角ゴ ProN W3" charset="-128"/>
-                <a:sym typeface="Gill Sans" charset="0"/>
-              </a:defRPr>
-            </a:lvl7pPr>
-            <a:lvl8pPr marL="3429000" indent="-228600" eaLnBrk="0" fontAlgn="base" hangingPunct="0">
-              <a:spcBef>
-                <a:spcPct val="0"/>
-              </a:spcBef>
-              <a:spcAft>
-                <a:spcPct val="0"/>
-              </a:spcAft>
-              <a:defRPr sz="2000">
-                <a:solidFill>
-                  <a:srgbClr val="FFFFFF"/>
-                </a:solidFill>
-                <a:latin typeface="Gill Sans" charset="0"/>
-                <a:ea typeface="ヒラギノ角ゴ ProN W3" charset="-128"/>
-                <a:sym typeface="Gill Sans" charset="0"/>
-              </a:defRPr>
-            </a:lvl8pPr>
-            <a:lvl9pPr marL="3886200" indent="-228600" eaLnBrk="0" fontAlgn="base" hangingPunct="0">
-              <a:spcBef>
-                <a:spcPct val="0"/>
-              </a:spcBef>
-              <a:spcAft>
-                <a:spcPct val="0"/>
-              </a:spcAft>
-              <a:defRPr sz="2000">
-                <a:solidFill>
-                  <a:srgbClr val="FFFFFF"/>
-                </a:solidFill>
-                <a:latin typeface="Gill Sans" charset="0"/>
-                <a:ea typeface="ヒラギノ角ゴ ProN W3" charset="-128"/>
-                <a:sym typeface="Gill Sans" charset="0"/>
-              </a:defRPr>
-            </a:lvl9pPr>
-          </a:lstStyle>
-          <a:p>
-            <a:pPr eaLnBrk="1" hangingPunct="1"/>
-            <a:r>
-              <a:rPr lang="en-US" altLang="x-none" sz="1400" dirty="0">
-                <a:solidFill>
-                  <a:schemeClr val="tx1"/>
-                </a:solidFill>
-              </a:rPr>
-              <a:t>These slides are Copyright 2019-  Charles R. Severance (</a:t>
-            </a:r>
-            <a:r>
-              <a:rPr lang="en-US" altLang="x-none" sz="1400" dirty="0" err="1">
-                <a:solidFill>
-                  <a:schemeClr val="tx1"/>
-                </a:solidFill>
-              </a:rPr>
-              <a:t>www.dr-chuck.com</a:t>
-            </a:r>
-            <a:r>
-              <a:rPr lang="en-US" altLang="x-none" sz="1400" dirty="0">
-                <a:solidFill>
-                  <a:schemeClr val="tx1"/>
-                </a:solidFill>
-              </a:rPr>
-              <a:t>) as part of www.dj4e.com and made available under a Creative Commons Attribution 4.0 License.  Please maintain this last slide in all copies of the document to comply with the attribution requirements of the license.  If you make a change, feel free to add your name and organization to the list of contributors on this page as you republish the materials.</a:t>
-            </a:r>
-          </a:p>
-          <a:p>
-            <a:pPr eaLnBrk="1" hangingPunct="1"/>
-            <a:endParaRPr lang="en-US" altLang="x-none" sz="1400" dirty="0">
-              <a:solidFill>
-                <a:schemeClr val="tx1"/>
-              </a:solidFill>
-            </a:endParaRPr>
-          </a:p>
-          <a:p>
-            <a:pPr eaLnBrk="1" hangingPunct="1"/>
-            <a:r>
-              <a:rPr lang="en-US" altLang="x-none" sz="1400" dirty="0">
-                <a:solidFill>
-                  <a:schemeClr val="tx1"/>
-                </a:solidFill>
-              </a:rPr>
-              <a:t>Initial Development: Charles Severance, University of Michigan School of Information</a:t>
-            </a:r>
-          </a:p>
-          <a:p>
-            <a:pPr eaLnBrk="1" hangingPunct="1"/>
-            <a:endParaRPr lang="en-US" altLang="x-none" sz="1400" dirty="0">
-              <a:solidFill>
-                <a:schemeClr val="tx1"/>
-              </a:solidFill>
-            </a:endParaRPr>
-          </a:p>
-          <a:p>
-            <a:pPr eaLnBrk="1" hangingPunct="1"/>
-            <a:r>
-              <a:rPr lang="en-US" altLang="x-none" sz="1400" dirty="0">
-                <a:solidFill>
-                  <a:srgbClr val="FFCC66"/>
-                </a:solidFill>
-              </a:rPr>
-              <a:t>Insert new Contributors and Translators here including names and dates</a:t>
-            </a:r>
-          </a:p>
-          <a:p>
-            <a:pPr eaLnBrk="1" hangingPunct="1"/>
-            <a:endParaRPr lang="en-US" altLang="x-none" sz="1400" dirty="0">
-              <a:solidFill>
-                <a:srgbClr val="7575D1"/>
-              </a:solidFill>
-            </a:endParaRPr>
-          </a:p>
-          <a:p>
-            <a:pPr eaLnBrk="1" hangingPunct="1"/>
-            <a:endParaRPr lang="en-US" altLang="x-none" sz="1400" dirty="0">
-              <a:solidFill>
-                <a:srgbClr val="7575D1"/>
-              </a:solidFill>
-            </a:endParaRPr>
-          </a:p>
-          <a:p>
-            <a:pPr eaLnBrk="1" hangingPunct="1"/>
-            <a:endParaRPr lang="en-US" altLang="x-none" sz="1400" dirty="0">
-              <a:solidFill>
-                <a:srgbClr val="7575D1"/>
-              </a:solidFill>
-            </a:endParaRPr>
-          </a:p>
-          <a:p>
-            <a:pPr eaLnBrk="1" hangingPunct="1"/>
-            <a:endParaRPr lang="en-US" altLang="x-none" sz="1400" dirty="0">
-              <a:solidFill>
-                <a:srgbClr val="7575D1"/>
-              </a:solidFill>
-            </a:endParaRPr>
-          </a:p>
-          <a:p>
-            <a:pPr eaLnBrk="1" hangingPunct="1"/>
-            <a:endParaRPr lang="en-US" altLang="x-none" sz="1400" dirty="0">
-              <a:solidFill>
-                <a:srgbClr val="7575D1"/>
-              </a:solidFill>
-            </a:endParaRPr>
-          </a:p>
-          <a:p>
-            <a:pPr eaLnBrk="1" hangingPunct="1"/>
-            <a:endParaRPr lang="en-US" altLang="x-none" sz="1400" dirty="0">
-              <a:solidFill>
-                <a:srgbClr val="7575D1"/>
-              </a:solidFill>
-            </a:endParaRPr>
-          </a:p>
-          <a:p>
-            <a:pPr eaLnBrk="1" hangingPunct="1"/>
-            <a:endParaRPr lang="en-US" altLang="x-none" sz="1400" dirty="0">
-              <a:solidFill>
-                <a:srgbClr val="7575D1"/>
-              </a:solidFill>
-            </a:endParaRPr>
-          </a:p>
-        </p:txBody>
-      </p:sp>
-      <p:sp>
-        <p:nvSpPr>
-          <p:cNvPr id="9" name="TextBox 5"/>
-          <p:cNvSpPr txBox="1">
-            <a:spLocks noChangeArrowheads="1"/>
-          </p:cNvSpPr>
-          <p:nvPr/>
-        </p:nvSpPr>
-        <p:spPr bwMode="auto">
-          <a:xfrm>
-            <a:off x="6310312" y="1512888"/>
-            <a:ext cx="5257800" cy="4893647"/>
-          </a:xfrm>
-          <a:prstGeom prst="rect">
-            <a:avLst/>
-          </a:prstGeom>
-          <a:noFill/>
-          <a:ln>
-            <a:noFill/>
-          </a:ln>
-        </p:spPr>
-        <p:txBody>
-          <a:bodyPr wrap="square">
-            <a:spAutoFit/>
-          </a:bodyPr>
-          <a:lstStyle>
-            <a:lvl1pPr>
-              <a:defRPr sz="2000">
-                <a:solidFill>
-                  <a:srgbClr val="FFFFFF"/>
-                </a:solidFill>
-                <a:latin typeface="Gill Sans" charset="0"/>
-                <a:ea typeface="ヒラギノ角ゴ ProN W3" charset="-128"/>
-                <a:sym typeface="Gill Sans" charset="0"/>
-              </a:defRPr>
-            </a:lvl1pPr>
-            <a:lvl2pPr marL="742950" indent="-285750">
-              <a:defRPr sz="2000">
-                <a:solidFill>
-                  <a:srgbClr val="FFFFFF"/>
-                </a:solidFill>
-                <a:latin typeface="Gill Sans" charset="0"/>
-                <a:ea typeface="ヒラギノ角ゴ ProN W3" charset="-128"/>
-                <a:sym typeface="Gill Sans" charset="0"/>
-              </a:defRPr>
-            </a:lvl2pPr>
-            <a:lvl3pPr marL="1143000" indent="-228600">
-              <a:defRPr sz="2000">
-                <a:solidFill>
-                  <a:srgbClr val="FFFFFF"/>
-                </a:solidFill>
-                <a:latin typeface="Gill Sans" charset="0"/>
-                <a:ea typeface="ヒラギノ角ゴ ProN W3" charset="-128"/>
-                <a:sym typeface="Gill Sans" charset="0"/>
-              </a:defRPr>
-            </a:lvl3pPr>
-            <a:lvl4pPr marL="1600200" indent="-228600">
-              <a:defRPr sz="2000">
-                <a:solidFill>
-                  <a:srgbClr val="FFFFFF"/>
-                </a:solidFill>
-                <a:latin typeface="Gill Sans" charset="0"/>
-                <a:ea typeface="ヒラギノ角ゴ ProN W3" charset="-128"/>
-                <a:sym typeface="Gill Sans" charset="0"/>
-              </a:defRPr>
-            </a:lvl4pPr>
-            <a:lvl5pPr marL="2057400" indent="-228600">
-              <a:defRPr sz="2000">
-                <a:solidFill>
-                  <a:srgbClr val="FFFFFF"/>
-                </a:solidFill>
-                <a:latin typeface="Gill Sans" charset="0"/>
-                <a:ea typeface="ヒラギノ角ゴ ProN W3" charset="-128"/>
-                <a:sym typeface="Gill Sans" charset="0"/>
-              </a:defRPr>
-            </a:lvl5pPr>
-            <a:lvl6pPr marL="2514600" indent="-228600" eaLnBrk="0" fontAlgn="base" hangingPunct="0">
-              <a:spcBef>
-                <a:spcPct val="0"/>
-              </a:spcBef>
-              <a:spcAft>
-                <a:spcPct val="0"/>
-              </a:spcAft>
-              <a:defRPr sz="2000">
-                <a:solidFill>
-                  <a:srgbClr val="FFFFFF"/>
-                </a:solidFill>
-                <a:latin typeface="Gill Sans" charset="0"/>
-                <a:ea typeface="ヒラギノ角ゴ ProN W3" charset="-128"/>
-                <a:sym typeface="Gill Sans" charset="0"/>
-              </a:defRPr>
-            </a:lvl6pPr>
-            <a:lvl7pPr marL="2971800" indent="-228600" eaLnBrk="0" fontAlgn="base" hangingPunct="0">
-              <a:spcBef>
-                <a:spcPct val="0"/>
-              </a:spcBef>
-              <a:spcAft>
-                <a:spcPct val="0"/>
-              </a:spcAft>
-              <a:defRPr sz="2000">
-                <a:solidFill>
-                  <a:srgbClr val="FFFFFF"/>
-                </a:solidFill>
-                <a:latin typeface="Gill Sans" charset="0"/>
-                <a:ea typeface="ヒラギノ角ゴ ProN W3" charset="-128"/>
-                <a:sym typeface="Gill Sans" charset="0"/>
-              </a:defRPr>
-            </a:lvl7pPr>
-            <a:lvl8pPr marL="3429000" indent="-228600" eaLnBrk="0" fontAlgn="base" hangingPunct="0">
-              <a:spcBef>
-                <a:spcPct val="0"/>
-              </a:spcBef>
-              <a:spcAft>
-                <a:spcPct val="0"/>
-              </a:spcAft>
-              <a:defRPr sz="2000">
-                <a:solidFill>
-                  <a:srgbClr val="FFFFFF"/>
-                </a:solidFill>
-                <a:latin typeface="Gill Sans" charset="0"/>
-                <a:ea typeface="ヒラギノ角ゴ ProN W3" charset="-128"/>
-                <a:sym typeface="Gill Sans" charset="0"/>
-              </a:defRPr>
-            </a:lvl8pPr>
-            <a:lvl9pPr marL="3886200" indent="-228600" eaLnBrk="0" fontAlgn="base" hangingPunct="0">
-              <a:spcBef>
-                <a:spcPct val="0"/>
-              </a:spcBef>
-              <a:spcAft>
-                <a:spcPct val="0"/>
-              </a:spcAft>
-              <a:defRPr sz="2000">
-                <a:solidFill>
-                  <a:srgbClr val="FFFFFF"/>
-                </a:solidFill>
-                <a:latin typeface="Gill Sans" charset="0"/>
-                <a:ea typeface="ヒラギノ角ゴ ProN W3" charset="-128"/>
-                <a:sym typeface="Gill Sans" charset="0"/>
-              </a:defRPr>
-            </a:lvl9pPr>
-          </a:lstStyle>
-          <a:p>
-            <a:pPr algn="ctr" eaLnBrk="1" hangingPunct="1"/>
-            <a:r>
-              <a:rPr lang="en-US" altLang="x-none" sz="1200" dirty="0">
-                <a:solidFill>
-                  <a:srgbClr val="FFCC66"/>
-                </a:solidFill>
-                <a:latin typeface="Helvetica" charset="0"/>
-                <a:ea typeface="ＭＳ Ｐゴシック" charset="-128"/>
-                <a:sym typeface="Helvetica" charset="0"/>
-              </a:rPr>
-              <a:t>Continue new Contributors and Translators here</a:t>
-            </a:r>
-          </a:p>
-          <a:p>
-            <a:pPr algn="ctr" eaLnBrk="1" hangingPunct="1"/>
-            <a:endParaRPr lang="en-US" altLang="x-none" sz="1200" dirty="0">
-              <a:solidFill>
-                <a:schemeClr val="tx1"/>
-              </a:solidFill>
-              <a:latin typeface="Helvetica" charset="0"/>
-              <a:ea typeface="ＭＳ Ｐゴシック" charset="-128"/>
-              <a:sym typeface="Helvetica" charset="0"/>
-            </a:endParaRPr>
-          </a:p>
-          <a:p>
-            <a:pPr algn="ctr" eaLnBrk="1" hangingPunct="1"/>
-            <a:endParaRPr lang="en-US" altLang="x-none" sz="1200" dirty="0">
-              <a:solidFill>
-                <a:schemeClr val="tx1"/>
-              </a:solidFill>
-              <a:latin typeface="Helvetica" charset="0"/>
-              <a:ea typeface="ＭＳ Ｐゴシック" charset="-128"/>
-              <a:sym typeface="Helvetica" charset="0"/>
-            </a:endParaRPr>
-          </a:p>
-          <a:p>
-            <a:pPr algn="ctr" eaLnBrk="1" hangingPunct="1"/>
-            <a:endParaRPr lang="en-US" altLang="x-none" sz="1200" dirty="0">
-              <a:solidFill>
-                <a:schemeClr val="tx1"/>
-              </a:solidFill>
-              <a:latin typeface="Helvetica" charset="0"/>
-              <a:ea typeface="ＭＳ Ｐゴシック" charset="-128"/>
-              <a:sym typeface="Helvetica" charset="0"/>
-            </a:endParaRPr>
-          </a:p>
-          <a:p>
-            <a:pPr algn="ctr" eaLnBrk="1" hangingPunct="1"/>
-            <a:endParaRPr lang="en-US" altLang="x-none" sz="1200" dirty="0">
-              <a:solidFill>
-                <a:schemeClr val="tx1"/>
-              </a:solidFill>
-              <a:latin typeface="Helvetica" charset="0"/>
-              <a:ea typeface="ＭＳ Ｐゴシック" charset="-128"/>
-              <a:sym typeface="Helvetica" charset="0"/>
-            </a:endParaRPr>
-          </a:p>
-          <a:p>
-            <a:pPr algn="ctr" eaLnBrk="1" hangingPunct="1"/>
-            <a:endParaRPr lang="en-US" altLang="x-none" sz="1200" dirty="0">
-              <a:solidFill>
-                <a:schemeClr val="tx1"/>
-              </a:solidFill>
-              <a:latin typeface="Helvetica" charset="0"/>
-              <a:ea typeface="ＭＳ Ｐゴシック" charset="-128"/>
-              <a:sym typeface="Helvetica" charset="0"/>
-            </a:endParaRPr>
-          </a:p>
-          <a:p>
-            <a:pPr algn="ctr" eaLnBrk="1" hangingPunct="1"/>
-            <a:endParaRPr lang="en-US" altLang="x-none" sz="1200" dirty="0">
-              <a:solidFill>
-                <a:schemeClr val="tx1"/>
-              </a:solidFill>
-              <a:latin typeface="Helvetica" charset="0"/>
-              <a:ea typeface="ＭＳ Ｐゴシック" charset="-128"/>
-              <a:sym typeface="Helvetica" charset="0"/>
-            </a:endParaRPr>
-          </a:p>
-          <a:p>
-            <a:pPr algn="ctr" eaLnBrk="1" hangingPunct="1"/>
-            <a:endParaRPr lang="en-US" altLang="x-none" sz="1200" dirty="0">
-              <a:solidFill>
-                <a:schemeClr val="tx1"/>
-              </a:solidFill>
-              <a:latin typeface="Helvetica" charset="0"/>
-              <a:ea typeface="ＭＳ Ｐゴシック" charset="-128"/>
-              <a:sym typeface="Helvetica" charset="0"/>
-            </a:endParaRPr>
-          </a:p>
-          <a:p>
-            <a:pPr algn="ctr" eaLnBrk="1" hangingPunct="1"/>
-            <a:endParaRPr lang="en-US" altLang="x-none" sz="1200" dirty="0">
-              <a:solidFill>
-                <a:schemeClr val="tx1"/>
-              </a:solidFill>
-              <a:latin typeface="Helvetica" charset="0"/>
-              <a:ea typeface="ＭＳ Ｐゴシック" charset="-128"/>
-              <a:sym typeface="Helvetica" charset="0"/>
-            </a:endParaRPr>
-          </a:p>
-          <a:p>
-            <a:pPr algn="ctr" eaLnBrk="1" hangingPunct="1"/>
-            <a:endParaRPr lang="en-US" altLang="x-none" sz="1200" dirty="0">
-              <a:solidFill>
-                <a:schemeClr val="tx1"/>
-              </a:solidFill>
-              <a:latin typeface="Helvetica" charset="0"/>
-              <a:ea typeface="ＭＳ Ｐゴシック" charset="-128"/>
-              <a:sym typeface="Helvetica" charset="0"/>
-            </a:endParaRPr>
-          </a:p>
-          <a:p>
-            <a:pPr algn="ctr" eaLnBrk="1" hangingPunct="1"/>
-            <a:endParaRPr lang="en-US" altLang="x-none" sz="1200" dirty="0">
-              <a:solidFill>
-                <a:schemeClr val="tx1"/>
-              </a:solidFill>
-              <a:latin typeface="Helvetica" charset="0"/>
-              <a:ea typeface="ＭＳ Ｐゴシック" charset="-128"/>
-              <a:sym typeface="Helvetica" charset="0"/>
-            </a:endParaRPr>
-          </a:p>
-          <a:p>
-            <a:pPr algn="ctr" eaLnBrk="1" hangingPunct="1"/>
-            <a:endParaRPr lang="en-US" altLang="x-none" sz="1200" dirty="0">
-              <a:solidFill>
-                <a:schemeClr val="tx1"/>
-              </a:solidFill>
-              <a:latin typeface="Helvetica" charset="0"/>
-              <a:ea typeface="ＭＳ Ｐゴシック" charset="-128"/>
-              <a:sym typeface="Helvetica" charset="0"/>
-            </a:endParaRPr>
-          </a:p>
-          <a:p>
-            <a:pPr algn="ctr" eaLnBrk="1" hangingPunct="1"/>
-            <a:endParaRPr lang="en-US" altLang="x-none" sz="1200" dirty="0">
-              <a:solidFill>
-                <a:schemeClr val="tx1"/>
-              </a:solidFill>
-              <a:latin typeface="Helvetica" charset="0"/>
-              <a:ea typeface="ＭＳ Ｐゴシック" charset="-128"/>
-              <a:sym typeface="Helvetica" charset="0"/>
-            </a:endParaRPr>
-          </a:p>
-          <a:p>
-            <a:pPr algn="ctr" eaLnBrk="1" hangingPunct="1"/>
-            <a:endParaRPr lang="en-US" altLang="x-none" sz="1200" dirty="0">
-              <a:solidFill>
-                <a:schemeClr val="tx1"/>
-              </a:solidFill>
-              <a:latin typeface="Helvetica" charset="0"/>
-              <a:ea typeface="ＭＳ Ｐゴシック" charset="-128"/>
-              <a:sym typeface="Helvetica" charset="0"/>
-            </a:endParaRPr>
-          </a:p>
-          <a:p>
-            <a:pPr algn="ctr" eaLnBrk="1" hangingPunct="1"/>
-            <a:endParaRPr lang="en-US" altLang="x-none" sz="1200" dirty="0">
-              <a:solidFill>
-                <a:schemeClr val="tx1"/>
-              </a:solidFill>
-              <a:latin typeface="Helvetica" charset="0"/>
-              <a:ea typeface="ＭＳ Ｐゴシック" charset="-128"/>
-              <a:sym typeface="Helvetica" charset="0"/>
-            </a:endParaRPr>
-          </a:p>
-          <a:p>
-            <a:pPr algn="ctr" eaLnBrk="1" hangingPunct="1"/>
-            <a:endParaRPr lang="en-US" altLang="x-none" sz="1200" dirty="0">
-              <a:solidFill>
-                <a:schemeClr val="tx1"/>
-              </a:solidFill>
-              <a:latin typeface="Helvetica" charset="0"/>
-              <a:ea typeface="ＭＳ Ｐゴシック" charset="-128"/>
-              <a:sym typeface="Helvetica" charset="0"/>
-            </a:endParaRPr>
-          </a:p>
-          <a:p>
-            <a:pPr algn="ctr" eaLnBrk="1" hangingPunct="1"/>
-            <a:endParaRPr lang="en-US" altLang="x-none" sz="1200" dirty="0">
-              <a:solidFill>
-                <a:schemeClr val="tx1"/>
-              </a:solidFill>
-              <a:latin typeface="Helvetica" charset="0"/>
-              <a:ea typeface="ＭＳ Ｐゴシック" charset="-128"/>
-              <a:sym typeface="Helvetica" charset="0"/>
-            </a:endParaRPr>
-          </a:p>
-          <a:p>
-            <a:pPr algn="ctr" eaLnBrk="1" hangingPunct="1"/>
-            <a:endParaRPr lang="en-US" altLang="x-none" sz="1200" dirty="0">
-              <a:solidFill>
-                <a:schemeClr val="tx1"/>
-              </a:solidFill>
-              <a:latin typeface="Helvetica" charset="0"/>
-              <a:ea typeface="ＭＳ Ｐゴシック" charset="-128"/>
-              <a:sym typeface="Helvetica" charset="0"/>
-            </a:endParaRPr>
-          </a:p>
-          <a:p>
-            <a:pPr algn="ctr" eaLnBrk="1" hangingPunct="1"/>
-            <a:endParaRPr lang="en-US" altLang="x-none" sz="1200" dirty="0">
-              <a:solidFill>
-                <a:schemeClr val="tx1"/>
-              </a:solidFill>
-              <a:latin typeface="Helvetica" charset="0"/>
-              <a:ea typeface="ＭＳ Ｐゴシック" charset="-128"/>
-              <a:sym typeface="Helvetica" charset="0"/>
-            </a:endParaRPr>
-          </a:p>
-          <a:p>
-            <a:pPr algn="ctr" eaLnBrk="1" hangingPunct="1"/>
-            <a:endParaRPr lang="en-US" altLang="x-none" sz="1200" dirty="0" smtClean="0">
-              <a:solidFill>
-                <a:schemeClr val="tx1"/>
-              </a:solidFill>
-              <a:latin typeface="Helvetica" charset="0"/>
-              <a:ea typeface="ＭＳ Ｐゴシック" charset="-128"/>
-              <a:sym typeface="Helvetica" charset="0"/>
-            </a:endParaRPr>
-          </a:p>
-          <a:p>
-            <a:pPr algn="ctr" eaLnBrk="1" hangingPunct="1"/>
-            <a:endParaRPr lang="en-US" altLang="x-none" sz="1200" dirty="0">
-              <a:solidFill>
-                <a:schemeClr val="tx1"/>
-              </a:solidFill>
-              <a:latin typeface="Helvetica" charset="0"/>
-              <a:ea typeface="ＭＳ Ｐゴシック" charset="-128"/>
-              <a:sym typeface="Helvetica" charset="0"/>
-            </a:endParaRPr>
-          </a:p>
-          <a:p>
-            <a:pPr algn="ctr" eaLnBrk="1" hangingPunct="1"/>
-            <a:endParaRPr lang="en-US" altLang="x-none" sz="1200" dirty="0" smtClean="0">
-              <a:solidFill>
-                <a:schemeClr val="tx1"/>
-              </a:solidFill>
-              <a:latin typeface="Helvetica" charset="0"/>
-              <a:ea typeface="ＭＳ Ｐゴシック" charset="-128"/>
-              <a:sym typeface="Helvetica" charset="0"/>
-            </a:endParaRPr>
-          </a:p>
-          <a:p>
-            <a:pPr algn="ctr" eaLnBrk="1" hangingPunct="1"/>
-            <a:endParaRPr lang="en-US" altLang="x-none" sz="1200" dirty="0">
-              <a:solidFill>
-                <a:schemeClr val="tx1"/>
-              </a:solidFill>
-              <a:latin typeface="Helvetica" charset="0"/>
-              <a:ea typeface="ＭＳ Ｐゴシック" charset="-128"/>
-              <a:sym typeface="Helvetica" charset="0"/>
-            </a:endParaRPr>
-          </a:p>
-          <a:p>
-            <a:pPr algn="ctr" eaLnBrk="1" hangingPunct="1"/>
-            <a:endParaRPr lang="en-US" altLang="x-none" sz="1200" dirty="0" smtClean="0">
-              <a:solidFill>
-                <a:schemeClr val="tx1"/>
-              </a:solidFill>
-              <a:latin typeface="Helvetica" charset="0"/>
-              <a:ea typeface="ＭＳ Ｐゴシック" charset="-128"/>
-              <a:sym typeface="Helvetica" charset="0"/>
-            </a:endParaRPr>
-          </a:p>
-          <a:p>
-            <a:pPr algn="ctr" eaLnBrk="1" hangingPunct="1"/>
-            <a:endParaRPr lang="en-US" altLang="x-none" sz="1200" dirty="0">
-              <a:solidFill>
-                <a:schemeClr val="tx1"/>
-              </a:solidFill>
-              <a:latin typeface="Helvetica" charset="0"/>
-              <a:ea typeface="ＭＳ Ｐゴシック" charset="-128"/>
-              <a:sym typeface="Helvetica" charset="0"/>
-            </a:endParaRPr>
-          </a:p>
-          <a:p>
-            <a:pPr algn="ctr" eaLnBrk="1" hangingPunct="1"/>
-            <a:endParaRPr lang="en-US" altLang="x-none" sz="1200" dirty="0">
-              <a:solidFill>
-                <a:schemeClr val="tx1"/>
-              </a:solidFill>
-              <a:latin typeface="Helvetica" charset="0"/>
-              <a:ea typeface="ＭＳ Ｐゴシック" charset="-128"/>
-              <a:sym typeface="Helvetica" charset="0"/>
-            </a:endParaRPr>
-          </a:p>
-        </p:txBody>
-      </p:sp>
-    </p:spTree>
-    <p:extLst>
-      <p:ext uri="{BB962C8B-B14F-4D97-AF65-F5344CB8AC3E}">
-        <p14:creationId xmlns:p14="http://schemas.microsoft.com/office/powerpoint/2010/main" val="1048975579"/>
-      </p:ext>
-    </p:extLst>
-  </p:cSld>
-  <p:clrMapOvr>
-    <a:masterClrMapping/>
-  </p:clrMapOvr>
   <p:timing>
     <p:tnLst>
       <p:par>
@@ -20719,6 +20939,761 @@
     <p:extLst>
       <p:ext uri="{BB962C8B-B14F-4D97-AF65-F5344CB8AC3E}">
         <p14:creationId xmlns:p14="http://schemas.microsoft.com/office/powerpoint/2010/main" val="237635372"/>
+      </p:ext>
+    </p:extLst>
+  </p:cSld>
+  <p:clrMapOvr>
+    <a:masterClrMapping/>
+  </p:clrMapOvr>
+  <p:timing>
+    <p:tnLst>
+      <p:par>
+        <p:cTn id="1" dur="indefinite" restart="never" nodeType="tmRoot"/>
+      </p:par>
+    </p:tnLst>
+  </p:timing>
+</p:sld>
+</file>
+
+<file path=ppt/slides/slide40.xml><?xml version="1.0" encoding="utf-8"?>
+<p:sld xmlns:a="http://schemas.openxmlformats.org/drawingml/2006/main" xmlns:r="http://schemas.openxmlformats.org/officeDocument/2006/relationships" xmlns:p="http://schemas.openxmlformats.org/presentationml/2006/main">
+  <p:cSld>
+    <p:spTree>
+      <p:nvGrpSpPr>
+        <p:cNvPr id="1" name=""/>
+        <p:cNvGrpSpPr/>
+        <p:nvPr/>
+      </p:nvGrpSpPr>
+      <p:grpSpPr>
+        <a:xfrm>
+          <a:off x="0" y="0"/>
+          <a:ext cx="0" cy="0"/>
+          <a:chOff x="0" y="0"/>
+          <a:chExt cx="0" cy="0"/>
+        </a:xfrm>
+      </p:grpSpPr>
+      <p:sp>
+        <p:nvSpPr>
+          <p:cNvPr id="4" name="Title 3"/>
+          <p:cNvSpPr>
+            <a:spLocks noGrp="1"/>
+          </p:cNvSpPr>
+          <p:nvPr>
+            <p:ph type="title"/>
+          </p:nvPr>
+        </p:nvSpPr>
+        <p:spPr/>
+        <p:txBody>
+          <a:bodyPr/>
+          <a:lstStyle/>
+          <a:p>
+            <a:r>
+              <a:rPr lang="en-US" dirty="0"/>
+              <a:t>Acknowledgements / Contributions</a:t>
+            </a:r>
+          </a:p>
+        </p:txBody>
+      </p:sp>
+      <p:sp>
+        <p:nvSpPr>
+          <p:cNvPr id="8" name="TextBox 4"/>
+          <p:cNvSpPr txBox="1">
+            <a:spLocks noChangeArrowheads="1"/>
+          </p:cNvSpPr>
+          <p:nvPr/>
+        </p:nvSpPr>
+        <p:spPr bwMode="auto">
+          <a:xfrm>
+            <a:off x="838200" y="1512888"/>
+            <a:ext cx="5257800" cy="4401205"/>
+          </a:xfrm>
+          <a:prstGeom prst="rect">
+            <a:avLst/>
+          </a:prstGeom>
+          <a:noFill/>
+          <a:ln>
+            <a:noFill/>
+          </a:ln>
+        </p:spPr>
+        <p:txBody>
+          <a:bodyPr wrap="square">
+            <a:spAutoFit/>
+          </a:bodyPr>
+          <a:lstStyle>
+            <a:lvl1pPr>
+              <a:defRPr sz="2000">
+                <a:solidFill>
+                  <a:srgbClr val="FFFFFF"/>
+                </a:solidFill>
+                <a:latin typeface="Gill Sans" charset="0"/>
+                <a:ea typeface="ヒラギノ角ゴ ProN W3" charset="-128"/>
+                <a:sym typeface="Gill Sans" charset="0"/>
+              </a:defRPr>
+            </a:lvl1pPr>
+            <a:lvl2pPr marL="742950" indent="-285750">
+              <a:defRPr sz="2000">
+                <a:solidFill>
+                  <a:srgbClr val="FFFFFF"/>
+                </a:solidFill>
+                <a:latin typeface="Gill Sans" charset="0"/>
+                <a:ea typeface="ヒラギノ角ゴ ProN W3" charset="-128"/>
+                <a:sym typeface="Gill Sans" charset="0"/>
+              </a:defRPr>
+            </a:lvl2pPr>
+            <a:lvl3pPr marL="1143000" indent="-228600">
+              <a:defRPr sz="2000">
+                <a:solidFill>
+                  <a:srgbClr val="FFFFFF"/>
+                </a:solidFill>
+                <a:latin typeface="Gill Sans" charset="0"/>
+                <a:ea typeface="ヒラギノ角ゴ ProN W3" charset="-128"/>
+                <a:sym typeface="Gill Sans" charset="0"/>
+              </a:defRPr>
+            </a:lvl3pPr>
+            <a:lvl4pPr marL="1600200" indent="-228600">
+              <a:defRPr sz="2000">
+                <a:solidFill>
+                  <a:srgbClr val="FFFFFF"/>
+                </a:solidFill>
+                <a:latin typeface="Gill Sans" charset="0"/>
+                <a:ea typeface="ヒラギノ角ゴ ProN W3" charset="-128"/>
+                <a:sym typeface="Gill Sans" charset="0"/>
+              </a:defRPr>
+            </a:lvl4pPr>
+            <a:lvl5pPr marL="2057400" indent="-228600">
+              <a:defRPr sz="2000">
+                <a:solidFill>
+                  <a:srgbClr val="FFFFFF"/>
+                </a:solidFill>
+                <a:latin typeface="Gill Sans" charset="0"/>
+                <a:ea typeface="ヒラギノ角ゴ ProN W3" charset="-128"/>
+                <a:sym typeface="Gill Sans" charset="0"/>
+              </a:defRPr>
+            </a:lvl5pPr>
+            <a:lvl6pPr marL="2514600" indent="-228600" eaLnBrk="0" fontAlgn="base" hangingPunct="0">
+              <a:spcBef>
+                <a:spcPct val="0"/>
+              </a:spcBef>
+              <a:spcAft>
+                <a:spcPct val="0"/>
+              </a:spcAft>
+              <a:defRPr sz="2000">
+                <a:solidFill>
+                  <a:srgbClr val="FFFFFF"/>
+                </a:solidFill>
+                <a:latin typeface="Gill Sans" charset="0"/>
+                <a:ea typeface="ヒラギノ角ゴ ProN W3" charset="-128"/>
+                <a:sym typeface="Gill Sans" charset="0"/>
+              </a:defRPr>
+            </a:lvl6pPr>
+            <a:lvl7pPr marL="2971800" indent="-228600" eaLnBrk="0" fontAlgn="base" hangingPunct="0">
+              <a:spcBef>
+                <a:spcPct val="0"/>
+              </a:spcBef>
+              <a:spcAft>
+                <a:spcPct val="0"/>
+              </a:spcAft>
+              <a:defRPr sz="2000">
+                <a:solidFill>
+                  <a:srgbClr val="FFFFFF"/>
+                </a:solidFill>
+                <a:latin typeface="Gill Sans" charset="0"/>
+                <a:ea typeface="ヒラギノ角ゴ ProN W3" charset="-128"/>
+                <a:sym typeface="Gill Sans" charset="0"/>
+              </a:defRPr>
+            </a:lvl7pPr>
+            <a:lvl8pPr marL="3429000" indent="-228600" eaLnBrk="0" fontAlgn="base" hangingPunct="0">
+              <a:spcBef>
+                <a:spcPct val="0"/>
+              </a:spcBef>
+              <a:spcAft>
+                <a:spcPct val="0"/>
+              </a:spcAft>
+              <a:defRPr sz="2000">
+                <a:solidFill>
+                  <a:srgbClr val="FFFFFF"/>
+                </a:solidFill>
+                <a:latin typeface="Gill Sans" charset="0"/>
+                <a:ea typeface="ヒラギノ角ゴ ProN W3" charset="-128"/>
+                <a:sym typeface="Gill Sans" charset="0"/>
+              </a:defRPr>
+            </a:lvl8pPr>
+            <a:lvl9pPr marL="3886200" indent="-228600" eaLnBrk="0" fontAlgn="base" hangingPunct="0">
+              <a:spcBef>
+                <a:spcPct val="0"/>
+              </a:spcBef>
+              <a:spcAft>
+                <a:spcPct val="0"/>
+              </a:spcAft>
+              <a:defRPr sz="2000">
+                <a:solidFill>
+                  <a:srgbClr val="FFFFFF"/>
+                </a:solidFill>
+                <a:latin typeface="Gill Sans" charset="0"/>
+                <a:ea typeface="ヒラギノ角ゴ ProN W3" charset="-128"/>
+                <a:sym typeface="Gill Sans" charset="0"/>
+              </a:defRPr>
+            </a:lvl9pPr>
+          </a:lstStyle>
+          <a:p>
+            <a:pPr eaLnBrk="1" hangingPunct="1"/>
+            <a:r>
+              <a:rPr lang="en-US" altLang="x-none" sz="1400" dirty="0">
+                <a:solidFill>
+                  <a:schemeClr val="tx1"/>
+                </a:solidFill>
+              </a:rPr>
+              <a:t>These slides are Copyright 2019-  Charles R. Severance (</a:t>
+            </a:r>
+            <a:r>
+              <a:rPr lang="en-US" altLang="x-none" sz="1400" dirty="0" err="1">
+                <a:solidFill>
+                  <a:schemeClr val="tx1"/>
+                </a:solidFill>
+              </a:rPr>
+              <a:t>www.dr-chuck.com</a:t>
+            </a:r>
+            <a:r>
+              <a:rPr lang="en-US" altLang="x-none" sz="1400" dirty="0">
+                <a:solidFill>
+                  <a:schemeClr val="tx1"/>
+                </a:solidFill>
+              </a:rPr>
+              <a:t>) as part of www.dj4e.com and made available under a Creative Commons Attribution 4.0 License.  Please maintain this last slide in all copies of the document to comply with the attribution requirements of the license.  If you make a change, feel free to add your name and organization to the list of contributors on this page as you republish the materials.</a:t>
+            </a:r>
+          </a:p>
+          <a:p>
+            <a:pPr eaLnBrk="1" hangingPunct="1"/>
+            <a:endParaRPr lang="en-US" altLang="x-none" sz="1400" dirty="0">
+              <a:solidFill>
+                <a:schemeClr val="tx1"/>
+              </a:solidFill>
+            </a:endParaRPr>
+          </a:p>
+          <a:p>
+            <a:pPr eaLnBrk="1" hangingPunct="1"/>
+            <a:r>
+              <a:rPr lang="en-US" altLang="x-none" sz="1400" dirty="0">
+                <a:solidFill>
+                  <a:schemeClr val="tx1"/>
+                </a:solidFill>
+              </a:rPr>
+              <a:t>Initial Development: Charles Severance, University of Michigan School of Information</a:t>
+            </a:r>
+          </a:p>
+          <a:p>
+            <a:pPr eaLnBrk="1" hangingPunct="1"/>
+            <a:endParaRPr lang="en-US" altLang="x-none" sz="1400" dirty="0">
+              <a:solidFill>
+                <a:schemeClr val="tx1"/>
+              </a:solidFill>
+            </a:endParaRPr>
+          </a:p>
+          <a:p>
+            <a:pPr eaLnBrk="1" hangingPunct="1"/>
+            <a:r>
+              <a:rPr lang="en-US" altLang="x-none" sz="1400" dirty="0">
+                <a:solidFill>
+                  <a:srgbClr val="FFCC66"/>
+                </a:solidFill>
+              </a:rPr>
+              <a:t>Insert new Contributors and Translators here including names and dates</a:t>
+            </a:r>
+          </a:p>
+          <a:p>
+            <a:pPr eaLnBrk="1" hangingPunct="1"/>
+            <a:endParaRPr lang="en-US" altLang="x-none" sz="1400" dirty="0">
+              <a:solidFill>
+                <a:srgbClr val="7575D1"/>
+              </a:solidFill>
+            </a:endParaRPr>
+          </a:p>
+          <a:p>
+            <a:pPr eaLnBrk="1" hangingPunct="1"/>
+            <a:endParaRPr lang="en-US" altLang="x-none" sz="1400" dirty="0">
+              <a:solidFill>
+                <a:srgbClr val="7575D1"/>
+              </a:solidFill>
+            </a:endParaRPr>
+          </a:p>
+          <a:p>
+            <a:pPr eaLnBrk="1" hangingPunct="1"/>
+            <a:endParaRPr lang="en-US" altLang="x-none" sz="1400" dirty="0">
+              <a:solidFill>
+                <a:srgbClr val="7575D1"/>
+              </a:solidFill>
+            </a:endParaRPr>
+          </a:p>
+          <a:p>
+            <a:pPr eaLnBrk="1" hangingPunct="1"/>
+            <a:endParaRPr lang="en-US" altLang="x-none" sz="1400" dirty="0">
+              <a:solidFill>
+                <a:srgbClr val="7575D1"/>
+              </a:solidFill>
+            </a:endParaRPr>
+          </a:p>
+          <a:p>
+            <a:pPr eaLnBrk="1" hangingPunct="1"/>
+            <a:endParaRPr lang="en-US" altLang="x-none" sz="1400" dirty="0">
+              <a:solidFill>
+                <a:srgbClr val="7575D1"/>
+              </a:solidFill>
+            </a:endParaRPr>
+          </a:p>
+          <a:p>
+            <a:pPr eaLnBrk="1" hangingPunct="1"/>
+            <a:endParaRPr lang="en-US" altLang="x-none" sz="1400" dirty="0">
+              <a:solidFill>
+                <a:srgbClr val="7575D1"/>
+              </a:solidFill>
+            </a:endParaRPr>
+          </a:p>
+          <a:p>
+            <a:pPr eaLnBrk="1" hangingPunct="1"/>
+            <a:endParaRPr lang="en-US" altLang="x-none" sz="1400" dirty="0">
+              <a:solidFill>
+                <a:srgbClr val="7575D1"/>
+              </a:solidFill>
+            </a:endParaRPr>
+          </a:p>
+        </p:txBody>
+      </p:sp>
+      <p:sp>
+        <p:nvSpPr>
+          <p:cNvPr id="9" name="TextBox 5"/>
+          <p:cNvSpPr txBox="1">
+            <a:spLocks noChangeArrowheads="1"/>
+          </p:cNvSpPr>
+          <p:nvPr/>
+        </p:nvSpPr>
+        <p:spPr bwMode="auto">
+          <a:xfrm>
+            <a:off x="6310312" y="1512888"/>
+            <a:ext cx="5257800" cy="4893647"/>
+          </a:xfrm>
+          <a:prstGeom prst="rect">
+            <a:avLst/>
+          </a:prstGeom>
+          <a:noFill/>
+          <a:ln>
+            <a:noFill/>
+          </a:ln>
+        </p:spPr>
+        <p:txBody>
+          <a:bodyPr wrap="square">
+            <a:spAutoFit/>
+          </a:bodyPr>
+          <a:lstStyle>
+            <a:lvl1pPr>
+              <a:defRPr sz="2000">
+                <a:solidFill>
+                  <a:srgbClr val="FFFFFF"/>
+                </a:solidFill>
+                <a:latin typeface="Gill Sans" charset="0"/>
+                <a:ea typeface="ヒラギノ角ゴ ProN W3" charset="-128"/>
+                <a:sym typeface="Gill Sans" charset="0"/>
+              </a:defRPr>
+            </a:lvl1pPr>
+            <a:lvl2pPr marL="742950" indent="-285750">
+              <a:defRPr sz="2000">
+                <a:solidFill>
+                  <a:srgbClr val="FFFFFF"/>
+                </a:solidFill>
+                <a:latin typeface="Gill Sans" charset="0"/>
+                <a:ea typeface="ヒラギノ角ゴ ProN W3" charset="-128"/>
+                <a:sym typeface="Gill Sans" charset="0"/>
+              </a:defRPr>
+            </a:lvl2pPr>
+            <a:lvl3pPr marL="1143000" indent="-228600">
+              <a:defRPr sz="2000">
+                <a:solidFill>
+                  <a:srgbClr val="FFFFFF"/>
+                </a:solidFill>
+                <a:latin typeface="Gill Sans" charset="0"/>
+                <a:ea typeface="ヒラギノ角ゴ ProN W3" charset="-128"/>
+                <a:sym typeface="Gill Sans" charset="0"/>
+              </a:defRPr>
+            </a:lvl3pPr>
+            <a:lvl4pPr marL="1600200" indent="-228600">
+              <a:defRPr sz="2000">
+                <a:solidFill>
+                  <a:srgbClr val="FFFFFF"/>
+                </a:solidFill>
+                <a:latin typeface="Gill Sans" charset="0"/>
+                <a:ea typeface="ヒラギノ角ゴ ProN W3" charset="-128"/>
+                <a:sym typeface="Gill Sans" charset="0"/>
+              </a:defRPr>
+            </a:lvl4pPr>
+            <a:lvl5pPr marL="2057400" indent="-228600">
+              <a:defRPr sz="2000">
+                <a:solidFill>
+                  <a:srgbClr val="FFFFFF"/>
+                </a:solidFill>
+                <a:latin typeface="Gill Sans" charset="0"/>
+                <a:ea typeface="ヒラギノ角ゴ ProN W3" charset="-128"/>
+                <a:sym typeface="Gill Sans" charset="0"/>
+              </a:defRPr>
+            </a:lvl5pPr>
+            <a:lvl6pPr marL="2514600" indent="-228600" eaLnBrk="0" fontAlgn="base" hangingPunct="0">
+              <a:spcBef>
+                <a:spcPct val="0"/>
+              </a:spcBef>
+              <a:spcAft>
+                <a:spcPct val="0"/>
+              </a:spcAft>
+              <a:defRPr sz="2000">
+                <a:solidFill>
+                  <a:srgbClr val="FFFFFF"/>
+                </a:solidFill>
+                <a:latin typeface="Gill Sans" charset="0"/>
+                <a:ea typeface="ヒラギノ角ゴ ProN W3" charset="-128"/>
+                <a:sym typeface="Gill Sans" charset="0"/>
+              </a:defRPr>
+            </a:lvl6pPr>
+            <a:lvl7pPr marL="2971800" indent="-228600" eaLnBrk="0" fontAlgn="base" hangingPunct="0">
+              <a:spcBef>
+                <a:spcPct val="0"/>
+              </a:spcBef>
+              <a:spcAft>
+                <a:spcPct val="0"/>
+              </a:spcAft>
+              <a:defRPr sz="2000">
+                <a:solidFill>
+                  <a:srgbClr val="FFFFFF"/>
+                </a:solidFill>
+                <a:latin typeface="Gill Sans" charset="0"/>
+                <a:ea typeface="ヒラギノ角ゴ ProN W3" charset="-128"/>
+                <a:sym typeface="Gill Sans" charset="0"/>
+              </a:defRPr>
+            </a:lvl7pPr>
+            <a:lvl8pPr marL="3429000" indent="-228600" eaLnBrk="0" fontAlgn="base" hangingPunct="0">
+              <a:spcBef>
+                <a:spcPct val="0"/>
+              </a:spcBef>
+              <a:spcAft>
+                <a:spcPct val="0"/>
+              </a:spcAft>
+              <a:defRPr sz="2000">
+                <a:solidFill>
+                  <a:srgbClr val="FFFFFF"/>
+                </a:solidFill>
+                <a:latin typeface="Gill Sans" charset="0"/>
+                <a:ea typeface="ヒラギノ角ゴ ProN W3" charset="-128"/>
+                <a:sym typeface="Gill Sans" charset="0"/>
+              </a:defRPr>
+            </a:lvl8pPr>
+            <a:lvl9pPr marL="3886200" indent="-228600" eaLnBrk="0" fontAlgn="base" hangingPunct="0">
+              <a:spcBef>
+                <a:spcPct val="0"/>
+              </a:spcBef>
+              <a:spcAft>
+                <a:spcPct val="0"/>
+              </a:spcAft>
+              <a:defRPr sz="2000">
+                <a:solidFill>
+                  <a:srgbClr val="FFFFFF"/>
+                </a:solidFill>
+                <a:latin typeface="Gill Sans" charset="0"/>
+                <a:ea typeface="ヒラギノ角ゴ ProN W3" charset="-128"/>
+                <a:sym typeface="Gill Sans" charset="0"/>
+              </a:defRPr>
+            </a:lvl9pPr>
+          </a:lstStyle>
+          <a:p>
+            <a:pPr algn="ctr" eaLnBrk="1" hangingPunct="1"/>
+            <a:r>
+              <a:rPr lang="en-US" altLang="x-none" sz="1200" dirty="0">
+                <a:solidFill>
+                  <a:srgbClr val="FFCC66"/>
+                </a:solidFill>
+                <a:latin typeface="Helvetica" charset="0"/>
+                <a:ea typeface="ＭＳ Ｐゴシック" charset="-128"/>
+                <a:sym typeface="Helvetica" charset="0"/>
+              </a:rPr>
+              <a:t>Continue new Contributors and Translators here</a:t>
+            </a:r>
+          </a:p>
+          <a:p>
+            <a:pPr algn="ctr" eaLnBrk="1" hangingPunct="1"/>
+            <a:endParaRPr lang="en-US" altLang="x-none" sz="1200" dirty="0">
+              <a:solidFill>
+                <a:schemeClr val="tx1"/>
+              </a:solidFill>
+              <a:latin typeface="Helvetica" charset="0"/>
+              <a:ea typeface="ＭＳ Ｐゴシック" charset="-128"/>
+              <a:sym typeface="Helvetica" charset="0"/>
+            </a:endParaRPr>
+          </a:p>
+          <a:p>
+            <a:pPr algn="ctr" eaLnBrk="1" hangingPunct="1"/>
+            <a:endParaRPr lang="en-US" altLang="x-none" sz="1200" dirty="0">
+              <a:solidFill>
+                <a:schemeClr val="tx1"/>
+              </a:solidFill>
+              <a:latin typeface="Helvetica" charset="0"/>
+              <a:ea typeface="ＭＳ Ｐゴシック" charset="-128"/>
+              <a:sym typeface="Helvetica" charset="0"/>
+            </a:endParaRPr>
+          </a:p>
+          <a:p>
+            <a:pPr algn="ctr" eaLnBrk="1" hangingPunct="1"/>
+            <a:endParaRPr lang="en-US" altLang="x-none" sz="1200" dirty="0">
+              <a:solidFill>
+                <a:schemeClr val="tx1"/>
+              </a:solidFill>
+              <a:latin typeface="Helvetica" charset="0"/>
+              <a:ea typeface="ＭＳ Ｐゴシック" charset="-128"/>
+              <a:sym typeface="Helvetica" charset="0"/>
+            </a:endParaRPr>
+          </a:p>
+          <a:p>
+            <a:pPr algn="ctr" eaLnBrk="1" hangingPunct="1"/>
+            <a:endParaRPr lang="en-US" altLang="x-none" sz="1200" dirty="0">
+              <a:solidFill>
+                <a:schemeClr val="tx1"/>
+              </a:solidFill>
+              <a:latin typeface="Helvetica" charset="0"/>
+              <a:ea typeface="ＭＳ Ｐゴシック" charset="-128"/>
+              <a:sym typeface="Helvetica" charset="0"/>
+            </a:endParaRPr>
+          </a:p>
+          <a:p>
+            <a:pPr algn="ctr" eaLnBrk="1" hangingPunct="1"/>
+            <a:endParaRPr lang="en-US" altLang="x-none" sz="1200" dirty="0">
+              <a:solidFill>
+                <a:schemeClr val="tx1"/>
+              </a:solidFill>
+              <a:latin typeface="Helvetica" charset="0"/>
+              <a:ea typeface="ＭＳ Ｐゴシック" charset="-128"/>
+              <a:sym typeface="Helvetica" charset="0"/>
+            </a:endParaRPr>
+          </a:p>
+          <a:p>
+            <a:pPr algn="ctr" eaLnBrk="1" hangingPunct="1"/>
+            <a:endParaRPr lang="en-US" altLang="x-none" sz="1200" dirty="0">
+              <a:solidFill>
+                <a:schemeClr val="tx1"/>
+              </a:solidFill>
+              <a:latin typeface="Helvetica" charset="0"/>
+              <a:ea typeface="ＭＳ Ｐゴシック" charset="-128"/>
+              <a:sym typeface="Helvetica" charset="0"/>
+            </a:endParaRPr>
+          </a:p>
+          <a:p>
+            <a:pPr algn="ctr" eaLnBrk="1" hangingPunct="1"/>
+            <a:endParaRPr lang="en-US" altLang="x-none" sz="1200" dirty="0">
+              <a:solidFill>
+                <a:schemeClr val="tx1"/>
+              </a:solidFill>
+              <a:latin typeface="Helvetica" charset="0"/>
+              <a:ea typeface="ＭＳ Ｐゴシック" charset="-128"/>
+              <a:sym typeface="Helvetica" charset="0"/>
+            </a:endParaRPr>
+          </a:p>
+          <a:p>
+            <a:pPr algn="ctr" eaLnBrk="1" hangingPunct="1"/>
+            <a:endParaRPr lang="en-US" altLang="x-none" sz="1200" dirty="0">
+              <a:solidFill>
+                <a:schemeClr val="tx1"/>
+              </a:solidFill>
+              <a:latin typeface="Helvetica" charset="0"/>
+              <a:ea typeface="ＭＳ Ｐゴシック" charset="-128"/>
+              <a:sym typeface="Helvetica" charset="0"/>
+            </a:endParaRPr>
+          </a:p>
+          <a:p>
+            <a:pPr algn="ctr" eaLnBrk="1" hangingPunct="1"/>
+            <a:endParaRPr lang="en-US" altLang="x-none" sz="1200" dirty="0">
+              <a:solidFill>
+                <a:schemeClr val="tx1"/>
+              </a:solidFill>
+              <a:latin typeface="Helvetica" charset="0"/>
+              <a:ea typeface="ＭＳ Ｐゴシック" charset="-128"/>
+              <a:sym typeface="Helvetica" charset="0"/>
+            </a:endParaRPr>
+          </a:p>
+          <a:p>
+            <a:pPr algn="ctr" eaLnBrk="1" hangingPunct="1"/>
+            <a:endParaRPr lang="en-US" altLang="x-none" sz="1200" dirty="0">
+              <a:solidFill>
+                <a:schemeClr val="tx1"/>
+              </a:solidFill>
+              <a:latin typeface="Helvetica" charset="0"/>
+              <a:ea typeface="ＭＳ Ｐゴシック" charset="-128"/>
+              <a:sym typeface="Helvetica" charset="0"/>
+            </a:endParaRPr>
+          </a:p>
+          <a:p>
+            <a:pPr algn="ctr" eaLnBrk="1" hangingPunct="1"/>
+            <a:endParaRPr lang="en-US" altLang="x-none" sz="1200" dirty="0">
+              <a:solidFill>
+                <a:schemeClr val="tx1"/>
+              </a:solidFill>
+              <a:latin typeface="Helvetica" charset="0"/>
+              <a:ea typeface="ＭＳ Ｐゴシック" charset="-128"/>
+              <a:sym typeface="Helvetica" charset="0"/>
+            </a:endParaRPr>
+          </a:p>
+          <a:p>
+            <a:pPr algn="ctr" eaLnBrk="1" hangingPunct="1"/>
+            <a:endParaRPr lang="en-US" altLang="x-none" sz="1200" dirty="0">
+              <a:solidFill>
+                <a:schemeClr val="tx1"/>
+              </a:solidFill>
+              <a:latin typeface="Helvetica" charset="0"/>
+              <a:ea typeface="ＭＳ Ｐゴシック" charset="-128"/>
+              <a:sym typeface="Helvetica" charset="0"/>
+            </a:endParaRPr>
+          </a:p>
+          <a:p>
+            <a:pPr algn="ctr" eaLnBrk="1" hangingPunct="1"/>
+            <a:endParaRPr lang="en-US" altLang="x-none" sz="1200" dirty="0">
+              <a:solidFill>
+                <a:schemeClr val="tx1"/>
+              </a:solidFill>
+              <a:latin typeface="Helvetica" charset="0"/>
+              <a:ea typeface="ＭＳ Ｐゴシック" charset="-128"/>
+              <a:sym typeface="Helvetica" charset="0"/>
+            </a:endParaRPr>
+          </a:p>
+          <a:p>
+            <a:pPr algn="ctr" eaLnBrk="1" hangingPunct="1"/>
+            <a:endParaRPr lang="en-US" altLang="x-none" sz="1200" dirty="0">
+              <a:solidFill>
+                <a:schemeClr val="tx1"/>
+              </a:solidFill>
+              <a:latin typeface="Helvetica" charset="0"/>
+              <a:ea typeface="ＭＳ Ｐゴシック" charset="-128"/>
+              <a:sym typeface="Helvetica" charset="0"/>
+            </a:endParaRPr>
+          </a:p>
+          <a:p>
+            <a:pPr algn="ctr" eaLnBrk="1" hangingPunct="1"/>
+            <a:endParaRPr lang="en-US" altLang="x-none" sz="1200" dirty="0">
+              <a:solidFill>
+                <a:schemeClr val="tx1"/>
+              </a:solidFill>
+              <a:latin typeface="Helvetica" charset="0"/>
+              <a:ea typeface="ＭＳ Ｐゴシック" charset="-128"/>
+              <a:sym typeface="Helvetica" charset="0"/>
+            </a:endParaRPr>
+          </a:p>
+          <a:p>
+            <a:pPr algn="ctr" eaLnBrk="1" hangingPunct="1"/>
+            <a:endParaRPr lang="en-US" altLang="x-none" sz="1200" dirty="0">
+              <a:solidFill>
+                <a:schemeClr val="tx1"/>
+              </a:solidFill>
+              <a:latin typeface="Helvetica" charset="0"/>
+              <a:ea typeface="ＭＳ Ｐゴシック" charset="-128"/>
+              <a:sym typeface="Helvetica" charset="0"/>
+            </a:endParaRPr>
+          </a:p>
+          <a:p>
+            <a:pPr algn="ctr" eaLnBrk="1" hangingPunct="1"/>
+            <a:endParaRPr lang="en-US" altLang="x-none" sz="1200" dirty="0">
+              <a:solidFill>
+                <a:schemeClr val="tx1"/>
+              </a:solidFill>
+              <a:latin typeface="Helvetica" charset="0"/>
+              <a:ea typeface="ＭＳ Ｐゴシック" charset="-128"/>
+              <a:sym typeface="Helvetica" charset="0"/>
+            </a:endParaRPr>
+          </a:p>
+          <a:p>
+            <a:pPr algn="ctr" eaLnBrk="1" hangingPunct="1"/>
+            <a:endParaRPr lang="en-US" altLang="x-none" sz="1200" dirty="0">
+              <a:solidFill>
+                <a:schemeClr val="tx1"/>
+              </a:solidFill>
+              <a:latin typeface="Helvetica" charset="0"/>
+              <a:ea typeface="ＭＳ Ｐゴシック" charset="-128"/>
+              <a:sym typeface="Helvetica" charset="0"/>
+            </a:endParaRPr>
+          </a:p>
+          <a:p>
+            <a:pPr algn="ctr" eaLnBrk="1" hangingPunct="1"/>
+            <a:endParaRPr lang="en-US" altLang="x-none" sz="1200" dirty="0" smtClean="0">
+              <a:solidFill>
+                <a:schemeClr val="tx1"/>
+              </a:solidFill>
+              <a:latin typeface="Helvetica" charset="0"/>
+              <a:ea typeface="ＭＳ Ｐゴシック" charset="-128"/>
+              <a:sym typeface="Helvetica" charset="0"/>
+            </a:endParaRPr>
+          </a:p>
+          <a:p>
+            <a:pPr algn="ctr" eaLnBrk="1" hangingPunct="1"/>
+            <a:endParaRPr lang="en-US" altLang="x-none" sz="1200" dirty="0">
+              <a:solidFill>
+                <a:schemeClr val="tx1"/>
+              </a:solidFill>
+              <a:latin typeface="Helvetica" charset="0"/>
+              <a:ea typeface="ＭＳ Ｐゴシック" charset="-128"/>
+              <a:sym typeface="Helvetica" charset="0"/>
+            </a:endParaRPr>
+          </a:p>
+          <a:p>
+            <a:pPr algn="ctr" eaLnBrk="1" hangingPunct="1"/>
+            <a:endParaRPr lang="en-US" altLang="x-none" sz="1200" dirty="0" smtClean="0">
+              <a:solidFill>
+                <a:schemeClr val="tx1"/>
+              </a:solidFill>
+              <a:latin typeface="Helvetica" charset="0"/>
+              <a:ea typeface="ＭＳ Ｐゴシック" charset="-128"/>
+              <a:sym typeface="Helvetica" charset="0"/>
+            </a:endParaRPr>
+          </a:p>
+          <a:p>
+            <a:pPr algn="ctr" eaLnBrk="1" hangingPunct="1"/>
+            <a:endParaRPr lang="en-US" altLang="x-none" sz="1200" dirty="0">
+              <a:solidFill>
+                <a:schemeClr val="tx1"/>
+              </a:solidFill>
+              <a:latin typeface="Helvetica" charset="0"/>
+              <a:ea typeface="ＭＳ Ｐゴシック" charset="-128"/>
+              <a:sym typeface="Helvetica" charset="0"/>
+            </a:endParaRPr>
+          </a:p>
+          <a:p>
+            <a:pPr algn="ctr" eaLnBrk="1" hangingPunct="1"/>
+            <a:endParaRPr lang="en-US" altLang="x-none" sz="1200" dirty="0" smtClean="0">
+              <a:solidFill>
+                <a:schemeClr val="tx1"/>
+              </a:solidFill>
+              <a:latin typeface="Helvetica" charset="0"/>
+              <a:ea typeface="ＭＳ Ｐゴシック" charset="-128"/>
+              <a:sym typeface="Helvetica" charset="0"/>
+            </a:endParaRPr>
+          </a:p>
+          <a:p>
+            <a:pPr algn="ctr" eaLnBrk="1" hangingPunct="1"/>
+            <a:endParaRPr lang="en-US" altLang="x-none" sz="1200" dirty="0">
+              <a:solidFill>
+                <a:schemeClr val="tx1"/>
+              </a:solidFill>
+              <a:latin typeface="Helvetica" charset="0"/>
+              <a:ea typeface="ＭＳ Ｐゴシック" charset="-128"/>
+              <a:sym typeface="Helvetica" charset="0"/>
+            </a:endParaRPr>
+          </a:p>
+          <a:p>
+            <a:pPr algn="ctr" eaLnBrk="1" hangingPunct="1"/>
+            <a:endParaRPr lang="en-US" altLang="x-none" sz="1200" dirty="0">
+              <a:solidFill>
+                <a:schemeClr val="tx1"/>
+              </a:solidFill>
+              <a:latin typeface="Helvetica" charset="0"/>
+              <a:ea typeface="ＭＳ Ｐゴシック" charset="-128"/>
+              <a:sym typeface="Helvetica" charset="0"/>
+            </a:endParaRPr>
+          </a:p>
+        </p:txBody>
+      </p:sp>
+    </p:spTree>
+    <p:extLst>
+      <p:ext uri="{BB962C8B-B14F-4D97-AF65-F5344CB8AC3E}">
+        <p14:creationId xmlns:p14="http://schemas.microsoft.com/office/powerpoint/2010/main" val="1048975579"/>
       </p:ext>
     </p:extLst>
   </p:cSld>
@@ -23649,14 +24624,14 @@
           </a:ln>
           <a:extLst>
             <a:ext uri="{909E8E84-426E-40dd-AFC4-6F175D3DCCD1}">
-              <a14:hiddenFill xmlns="" xmlns:a14="http://schemas.microsoft.com/office/drawing/2010/main">
+              <a14:hiddenFill xmlns:a14="http://schemas.microsoft.com/office/drawing/2010/main" xmlns="">
                 <a:solidFill>
                   <a:srgbClr val="FFFFFF"/>
                 </a:solidFill>
               </a14:hiddenFill>
             </a:ext>
             <a:ext uri="{91240B29-F687-4f45-9708-019B960494DF}">
-              <a14:hiddenLine xmlns="" xmlns:a14="http://schemas.microsoft.com/office/drawing/2010/main" w="12700">
+              <a14:hiddenLine xmlns:a14="http://schemas.microsoft.com/office/drawing/2010/main" xmlns="" w="12700">
                 <a:solidFill>
                   <a:srgbClr val="000000"/>
                 </a:solidFill>
@@ -23841,7 +24816,7 @@
           </a:ln>
           <a:extLst>
             <a:ext uri="{91240B29-F687-4f45-9708-019B960494DF}">
-              <a14:hiddenLine xmlns="" xmlns:a14="http://schemas.microsoft.com/office/drawing/2010/main" w="12700">
+              <a14:hiddenLine xmlns:a14="http://schemas.microsoft.com/office/drawing/2010/main" xmlns="" w="12700">
                 <a:solidFill>
                   <a:srgbClr val="000000"/>
                 </a:solidFill>
@@ -24012,7 +24987,7 @@
           </a:ln>
           <a:extLst>
             <a:ext uri="{91240B29-F687-4f45-9708-019B960494DF}">
-              <a14:hiddenLine xmlns="" xmlns:a14="http://schemas.microsoft.com/office/drawing/2010/main" w="12700">
+              <a14:hiddenLine xmlns:a14="http://schemas.microsoft.com/office/drawing/2010/main" xmlns="" w="12700">
                 <a:solidFill>
                   <a:srgbClr val="000000"/>
                 </a:solidFill>
@@ -24186,7 +25161,7 @@
           </a:ln>
           <a:extLst>
             <a:ext uri="{909E8E84-426E-40dd-AFC4-6F175D3DCCD1}">
-              <a14:hiddenFill xmlns="" xmlns:a14="http://schemas.microsoft.com/office/drawing/2010/main">
+              <a14:hiddenFill xmlns:a14="http://schemas.microsoft.com/office/drawing/2010/main" xmlns="">
                 <a:noFill/>
               </a14:hiddenFill>
             </a:ext>
@@ -24225,14 +25200,14 @@
           </a:ln>
           <a:extLst>
             <a:ext uri="{909E8E84-426E-40dd-AFC4-6F175D3DCCD1}">
-              <a14:hiddenFill xmlns="" xmlns:a14="http://schemas.microsoft.com/office/drawing/2010/main">
+              <a14:hiddenFill xmlns:a14="http://schemas.microsoft.com/office/drawing/2010/main" xmlns="">
                 <a:solidFill>
                   <a:srgbClr val="FFFFFF"/>
                 </a:solidFill>
               </a14:hiddenFill>
             </a:ext>
             <a:ext uri="{91240B29-F687-4f45-9708-019B960494DF}">
-              <a14:hiddenLine xmlns="" xmlns:a14="http://schemas.microsoft.com/office/drawing/2010/main" w="12700">
+              <a14:hiddenLine xmlns:a14="http://schemas.microsoft.com/office/drawing/2010/main" xmlns="" w="12700">
                 <a:solidFill>
                   <a:srgbClr val="000000"/>
                 </a:solidFill>
